--- a/projects/kog.040.030-background/aitcg330 - Environment Background.pptx
+++ b/projects/kog.040.030-background/aitcg330 - Environment Background.pptx
@@ -14,8 +14,8 @@
     <p:sldId id="439" r:id="rId5"/>
     <p:sldId id="440" r:id="rId6"/>
     <p:sldId id="441" r:id="rId7"/>
-    <p:sldId id="445" r:id="rId8"/>
-    <p:sldId id="446" r:id="rId9"/>
+    <p:sldId id="352" r:id="rId8"/>
+    <p:sldId id="353" r:id="rId9"/>
     <p:sldId id="444" r:id="rId10"/>
   </p:sldIdLst>
   <p:sldSz cx="12192000" cy="6858000"/>
@@ -205,7 +205,7 @@
           <a:p>
             <a:fld id="{5B0DAFD6-FAC2-42B7-869F-67A360C20BEA}" type="datetimeFigureOut">
               <a:rPr lang="en-US" smtClean="0"/>
-              <a:t>2020-03-30</a:t>
+              <a:t>11/8/2021</a:t>
             </a:fld>
             <a:endParaRPr lang="en-US"/>
           </a:p>
@@ -269,38 +269,37 @@
           <a:p>
             <a:pPr lvl="0"/>
             <a:r>
-              <a:rPr lang="en-US" smtClean="0"/>
+              <a:rPr lang="en-US"/>
               <a:t>Click to edit Master text styles</a:t>
             </a:r>
           </a:p>
           <a:p>
             <a:pPr lvl="1"/>
             <a:r>
-              <a:rPr lang="en-US" smtClean="0"/>
+              <a:rPr lang="en-US"/>
               <a:t>Second level</a:t>
             </a:r>
           </a:p>
           <a:p>
             <a:pPr lvl="2"/>
             <a:r>
-              <a:rPr lang="en-US" smtClean="0"/>
+              <a:rPr lang="en-US"/>
               <a:t>Third level</a:t>
             </a:r>
           </a:p>
           <a:p>
             <a:pPr lvl="3"/>
             <a:r>
-              <a:rPr lang="en-US" smtClean="0"/>
+              <a:rPr lang="en-US"/>
               <a:t>Fourth level</a:t>
             </a:r>
           </a:p>
           <a:p>
             <a:pPr lvl="4"/>
             <a:r>
-              <a:rPr lang="en-US" smtClean="0"/>
+              <a:rPr lang="en-US"/>
               <a:t>Fifth level</a:t>
             </a:r>
-            <a:endParaRPr lang="en-US"/>
           </a:p>
         </p:txBody>
       </p:sp>
@@ -517,10 +516,9 @@
           </a:lstStyle>
           <a:p>
             <a:r>
-              <a:rPr lang="en-US" smtClean="0"/>
+              <a:rPr lang="en-US"/>
               <a:t>Click to edit Master title style</a:t>
             </a:r>
-            <a:endParaRPr lang="en-US"/>
           </a:p>
         </p:txBody>
       </p:sp>
@@ -582,10 +580,9 @@
           </a:lstStyle>
           <a:p>
             <a:r>
-              <a:rPr lang="en-US" smtClean="0"/>
+              <a:rPr lang="en-US"/>
               <a:t>Click to edit Master subtitle style</a:t>
             </a:r>
-            <a:endParaRPr lang="en-US"/>
           </a:p>
         </p:txBody>
       </p:sp>
@@ -606,7 +603,7 @@
           <a:p>
             <a:fld id="{338A3FAA-9C6C-4F9E-8590-40D8D97A52B8}" type="datetimeFigureOut">
               <a:rPr lang="en-US" smtClean="0"/>
-              <a:t>2020-03-30</a:t>
+              <a:t>11/8/2021</a:t>
             </a:fld>
             <a:endParaRPr lang="en-US"/>
           </a:p>
@@ -700,10 +697,9 @@
           <a:lstStyle/>
           <a:p>
             <a:r>
-              <a:rPr lang="en-US" smtClean="0"/>
+              <a:rPr lang="en-US"/>
               <a:t>Click to edit Master title style</a:t>
             </a:r>
-            <a:endParaRPr lang="en-US"/>
           </a:p>
         </p:txBody>
       </p:sp>
@@ -724,38 +720,37 @@
           <a:p>
             <a:pPr lvl="0"/>
             <a:r>
-              <a:rPr lang="en-US" smtClean="0"/>
+              <a:rPr lang="en-US"/>
               <a:t>Click to edit Master text styles</a:t>
             </a:r>
           </a:p>
           <a:p>
             <a:pPr lvl="1"/>
             <a:r>
-              <a:rPr lang="en-US" smtClean="0"/>
+              <a:rPr lang="en-US"/>
               <a:t>Second level</a:t>
             </a:r>
           </a:p>
           <a:p>
             <a:pPr lvl="2"/>
             <a:r>
-              <a:rPr lang="en-US" smtClean="0"/>
+              <a:rPr lang="en-US"/>
               <a:t>Third level</a:t>
             </a:r>
           </a:p>
           <a:p>
             <a:pPr lvl="3"/>
             <a:r>
-              <a:rPr lang="en-US" smtClean="0"/>
+              <a:rPr lang="en-US"/>
               <a:t>Fourth level</a:t>
             </a:r>
           </a:p>
           <a:p>
             <a:pPr lvl="4"/>
             <a:r>
-              <a:rPr lang="en-US" smtClean="0"/>
+              <a:rPr lang="en-US"/>
               <a:t>Fifth level</a:t>
             </a:r>
-            <a:endParaRPr lang="en-US"/>
           </a:p>
         </p:txBody>
       </p:sp>
@@ -776,7 +771,7 @@
           <a:p>
             <a:fld id="{338A3FAA-9C6C-4F9E-8590-40D8D97A52B8}" type="datetimeFigureOut">
               <a:rPr lang="en-US" smtClean="0"/>
-              <a:t>2020-03-30</a:t>
+              <a:t>11/8/2021</a:t>
             </a:fld>
             <a:endParaRPr lang="en-US"/>
           </a:p>
@@ -875,10 +870,9 @@
           <a:lstStyle/>
           <a:p>
             <a:r>
-              <a:rPr lang="en-US" smtClean="0"/>
+              <a:rPr lang="en-US"/>
               <a:t>Click to edit Master title style</a:t>
             </a:r>
-            <a:endParaRPr lang="en-US"/>
           </a:p>
         </p:txBody>
       </p:sp>
@@ -904,38 +898,37 @@
           <a:p>
             <a:pPr lvl="0"/>
             <a:r>
-              <a:rPr lang="en-US" smtClean="0"/>
+              <a:rPr lang="en-US"/>
               <a:t>Click to edit Master text styles</a:t>
             </a:r>
           </a:p>
           <a:p>
             <a:pPr lvl="1"/>
             <a:r>
-              <a:rPr lang="en-US" smtClean="0"/>
+              <a:rPr lang="en-US"/>
               <a:t>Second level</a:t>
             </a:r>
           </a:p>
           <a:p>
             <a:pPr lvl="2"/>
             <a:r>
-              <a:rPr lang="en-US" smtClean="0"/>
+              <a:rPr lang="en-US"/>
               <a:t>Third level</a:t>
             </a:r>
           </a:p>
           <a:p>
             <a:pPr lvl="3"/>
             <a:r>
-              <a:rPr lang="en-US" smtClean="0"/>
+              <a:rPr lang="en-US"/>
               <a:t>Fourth level</a:t>
             </a:r>
           </a:p>
           <a:p>
             <a:pPr lvl="4"/>
             <a:r>
-              <a:rPr lang="en-US" smtClean="0"/>
+              <a:rPr lang="en-US"/>
               <a:t>Fifth level</a:t>
             </a:r>
-            <a:endParaRPr lang="en-US"/>
           </a:p>
         </p:txBody>
       </p:sp>
@@ -956,7 +949,7 @@
           <a:p>
             <a:fld id="{338A3FAA-9C6C-4F9E-8590-40D8D97A52B8}" type="datetimeFigureOut">
               <a:rPr lang="en-US" smtClean="0"/>
-              <a:t>2020-03-30</a:t>
+              <a:t>11/8/2021</a:t>
             </a:fld>
             <a:endParaRPr lang="en-US"/>
           </a:p>
@@ -1059,7 +1052,7 @@
           </a:lstStyle>
           <a:p>
             <a:r>
-              <a:rPr lang="en-US" smtClean="0"/>
+              <a:rPr lang="en-US"/>
               <a:t>Click to edit Master title style</a:t>
             </a:r>
             <a:endParaRPr lang="en-US" dirty="0"/>
@@ -1124,7 +1117,7 @@
           </a:lstStyle>
           <a:p>
             <a:r>
-              <a:rPr lang="en-US" smtClean="0"/>
+              <a:rPr lang="en-US"/>
               <a:t>Click to edit Master subtitle style</a:t>
             </a:r>
             <a:endParaRPr lang="en-US" dirty="0"/>
@@ -1177,7 +1170,7 @@
           <a:lstStyle/>
           <a:p>
             <a:r>
-              <a:rPr lang="en-US" smtClean="0"/>
+              <a:rPr lang="en-US"/>
               <a:t>Click to edit Master title style</a:t>
             </a:r>
             <a:endParaRPr lang="en-US" dirty="0"/>
@@ -1206,35 +1199,35 @@
           <a:p>
             <a:pPr lvl="0"/>
             <a:r>
-              <a:rPr lang="en-US" smtClean="0"/>
+              <a:rPr lang="en-US"/>
               <a:t>Click to edit Master text styles</a:t>
             </a:r>
           </a:p>
           <a:p>
             <a:pPr lvl="1"/>
             <a:r>
-              <a:rPr lang="en-US" smtClean="0"/>
+              <a:rPr lang="en-US"/>
               <a:t>Second level</a:t>
             </a:r>
           </a:p>
           <a:p>
             <a:pPr lvl="2"/>
             <a:r>
-              <a:rPr lang="en-US" smtClean="0"/>
+              <a:rPr lang="en-US"/>
               <a:t>Third level</a:t>
             </a:r>
           </a:p>
           <a:p>
             <a:pPr lvl="3"/>
             <a:r>
-              <a:rPr lang="en-US" smtClean="0"/>
+              <a:rPr lang="en-US"/>
               <a:t>Fourth level</a:t>
             </a:r>
           </a:p>
           <a:p>
             <a:pPr lvl="4"/>
             <a:r>
-              <a:rPr lang="en-US" smtClean="0"/>
+              <a:rPr lang="en-US"/>
               <a:t>Fifth level</a:t>
             </a:r>
             <a:endParaRPr lang="en-US" dirty="0"/>
@@ -1287,7 +1280,7 @@
           <a:lstStyle/>
           <a:p>
             <a:r>
-              <a:rPr lang="en-US" smtClean="0"/>
+              <a:rPr lang="en-US"/>
               <a:t>Click to edit Master title style</a:t>
             </a:r>
             <a:endParaRPr lang="en-US" dirty="0"/>
@@ -1373,7 +1366,7 @@
           <a:p>
             <a:pPr lvl="0"/>
             <a:r>
-              <a:rPr lang="en-US" dirty="0" smtClean="0"/>
+              <a:rPr lang="en-US" dirty="0"/>
               <a:t>Click to edit Master text styles</a:t>
             </a:r>
           </a:p>
@@ -1425,7 +1418,7 @@
           <a:lstStyle/>
           <a:p>
             <a:r>
-              <a:rPr lang="en-US" smtClean="0"/>
+              <a:rPr lang="en-US"/>
               <a:t>Click to edit Master title style</a:t>
             </a:r>
             <a:endParaRPr lang="en-US" dirty="0"/>
@@ -1456,7 +1449,7 @@
                 </a:solidFill>
               </a:rPr>
               <a:pPr/>
-              <a:t>2020-03-30</a:t>
+              <a:t>11/8/2021</a:t>
             </a:fld>
             <a:endParaRPr lang="en-US">
               <a:solidFill>
@@ -1605,10 +1598,9 @@
           <a:lstStyle/>
           <a:p>
             <a:r>
-              <a:rPr lang="en-US" smtClean="0"/>
+              <a:rPr lang="en-US"/>
               <a:t>Click to edit Master title style</a:t>
             </a:r>
-            <a:endParaRPr lang="en-US"/>
           </a:p>
         </p:txBody>
       </p:sp>
@@ -1629,38 +1621,37 @@
           <a:p>
             <a:pPr lvl="0"/>
             <a:r>
-              <a:rPr lang="en-US" smtClean="0"/>
+              <a:rPr lang="en-US"/>
               <a:t>Click to edit Master text styles</a:t>
             </a:r>
           </a:p>
           <a:p>
             <a:pPr lvl="1"/>
             <a:r>
-              <a:rPr lang="en-US" smtClean="0"/>
+              <a:rPr lang="en-US"/>
               <a:t>Second level</a:t>
             </a:r>
           </a:p>
           <a:p>
             <a:pPr lvl="2"/>
             <a:r>
-              <a:rPr lang="en-US" smtClean="0"/>
+              <a:rPr lang="en-US"/>
               <a:t>Third level</a:t>
             </a:r>
           </a:p>
           <a:p>
             <a:pPr lvl="3"/>
             <a:r>
-              <a:rPr lang="en-US" smtClean="0"/>
+              <a:rPr lang="en-US"/>
               <a:t>Fourth level</a:t>
             </a:r>
           </a:p>
           <a:p>
             <a:pPr lvl="4"/>
             <a:r>
-              <a:rPr lang="en-US" smtClean="0"/>
+              <a:rPr lang="en-US"/>
               <a:t>Fifth level</a:t>
             </a:r>
-            <a:endParaRPr lang="en-US"/>
           </a:p>
         </p:txBody>
       </p:sp>
@@ -1681,7 +1672,7 @@
           <a:p>
             <a:fld id="{338A3FAA-9C6C-4F9E-8590-40D8D97A52B8}" type="datetimeFigureOut">
               <a:rPr lang="en-US" smtClean="0"/>
-              <a:t>2020-03-30</a:t>
+              <a:t>11/8/2021</a:t>
             </a:fld>
             <a:endParaRPr lang="en-US"/>
           </a:p>
@@ -1784,10 +1775,9 @@
           </a:lstStyle>
           <a:p>
             <a:r>
-              <a:rPr lang="en-US" smtClean="0"/>
+              <a:rPr lang="en-US"/>
               <a:t>Click to edit Master title style</a:t>
             </a:r>
-            <a:endParaRPr lang="en-US"/>
           </a:p>
         </p:txBody>
       </p:sp>
@@ -1904,7 +1894,7 @@
           <a:p>
             <a:pPr lvl="0"/>
             <a:r>
-              <a:rPr lang="en-US" smtClean="0"/>
+              <a:rPr lang="en-US"/>
               <a:t>Click to edit Master text styles</a:t>
             </a:r>
           </a:p>
@@ -1927,7 +1917,7 @@
           <a:p>
             <a:fld id="{338A3FAA-9C6C-4F9E-8590-40D8D97A52B8}" type="datetimeFigureOut">
               <a:rPr lang="en-US" smtClean="0"/>
-              <a:t>2020-03-30</a:t>
+              <a:t>11/8/2021</a:t>
             </a:fld>
             <a:endParaRPr lang="en-US"/>
           </a:p>
@@ -2021,10 +2011,9 @@
           <a:lstStyle/>
           <a:p>
             <a:r>
-              <a:rPr lang="en-US" smtClean="0"/>
+              <a:rPr lang="en-US"/>
               <a:t>Click to edit Master title style</a:t>
             </a:r>
-            <a:endParaRPr lang="en-US"/>
           </a:p>
         </p:txBody>
       </p:sp>
@@ -2050,38 +2039,37 @@
           <a:p>
             <a:pPr lvl="0"/>
             <a:r>
-              <a:rPr lang="en-US" smtClean="0"/>
+              <a:rPr lang="en-US"/>
               <a:t>Click to edit Master text styles</a:t>
             </a:r>
           </a:p>
           <a:p>
             <a:pPr lvl="1"/>
             <a:r>
-              <a:rPr lang="en-US" smtClean="0"/>
+              <a:rPr lang="en-US"/>
               <a:t>Second level</a:t>
             </a:r>
           </a:p>
           <a:p>
             <a:pPr lvl="2"/>
             <a:r>
-              <a:rPr lang="en-US" smtClean="0"/>
+              <a:rPr lang="en-US"/>
               <a:t>Third level</a:t>
             </a:r>
           </a:p>
           <a:p>
             <a:pPr lvl="3"/>
             <a:r>
-              <a:rPr lang="en-US" smtClean="0"/>
+              <a:rPr lang="en-US"/>
               <a:t>Fourth level</a:t>
             </a:r>
           </a:p>
           <a:p>
             <a:pPr lvl="4"/>
             <a:r>
-              <a:rPr lang="en-US" smtClean="0"/>
+              <a:rPr lang="en-US"/>
               <a:t>Fifth level</a:t>
             </a:r>
-            <a:endParaRPr lang="en-US"/>
           </a:p>
         </p:txBody>
       </p:sp>
@@ -2107,38 +2095,37 @@
           <a:p>
             <a:pPr lvl="0"/>
             <a:r>
-              <a:rPr lang="en-US" smtClean="0"/>
+              <a:rPr lang="en-US"/>
               <a:t>Click to edit Master text styles</a:t>
             </a:r>
           </a:p>
           <a:p>
             <a:pPr lvl="1"/>
             <a:r>
-              <a:rPr lang="en-US" smtClean="0"/>
+              <a:rPr lang="en-US"/>
               <a:t>Second level</a:t>
             </a:r>
           </a:p>
           <a:p>
             <a:pPr lvl="2"/>
             <a:r>
-              <a:rPr lang="en-US" smtClean="0"/>
+              <a:rPr lang="en-US"/>
               <a:t>Third level</a:t>
             </a:r>
           </a:p>
           <a:p>
             <a:pPr lvl="3"/>
             <a:r>
-              <a:rPr lang="en-US" smtClean="0"/>
+              <a:rPr lang="en-US"/>
               <a:t>Fourth level</a:t>
             </a:r>
           </a:p>
           <a:p>
             <a:pPr lvl="4"/>
             <a:r>
-              <a:rPr lang="en-US" smtClean="0"/>
+              <a:rPr lang="en-US"/>
               <a:t>Fifth level</a:t>
             </a:r>
-            <a:endParaRPr lang="en-US"/>
           </a:p>
         </p:txBody>
       </p:sp>
@@ -2159,7 +2146,7 @@
           <a:p>
             <a:fld id="{338A3FAA-9C6C-4F9E-8590-40D8D97A52B8}" type="datetimeFigureOut">
               <a:rPr lang="en-US" smtClean="0"/>
-              <a:t>2020-03-30</a:t>
+              <a:t>11/8/2021</a:t>
             </a:fld>
             <a:endParaRPr lang="en-US"/>
           </a:p>
@@ -2258,10 +2245,9 @@
           <a:lstStyle/>
           <a:p>
             <a:r>
-              <a:rPr lang="en-US" smtClean="0"/>
+              <a:rPr lang="en-US"/>
               <a:t>Click to edit Master title style</a:t>
             </a:r>
-            <a:endParaRPr lang="en-US"/>
           </a:p>
         </p:txBody>
       </p:sp>
@@ -2324,7 +2310,7 @@
           <a:p>
             <a:pPr lvl="0"/>
             <a:r>
-              <a:rPr lang="en-US" smtClean="0"/>
+              <a:rPr lang="en-US"/>
               <a:t>Click to edit Master text styles</a:t>
             </a:r>
           </a:p>
@@ -2352,38 +2338,37 @@
           <a:p>
             <a:pPr lvl="0"/>
             <a:r>
-              <a:rPr lang="en-US" smtClean="0"/>
+              <a:rPr lang="en-US"/>
               <a:t>Click to edit Master text styles</a:t>
             </a:r>
           </a:p>
           <a:p>
             <a:pPr lvl="1"/>
             <a:r>
-              <a:rPr lang="en-US" smtClean="0"/>
+              <a:rPr lang="en-US"/>
               <a:t>Second level</a:t>
             </a:r>
           </a:p>
           <a:p>
             <a:pPr lvl="2"/>
             <a:r>
-              <a:rPr lang="en-US" smtClean="0"/>
+              <a:rPr lang="en-US"/>
               <a:t>Third level</a:t>
             </a:r>
           </a:p>
           <a:p>
             <a:pPr lvl="3"/>
             <a:r>
-              <a:rPr lang="en-US" smtClean="0"/>
+              <a:rPr lang="en-US"/>
               <a:t>Fourth level</a:t>
             </a:r>
           </a:p>
           <a:p>
             <a:pPr lvl="4"/>
             <a:r>
-              <a:rPr lang="en-US" smtClean="0"/>
+              <a:rPr lang="en-US"/>
               <a:t>Fifth level</a:t>
             </a:r>
-            <a:endParaRPr lang="en-US"/>
           </a:p>
         </p:txBody>
       </p:sp>
@@ -2446,7 +2431,7 @@
           <a:p>
             <a:pPr lvl="0"/>
             <a:r>
-              <a:rPr lang="en-US" smtClean="0"/>
+              <a:rPr lang="en-US"/>
               <a:t>Click to edit Master text styles</a:t>
             </a:r>
           </a:p>
@@ -2474,38 +2459,37 @@
           <a:p>
             <a:pPr lvl="0"/>
             <a:r>
-              <a:rPr lang="en-US" smtClean="0"/>
+              <a:rPr lang="en-US"/>
               <a:t>Click to edit Master text styles</a:t>
             </a:r>
           </a:p>
           <a:p>
             <a:pPr lvl="1"/>
             <a:r>
-              <a:rPr lang="en-US" smtClean="0"/>
+              <a:rPr lang="en-US"/>
               <a:t>Second level</a:t>
             </a:r>
           </a:p>
           <a:p>
             <a:pPr lvl="2"/>
             <a:r>
-              <a:rPr lang="en-US" smtClean="0"/>
+              <a:rPr lang="en-US"/>
               <a:t>Third level</a:t>
             </a:r>
           </a:p>
           <a:p>
             <a:pPr lvl="3"/>
             <a:r>
-              <a:rPr lang="en-US" smtClean="0"/>
+              <a:rPr lang="en-US"/>
               <a:t>Fourth level</a:t>
             </a:r>
           </a:p>
           <a:p>
             <a:pPr lvl="4"/>
             <a:r>
-              <a:rPr lang="en-US" smtClean="0"/>
+              <a:rPr lang="en-US"/>
               <a:t>Fifth level</a:t>
             </a:r>
-            <a:endParaRPr lang="en-US"/>
           </a:p>
         </p:txBody>
       </p:sp>
@@ -2526,7 +2510,7 @@
           <a:p>
             <a:fld id="{338A3FAA-9C6C-4F9E-8590-40D8D97A52B8}" type="datetimeFigureOut">
               <a:rPr lang="en-US" smtClean="0"/>
-              <a:t>2020-03-30</a:t>
+              <a:t>11/8/2021</a:t>
             </a:fld>
             <a:endParaRPr lang="en-US"/>
           </a:p>
@@ -2620,10 +2604,9 @@
           <a:lstStyle/>
           <a:p>
             <a:r>
-              <a:rPr lang="en-US" smtClean="0"/>
+              <a:rPr lang="en-US"/>
               <a:t>Click to edit Master title style</a:t>
             </a:r>
-            <a:endParaRPr lang="en-US"/>
           </a:p>
         </p:txBody>
       </p:sp>
@@ -2644,7 +2627,7 @@
           <a:p>
             <a:fld id="{338A3FAA-9C6C-4F9E-8590-40D8D97A52B8}" type="datetimeFigureOut">
               <a:rPr lang="en-US" smtClean="0"/>
-              <a:t>2020-03-30</a:t>
+              <a:t>11/8/2021</a:t>
             </a:fld>
             <a:endParaRPr lang="en-US"/>
           </a:p>
@@ -2739,7 +2722,7 @@
           <a:p>
             <a:fld id="{338A3FAA-9C6C-4F9E-8590-40D8D97A52B8}" type="datetimeFigureOut">
               <a:rPr lang="en-US" smtClean="0"/>
-              <a:t>2020-03-30</a:t>
+              <a:t>11/8/2021</a:t>
             </a:fld>
             <a:endParaRPr lang="en-US"/>
           </a:p>
@@ -2842,10 +2825,9 @@
           </a:lstStyle>
           <a:p>
             <a:r>
-              <a:rPr lang="en-US" smtClean="0"/>
+              <a:rPr lang="en-US"/>
               <a:t>Click to edit Master title style</a:t>
             </a:r>
-            <a:endParaRPr lang="en-US"/>
           </a:p>
         </p:txBody>
       </p:sp>
@@ -2899,38 +2881,37 @@
           <a:p>
             <a:pPr lvl="0"/>
             <a:r>
-              <a:rPr lang="en-US" smtClean="0"/>
+              <a:rPr lang="en-US"/>
               <a:t>Click to edit Master text styles</a:t>
             </a:r>
           </a:p>
           <a:p>
             <a:pPr lvl="1"/>
             <a:r>
-              <a:rPr lang="en-US" smtClean="0"/>
+              <a:rPr lang="en-US"/>
               <a:t>Second level</a:t>
             </a:r>
           </a:p>
           <a:p>
             <a:pPr lvl="2"/>
             <a:r>
-              <a:rPr lang="en-US" smtClean="0"/>
+              <a:rPr lang="en-US"/>
               <a:t>Third level</a:t>
             </a:r>
           </a:p>
           <a:p>
             <a:pPr lvl="3"/>
             <a:r>
-              <a:rPr lang="en-US" smtClean="0"/>
+              <a:rPr lang="en-US"/>
               <a:t>Fourth level</a:t>
             </a:r>
           </a:p>
           <a:p>
             <a:pPr lvl="4"/>
             <a:r>
-              <a:rPr lang="en-US" smtClean="0"/>
+              <a:rPr lang="en-US"/>
               <a:t>Fifth level</a:t>
             </a:r>
-            <a:endParaRPr lang="en-US"/>
           </a:p>
         </p:txBody>
       </p:sp>
@@ -2993,7 +2974,7 @@
           <a:p>
             <a:pPr lvl="0"/>
             <a:r>
-              <a:rPr lang="en-US" smtClean="0"/>
+              <a:rPr lang="en-US"/>
               <a:t>Click to edit Master text styles</a:t>
             </a:r>
           </a:p>
@@ -3016,7 +2997,7 @@
           <a:p>
             <a:fld id="{338A3FAA-9C6C-4F9E-8590-40D8D97A52B8}" type="datetimeFigureOut">
               <a:rPr lang="en-US" smtClean="0"/>
-              <a:t>2020-03-30</a:t>
+              <a:t>11/8/2021</a:t>
             </a:fld>
             <a:endParaRPr lang="en-US"/>
           </a:p>
@@ -3119,10 +3100,9 @@
           </a:lstStyle>
           <a:p>
             <a:r>
-              <a:rPr lang="en-US" smtClean="0"/>
+              <a:rPr lang="en-US"/>
               <a:t>Click to edit Master title style</a:t>
             </a:r>
-            <a:endParaRPr lang="en-US"/>
           </a:p>
         </p:txBody>
       </p:sp>
@@ -3246,7 +3226,7 @@
           <a:p>
             <a:pPr lvl="0"/>
             <a:r>
-              <a:rPr lang="en-US" smtClean="0"/>
+              <a:rPr lang="en-US"/>
               <a:t>Click to edit Master text styles</a:t>
             </a:r>
           </a:p>
@@ -3269,7 +3249,7 @@
           <a:p>
             <a:fld id="{338A3FAA-9C6C-4F9E-8590-40D8D97A52B8}" type="datetimeFigureOut">
               <a:rPr lang="en-US" smtClean="0"/>
-              <a:t>2020-03-30</a:t>
+              <a:t>11/8/2021</a:t>
             </a:fld>
             <a:endParaRPr lang="en-US"/>
           </a:p>
@@ -3378,10 +3358,9 @@
           <a:lstStyle/>
           <a:p>
             <a:r>
-              <a:rPr lang="en-US" noProof="0" dirty="0" smtClean="0"/>
+              <a:rPr lang="en-US" noProof="0" dirty="0"/>
               <a:t>Click to edit Master title style</a:t>
             </a:r>
-            <a:endParaRPr lang="en-US" noProof="0" dirty="0"/>
           </a:p>
         </p:txBody>
       </p:sp>
@@ -3412,38 +3391,37 @@
           <a:p>
             <a:pPr lvl="0"/>
             <a:r>
-              <a:rPr lang="en-US" noProof="0" dirty="0" smtClean="0"/>
+              <a:rPr lang="en-US" noProof="0" dirty="0"/>
               <a:t>Click to edit Master text styles</a:t>
             </a:r>
           </a:p>
           <a:p>
             <a:pPr lvl="1"/>
             <a:r>
-              <a:rPr lang="en-US" noProof="0" dirty="0" smtClean="0"/>
+              <a:rPr lang="en-US" noProof="0" dirty="0"/>
               <a:t>Second level</a:t>
             </a:r>
           </a:p>
           <a:p>
             <a:pPr lvl="2"/>
             <a:r>
-              <a:rPr lang="en-US" noProof="0" dirty="0" smtClean="0"/>
+              <a:rPr lang="en-US" noProof="0" dirty="0"/>
               <a:t>Third level</a:t>
             </a:r>
           </a:p>
           <a:p>
             <a:pPr lvl="3"/>
             <a:r>
-              <a:rPr lang="en-US" noProof="0" dirty="0" smtClean="0"/>
+              <a:rPr lang="en-US" noProof="0" dirty="0"/>
               <a:t>Fourth level</a:t>
             </a:r>
           </a:p>
           <a:p>
             <a:pPr lvl="4"/>
             <a:r>
-              <a:rPr lang="en-US" noProof="0" dirty="0" smtClean="0"/>
+              <a:rPr lang="en-US" noProof="0" dirty="0"/>
               <a:t>Fifth level</a:t>
             </a:r>
-            <a:endParaRPr lang="en-US" noProof="0" dirty="0"/>
           </a:p>
         </p:txBody>
       </p:sp>
@@ -3482,7 +3460,7 @@
           <a:p>
             <a:fld id="{338A3FAA-9C6C-4F9E-8590-40D8D97A52B8}" type="datetimeFigureOut">
               <a:rPr lang="en-US" smtClean="0"/>
-              <a:t>2020-03-30</a:t>
+              <a:t>11/8/2021</a:t>
             </a:fld>
             <a:endParaRPr lang="en-US"/>
           </a:p>
@@ -3918,7 +3896,7 @@
           <a:lstStyle/>
           <a:p>
             <a:r>
-              <a:rPr lang="en-US" smtClean="0"/>
+              <a:rPr lang="en-US"/>
               <a:t>Click to edit Master title style</a:t>
             </a:r>
             <a:endParaRPr lang="en-US" dirty="0"/>
@@ -3952,35 +3930,35 @@
           <a:p>
             <a:pPr lvl="0"/>
             <a:r>
-              <a:rPr lang="en-US" smtClean="0"/>
+              <a:rPr lang="en-US"/>
               <a:t>Click to edit Master text styles</a:t>
             </a:r>
           </a:p>
           <a:p>
             <a:pPr lvl="1"/>
             <a:r>
-              <a:rPr lang="en-US" smtClean="0"/>
+              <a:rPr lang="en-US"/>
               <a:t>Second level</a:t>
             </a:r>
           </a:p>
           <a:p>
             <a:pPr lvl="2"/>
             <a:r>
-              <a:rPr lang="en-US" smtClean="0"/>
+              <a:rPr lang="en-US"/>
               <a:t>Third level</a:t>
             </a:r>
           </a:p>
           <a:p>
             <a:pPr lvl="3"/>
             <a:r>
-              <a:rPr lang="en-US" smtClean="0"/>
+              <a:rPr lang="en-US"/>
               <a:t>Fourth level</a:t>
             </a:r>
           </a:p>
           <a:p>
             <a:pPr lvl="4"/>
             <a:r>
-              <a:rPr lang="en-US" smtClean="0"/>
+              <a:rPr lang="en-US"/>
               <a:t>Fifth level</a:t>
             </a:r>
             <a:endParaRPr lang="en-US" dirty="0"/>
@@ -4030,7 +4008,7 @@
                 </a:solidFill>
               </a:rPr>
               <a:pPr/>
-              <a:t>2020-03-30</a:t>
+              <a:t>11/8/2021</a:t>
             </a:fld>
             <a:endParaRPr lang="en-US">
               <a:solidFill>
@@ -4474,22 +4452,18 @@
           <a:lstStyle/>
           <a:p>
             <a:r>
-              <a:rPr lang="en-US" dirty="0" smtClean="0">
+              <a:rPr lang="en-US" dirty="0">
                 <a:solidFill>
                   <a:srgbClr val="C00000"/>
                 </a:solidFill>
               </a:rPr>
               <a:t>Computer Graphics</a:t>
             </a:r>
-            <a:r>
-              <a:rPr lang="en-US" dirty="0" smtClean="0"/>
-              <a:t/>
-            </a:r>
             <a:br>
-              <a:rPr lang="en-US" dirty="0" smtClean="0"/>
+              <a:rPr lang="en-US" dirty="0"/>
             </a:br>
             <a:r>
-              <a:rPr lang="hu-HU" dirty="0" smtClean="0"/>
+              <a:rPr lang="hu-HU" dirty="0"/>
               <a:t>Environment Background</a:t>
             </a:r>
             <a:endParaRPr lang="en-US" dirty="0"/>
@@ -4512,24 +4486,23 @@
           <a:lstStyle/>
           <a:p>
             <a:r>
-              <a:rPr lang="hu-HU" dirty="0" smtClean="0"/>
+              <a:rPr lang="hu-HU" dirty="0"/>
               <a:t>László Szécsi  </a:t>
             </a:r>
             <a:r>
-              <a:rPr lang="en-US" altLang="en-US" dirty="0" err="1" smtClean="0"/>
+              <a:rPr lang="en-US" altLang="en-US" dirty="0" err="1"/>
               <a:t>szecsi</a:t>
             </a:r>
             <a:r>
-              <a:rPr lang="hu-HU" altLang="en-US" dirty="0" smtClean="0"/>
+              <a:rPr lang="hu-HU" altLang="en-US" dirty="0"/>
               <a:t>@iit.bme.hu</a:t>
             </a:r>
           </a:p>
           <a:p>
             <a:r>
-              <a:rPr lang="hu-HU" altLang="en-US" dirty="0" smtClean="0"/>
+              <a:rPr lang="hu-HU" altLang="en-US" dirty="0"/>
               <a:t>AIT</a:t>
             </a:r>
-            <a:endParaRPr lang="hu-HU" altLang="en-US" dirty="0"/>
           </a:p>
         </p:txBody>
       </p:sp>
@@ -4543,13 +4516,6 @@
   <p:clrMapOvr>
     <a:masterClrMapping/>
   </p:clrMapOvr>
-  <p:timing>
-    <p:tnLst>
-      <p:par>
-        <p:cTn id="1" dur="indefinite" restart="never" nodeType="tmRoot"/>
-      </p:par>
-    </p:tnLst>
-  </p:timing>
 </p:sld>
 </file>
 
@@ -4586,10 +4552,9 @@
           <a:lstStyle/>
           <a:p>
             <a:r>
-              <a:rPr lang="en-US" dirty="0" smtClean="0"/>
+              <a:rPr lang="en-US" dirty="0"/>
               <a:t>Compute ray direction</a:t>
             </a:r>
-            <a:endParaRPr lang="en-US" dirty="0"/>
           </a:p>
         </p:txBody>
       </p:sp>
@@ -4623,25 +4588,8 @@
                 <a:ea typeface="Calibri" panose="020F0502020204030204" pitchFamily="34" charset="0"/>
                 <a:cs typeface="Times New Roman" panose="02020603050405020304" pitchFamily="18" charset="0"/>
               </a:rPr>
-              <a:t>ray from eye through pixel in world space, which is, normalized</a:t>
-            </a:r>
-            <a:r>
-              <a:rPr lang="en-US" dirty="0" smtClean="0">
-                <a:solidFill>
-                  <a:srgbClr val="000000"/>
-                </a:solidFill>
-                <a:ea typeface="Calibri" panose="020F0502020204030204" pitchFamily="34" charset="0"/>
-                <a:cs typeface="Times New Roman" panose="02020603050405020304" pitchFamily="18" charset="0"/>
-              </a:rPr>
-              <a:t>, the</a:t>
-            </a:r>
-            <a:endParaRPr lang="en-US" dirty="0">
-              <a:solidFill>
-                <a:srgbClr val="000000"/>
-              </a:solidFill>
-              <a:ea typeface="Calibri" panose="020F0502020204030204" pitchFamily="34" charset="0"/>
-              <a:cs typeface="Times New Roman" panose="02020603050405020304" pitchFamily="18" charset="0"/>
-            </a:endParaRPr>
+              <a:t>ray from eye through pixel in world space, which is, normalized, the</a:t>
+            </a:r>
           </a:p>
           <a:p>
             <a:pPr>
@@ -4657,25 +4605,8 @@
                 <a:ea typeface="Calibri" panose="020F0502020204030204" pitchFamily="34" charset="0"/>
                 <a:cs typeface="Times New Roman" panose="02020603050405020304" pitchFamily="18" charset="0"/>
               </a:rPr>
-              <a:t>vector from eye to pixel, which is, interpolated</a:t>
-            </a:r>
-            <a:r>
-              <a:rPr lang="en-US" dirty="0" smtClean="0">
-                <a:solidFill>
-                  <a:srgbClr val="000000"/>
-                </a:solidFill>
-                <a:ea typeface="Calibri" panose="020F0502020204030204" pitchFamily="34" charset="0"/>
-                <a:cs typeface="Times New Roman" panose="02020603050405020304" pitchFamily="18" charset="0"/>
-              </a:rPr>
-              <a:t>, the</a:t>
-            </a:r>
-            <a:endParaRPr lang="en-US" dirty="0">
-              <a:solidFill>
-                <a:srgbClr val="000000"/>
-              </a:solidFill>
-              <a:ea typeface="Calibri" panose="020F0502020204030204" pitchFamily="34" charset="0"/>
-              <a:cs typeface="Times New Roman" panose="02020603050405020304" pitchFamily="18" charset="0"/>
-            </a:endParaRPr>
+              <a:t>vector from eye to pixel, which is, interpolated, the</a:t>
+            </a:r>
           </a:p>
           <a:p>
             <a:pPr>
@@ -4691,25 +4622,8 @@
                 <a:ea typeface="Calibri" panose="020F0502020204030204" pitchFamily="34" charset="0"/>
                 <a:cs typeface="Times New Roman" panose="02020603050405020304" pitchFamily="18" charset="0"/>
               </a:rPr>
-              <a:t>vector </a:t>
-            </a:r>
-            <a:r>
-              <a:rPr lang="en-US" dirty="0" smtClean="0">
-                <a:solidFill>
-                  <a:srgbClr val="000000"/>
-                </a:solidFill>
-                <a:ea typeface="Calibri" panose="020F0502020204030204" pitchFamily="34" charset="0"/>
-                <a:cs typeface="Times New Roman" panose="02020603050405020304" pitchFamily="18" charset="0"/>
-              </a:rPr>
-              <a:t>from eye to vertex of full-viewport quad, which can be computed using a matrix</a:t>
-            </a:r>
-            <a:endParaRPr lang="en-US" dirty="0">
-              <a:solidFill>
-                <a:srgbClr val="000000"/>
-              </a:solidFill>
-              <a:ea typeface="Calibri" panose="020F0502020204030204" pitchFamily="34" charset="0"/>
-              <a:cs typeface="Times New Roman" panose="02020603050405020304" pitchFamily="18" charset="0"/>
-            </a:endParaRPr>
+              <a:t>vector from eye to vertex of full-viewport quad, which can be computed using a matrix</a:t>
+            </a:r>
           </a:p>
         </p:txBody>
       </p:sp>
@@ -4723,13 +4637,6 @@
   <p:clrMapOvr>
     <a:masterClrMapping/>
   </p:clrMapOvr>
-  <p:timing>
-    <p:tnLst>
-      <p:par>
-        <p:cTn id="1" dur="indefinite" restart="never" nodeType="tmRoot"/>
-      </p:par>
-    </p:tnLst>
-  </p:timing>
 </p:sld>
 </file>
 
@@ -4766,19 +4673,19 @@
           <a:lstStyle/>
           <a:p>
             <a:r>
-              <a:rPr lang="en-US" dirty="0" smtClean="0"/>
+              <a:rPr lang="en-US" dirty="0"/>
               <a:t>Ray direction from</a:t>
             </a:r>
             <a:r>
-              <a:rPr lang="hu-HU" dirty="0" smtClean="0"/>
+              <a:rPr lang="hu-HU" dirty="0"/>
               <a:t> </a:t>
             </a:r>
             <a:r>
-              <a:rPr lang="en-US" dirty="0" smtClean="0"/>
+              <a:rPr lang="en-US" dirty="0"/>
               <a:t>normalized device </a:t>
             </a:r>
             <a:r>
-              <a:rPr lang="en-US" dirty="0" err="1" smtClean="0"/>
+              <a:rPr lang="en-US" dirty="0" err="1"/>
               <a:t>coords</a:t>
             </a:r>
             <a:endParaRPr lang="en-US" dirty="0"/>
@@ -4857,26 +4764,23 @@
               <a:t> </a:t>
             </a:r>
             <a:r>
-              <a:rPr lang="en-US" dirty="0" smtClean="0">
+              <a:rPr lang="en-US" dirty="0">
                 <a:latin typeface="Whipsmart" panose="020B0502030203050204" pitchFamily="34" charset="0"/>
               </a:rPr>
               <a:t>is henceforth called </a:t>
             </a:r>
             <a:r>
-              <a:rPr lang="en-US" u="sng" dirty="0" smtClean="0">
+              <a:rPr lang="en-US" u="sng" dirty="0">
                 <a:latin typeface="Whipsmart" panose="020B0502030203050204" pitchFamily="34" charset="0"/>
               </a:rPr>
               <a:t>ray</a:t>
             </a:r>
             <a:r>
-              <a:rPr lang="hu-HU" u="sng" dirty="0" smtClean="0">
+              <a:rPr lang="hu-HU" u="sng" dirty="0">
                 <a:latin typeface="Whipsmart" panose="020B0502030203050204" pitchFamily="34" charset="0"/>
               </a:rPr>
               <a:t>DirMatrix</a:t>
             </a:r>
-            <a:endParaRPr lang="hu-HU" u="sng" dirty="0">
-              <a:latin typeface="Whipsmart" panose="020B0502030203050204" pitchFamily="34" charset="0"/>
-            </a:endParaRPr>
           </a:p>
         </p:txBody>
       </p:sp>
@@ -5107,7 +5011,7 @@
           <a:lstStyle/>
           <a:p>
             <a:r>
-              <a:rPr lang="en-US" dirty="0" smtClean="0">
+              <a:rPr lang="en-US" dirty="0">
                 <a:solidFill>
                   <a:srgbClr val="00B050"/>
                 </a:solidFill>
@@ -5116,7 +5020,7 @@
               <a:t>a property of </a:t>
             </a:r>
             <a:r>
-              <a:rPr lang="en-US" dirty="0" err="1" smtClean="0">
+              <a:rPr lang="en-US" dirty="0" err="1">
                 <a:solidFill>
                   <a:srgbClr val="00B050"/>
                 </a:solidFill>
@@ -5125,7 +5029,7 @@
               </a:rPr>
               <a:t>PerspectiveCamera</a:t>
             </a:r>
-            <a:endParaRPr lang="en-US" dirty="0" smtClean="0">
+            <a:endParaRPr lang="en-US" dirty="0">
               <a:solidFill>
                 <a:srgbClr val="00B050"/>
               </a:solidFill>
@@ -5145,7 +5049,7 @@
               <a:t>PerspectiveCamera#update</a:t>
             </a:r>
             <a:r>
-              <a:rPr lang="en-US" dirty="0" smtClean="0">
+              <a:rPr lang="en-US" dirty="0">
                 <a:solidFill>
                   <a:srgbClr val="00B050"/>
                 </a:solidFill>
@@ -5156,7 +5060,7 @@
           </a:p>
           <a:p>
             <a:r>
-              <a:rPr lang="en-US" dirty="0" smtClean="0">
+              <a:rPr lang="en-US" dirty="0">
                 <a:solidFill>
                   <a:srgbClr val="00B050"/>
                 </a:solidFill>
@@ -5846,10 +5750,9 @@
           <a:lstStyle/>
           <a:p>
             <a:r>
-              <a:rPr lang="en-US" dirty="0" smtClean="0"/>
+              <a:rPr lang="en-US" dirty="0"/>
               <a:t>Display environment as a background</a:t>
             </a:r>
-            <a:endParaRPr lang="en-US" dirty="0"/>
           </a:p>
         </p:txBody>
       </p:sp>
@@ -5871,21 +5774,21 @@
           <a:lstStyle/>
           <a:p>
             <a:r>
-              <a:rPr lang="en-US" dirty="0" smtClean="0"/>
+              <a:rPr lang="en-US" dirty="0"/>
               <a:t>draw full viewport quad (hurray!)</a:t>
             </a:r>
           </a:p>
           <a:p>
             <a:r>
-              <a:rPr lang="en-US" dirty="0" smtClean="0"/>
+              <a:rPr lang="en-US" dirty="0"/>
               <a:t>new</a:t>
             </a:r>
             <a:r>
-              <a:rPr lang="hu-HU" dirty="0" smtClean="0"/>
+              <a:rPr lang="hu-HU" dirty="0"/>
               <a:t> </a:t>
             </a:r>
             <a:r>
-              <a:rPr lang="en-US" dirty="0" smtClean="0"/>
+              <a:rPr lang="en-US" dirty="0"/>
               <a:t>VS</a:t>
             </a:r>
             <a:r>
@@ -5893,130 +5796,114 @@
               <a:t>:</a:t>
             </a:r>
             <a:r>
-              <a:rPr lang="en-US" dirty="0" smtClean="0"/>
+              <a:rPr lang="en-US" dirty="0"/>
               <a:t> computes ray direction</a:t>
             </a:r>
           </a:p>
           <a:p>
             <a:pPr lvl="1"/>
             <a:r>
-              <a:rPr lang="en-US" dirty="0" smtClean="0"/>
-              <a:t>must take matrix that computes </a:t>
-            </a:r>
-            <a:r>
-              <a:rPr lang="en-US" dirty="0" smtClean="0"/>
-              <a:t>world-space-c</a:t>
-            </a:r>
-            <a:r>
-              <a:rPr lang="hu-HU" dirty="0" smtClean="0"/>
+              <a:rPr lang="en-US" dirty="0"/>
+              <a:t>must take matrix that computes world-space-c</a:t>
+            </a:r>
+            <a:r>
+              <a:rPr lang="hu-HU" dirty="0"/>
               <a:t>o</a:t>
             </a:r>
             <a:r>
-              <a:rPr lang="en-US" dirty="0" err="1" smtClean="0"/>
+              <a:rPr lang="en-US" dirty="0" err="1"/>
               <a:t>ords</a:t>
             </a:r>
             <a:r>
-              <a:rPr lang="en-US" dirty="0" smtClean="0"/>
-              <a:t>-minus-eye-position </a:t>
-            </a:r>
-            <a:r>
-              <a:rPr lang="en-US" dirty="0" smtClean="0"/>
-              <a:t>from </a:t>
-            </a:r>
-            <a:r>
-              <a:rPr lang="en-US" dirty="0" err="1" smtClean="0"/>
+              <a:rPr lang="en-US" dirty="0"/>
+              <a:t>-minus-eye-position from </a:t>
+            </a:r>
+            <a:r>
+              <a:rPr lang="en-US" dirty="0" err="1"/>
               <a:t>ndc</a:t>
             </a:r>
             <a:r>
-              <a:rPr lang="hu-HU" dirty="0" smtClean="0"/>
+              <a:rPr lang="hu-HU" dirty="0"/>
               <a:t> </a:t>
             </a:r>
             <a:r>
-              <a:rPr lang="en-US" dirty="0" smtClean="0"/>
+              <a:rPr lang="en-US" dirty="0"/>
               <a:t>(a.k.a. </a:t>
             </a:r>
             <a:r>
-              <a:rPr lang="en-US" dirty="0" smtClean="0">
+              <a:rPr lang="en-US" dirty="0">
                 <a:latin typeface="Consolas" panose="020B0609020204030204" pitchFamily="49" charset="0"/>
               </a:rPr>
               <a:t>camera.</a:t>
             </a:r>
             <a:r>
-              <a:rPr lang="hu-HU" dirty="0" smtClean="0">
+              <a:rPr lang="hu-HU" dirty="0">
                 <a:latin typeface="Consolas" panose="020B0609020204030204" pitchFamily="49" charset="0"/>
               </a:rPr>
               <a:t>ray</a:t>
             </a:r>
             <a:r>
-              <a:rPr lang="en-US" dirty="0" err="1" smtClean="0">
+              <a:rPr lang="en-US" dirty="0" err="1">
                 <a:latin typeface="Consolas" panose="020B0609020204030204" pitchFamily="49" charset="0"/>
               </a:rPr>
               <a:t>DirMatrix</a:t>
             </a:r>
             <a:r>
-              <a:rPr lang="en-US" dirty="0" smtClean="0"/>
+              <a:rPr lang="en-US" dirty="0"/>
               <a:t>)</a:t>
             </a:r>
           </a:p>
           <a:p>
             <a:pPr lvl="2"/>
             <a:r>
-              <a:rPr lang="en-US" b="1" dirty="0" smtClean="0">
+              <a:rPr lang="en-US" b="1" dirty="0">
                 <a:solidFill>
                   <a:srgbClr val="00B050"/>
                 </a:solidFill>
               </a:rPr>
-              <a:t>camera must compute this </a:t>
-            </a:r>
-            <a:r>
-              <a:rPr lang="en-US" b="1" dirty="0" smtClean="0">
+              <a:t>camera must compute this matrix</a:t>
+            </a:r>
+            <a:r>
+              <a:rPr lang="hu-HU" b="1" dirty="0">
                 <a:solidFill>
                   <a:srgbClr val="00B050"/>
                 </a:solidFill>
               </a:rPr>
-              <a:t>matrix</a:t>
-            </a:r>
-            <a:r>
-              <a:rPr lang="hu-HU" b="1" dirty="0" smtClean="0">
+              <a:t> </a:t>
+            </a:r>
+            <a:r>
+              <a:rPr lang="hu-HU" b="1" dirty="0" err="1">
                 <a:solidFill>
                   <a:srgbClr val="00B050"/>
                 </a:solidFill>
               </a:rPr>
+              <a:t>in</a:t>
+            </a:r>
+            <a:r>
+              <a:rPr lang="hu-HU" b="1" dirty="0">
+                <a:solidFill>
+                  <a:srgbClr val="00B050"/>
+                </a:solidFill>
+              </a:rPr>
               <a:t> </a:t>
             </a:r>
             <a:r>
-              <a:rPr lang="hu-HU" b="1" dirty="0" err="1" smtClean="0">
+              <a:rPr lang="hu-HU" b="1" dirty="0" err="1">
                 <a:solidFill>
                   <a:srgbClr val="00B050"/>
                 </a:solidFill>
               </a:rPr>
-              <a:t>in</a:t>
-            </a:r>
-            <a:r>
-              <a:rPr lang="hu-HU" b="1" dirty="0" smtClean="0">
+              <a:t>PerspectiveCamera</a:t>
+            </a:r>
+            <a:r>
+              <a:rPr lang="en-US" b="1" dirty="0">
                 <a:solidFill>
                   <a:srgbClr val="00B050"/>
                 </a:solidFill>
               </a:rPr>
-              <a:t> </a:t>
-            </a:r>
-            <a:r>
-              <a:rPr lang="hu-HU" b="1" dirty="0" err="1" smtClean="0">
-                <a:solidFill>
-                  <a:srgbClr val="00B050"/>
-                </a:solidFill>
-              </a:rPr>
-              <a:t>PerspectiveCamera</a:t>
-            </a:r>
-            <a:r>
-              <a:rPr lang="en-US" b="1" dirty="0" smtClean="0">
-                <a:solidFill>
-                  <a:srgbClr val="00B050"/>
-                </a:solidFill>
-              </a:rPr>
               <a:t>#update</a:t>
             </a:r>
-            <a:endParaRPr lang="hu-HU" b="1" dirty="0" smtClean="0">
+            <a:endParaRPr lang="hu-HU" b="1" dirty="0">
               <a:solidFill>
                 <a:srgbClr val="00B050"/>
               </a:solidFill>
@@ -6025,54 +5912,53 @@
           <a:p>
             <a:pPr lvl="1"/>
             <a:r>
-              <a:rPr lang="en-US" dirty="0" smtClean="0"/>
+              <a:rPr lang="en-US" dirty="0"/>
               <a:t>does no transformation</a:t>
             </a:r>
             <a:r>
-              <a:rPr lang="hu-HU" dirty="0" smtClean="0"/>
+              <a:rPr lang="hu-HU" dirty="0"/>
               <a:t> (</a:t>
             </a:r>
             <a:r>
-              <a:rPr lang="en-US" dirty="0" smtClean="0"/>
+              <a:rPr lang="en-US" dirty="0"/>
               <a:t>being a full</a:t>
             </a:r>
             <a:r>
-              <a:rPr lang="hu-HU" dirty="0" smtClean="0"/>
+              <a:rPr lang="hu-HU" dirty="0"/>
               <a:t> viewport quad)</a:t>
             </a:r>
           </a:p>
           <a:p>
             <a:pPr lvl="1"/>
             <a:r>
-              <a:rPr lang="hu-HU" dirty="0" smtClean="0"/>
+              <a:rPr lang="hu-HU" dirty="0"/>
               <a:t>z</a:t>
             </a:r>
             <a:r>
-              <a:rPr lang="en-US" dirty="0" smtClean="0"/>
+              <a:rPr lang="en-US" dirty="0"/>
               <a:t>=0.99999, behind everything</a:t>
             </a:r>
           </a:p>
           <a:p>
             <a:r>
-              <a:rPr lang="en-US" dirty="0" smtClean="0"/>
+              <a:rPr lang="en-US" dirty="0"/>
               <a:t>FS gets ray direction from VS</a:t>
             </a:r>
           </a:p>
           <a:p>
             <a:pPr lvl="1"/>
             <a:r>
-              <a:rPr lang="en-US" dirty="0" smtClean="0"/>
+              <a:rPr lang="en-US" dirty="0"/>
               <a:t>addresses cube texture</a:t>
             </a:r>
-            <a:endParaRPr lang="hu-HU" dirty="0" smtClean="0"/>
+            <a:endParaRPr lang="hu-HU" dirty="0"/>
           </a:p>
           <a:p>
             <a:pPr lvl="1"/>
             <a:r>
-              <a:rPr lang="en-US" dirty="0" smtClean="0"/>
+              <a:rPr lang="en-US" dirty="0"/>
               <a:t>returns color from texture</a:t>
             </a:r>
-            <a:endParaRPr lang="en-US" dirty="0"/>
           </a:p>
         </p:txBody>
       </p:sp>
@@ -6099,7 +5985,7 @@
           <a:lstStyle/>
           <a:p>
             <a:r>
-              <a:rPr lang="en-US" sz="20000" dirty="0" smtClean="0">
+              <a:rPr lang="en-US" sz="20000" dirty="0">
                 <a:solidFill>
                   <a:srgbClr val="00B050"/>
                 </a:solidFill>
@@ -6107,12 +5993,6 @@
               </a:rPr>
               <a:t>.</a:t>
             </a:r>
-            <a:endParaRPr lang="en-US" sz="20000" dirty="0">
-              <a:solidFill>
-                <a:srgbClr val="00B050"/>
-              </a:solidFill>
-              <a:latin typeface="Whipsmart" panose="020B0502030203050204" pitchFamily="34" charset="0"/>
-            </a:endParaRPr>
           </a:p>
         </p:txBody>
       </p:sp>
@@ -6126,13 +6006,6 @@
   <p:clrMapOvr>
     <a:masterClrMapping/>
   </p:clrMapOvr>
-  <p:timing>
-    <p:tnLst>
-      <p:par>
-        <p:cTn id="1" dur="indefinite" restart="never" nodeType="tmRoot"/>
-      </p:par>
-    </p:tnLst>
-  </p:timing>
 </p:sld>
 </file>
 
@@ -6169,10 +6042,9 @@
           <a:lstStyle/>
           <a:p>
             <a:r>
-              <a:rPr lang="en-US" dirty="0" smtClean="0"/>
+              <a:rPr lang="en-US" dirty="0"/>
               <a:t>Cube texture</a:t>
             </a:r>
-            <a:endParaRPr lang="en-US" dirty="0"/>
           </a:p>
         </p:txBody>
       </p:sp>
@@ -6192,68 +6064,68 @@
           <a:lstStyle/>
           <a:p>
             <a:r>
-              <a:rPr lang="en-US" dirty="0" smtClean="0"/>
+              <a:rPr lang="en-US" dirty="0"/>
               <a:t>need a uniform in</a:t>
             </a:r>
             <a:r>
-              <a:rPr lang="hu-HU" dirty="0" smtClean="0"/>
+              <a:rPr lang="hu-HU" dirty="0"/>
               <a:t> FS</a:t>
             </a:r>
-            <a:endParaRPr lang="en-US" dirty="0" smtClean="0"/>
-          </a:p>
-          <a:p>
             <a:endParaRPr lang="en-US" dirty="0"/>
           </a:p>
           <a:p>
-            <a:endParaRPr lang="en-US" dirty="0" smtClean="0"/>
-          </a:p>
-          <a:p>
             <a:endParaRPr lang="en-US" dirty="0"/>
           </a:p>
           <a:p>
-            <a:r>
-              <a:rPr lang="en-US" sz="2400" dirty="0" smtClean="0">
+            <a:endParaRPr lang="en-US" dirty="0"/>
+          </a:p>
+          <a:p>
+            <a:endParaRPr lang="en-US" dirty="0"/>
+          </a:p>
+          <a:p>
+            <a:r>
+              <a:rPr lang="en-US" sz="2400" dirty="0">
                 <a:latin typeface="Consolas" panose="020B0609020204030204" pitchFamily="49" charset="0"/>
                 <a:cs typeface="Consolas" panose="020B0609020204030204" pitchFamily="49" charset="0"/>
               </a:rPr>
               <a:t>in Scene </a:t>
             </a:r>
             <a:r>
-              <a:rPr lang="en-US" dirty="0" smtClean="0"/>
+              <a:rPr lang="en-US" dirty="0"/>
               <a:t>create </a:t>
             </a:r>
             <a:r>
-              <a:rPr lang="en-US" sz="2400" dirty="0" err="1" smtClean="0">
+              <a:rPr lang="en-US" sz="2400" dirty="0" err="1">
                 <a:latin typeface="Consolas" panose="020B0609020204030204" pitchFamily="49" charset="0"/>
                 <a:cs typeface="Consolas" panose="020B0609020204030204" pitchFamily="49" charset="0"/>
               </a:rPr>
               <a:t>TextureCube</a:t>
             </a:r>
             <a:r>
-              <a:rPr lang="hu-HU" dirty="0" smtClean="0"/>
+              <a:rPr lang="hu-HU" dirty="0"/>
               <a:t>, </a:t>
             </a:r>
             <a:r>
-              <a:rPr lang="en-US" dirty="0" smtClean="0"/>
+              <a:rPr lang="en-US" dirty="0"/>
               <a:t>pass it to the</a:t>
             </a:r>
             <a:r>
-              <a:rPr lang="hu-HU" dirty="0" smtClean="0"/>
+              <a:rPr lang="hu-HU" dirty="0"/>
               <a:t> FS</a:t>
             </a:r>
             <a:r>
-              <a:rPr lang="en-US" dirty="0" smtClean="0"/>
+              <a:rPr lang="en-US" dirty="0"/>
               <a:t> through its </a:t>
             </a:r>
             <a:r>
-              <a:rPr lang="en-US" sz="2400" dirty="0" smtClean="0">
+              <a:rPr lang="en-US" sz="2400" dirty="0">
                 <a:latin typeface="Consolas" panose="020B0609020204030204" pitchFamily="49" charset="0"/>
                 <a:cs typeface="Consolas" panose="020B0609020204030204" pitchFamily="49" charset="0"/>
               </a:rPr>
               <a:t>Material</a:t>
             </a:r>
             <a:r>
-              <a:rPr lang="en-US" dirty="0" smtClean="0"/>
+              <a:rPr lang="en-US" dirty="0"/>
               <a:t>, with a </a:t>
             </a:r>
             <a:r>
@@ -6265,13 +6137,8 @@
             </a:r>
             <a:r>
               <a:rPr lang="en-US" dirty="0"/>
-              <a:t> </a:t>
-            </a:r>
-            <a:r>
-              <a:rPr lang="en-US" dirty="0" smtClean="0"/>
-              <a:t>using the material (geometry is textured quad)</a:t>
-            </a:r>
-            <a:endParaRPr lang="en-US" dirty="0"/>
+              <a:t> using the material (geometry is textured quad)</a:t>
+            </a:r>
           </a:p>
           <a:p>
             <a:endParaRPr lang="en-US" dirty="0"/>
@@ -6327,25 +6194,8 @@
                 <a:latin typeface="Consolas" panose="020B0609020204030204" pitchFamily="49" charset="0"/>
                 <a:ea typeface="Times New Roman" panose="02020603050405020304" pitchFamily="18" charset="0"/>
               </a:rPr>
-              <a:t>// </a:t>
-            </a:r>
-            <a:r>
-              <a:rPr lang="en-US" dirty="0" smtClean="0">
-                <a:solidFill>
-                  <a:srgbClr val="00B050"/>
-                </a:solidFill>
-                <a:latin typeface="Consolas" panose="020B0609020204030204" pitchFamily="49" charset="0"/>
-                <a:ea typeface="Times New Roman" panose="02020603050405020304" pitchFamily="18" charset="0"/>
-              </a:rPr>
-              <a:t>need a sample uniform</a:t>
-            </a:r>
-            <a:endParaRPr lang="en-US" dirty="0">
-              <a:solidFill>
-                <a:srgbClr val="00B050"/>
-              </a:solidFill>
-              <a:latin typeface="Consolas" panose="020B0609020204030204" pitchFamily="49" charset="0"/>
-              <a:ea typeface="Times New Roman" panose="02020603050405020304" pitchFamily="18" charset="0"/>
-            </a:endParaRPr>
+              <a:t>// need a sample uniform</a:t>
+            </a:r>
           </a:p>
           <a:p>
             <a:r>
@@ -6359,7 +6209,7 @@
               <a:t>uniform </a:t>
             </a:r>
             <a:r>
-              <a:rPr lang="en-US" dirty="0" err="1" smtClean="0">
+              <a:rPr lang="en-US" dirty="0" err="1">
                 <a:solidFill>
                   <a:schemeClr val="tx1"/>
                 </a:solidFill>
@@ -6369,7 +6219,7 @@
               <a:t>struct</a:t>
             </a:r>
             <a:r>
-              <a:rPr lang="en-US" dirty="0" smtClean="0">
+              <a:rPr lang="en-US" dirty="0">
                 <a:solidFill>
                   <a:schemeClr val="tx1"/>
                 </a:solidFill>
@@ -6379,7 +6229,7 @@
               <a:t> { </a:t>
             </a:r>
             <a:r>
-              <a:rPr lang="en-US" dirty="0" err="1" smtClean="0">
+              <a:rPr lang="en-US" dirty="0" err="1">
                 <a:solidFill>
                   <a:schemeClr val="tx1"/>
                 </a:solidFill>
@@ -6389,7 +6239,7 @@
               <a:t>samplerCube</a:t>
             </a:r>
             <a:r>
-              <a:rPr lang="en-US" dirty="0" smtClean="0">
+              <a:rPr lang="en-US" dirty="0">
                 <a:solidFill>
                   <a:schemeClr val="tx1"/>
                 </a:solidFill>
@@ -6409,7 +6259,7 @@
               <a:t>envTexture</a:t>
             </a:r>
             <a:r>
-              <a:rPr lang="en-US" dirty="0" smtClean="0">
+              <a:rPr lang="en-US" dirty="0">
                 <a:solidFill>
                   <a:schemeClr val="tx1"/>
                 </a:solidFill>
@@ -6418,13 +6268,6 @@
               </a:rPr>
               <a:t>; } material;</a:t>
             </a:r>
-            <a:endParaRPr lang="en-US" dirty="0">
-              <a:solidFill>
-                <a:schemeClr val="tx1"/>
-              </a:solidFill>
-              <a:latin typeface="Consolas" panose="020B0609020204030204" pitchFamily="49" charset="0"/>
-              <a:ea typeface="Times New Roman" panose="02020603050405020304" pitchFamily="18" charset="0"/>
-            </a:endParaRPr>
           </a:p>
         </p:txBody>
       </p:sp>
@@ -6477,25 +6320,8 @@
                 <a:latin typeface="Consolas" panose="020B0609020204030204" pitchFamily="49" charset="0"/>
                 <a:ea typeface="Times New Roman" panose="02020603050405020304" pitchFamily="18" charset="0"/>
               </a:rPr>
-              <a:t>// </a:t>
-            </a:r>
-            <a:r>
-              <a:rPr lang="en-US" dirty="0" smtClean="0">
-                <a:solidFill>
-                  <a:srgbClr val="00B050"/>
-                </a:solidFill>
-                <a:latin typeface="Consolas" panose="020B0609020204030204" pitchFamily="49" charset="0"/>
-                <a:ea typeface="Times New Roman" panose="02020603050405020304" pitchFamily="18" charset="0"/>
-              </a:rPr>
-              <a:t>read from ray direction</a:t>
-            </a:r>
-            <a:endParaRPr lang="en-US" dirty="0">
-              <a:solidFill>
-                <a:srgbClr val="00B050"/>
-              </a:solidFill>
-              <a:latin typeface="Consolas" panose="020B0609020204030204" pitchFamily="49" charset="0"/>
-              <a:ea typeface="Times New Roman" panose="02020603050405020304" pitchFamily="18" charset="0"/>
-            </a:endParaRPr>
+              <a:t>// read from ray direction</a:t>
+            </a:r>
           </a:p>
           <a:p>
             <a:r>
@@ -6549,7 +6375,7 @@
               <a:t>= texture ( </a:t>
             </a:r>
             <a:r>
-              <a:rPr lang="en-US" dirty="0" err="1" smtClean="0">
+              <a:rPr lang="en-US" dirty="0" err="1">
                 <a:solidFill>
                   <a:schemeClr val="tx1"/>
                 </a:solidFill>
@@ -6606,102 +6432,103 @@
             <a:avLst/>
           </a:prstGeom>
           <a:solidFill>
-            <a:schemeClr val="accent1">
+            <a:schemeClr val="accent4">
               <a:lumMod val="20000"/>
               <a:lumOff val="80000"/>
             </a:schemeClr>
           </a:solidFill>
+          <a:ln>
+            <a:solidFill>
+              <a:schemeClr val="accent4">
+                <a:lumMod val="50000"/>
+              </a:schemeClr>
+            </a:solidFill>
+          </a:ln>
         </p:spPr>
-        <p:style>
-          <a:lnRef idx="2">
-            <a:schemeClr val="accent1">
-              <a:shade val="50000"/>
-            </a:schemeClr>
-          </a:lnRef>
-          <a:fillRef idx="1">
-            <a:schemeClr val="accent1"/>
-          </a:fillRef>
-          <a:effectRef idx="0">
-            <a:schemeClr val="accent1"/>
-          </a:effectRef>
-          <a:fontRef idx="minor">
-            <a:schemeClr val="lt1"/>
-          </a:fontRef>
-        </p:style>
         <p:txBody>
-          <a:bodyPr rtlCol="0" anchor="ctr"/>
+          <a:bodyPr vert="horz" lIns="91440" tIns="45720" rIns="91440" bIns="45720" rtlCol="0">
+            <a:normAutofit fontScale="77500" lnSpcReduction="20000"/>
+          </a:bodyPr>
           <a:lstStyle/>
           <a:p>
             <a:pPr>
               <a:lnSpc>
                 <a:spcPct val="107000"/>
               </a:lnSpc>
+              <a:tabLst>
+                <a:tab pos="581660" algn="l"/>
+                <a:tab pos="1163320" algn="l"/>
+                <a:tab pos="1744980" algn="l"/>
+                <a:tab pos="2326640" algn="l"/>
+                <a:tab pos="2908300" algn="l"/>
+                <a:tab pos="3489960" algn="l"/>
+                <a:tab pos="4071620" algn="l"/>
+                <a:tab pos="4653280" algn="l"/>
+                <a:tab pos="5234940" algn="l"/>
+                <a:tab pos="5816600" algn="l"/>
+                <a:tab pos="6398260" algn="l"/>
+                <a:tab pos="6979920" algn="l"/>
+                <a:tab pos="7561580" algn="l"/>
+                <a:tab pos="8143240" algn="l"/>
+                <a:tab pos="8724900" algn="l"/>
+                <a:tab pos="9306560" algn="l"/>
+              </a:tabLst>
             </a:pPr>
             <a:r>
-              <a:rPr lang="en-US" sz="1600" dirty="0" err="1">
-                <a:solidFill>
-                  <a:schemeClr val="tx1"/>
-                </a:solidFill>
-                <a:latin typeface="Consolas" panose="020B0609020204030204" pitchFamily="49" charset="0"/>
-                <a:ea typeface="Times New Roman" panose="02020603050405020304" pitchFamily="18" charset="0"/>
-                <a:cs typeface="Times New Roman" panose="02020603050405020304" pitchFamily="18" charset="0"/>
-              </a:rPr>
-              <a:t>this.envTexture</a:t>
-            </a:r>
-            <a:r>
-              <a:rPr lang="en-US" sz="1600" dirty="0">
-                <a:solidFill>
-                  <a:schemeClr val="tx1"/>
-                </a:solidFill>
-                <a:latin typeface="Consolas" panose="020B0609020204030204" pitchFamily="49" charset="0"/>
-                <a:ea typeface="Times New Roman" panose="02020603050405020304" pitchFamily="18" charset="0"/>
-                <a:cs typeface="Times New Roman" panose="02020603050405020304" pitchFamily="18" charset="0"/>
-              </a:rPr>
-              <a:t> = new </a:t>
-            </a:r>
-            <a:r>
-              <a:rPr lang="en-US" sz="1600" dirty="0" err="1">
-                <a:solidFill>
-                  <a:schemeClr val="tx1"/>
-                </a:solidFill>
-                <a:latin typeface="Consolas" panose="020B0609020204030204" pitchFamily="49" charset="0"/>
-                <a:ea typeface="Times New Roman" panose="02020603050405020304" pitchFamily="18" charset="0"/>
+              <a:rPr lang="hu-HU" sz="2400" dirty="0" err="1">
+                <a:latin typeface="Consolas" panose="020B0609020204030204" pitchFamily="49" charset="0"/>
+                <a:cs typeface="Times New Roman" panose="02020603050405020304" pitchFamily="18" charset="0"/>
+              </a:rPr>
+              <a:t>val</a:t>
+            </a:r>
+            <a:r>
+              <a:rPr lang="hu-HU" sz="2400" dirty="0">
+                <a:latin typeface="Consolas" panose="020B0609020204030204" pitchFamily="49" charset="0"/>
+                <a:cs typeface="Times New Roman" panose="02020603050405020304" pitchFamily="18" charset="0"/>
+              </a:rPr>
+              <a:t> </a:t>
+            </a:r>
+            <a:r>
+              <a:rPr lang="en-US" sz="2400" dirty="0" err="1">
+                <a:latin typeface="Consolas" panose="020B0609020204030204" pitchFamily="49" charset="0"/>
+                <a:cs typeface="Times New Roman" panose="02020603050405020304" pitchFamily="18" charset="0"/>
+              </a:rPr>
+              <a:t>envTexture</a:t>
+            </a:r>
+            <a:r>
+              <a:rPr lang="en-US" sz="2400" dirty="0">
+                <a:latin typeface="Consolas" panose="020B0609020204030204" pitchFamily="49" charset="0"/>
+                <a:cs typeface="Times New Roman" panose="02020603050405020304" pitchFamily="18" charset="0"/>
+              </a:rPr>
+              <a:t> = </a:t>
+            </a:r>
+            <a:r>
+              <a:rPr lang="en-US" sz="2400" dirty="0" err="1">
+                <a:latin typeface="Consolas" panose="020B0609020204030204" pitchFamily="49" charset="0"/>
                 <a:cs typeface="Times New Roman" panose="02020603050405020304" pitchFamily="18" charset="0"/>
               </a:rPr>
               <a:t>TextureCube</a:t>
             </a:r>
             <a:r>
-              <a:rPr lang="en-US" sz="1600" dirty="0">
-                <a:solidFill>
-                  <a:schemeClr val="tx1"/>
-                </a:solidFill>
-                <a:latin typeface="Consolas" panose="020B0609020204030204" pitchFamily="49" charset="0"/>
-                <a:ea typeface="Times New Roman" panose="02020603050405020304" pitchFamily="18" charset="0"/>
+              <a:rPr lang="en-US" sz="2400" dirty="0">
+                <a:latin typeface="Consolas" panose="020B0609020204030204" pitchFamily="49" charset="0"/>
                 <a:cs typeface="Times New Roman" panose="02020603050405020304" pitchFamily="18" charset="0"/>
               </a:rPr>
               <a:t>(</a:t>
             </a:r>
             <a:r>
-              <a:rPr lang="en-US" sz="1600" dirty="0" err="1">
-                <a:solidFill>
-                  <a:schemeClr val="tx1"/>
-                </a:solidFill>
-                <a:latin typeface="Consolas" panose="020B0609020204030204" pitchFamily="49" charset="0"/>
-                <a:ea typeface="Times New Roman" panose="02020603050405020304" pitchFamily="18" charset="0"/>
+              <a:rPr lang="en-US" sz="2400" dirty="0" err="1">
+                <a:latin typeface="Consolas" panose="020B0609020204030204" pitchFamily="49" charset="0"/>
                 <a:cs typeface="Times New Roman" panose="02020603050405020304" pitchFamily="18" charset="0"/>
               </a:rPr>
               <a:t>gl</a:t>
             </a:r>
             <a:r>
-              <a:rPr lang="en-US" sz="1600" dirty="0">
-                <a:solidFill>
-                  <a:schemeClr val="tx1"/>
-                </a:solidFill>
-                <a:latin typeface="Consolas" panose="020B0609020204030204" pitchFamily="49" charset="0"/>
-                <a:ea typeface="Times New Roman" panose="02020603050405020304" pitchFamily="18" charset="0"/>
-                <a:cs typeface="Times New Roman" panose="02020603050405020304" pitchFamily="18" charset="0"/>
-              </a:rPr>
-              <a:t>, [</a:t>
+              <a:rPr lang="en-US" sz="2400" dirty="0">
+                <a:latin typeface="Consolas" panose="020B0609020204030204" pitchFamily="49" charset="0"/>
+                <a:cs typeface="Times New Roman" panose="02020603050405020304" pitchFamily="18" charset="0"/>
+              </a:rPr>
+              <a:t>, </a:t>
             </a:r>
           </a:p>
           <a:p>
@@ -6709,47 +6536,49 @@
               <a:lnSpc>
                 <a:spcPct val="107000"/>
               </a:lnSpc>
+              <a:tabLst>
+                <a:tab pos="581660" algn="l"/>
+                <a:tab pos="1163320" algn="l"/>
+                <a:tab pos="1744980" algn="l"/>
+                <a:tab pos="2326640" algn="l"/>
+                <a:tab pos="2908300" algn="l"/>
+                <a:tab pos="3489960" algn="l"/>
+                <a:tab pos="4071620" algn="l"/>
+                <a:tab pos="4653280" algn="l"/>
+                <a:tab pos="5234940" algn="l"/>
+                <a:tab pos="5816600" algn="l"/>
+                <a:tab pos="6398260" algn="l"/>
+                <a:tab pos="6979920" algn="l"/>
+                <a:tab pos="7561580" algn="l"/>
+                <a:tab pos="8143240" algn="l"/>
+                <a:tab pos="8724900" algn="l"/>
+                <a:tab pos="9306560" algn="l"/>
+              </a:tabLst>
             </a:pPr>
             <a:r>
-              <a:rPr lang="en-US" sz="1600" dirty="0">
-                <a:solidFill>
-                  <a:schemeClr val="tx1"/>
-                </a:solidFill>
-                <a:latin typeface="Consolas" panose="020B0609020204030204" pitchFamily="49" charset="0"/>
-                <a:ea typeface="Times New Roman" panose="02020603050405020304" pitchFamily="18" charset="0"/>
+              <a:rPr lang="en-US" sz="2400" dirty="0">
+                <a:latin typeface="Consolas" panose="020B0609020204030204" pitchFamily="49" charset="0"/>
                 <a:cs typeface="Times New Roman" panose="02020603050405020304" pitchFamily="18" charset="0"/>
               </a:rPr>
               <a:t>    "media/</a:t>
             </a:r>
             <a:r>
-              <a:rPr lang="en-US" sz="1600" dirty="0" err="1">
-                <a:solidFill>
-                  <a:schemeClr val="tx1"/>
-                </a:solidFill>
-                <a:latin typeface="Consolas" panose="020B0609020204030204" pitchFamily="49" charset="0"/>
-                <a:ea typeface="Times New Roman" panose="02020603050405020304" pitchFamily="18" charset="0"/>
+              <a:rPr lang="en-US" sz="2400" dirty="0" err="1">
+                <a:latin typeface="Consolas" panose="020B0609020204030204" pitchFamily="49" charset="0"/>
                 <a:cs typeface="Times New Roman" panose="02020603050405020304" pitchFamily="18" charset="0"/>
               </a:rPr>
               <a:t>posx</a:t>
             </a:r>
             <a:r>
-              <a:rPr lang="hu-HU" sz="1600" dirty="0">
-                <a:solidFill>
-                  <a:schemeClr val="tx1"/>
-                </a:solidFill>
-                <a:latin typeface="Consolas" panose="020B0609020204030204" pitchFamily="49" charset="0"/>
-                <a:ea typeface="Times New Roman" panose="02020603050405020304" pitchFamily="18" charset="0"/>
+              <a:rPr lang="hu-HU" sz="2400" dirty="0">
+                <a:latin typeface="Consolas" panose="020B0609020204030204" pitchFamily="49" charset="0"/>
                 <a:cs typeface="Times New Roman" panose="02020603050405020304" pitchFamily="18" charset="0"/>
               </a:rPr>
               <a:t>512</a:t>
             </a:r>
             <a:r>
-              <a:rPr lang="en-US" sz="1600" dirty="0">
-                <a:solidFill>
-                  <a:schemeClr val="tx1"/>
-                </a:solidFill>
-                <a:latin typeface="Consolas" panose="020B0609020204030204" pitchFamily="49" charset="0"/>
-                <a:ea typeface="Times New Roman" panose="02020603050405020304" pitchFamily="18" charset="0"/>
+              <a:rPr lang="en-US" sz="2400" dirty="0">
+                <a:latin typeface="Consolas" panose="020B0609020204030204" pitchFamily="49" charset="0"/>
                 <a:cs typeface="Times New Roman" panose="02020603050405020304" pitchFamily="18" charset="0"/>
               </a:rPr>
               <a:t>.jpg",</a:t>
@@ -6760,47 +6589,49 @@
               <a:lnSpc>
                 <a:spcPct val="107000"/>
               </a:lnSpc>
+              <a:tabLst>
+                <a:tab pos="581660" algn="l"/>
+                <a:tab pos="1163320" algn="l"/>
+                <a:tab pos="1744980" algn="l"/>
+                <a:tab pos="2326640" algn="l"/>
+                <a:tab pos="2908300" algn="l"/>
+                <a:tab pos="3489960" algn="l"/>
+                <a:tab pos="4071620" algn="l"/>
+                <a:tab pos="4653280" algn="l"/>
+                <a:tab pos="5234940" algn="l"/>
+                <a:tab pos="5816600" algn="l"/>
+                <a:tab pos="6398260" algn="l"/>
+                <a:tab pos="6979920" algn="l"/>
+                <a:tab pos="7561580" algn="l"/>
+                <a:tab pos="8143240" algn="l"/>
+                <a:tab pos="8724900" algn="l"/>
+                <a:tab pos="9306560" algn="l"/>
+              </a:tabLst>
             </a:pPr>
             <a:r>
-              <a:rPr lang="en-US" sz="1600" dirty="0">
-                <a:solidFill>
-                  <a:schemeClr val="tx1"/>
-                </a:solidFill>
-                <a:latin typeface="Consolas" panose="020B0609020204030204" pitchFamily="49" charset="0"/>
-                <a:ea typeface="Times New Roman" panose="02020603050405020304" pitchFamily="18" charset="0"/>
+              <a:rPr lang="en-US" sz="2400" dirty="0">
+                <a:latin typeface="Consolas" panose="020B0609020204030204" pitchFamily="49" charset="0"/>
                 <a:cs typeface="Times New Roman" panose="02020603050405020304" pitchFamily="18" charset="0"/>
               </a:rPr>
               <a:t>    "media/</a:t>
             </a:r>
             <a:r>
-              <a:rPr lang="en-US" sz="1600" dirty="0" err="1">
-                <a:solidFill>
-                  <a:schemeClr val="tx1"/>
-                </a:solidFill>
-                <a:latin typeface="Consolas" panose="020B0609020204030204" pitchFamily="49" charset="0"/>
-                <a:ea typeface="Times New Roman" panose="02020603050405020304" pitchFamily="18" charset="0"/>
+              <a:rPr lang="en-US" sz="2400" dirty="0" err="1">
+                <a:latin typeface="Consolas" panose="020B0609020204030204" pitchFamily="49" charset="0"/>
                 <a:cs typeface="Times New Roman" panose="02020603050405020304" pitchFamily="18" charset="0"/>
               </a:rPr>
               <a:t>negx</a:t>
             </a:r>
             <a:r>
-              <a:rPr lang="hu-HU" sz="1600" dirty="0">
-                <a:solidFill>
-                  <a:schemeClr val="tx1"/>
-                </a:solidFill>
-                <a:latin typeface="Consolas" panose="020B0609020204030204" pitchFamily="49" charset="0"/>
-                <a:ea typeface="Times New Roman" panose="02020603050405020304" pitchFamily="18" charset="0"/>
+              <a:rPr lang="hu-HU" sz="2400" dirty="0">
+                <a:latin typeface="Consolas" panose="020B0609020204030204" pitchFamily="49" charset="0"/>
                 <a:cs typeface="Times New Roman" panose="02020603050405020304" pitchFamily="18" charset="0"/>
               </a:rPr>
               <a:t>512</a:t>
             </a:r>
             <a:r>
-              <a:rPr lang="en-US" sz="1600" dirty="0">
-                <a:solidFill>
-                  <a:schemeClr val="tx1"/>
-                </a:solidFill>
-                <a:latin typeface="Consolas" panose="020B0609020204030204" pitchFamily="49" charset="0"/>
-                <a:ea typeface="Times New Roman" panose="02020603050405020304" pitchFamily="18" charset="0"/>
+              <a:rPr lang="en-US" sz="2400" dirty="0">
+                <a:latin typeface="Consolas" panose="020B0609020204030204" pitchFamily="49" charset="0"/>
                 <a:cs typeface="Times New Roman" panose="02020603050405020304" pitchFamily="18" charset="0"/>
               </a:rPr>
               <a:t>.jpg",</a:t>
@@ -6811,36 +6642,42 @@
               <a:lnSpc>
                 <a:spcPct val="107000"/>
               </a:lnSpc>
+              <a:tabLst>
+                <a:tab pos="581660" algn="l"/>
+                <a:tab pos="1163320" algn="l"/>
+                <a:tab pos="1744980" algn="l"/>
+                <a:tab pos="2326640" algn="l"/>
+                <a:tab pos="2908300" algn="l"/>
+                <a:tab pos="3489960" algn="l"/>
+                <a:tab pos="4071620" algn="l"/>
+                <a:tab pos="4653280" algn="l"/>
+                <a:tab pos="5234940" algn="l"/>
+                <a:tab pos="5816600" algn="l"/>
+                <a:tab pos="6398260" algn="l"/>
+                <a:tab pos="6979920" algn="l"/>
+                <a:tab pos="7561580" algn="l"/>
+                <a:tab pos="8143240" algn="l"/>
+                <a:tab pos="8724900" algn="l"/>
+                <a:tab pos="9306560" algn="l"/>
+              </a:tabLst>
             </a:pPr>
             <a:r>
-              <a:rPr lang="en-US" sz="1600" dirty="0">
-                <a:solidFill>
-                  <a:schemeClr val="tx1"/>
-                </a:solidFill>
-                <a:latin typeface="Consolas" panose="020B0609020204030204" pitchFamily="49" charset="0"/>
-                <a:ea typeface="Times New Roman" panose="02020603050405020304" pitchFamily="18" charset="0"/>
+              <a:rPr lang="en-US" sz="2400" dirty="0">
+                <a:latin typeface="Consolas" panose="020B0609020204030204" pitchFamily="49" charset="0"/>
                 <a:cs typeface="Times New Roman" panose="02020603050405020304" pitchFamily="18" charset="0"/>
               </a:rPr>
               <a:t>    "media/posy</a:t>
             </a:r>
             <a:r>
-              <a:rPr lang="hu-HU" sz="1600" dirty="0">
-                <a:solidFill>
-                  <a:schemeClr val="tx1"/>
-                </a:solidFill>
-                <a:latin typeface="Consolas" panose="020B0609020204030204" pitchFamily="49" charset="0"/>
-                <a:ea typeface="Times New Roman" panose="02020603050405020304" pitchFamily="18" charset="0"/>
+              <a:rPr lang="hu-HU" sz="2400" dirty="0">
+                <a:latin typeface="Consolas" panose="020B0609020204030204" pitchFamily="49" charset="0"/>
                 <a:cs typeface="Times New Roman" panose="02020603050405020304" pitchFamily="18" charset="0"/>
               </a:rPr>
               <a:t>512</a:t>
             </a:r>
             <a:r>
-              <a:rPr lang="en-US" sz="1600" dirty="0">
-                <a:solidFill>
-                  <a:schemeClr val="tx1"/>
-                </a:solidFill>
-                <a:latin typeface="Consolas" panose="020B0609020204030204" pitchFamily="49" charset="0"/>
-                <a:ea typeface="Times New Roman" panose="02020603050405020304" pitchFamily="18" charset="0"/>
+              <a:rPr lang="en-US" sz="2400" dirty="0">
+                <a:latin typeface="Consolas" panose="020B0609020204030204" pitchFamily="49" charset="0"/>
                 <a:cs typeface="Times New Roman" panose="02020603050405020304" pitchFamily="18" charset="0"/>
               </a:rPr>
               <a:t>.jpg",</a:t>
@@ -6851,47 +6688,49 @@
               <a:lnSpc>
                 <a:spcPct val="107000"/>
               </a:lnSpc>
+              <a:tabLst>
+                <a:tab pos="581660" algn="l"/>
+                <a:tab pos="1163320" algn="l"/>
+                <a:tab pos="1744980" algn="l"/>
+                <a:tab pos="2326640" algn="l"/>
+                <a:tab pos="2908300" algn="l"/>
+                <a:tab pos="3489960" algn="l"/>
+                <a:tab pos="4071620" algn="l"/>
+                <a:tab pos="4653280" algn="l"/>
+                <a:tab pos="5234940" algn="l"/>
+                <a:tab pos="5816600" algn="l"/>
+                <a:tab pos="6398260" algn="l"/>
+                <a:tab pos="6979920" algn="l"/>
+                <a:tab pos="7561580" algn="l"/>
+                <a:tab pos="8143240" algn="l"/>
+                <a:tab pos="8724900" algn="l"/>
+                <a:tab pos="9306560" algn="l"/>
+              </a:tabLst>
             </a:pPr>
             <a:r>
-              <a:rPr lang="en-US" sz="1600" dirty="0">
-                <a:solidFill>
-                  <a:schemeClr val="tx1"/>
-                </a:solidFill>
-                <a:latin typeface="Consolas" panose="020B0609020204030204" pitchFamily="49" charset="0"/>
-                <a:ea typeface="Times New Roman" panose="02020603050405020304" pitchFamily="18" charset="0"/>
+              <a:rPr lang="en-US" sz="2400" dirty="0">
+                <a:latin typeface="Consolas" panose="020B0609020204030204" pitchFamily="49" charset="0"/>
                 <a:cs typeface="Times New Roman" panose="02020603050405020304" pitchFamily="18" charset="0"/>
               </a:rPr>
               <a:t>    "media/</a:t>
             </a:r>
             <a:r>
-              <a:rPr lang="en-US" sz="1600" dirty="0" err="1">
-                <a:solidFill>
-                  <a:schemeClr val="tx1"/>
-                </a:solidFill>
-                <a:latin typeface="Consolas" panose="020B0609020204030204" pitchFamily="49" charset="0"/>
-                <a:ea typeface="Times New Roman" panose="02020603050405020304" pitchFamily="18" charset="0"/>
+              <a:rPr lang="en-US" sz="2400" dirty="0" err="1">
+                <a:latin typeface="Consolas" panose="020B0609020204030204" pitchFamily="49" charset="0"/>
                 <a:cs typeface="Times New Roman" panose="02020603050405020304" pitchFamily="18" charset="0"/>
               </a:rPr>
               <a:t>negy</a:t>
             </a:r>
             <a:r>
-              <a:rPr lang="hu-HU" sz="1600" dirty="0">
-                <a:solidFill>
-                  <a:schemeClr val="tx1"/>
-                </a:solidFill>
-                <a:latin typeface="Consolas" panose="020B0609020204030204" pitchFamily="49" charset="0"/>
-                <a:ea typeface="Times New Roman" panose="02020603050405020304" pitchFamily="18" charset="0"/>
+              <a:rPr lang="hu-HU" sz="2400" dirty="0">
+                <a:latin typeface="Consolas" panose="020B0609020204030204" pitchFamily="49" charset="0"/>
                 <a:cs typeface="Times New Roman" panose="02020603050405020304" pitchFamily="18" charset="0"/>
               </a:rPr>
               <a:t>512</a:t>
             </a:r>
             <a:r>
-              <a:rPr lang="en-US" sz="1600" dirty="0">
-                <a:solidFill>
-                  <a:schemeClr val="tx1"/>
-                </a:solidFill>
-                <a:latin typeface="Consolas" panose="020B0609020204030204" pitchFamily="49" charset="0"/>
-                <a:ea typeface="Times New Roman" panose="02020603050405020304" pitchFamily="18" charset="0"/>
+              <a:rPr lang="en-US" sz="2400" dirty="0">
+                <a:latin typeface="Consolas" panose="020B0609020204030204" pitchFamily="49" charset="0"/>
                 <a:cs typeface="Times New Roman" panose="02020603050405020304" pitchFamily="18" charset="0"/>
               </a:rPr>
               <a:t>.jpg",</a:t>
@@ -6902,47 +6741,49 @@
               <a:lnSpc>
                 <a:spcPct val="107000"/>
               </a:lnSpc>
+              <a:tabLst>
+                <a:tab pos="581660" algn="l"/>
+                <a:tab pos="1163320" algn="l"/>
+                <a:tab pos="1744980" algn="l"/>
+                <a:tab pos="2326640" algn="l"/>
+                <a:tab pos="2908300" algn="l"/>
+                <a:tab pos="3489960" algn="l"/>
+                <a:tab pos="4071620" algn="l"/>
+                <a:tab pos="4653280" algn="l"/>
+                <a:tab pos="5234940" algn="l"/>
+                <a:tab pos="5816600" algn="l"/>
+                <a:tab pos="6398260" algn="l"/>
+                <a:tab pos="6979920" algn="l"/>
+                <a:tab pos="7561580" algn="l"/>
+                <a:tab pos="8143240" algn="l"/>
+                <a:tab pos="8724900" algn="l"/>
+                <a:tab pos="9306560" algn="l"/>
+              </a:tabLst>
             </a:pPr>
             <a:r>
-              <a:rPr lang="en-US" sz="1600" dirty="0">
-                <a:solidFill>
-                  <a:schemeClr val="tx1"/>
-                </a:solidFill>
-                <a:latin typeface="Consolas" panose="020B0609020204030204" pitchFamily="49" charset="0"/>
-                <a:ea typeface="Times New Roman" panose="02020603050405020304" pitchFamily="18" charset="0"/>
+              <a:rPr lang="en-US" sz="2400" dirty="0">
+                <a:latin typeface="Consolas" panose="020B0609020204030204" pitchFamily="49" charset="0"/>
                 <a:cs typeface="Times New Roman" panose="02020603050405020304" pitchFamily="18" charset="0"/>
               </a:rPr>
               <a:t>    "media/</a:t>
             </a:r>
             <a:r>
-              <a:rPr lang="en-US" sz="1600" dirty="0" err="1">
-                <a:solidFill>
-                  <a:schemeClr val="tx1"/>
-                </a:solidFill>
-                <a:latin typeface="Consolas" panose="020B0609020204030204" pitchFamily="49" charset="0"/>
-                <a:ea typeface="Times New Roman" panose="02020603050405020304" pitchFamily="18" charset="0"/>
+              <a:rPr lang="en-US" sz="2400" dirty="0" err="1">
+                <a:latin typeface="Consolas" panose="020B0609020204030204" pitchFamily="49" charset="0"/>
                 <a:cs typeface="Times New Roman" panose="02020603050405020304" pitchFamily="18" charset="0"/>
               </a:rPr>
               <a:t>posz</a:t>
             </a:r>
             <a:r>
-              <a:rPr lang="hu-HU" sz="1600" dirty="0">
-                <a:solidFill>
-                  <a:schemeClr val="tx1"/>
-                </a:solidFill>
-                <a:latin typeface="Consolas" panose="020B0609020204030204" pitchFamily="49" charset="0"/>
-                <a:ea typeface="Times New Roman" panose="02020603050405020304" pitchFamily="18" charset="0"/>
+              <a:rPr lang="hu-HU" sz="2400" dirty="0">
+                <a:latin typeface="Consolas" panose="020B0609020204030204" pitchFamily="49" charset="0"/>
                 <a:cs typeface="Times New Roman" panose="02020603050405020304" pitchFamily="18" charset="0"/>
               </a:rPr>
               <a:t>512</a:t>
             </a:r>
             <a:r>
-              <a:rPr lang="en-US" sz="1600" dirty="0">
-                <a:solidFill>
-                  <a:schemeClr val="tx1"/>
-                </a:solidFill>
-                <a:latin typeface="Consolas" panose="020B0609020204030204" pitchFamily="49" charset="0"/>
-                <a:ea typeface="Times New Roman" panose="02020603050405020304" pitchFamily="18" charset="0"/>
+              <a:rPr lang="en-US" sz="2400" dirty="0">
+                <a:latin typeface="Consolas" panose="020B0609020204030204" pitchFamily="49" charset="0"/>
                 <a:cs typeface="Times New Roman" panose="02020603050405020304" pitchFamily="18" charset="0"/>
               </a:rPr>
               <a:t>.jpg",</a:t>
@@ -6953,50 +6794,52 @@
               <a:lnSpc>
                 <a:spcPct val="107000"/>
               </a:lnSpc>
+              <a:tabLst>
+                <a:tab pos="581660" algn="l"/>
+                <a:tab pos="1163320" algn="l"/>
+                <a:tab pos="1744980" algn="l"/>
+                <a:tab pos="2326640" algn="l"/>
+                <a:tab pos="2908300" algn="l"/>
+                <a:tab pos="3489960" algn="l"/>
+                <a:tab pos="4071620" algn="l"/>
+                <a:tab pos="4653280" algn="l"/>
+                <a:tab pos="5234940" algn="l"/>
+                <a:tab pos="5816600" algn="l"/>
+                <a:tab pos="6398260" algn="l"/>
+                <a:tab pos="6979920" algn="l"/>
+                <a:tab pos="7561580" algn="l"/>
+                <a:tab pos="8143240" algn="l"/>
+                <a:tab pos="8724900" algn="l"/>
+                <a:tab pos="9306560" algn="l"/>
+              </a:tabLst>
             </a:pPr>
             <a:r>
-              <a:rPr lang="en-US" sz="1600" dirty="0">
-                <a:solidFill>
-                  <a:schemeClr val="tx1"/>
-                </a:solidFill>
-                <a:latin typeface="Consolas" panose="020B0609020204030204" pitchFamily="49" charset="0"/>
-                <a:ea typeface="Times New Roman" panose="02020603050405020304" pitchFamily="18" charset="0"/>
+              <a:rPr lang="en-US" sz="2400" dirty="0">
+                <a:latin typeface="Consolas" panose="020B0609020204030204" pitchFamily="49" charset="0"/>
                 <a:cs typeface="Times New Roman" panose="02020603050405020304" pitchFamily="18" charset="0"/>
               </a:rPr>
               <a:t>    "media/</a:t>
             </a:r>
             <a:r>
-              <a:rPr lang="en-US" sz="1600" dirty="0" err="1">
-                <a:solidFill>
-                  <a:schemeClr val="tx1"/>
-                </a:solidFill>
-                <a:latin typeface="Consolas" panose="020B0609020204030204" pitchFamily="49" charset="0"/>
-                <a:ea typeface="Times New Roman" panose="02020603050405020304" pitchFamily="18" charset="0"/>
+              <a:rPr lang="en-US" sz="2400" dirty="0" err="1">
+                <a:latin typeface="Consolas" panose="020B0609020204030204" pitchFamily="49" charset="0"/>
                 <a:cs typeface="Times New Roman" panose="02020603050405020304" pitchFamily="18" charset="0"/>
               </a:rPr>
               <a:t>negz</a:t>
             </a:r>
             <a:r>
-              <a:rPr lang="hu-HU" sz="1600" dirty="0">
-                <a:solidFill>
-                  <a:schemeClr val="tx1"/>
-                </a:solidFill>
-                <a:latin typeface="Consolas" panose="020B0609020204030204" pitchFamily="49" charset="0"/>
-                <a:ea typeface="Times New Roman" panose="02020603050405020304" pitchFamily="18" charset="0"/>
+              <a:rPr lang="hu-HU" sz="2400" dirty="0">
+                <a:latin typeface="Consolas" panose="020B0609020204030204" pitchFamily="49" charset="0"/>
                 <a:cs typeface="Times New Roman" panose="02020603050405020304" pitchFamily="18" charset="0"/>
               </a:rPr>
               <a:t>512</a:t>
             </a:r>
             <a:r>
-              <a:rPr lang="en-US" sz="1600" dirty="0">
-                <a:solidFill>
-                  <a:schemeClr val="tx1"/>
-                </a:solidFill>
-                <a:latin typeface="Consolas" panose="020B0609020204030204" pitchFamily="49" charset="0"/>
-                <a:ea typeface="Times New Roman" panose="02020603050405020304" pitchFamily="18" charset="0"/>
-                <a:cs typeface="Times New Roman" panose="02020603050405020304" pitchFamily="18" charset="0"/>
-              </a:rPr>
-              <a:t>.jpg",]</a:t>
+              <a:rPr lang="en-US" sz="2400" dirty="0">
+                <a:latin typeface="Consolas" panose="020B0609020204030204" pitchFamily="49" charset="0"/>
+                <a:cs typeface="Times New Roman" panose="02020603050405020304" pitchFamily="18" charset="0"/>
+              </a:rPr>
+              <a:t>.jpg"</a:t>
             </a:r>
           </a:p>
           <a:p>
@@ -7004,18 +6847,43 @@
               <a:lnSpc>
                 <a:spcPct val="107000"/>
               </a:lnSpc>
+              <a:tabLst>
+                <a:tab pos="581660" algn="l"/>
+                <a:tab pos="1163320" algn="l"/>
+                <a:tab pos="1744980" algn="l"/>
+                <a:tab pos="2326640" algn="l"/>
+                <a:tab pos="2908300" algn="l"/>
+                <a:tab pos="3489960" algn="l"/>
+                <a:tab pos="4071620" algn="l"/>
+                <a:tab pos="4653280" algn="l"/>
+                <a:tab pos="5234940" algn="l"/>
+                <a:tab pos="5816600" algn="l"/>
+                <a:tab pos="6398260" algn="l"/>
+                <a:tab pos="6979920" algn="l"/>
+                <a:tab pos="7561580" algn="l"/>
+                <a:tab pos="8143240" algn="l"/>
+                <a:tab pos="8724900" algn="l"/>
+                <a:tab pos="9306560" algn="l"/>
+              </a:tabLst>
             </a:pPr>
             <a:r>
-              <a:rPr lang="en-US" sz="1600" dirty="0">
-                <a:solidFill>
-                  <a:schemeClr val="tx1"/>
-                </a:solidFill>
-                <a:latin typeface="Consolas" panose="020B0609020204030204" pitchFamily="49" charset="0"/>
-                <a:ea typeface="Times New Roman" panose="02020603050405020304" pitchFamily="18" charset="0"/>
-                <a:cs typeface="Times New Roman" panose="02020603050405020304" pitchFamily="18" charset="0"/>
-              </a:rPr>
-              <a:t>    );</a:t>
-            </a:r>
+              <a:rPr lang="en-US" sz="2400" dirty="0">
+                <a:latin typeface="Consolas" panose="020B0609020204030204" pitchFamily="49" charset="0"/>
+                <a:cs typeface="Times New Roman" panose="02020603050405020304" pitchFamily="18" charset="0"/>
+              </a:rPr>
+              <a:t>    </a:t>
+            </a:r>
+            <a:r>
+              <a:rPr lang="hu-HU" sz="2400" dirty="0">
+                <a:latin typeface="Consolas" panose="020B0609020204030204" pitchFamily="49" charset="0"/>
+                <a:cs typeface="Times New Roman" panose="02020603050405020304" pitchFamily="18" charset="0"/>
+              </a:rPr>
+              <a:t>)</a:t>
+            </a:r>
+            <a:endParaRPr lang="en-US" sz="2400" dirty="0">
+              <a:latin typeface="Consolas" panose="020B0609020204030204" pitchFamily="49" charset="0"/>
+              <a:cs typeface="Times New Roman" panose="02020603050405020304" pitchFamily="18" charset="0"/>
+            </a:endParaRPr>
           </a:p>
         </p:txBody>
       </p:sp>
@@ -7028,86 +6896,116 @@
         <p:spPr>
           <a:xfrm>
             <a:off x="3747407" y="5445579"/>
-            <a:ext cx="7223269" cy="1067989"/>
+            <a:ext cx="7223269" cy="685801"/>
           </a:xfrm>
           <a:prstGeom prst="rect">
             <a:avLst/>
           </a:prstGeom>
           <a:solidFill>
-            <a:schemeClr val="accent1">
+            <a:schemeClr val="accent4">
               <a:lumMod val="20000"/>
               <a:lumOff val="80000"/>
             </a:schemeClr>
           </a:solidFill>
+          <a:ln>
+            <a:solidFill>
+              <a:schemeClr val="accent4">
+                <a:lumMod val="50000"/>
+              </a:schemeClr>
+            </a:solidFill>
+          </a:ln>
         </p:spPr>
-        <p:style>
-          <a:lnRef idx="2">
-            <a:schemeClr val="accent1">
-              <a:shade val="50000"/>
-            </a:schemeClr>
-          </a:lnRef>
-          <a:fillRef idx="1">
-            <a:schemeClr val="accent1"/>
-          </a:fillRef>
-          <a:effectRef idx="0">
-            <a:schemeClr val="accent1"/>
-          </a:effectRef>
-          <a:fontRef idx="minor">
-            <a:schemeClr val="lt1"/>
-          </a:fontRef>
-        </p:style>
         <p:txBody>
-          <a:bodyPr rtlCol="0" anchor="ctr"/>
+          <a:bodyPr vert="horz" lIns="91440" tIns="45720" rIns="91440" bIns="45720" rtlCol="0">
+            <a:normAutofit/>
+          </a:bodyPr>
           <a:lstStyle/>
           <a:p>
             <a:pPr>
               <a:lnSpc>
                 <a:spcPct val="107000"/>
               </a:lnSpc>
+              <a:tabLst>
+                <a:tab pos="581660" algn="l"/>
+                <a:tab pos="1163320" algn="l"/>
+                <a:tab pos="1744980" algn="l"/>
+                <a:tab pos="2326640" algn="l"/>
+                <a:tab pos="2908300" algn="l"/>
+                <a:tab pos="3489960" algn="l"/>
+                <a:tab pos="4071620" algn="l"/>
+                <a:tab pos="4653280" algn="l"/>
+                <a:tab pos="5234940" algn="l"/>
+                <a:tab pos="5816600" algn="l"/>
+                <a:tab pos="6398260" algn="l"/>
+                <a:tab pos="6979920" algn="l"/>
+                <a:tab pos="7561580" algn="l"/>
+                <a:tab pos="8143240" algn="l"/>
+                <a:tab pos="8724900" algn="l"/>
+                <a:tab pos="9306560" algn="l"/>
+              </a:tabLst>
             </a:pPr>
             <a:r>
-              <a:rPr lang="en-US" sz="1600" dirty="0" err="1">
-                <a:solidFill>
-                  <a:schemeClr val="tx1"/>
-                </a:solidFill>
-                <a:latin typeface="Consolas" panose="020B0609020204030204" pitchFamily="49" charset="0"/>
-                <a:ea typeface="Times New Roman" panose="02020603050405020304" pitchFamily="18" charset="0"/>
-                <a:cs typeface="Times New Roman" panose="02020603050405020304" pitchFamily="18" charset="0"/>
-              </a:rPr>
-              <a:t>this.backgroundMaterial.envTexture</a:t>
-            </a:r>
-            <a:r>
-              <a:rPr lang="hu-HU" sz="1600" dirty="0">
-                <a:solidFill>
-                  <a:schemeClr val="tx1"/>
-                </a:solidFill>
-                <a:latin typeface="Consolas" panose="020B0609020204030204" pitchFamily="49" charset="0"/>
-                <a:ea typeface="Times New Roman" panose="02020603050405020304" pitchFamily="18" charset="0"/>
-                <a:cs typeface="Times New Roman" panose="02020603050405020304" pitchFamily="18" charset="0"/>
-              </a:rPr>
-              <a:t>.set(</a:t>
-            </a:r>
-            <a:r>
-              <a:rPr lang="en-US" sz="1600" dirty="0" err="1">
-                <a:solidFill>
-                  <a:schemeClr val="tx1"/>
-                </a:solidFill>
-                <a:latin typeface="Consolas" panose="020B0609020204030204" pitchFamily="49" charset="0"/>
-                <a:ea typeface="Times New Roman" panose="02020603050405020304" pitchFamily="18" charset="0"/>
-                <a:cs typeface="Times New Roman" panose="02020603050405020304" pitchFamily="18" charset="0"/>
-              </a:rPr>
-              <a:t>this.envTexture</a:t>
-            </a:r>
-            <a:r>
-              <a:rPr lang="en-US" sz="1600" dirty="0">
-                <a:solidFill>
-                  <a:schemeClr val="tx1"/>
-                </a:solidFill>
-                <a:latin typeface="Consolas" panose="020B0609020204030204" pitchFamily="49" charset="0"/>
-                <a:ea typeface="Times New Roman" panose="02020603050405020304" pitchFamily="18" charset="0"/>
-                <a:cs typeface="Times New Roman" panose="02020603050405020304" pitchFamily="18" charset="0"/>
-              </a:rPr>
-              <a:t>);</a:t>
+              <a:rPr lang="en-US" sz="2000" dirty="0" err="1">
+                <a:latin typeface="Consolas" panose="020B0609020204030204" pitchFamily="49" charset="0"/>
+                <a:cs typeface="Times New Roman" panose="02020603050405020304" pitchFamily="18" charset="0"/>
+              </a:rPr>
+              <a:t>backgroundMaterial</a:t>
+            </a:r>
+            <a:r>
+              <a:rPr lang="en-US" sz="2000" dirty="0">
+                <a:latin typeface="Consolas" panose="020B0609020204030204" pitchFamily="49" charset="0"/>
+                <a:cs typeface="Times New Roman" panose="02020603050405020304" pitchFamily="18" charset="0"/>
+              </a:rPr>
+              <a:t>["</a:t>
+            </a:r>
+            <a:r>
+              <a:rPr lang="en-US" sz="2000" dirty="0" err="1">
+                <a:latin typeface="Consolas" panose="020B0609020204030204" pitchFamily="49" charset="0"/>
+                <a:cs typeface="Times New Roman" panose="02020603050405020304" pitchFamily="18" charset="0"/>
+              </a:rPr>
+              <a:t>envTexture</a:t>
+            </a:r>
+            <a:r>
+              <a:rPr lang="en-US" sz="2000" dirty="0">
+                <a:latin typeface="Consolas" panose="020B0609020204030204" pitchFamily="49" charset="0"/>
+                <a:cs typeface="Times New Roman" panose="02020603050405020304" pitchFamily="18" charset="0"/>
+              </a:rPr>
+              <a:t>"]?</a:t>
+            </a:r>
+            <a:r>
+              <a:rPr lang="hu-HU" sz="2000" dirty="0">
+                <a:latin typeface="Consolas" panose="020B0609020204030204" pitchFamily="49" charset="0"/>
+                <a:cs typeface="Times New Roman" panose="02020603050405020304" pitchFamily="18" charset="0"/>
+              </a:rPr>
+              <a:t>.</a:t>
+            </a:r>
+            <a:r>
+              <a:rPr lang="hu-HU" sz="2000" dirty="0" err="1">
+                <a:latin typeface="Consolas" panose="020B0609020204030204" pitchFamily="49" charset="0"/>
+                <a:cs typeface="Times New Roman" panose="02020603050405020304" pitchFamily="18" charset="0"/>
+              </a:rPr>
+              <a:t>set</a:t>
+            </a:r>
+            <a:r>
+              <a:rPr lang="hu-HU" sz="2000" dirty="0">
+                <a:latin typeface="Consolas" panose="020B0609020204030204" pitchFamily="49" charset="0"/>
+                <a:cs typeface="Times New Roman" panose="02020603050405020304" pitchFamily="18" charset="0"/>
+              </a:rPr>
+              <a:t>(</a:t>
+            </a:r>
+            <a:r>
+              <a:rPr lang="en-US" sz="2000" dirty="0" err="1">
+                <a:latin typeface="Consolas" panose="020B0609020204030204" pitchFamily="49" charset="0"/>
+                <a:cs typeface="Times New Roman" panose="02020603050405020304" pitchFamily="18" charset="0"/>
+              </a:rPr>
+              <a:t>envTexture</a:t>
+            </a:r>
+            <a:r>
+              <a:rPr lang="en-US" sz="2000" dirty="0">
+                <a:latin typeface="Consolas" panose="020B0609020204030204" pitchFamily="49" charset="0"/>
+                <a:cs typeface="Times New Roman" panose="02020603050405020304" pitchFamily="18" charset="0"/>
+              </a:rPr>
+              <a:t>)</a:t>
             </a:r>
           </a:p>
         </p:txBody>
@@ -7135,7 +7033,7 @@
           <a:lstStyle/>
           <a:p>
             <a:r>
-              <a:rPr lang="en-US" sz="20000" dirty="0" smtClean="0">
+              <a:rPr lang="en-US" sz="20000" dirty="0">
                 <a:solidFill>
                   <a:srgbClr val="00B050"/>
                 </a:solidFill>
@@ -7143,12 +7041,6 @@
               </a:rPr>
               <a:t>.</a:t>
             </a:r>
-            <a:endParaRPr lang="en-US" sz="20000" dirty="0">
-              <a:solidFill>
-                <a:srgbClr val="00B050"/>
-              </a:solidFill>
-              <a:latin typeface="Whipsmart" panose="020B0502030203050204" pitchFamily="34" charset="0"/>
-            </a:endParaRPr>
           </a:p>
         </p:txBody>
       </p:sp>
@@ -7162,13 +7054,6 @@
   <p:clrMapOvr>
     <a:masterClrMapping/>
   </p:clrMapOvr>
-  <p:timing>
-    <p:tnLst>
-      <p:par>
-        <p:cTn id="1" dur="indefinite" restart="never" nodeType="tmRoot"/>
-      </p:par>
-    </p:tnLst>
-  </p:timing>
 </p:sld>
 </file>
 
@@ -7201,62 +7086,57 @@
         </p:nvSpPr>
         <p:spPr/>
         <p:txBody>
-          <a:bodyPr vert="horz" lIns="91440" tIns="45720" rIns="91440" bIns="45720" rtlCol="0" anchor="ctr">
-            <a:normAutofit/>
+          <a:bodyPr>
+            <a:noAutofit/>
           </a:bodyPr>
           <a:lstStyle/>
           <a:p>
             <a:r>
-              <a:rPr lang="hu-HU" dirty="0" err="1">
-                <a:solidFill>
-                  <a:srgbClr val="FF0000"/>
-                </a:solidFill>
-              </a:rPr>
-              <a:t>TextureCube.js</a:t>
-            </a:r>
-            <a:r>
-              <a:rPr lang="hu-HU" dirty="0">
-                <a:solidFill>
-                  <a:srgbClr val="FF0000"/>
-                </a:solidFill>
-              </a:rPr>
-              <a:t> – </a:t>
-            </a:r>
-            <a:r>
-              <a:rPr lang="hu-HU" dirty="0" err="1">
-                <a:solidFill>
-                  <a:srgbClr val="FF0000"/>
-                </a:solidFill>
-              </a:rPr>
-              <a:t>loading</a:t>
-            </a:r>
-            <a:r>
-              <a:rPr lang="hu-HU" dirty="0">
-                <a:solidFill>
-                  <a:srgbClr val="FF0000"/>
-                </a:solidFill>
-              </a:rPr>
-              <a:t> </a:t>
-            </a:r>
-            <a:r>
-              <a:rPr lang="hu-HU" dirty="0" err="1">
-                <a:solidFill>
-                  <a:srgbClr val="FF0000"/>
-                </a:solidFill>
-              </a:rPr>
-              <a:t>images</a:t>
-            </a:r>
-            <a:endParaRPr lang="en-US" dirty="0">
-              <a:solidFill>
-                <a:srgbClr val="FF0000"/>
-              </a:solidFill>
-            </a:endParaRPr>
+              <a:rPr lang="en-US" sz="3200" dirty="0" err="1">
+                <a:latin typeface="Consolas" panose="020B0609020204030204" pitchFamily="49" charset="0"/>
+                <a:cs typeface="Consolas" panose="020B0609020204030204" pitchFamily="49" charset="0"/>
+              </a:rPr>
+              <a:t>TextureCube</a:t>
+            </a:r>
+            <a:r>
+              <a:rPr lang="hu-HU" sz="3200" dirty="0">
+                <a:latin typeface="Consolas" panose="020B0609020204030204" pitchFamily="49" charset="0"/>
+                <a:cs typeface="Consolas" panose="020B0609020204030204" pitchFamily="49" charset="0"/>
+              </a:rPr>
+              <a:t>.</a:t>
+            </a:r>
+            <a:r>
+              <a:rPr lang="hu-HU" sz="3200" dirty="0" err="1">
+                <a:latin typeface="Consolas" panose="020B0609020204030204" pitchFamily="49" charset="0"/>
+                <a:cs typeface="Consolas" panose="020B0609020204030204" pitchFamily="49" charset="0"/>
+              </a:rPr>
+              <a:t>kt</a:t>
+            </a:r>
+            <a:r>
+              <a:rPr lang="en-US" sz="3200" dirty="0">
+                <a:cs typeface="Consolas" panose="020B0609020204030204" pitchFamily="49" charset="0"/>
+              </a:rPr>
+              <a:t> – similar to </a:t>
+            </a:r>
+            <a:r>
+              <a:rPr lang="en-US" sz="3200" dirty="0">
+                <a:latin typeface="Consolas" panose="020B0609020204030204" pitchFamily="49" charset="0"/>
+                <a:cs typeface="Consolas" panose="020B0609020204030204" pitchFamily="49" charset="0"/>
+              </a:rPr>
+              <a:t>Texture2D</a:t>
+            </a:r>
           </a:p>
         </p:txBody>
       </p:sp>
       <p:sp>
         <p:nvSpPr>
-          <p:cNvPr id="4" name="Content Placeholder 3"/>
+          <p:cNvPr id="4" name="Content Placeholder 3">
+            <a:extLst>
+              <a:ext uri="{FF2B5EF4-FFF2-40B4-BE49-F238E27FC236}">
+                <a16:creationId xmlns:a16="http://schemas.microsoft.com/office/drawing/2014/main" id="{7BA7820A-0B1B-4715-8FC8-B805517B8191}"/>
+              </a:ext>
+            </a:extLst>
+          </p:cNvPr>
           <p:cNvSpPr>
             <a:spLocks noGrp="1"/>
           </p:cNvSpPr>
@@ -7264,685 +7144,888 @@
             <p:ph idx="1"/>
           </p:nvPr>
         </p:nvSpPr>
-        <p:spPr>
-          <a:solidFill>
-            <a:schemeClr val="accent1">
-              <a:lumMod val="20000"/>
-              <a:lumOff val="80000"/>
-            </a:schemeClr>
-          </a:solidFill>
-        </p:spPr>
-        <p:style>
-          <a:lnRef idx="2">
-            <a:schemeClr val="accent1">
-              <a:shade val="50000"/>
-            </a:schemeClr>
-          </a:lnRef>
-          <a:fillRef idx="1">
-            <a:schemeClr val="accent1"/>
-          </a:fillRef>
-          <a:effectRef idx="0">
-            <a:schemeClr val="accent1"/>
-          </a:effectRef>
-          <a:fontRef idx="minor">
-            <a:schemeClr val="lt1"/>
-          </a:fontRef>
-        </p:style>
+        <p:spPr/>
         <p:txBody>
-          <a:bodyPr rtlCol="0" anchor="ctr">
-            <a:noAutofit/>
-          </a:bodyPr>
+          <a:bodyPr/>
           <a:lstStyle/>
           <a:p>
             <a:pPr>
               <a:lnSpc>
                 <a:spcPct val="107000"/>
               </a:lnSpc>
+              <a:tabLst>
+                <a:tab pos="581660" algn="l"/>
+                <a:tab pos="1163320" algn="l"/>
+                <a:tab pos="1744980" algn="l"/>
+                <a:tab pos="2326640" algn="l"/>
+                <a:tab pos="2908300" algn="l"/>
+                <a:tab pos="3489960" algn="l"/>
+                <a:tab pos="4071620" algn="l"/>
+                <a:tab pos="4653280" algn="l"/>
+                <a:tab pos="5234940" algn="l"/>
+                <a:tab pos="5816600" algn="l"/>
+                <a:tab pos="6398260" algn="l"/>
+                <a:tab pos="6979920" algn="l"/>
+                <a:tab pos="7561580" algn="l"/>
+                <a:tab pos="8143240" algn="l"/>
+                <a:tab pos="8724900" algn="l"/>
+                <a:tab pos="9306560" algn="l"/>
+              </a:tabLst>
             </a:pPr>
             <a:r>
-              <a:rPr lang="hu-HU" sz="1800" dirty="0">
-                <a:solidFill>
-                  <a:srgbClr val="8F8634"/>
-                </a:solidFill>
-                <a:ea typeface="Times New Roman" panose="02020603050405020304" pitchFamily="18" charset="0"/>
-                <a:cs typeface="Times New Roman" panose="02020603050405020304" pitchFamily="18" charset="0"/>
-              </a:rPr>
-              <a:t>"use strict";</a:t>
-            </a:r>
+              <a:rPr lang="en-US" sz="2400" dirty="0">
+                <a:solidFill>
+                  <a:srgbClr val="C70040"/>
+                </a:solidFill>
+                <a:latin typeface="Consolas" panose="020B0609020204030204" pitchFamily="49" charset="0"/>
+                <a:ea typeface="Times New Roman" panose="02020603050405020304" pitchFamily="18" charset="0"/>
+                <a:cs typeface="Times New Roman" panose="02020603050405020304" pitchFamily="18" charset="0"/>
+              </a:rPr>
+              <a:t>import </a:t>
+            </a:r>
+            <a:r>
+              <a:rPr lang="en-US" sz="2400" dirty="0" err="1">
+                <a:solidFill>
+                  <a:srgbClr val="000000"/>
+                </a:solidFill>
+                <a:latin typeface="Consolas" panose="020B0609020204030204" pitchFamily="49" charset="0"/>
+                <a:ea typeface="Times New Roman" panose="02020603050405020304" pitchFamily="18" charset="0"/>
+                <a:cs typeface="Times New Roman" panose="02020603050405020304" pitchFamily="18" charset="0"/>
+              </a:rPr>
+              <a:t>org.khronos.webgl.WebGLRenderingContext</a:t>
+            </a:r>
+            <a:r>
+              <a:rPr lang="en-US" sz="2400" dirty="0">
+                <a:solidFill>
+                  <a:srgbClr val="000000"/>
+                </a:solidFill>
+                <a:latin typeface="Consolas" panose="020B0609020204030204" pitchFamily="49" charset="0"/>
+                <a:ea typeface="Times New Roman" panose="02020603050405020304" pitchFamily="18" charset="0"/>
+                <a:cs typeface="Times New Roman" panose="02020603050405020304" pitchFamily="18" charset="0"/>
+              </a:rPr>
+              <a:t> </a:t>
+            </a:r>
+            <a:r>
+              <a:rPr lang="en-US" sz="2400" dirty="0">
+                <a:solidFill>
+                  <a:srgbClr val="C70040"/>
+                </a:solidFill>
+                <a:latin typeface="Consolas" panose="020B0609020204030204" pitchFamily="49" charset="0"/>
+                <a:ea typeface="Times New Roman" panose="02020603050405020304" pitchFamily="18" charset="0"/>
+                <a:cs typeface="Times New Roman" panose="02020603050405020304" pitchFamily="18" charset="0"/>
+              </a:rPr>
+              <a:t>as </a:t>
+            </a:r>
+            <a:r>
+              <a:rPr lang="en-US" sz="2400" dirty="0">
+                <a:solidFill>
+                  <a:srgbClr val="7C4FCD"/>
+                </a:solidFill>
+                <a:latin typeface="Consolas" panose="020B0609020204030204" pitchFamily="49" charset="0"/>
+                <a:ea typeface="Times New Roman" panose="02020603050405020304" pitchFamily="18" charset="0"/>
+                <a:cs typeface="Times New Roman" panose="02020603050405020304" pitchFamily="18" charset="0"/>
+              </a:rPr>
+              <a:t>GL</a:t>
+            </a:r>
+            <a:endParaRPr lang="en-US" sz="2400" dirty="0">
+              <a:latin typeface="Calibri" panose="020F0502020204030204" pitchFamily="34" charset="0"/>
+              <a:ea typeface="Calibri" panose="020F0502020204030204" pitchFamily="34" charset="0"/>
+              <a:cs typeface="Times New Roman" panose="02020603050405020304" pitchFamily="18" charset="0"/>
+            </a:endParaRPr>
           </a:p>
           <a:p>
             <a:pPr>
               <a:lnSpc>
                 <a:spcPct val="107000"/>
               </a:lnSpc>
+              <a:tabLst>
+                <a:tab pos="581660" algn="l"/>
+                <a:tab pos="1163320" algn="l"/>
+                <a:tab pos="1744980" algn="l"/>
+                <a:tab pos="2326640" algn="l"/>
+                <a:tab pos="2908300" algn="l"/>
+                <a:tab pos="3489960" algn="l"/>
+                <a:tab pos="4071620" algn="l"/>
+                <a:tab pos="4653280" algn="l"/>
+                <a:tab pos="5234940" algn="l"/>
+                <a:tab pos="5816600" algn="l"/>
+                <a:tab pos="6398260" algn="l"/>
+                <a:tab pos="6979920" algn="l"/>
+                <a:tab pos="7561580" algn="l"/>
+                <a:tab pos="8143240" algn="l"/>
+                <a:tab pos="8724900" algn="l"/>
+                <a:tab pos="9306560" algn="l"/>
+              </a:tabLst>
             </a:pPr>
             <a:r>
-              <a:rPr lang="hu-HU" sz="1800" dirty="0">
-                <a:solidFill>
-                  <a:srgbClr val="00B050"/>
-                </a:solidFill>
-                <a:ea typeface="Times New Roman" panose="02020603050405020304" pitchFamily="18" charset="0"/>
-                <a:cs typeface="Times New Roman" panose="02020603050405020304" pitchFamily="18" charset="0"/>
-              </a:rPr>
-              <a:t>/* exports TextureCube */</a:t>
-            </a:r>
+              <a:rPr lang="en-US" sz="2400" dirty="0">
+                <a:solidFill>
+                  <a:srgbClr val="C70040"/>
+                </a:solidFill>
+                <a:latin typeface="Consolas" panose="020B0609020204030204" pitchFamily="49" charset="0"/>
+                <a:ea typeface="Times New Roman" panose="02020603050405020304" pitchFamily="18" charset="0"/>
+                <a:cs typeface="Times New Roman" panose="02020603050405020304" pitchFamily="18" charset="0"/>
+              </a:rPr>
+              <a:t>import </a:t>
+            </a:r>
+            <a:r>
+              <a:rPr lang="en-US" sz="2400" dirty="0" err="1">
+                <a:solidFill>
+                  <a:srgbClr val="000000"/>
+                </a:solidFill>
+                <a:latin typeface="Consolas" panose="020B0609020204030204" pitchFamily="49" charset="0"/>
+                <a:ea typeface="Times New Roman" panose="02020603050405020304" pitchFamily="18" charset="0"/>
+                <a:cs typeface="Times New Roman" panose="02020603050405020304" pitchFamily="18" charset="0"/>
+              </a:rPr>
+              <a:t>org.khronos.webgl.WebGLTexture</a:t>
+            </a:r>
+            <a:endParaRPr lang="en-US" sz="2400" dirty="0">
+              <a:latin typeface="Calibri" panose="020F0502020204030204" pitchFamily="34" charset="0"/>
+              <a:ea typeface="Calibri" panose="020F0502020204030204" pitchFamily="34" charset="0"/>
+              <a:cs typeface="Times New Roman" panose="02020603050405020304" pitchFamily="18" charset="0"/>
+            </a:endParaRPr>
           </a:p>
           <a:p>
             <a:pPr>
               <a:lnSpc>
                 <a:spcPct val="107000"/>
               </a:lnSpc>
+              <a:tabLst>
+                <a:tab pos="581660" algn="l"/>
+                <a:tab pos="1163320" algn="l"/>
+                <a:tab pos="1744980" algn="l"/>
+                <a:tab pos="2326640" algn="l"/>
+                <a:tab pos="2908300" algn="l"/>
+                <a:tab pos="3489960" algn="l"/>
+                <a:tab pos="4071620" algn="l"/>
+                <a:tab pos="4653280" algn="l"/>
+                <a:tab pos="5234940" algn="l"/>
+                <a:tab pos="5816600" algn="l"/>
+                <a:tab pos="6398260" algn="l"/>
+                <a:tab pos="6979920" algn="l"/>
+                <a:tab pos="7561580" algn="l"/>
+                <a:tab pos="8143240" algn="l"/>
+                <a:tab pos="8724900" algn="l"/>
+                <a:tab pos="9306560" algn="l"/>
+              </a:tabLst>
             </a:pPr>
             <a:r>
-              <a:rPr lang="hu-HU" sz="1800" i="1" dirty="0">
-                <a:solidFill>
-                  <a:srgbClr val="34A7BD"/>
-                </a:solidFill>
-                <a:ea typeface="Times New Roman" panose="02020603050405020304" pitchFamily="18" charset="0"/>
-                <a:cs typeface="Times New Roman" panose="02020603050405020304" pitchFamily="18" charset="0"/>
-              </a:rPr>
-              <a:t>class</a:t>
-            </a:r>
-            <a:r>
-              <a:rPr lang="hu-HU" sz="1800" dirty="0">
-                <a:solidFill>
-                  <a:schemeClr val="tx1"/>
-                </a:solidFill>
-                <a:ea typeface="Times New Roman" panose="02020603050405020304" pitchFamily="18" charset="0"/>
-                <a:cs typeface="Times New Roman" panose="02020603050405020304" pitchFamily="18" charset="0"/>
-              </a:rPr>
-              <a:t> </a:t>
-            </a:r>
-            <a:r>
-              <a:rPr lang="hu-HU" sz="1800" dirty="0">
-                <a:solidFill>
-                  <a:srgbClr val="427E00"/>
-                </a:solidFill>
-                <a:ea typeface="Times New Roman" panose="02020603050405020304" pitchFamily="18" charset="0"/>
-                <a:cs typeface="Times New Roman" panose="02020603050405020304" pitchFamily="18" charset="0"/>
-              </a:rPr>
-              <a:t>TextureCube</a:t>
-            </a:r>
-            <a:r>
-              <a:rPr lang="hu-HU" sz="1800" dirty="0">
-                <a:solidFill>
-                  <a:schemeClr val="tx1"/>
-                </a:solidFill>
-                <a:ea typeface="Times New Roman" panose="02020603050405020304" pitchFamily="18" charset="0"/>
-                <a:cs typeface="Times New Roman" panose="02020603050405020304" pitchFamily="18" charset="0"/>
-              </a:rPr>
-              <a:t> {</a:t>
-            </a:r>
+              <a:rPr lang="en-US" sz="2400" dirty="0">
+                <a:solidFill>
+                  <a:srgbClr val="C70040"/>
+                </a:solidFill>
+                <a:latin typeface="Consolas" panose="020B0609020204030204" pitchFamily="49" charset="0"/>
+                <a:ea typeface="Times New Roman" panose="02020603050405020304" pitchFamily="18" charset="0"/>
+                <a:cs typeface="Times New Roman" panose="02020603050405020304" pitchFamily="18" charset="0"/>
+              </a:rPr>
+              <a:t>import </a:t>
+            </a:r>
+            <a:r>
+              <a:rPr lang="en-US" sz="2400" dirty="0">
+                <a:solidFill>
+                  <a:srgbClr val="000000"/>
+                </a:solidFill>
+                <a:latin typeface="Consolas" panose="020B0609020204030204" pitchFamily="49" charset="0"/>
+                <a:ea typeface="Times New Roman" panose="02020603050405020304" pitchFamily="18" charset="0"/>
+                <a:cs typeface="Times New Roman" panose="02020603050405020304" pitchFamily="18" charset="0"/>
+              </a:rPr>
+              <a:t>org.w3c.dom.Image</a:t>
+            </a:r>
+            <a:endParaRPr lang="en-US" sz="2400" dirty="0">
+              <a:latin typeface="Calibri" panose="020F0502020204030204" pitchFamily="34" charset="0"/>
+              <a:ea typeface="Calibri" panose="020F0502020204030204" pitchFamily="34" charset="0"/>
+              <a:cs typeface="Times New Roman" panose="02020603050405020304" pitchFamily="18" charset="0"/>
+            </a:endParaRPr>
           </a:p>
           <a:p>
             <a:pPr>
               <a:lnSpc>
                 <a:spcPct val="107000"/>
               </a:lnSpc>
+              <a:tabLst>
+                <a:tab pos="581660" algn="l"/>
+                <a:tab pos="1163320" algn="l"/>
+                <a:tab pos="1744980" algn="l"/>
+                <a:tab pos="2326640" algn="l"/>
+                <a:tab pos="2908300" algn="l"/>
+                <a:tab pos="3489960" algn="l"/>
+                <a:tab pos="4071620" algn="l"/>
+                <a:tab pos="4653280" algn="l"/>
+                <a:tab pos="5234940" algn="l"/>
+                <a:tab pos="5816600" algn="l"/>
+                <a:tab pos="6398260" algn="l"/>
+                <a:tab pos="6979920" algn="l"/>
+                <a:tab pos="7561580" algn="l"/>
+                <a:tab pos="8143240" algn="l"/>
+                <a:tab pos="8724900" algn="l"/>
+                <a:tab pos="9306560" algn="l"/>
+              </a:tabLst>
             </a:pPr>
             <a:r>
-              <a:rPr lang="hu-HU" sz="1800" dirty="0">
-                <a:solidFill>
-                  <a:schemeClr val="tx1"/>
-                </a:solidFill>
-                <a:ea typeface="Times New Roman" panose="02020603050405020304" pitchFamily="18" charset="0"/>
-                <a:cs typeface="Times New Roman" panose="02020603050405020304" pitchFamily="18" charset="0"/>
-              </a:rPr>
-              <a:t>  </a:t>
-            </a:r>
-            <a:r>
-              <a:rPr lang="hu-HU" sz="1800" dirty="0">
-                <a:solidFill>
-                  <a:srgbClr val="427E00"/>
-                </a:solidFill>
-                <a:ea typeface="Times New Roman" panose="02020603050405020304" pitchFamily="18" charset="0"/>
-                <a:cs typeface="Times New Roman" panose="02020603050405020304" pitchFamily="18" charset="0"/>
-              </a:rPr>
-              <a:t>constructor</a:t>
-            </a:r>
-            <a:r>
-              <a:rPr lang="hu-HU" sz="1800" dirty="0">
-                <a:solidFill>
-                  <a:schemeClr val="tx1"/>
-                </a:solidFill>
-                <a:ea typeface="Times New Roman" panose="02020603050405020304" pitchFamily="18" charset="0"/>
-                <a:cs typeface="Times New Roman" panose="02020603050405020304" pitchFamily="18" charset="0"/>
-              </a:rPr>
-              <a:t>(</a:t>
-            </a:r>
-            <a:r>
-              <a:rPr lang="hu-HU" sz="1800" i="1" dirty="0">
-                <a:solidFill>
-                  <a:srgbClr val="CB6500"/>
-                </a:solidFill>
-                <a:ea typeface="Times New Roman" panose="02020603050405020304" pitchFamily="18" charset="0"/>
-                <a:cs typeface="Times New Roman" panose="02020603050405020304" pitchFamily="18" charset="0"/>
-              </a:rPr>
-              <a:t>gl</a:t>
-            </a:r>
-            <a:r>
-              <a:rPr lang="hu-HU" sz="1800" dirty="0">
-                <a:solidFill>
-                  <a:schemeClr val="tx1"/>
-                </a:solidFill>
-                <a:ea typeface="Times New Roman" panose="02020603050405020304" pitchFamily="18" charset="0"/>
-                <a:cs typeface="Times New Roman" panose="02020603050405020304" pitchFamily="18" charset="0"/>
-              </a:rPr>
-              <a:t>, </a:t>
-            </a:r>
-            <a:r>
-              <a:rPr lang="hu-HU" sz="1800" i="1" dirty="0">
-                <a:solidFill>
-                  <a:srgbClr val="CB6500"/>
-                </a:solidFill>
-                <a:ea typeface="Times New Roman" panose="02020603050405020304" pitchFamily="18" charset="0"/>
-                <a:cs typeface="Times New Roman" panose="02020603050405020304" pitchFamily="18" charset="0"/>
-              </a:rPr>
-              <a:t>mediaFileUrls</a:t>
-            </a:r>
-            <a:r>
-              <a:rPr lang="hu-HU" sz="1800" dirty="0">
-                <a:solidFill>
-                  <a:schemeClr val="tx1"/>
-                </a:solidFill>
-                <a:ea typeface="Times New Roman" panose="02020603050405020304" pitchFamily="18" charset="0"/>
-                <a:cs typeface="Times New Roman" panose="02020603050405020304" pitchFamily="18" charset="0"/>
-              </a:rPr>
-              <a:t>) {</a:t>
-            </a:r>
+              <a:rPr lang="en-US" sz="2400" dirty="0">
+                <a:solidFill>
+                  <a:srgbClr val="C70040"/>
+                </a:solidFill>
+                <a:latin typeface="Consolas" panose="020B0609020204030204" pitchFamily="49" charset="0"/>
+                <a:ea typeface="Times New Roman" panose="02020603050405020304" pitchFamily="18" charset="0"/>
+                <a:cs typeface="Times New Roman" panose="02020603050405020304" pitchFamily="18" charset="0"/>
+              </a:rPr>
+              <a:t>import </a:t>
+            </a:r>
+            <a:r>
+              <a:rPr lang="en-US" sz="2400" dirty="0">
+                <a:solidFill>
+                  <a:srgbClr val="000000"/>
+                </a:solidFill>
+                <a:latin typeface="Consolas" panose="020B0609020204030204" pitchFamily="49" charset="0"/>
+                <a:ea typeface="Times New Roman" panose="02020603050405020304" pitchFamily="18" charset="0"/>
+                <a:cs typeface="Times New Roman" panose="02020603050405020304" pitchFamily="18" charset="0"/>
+              </a:rPr>
+              <a:t>org.w3c.dom.events.Event</a:t>
+            </a:r>
+            <a:endParaRPr lang="en-US" sz="2400" dirty="0">
+              <a:latin typeface="Calibri" panose="020F0502020204030204" pitchFamily="34" charset="0"/>
+              <a:ea typeface="Calibri" panose="020F0502020204030204" pitchFamily="34" charset="0"/>
+              <a:cs typeface="Times New Roman" panose="02020603050405020304" pitchFamily="18" charset="0"/>
+            </a:endParaRPr>
           </a:p>
           <a:p>
             <a:pPr>
               <a:lnSpc>
                 <a:spcPct val="107000"/>
               </a:lnSpc>
+              <a:tabLst>
+                <a:tab pos="581660" algn="l"/>
+                <a:tab pos="1163320" algn="l"/>
+                <a:tab pos="1744980" algn="l"/>
+                <a:tab pos="2326640" algn="l"/>
+                <a:tab pos="2908300" algn="l"/>
+                <a:tab pos="3489960" algn="l"/>
+                <a:tab pos="4071620" algn="l"/>
+                <a:tab pos="4653280" algn="l"/>
+                <a:tab pos="5234940" algn="l"/>
+                <a:tab pos="5816600" algn="l"/>
+                <a:tab pos="6398260" algn="l"/>
+                <a:tab pos="6979920" algn="l"/>
+                <a:tab pos="7561580" algn="l"/>
+                <a:tab pos="8143240" algn="l"/>
+                <a:tab pos="8724900" algn="l"/>
+                <a:tab pos="9306560" algn="l"/>
+              </a:tabLst>
             </a:pPr>
             <a:r>
-              <a:rPr lang="hu-HU" sz="1800" dirty="0">
-                <a:solidFill>
-                  <a:schemeClr val="tx1"/>
-                </a:solidFill>
-                <a:ea typeface="Times New Roman" panose="02020603050405020304" pitchFamily="18" charset="0"/>
-                <a:cs typeface="Times New Roman" panose="02020603050405020304" pitchFamily="18" charset="0"/>
-              </a:rPr>
-              <a:t>    gl.pendingResources[mediaFileUrls[0]] </a:t>
-            </a:r>
-            <a:r>
-              <a:rPr lang="hu-HU" sz="1800" dirty="0" smtClean="0">
+              <a:rPr lang="en-US" sz="2400" dirty="0">
                 <a:solidFill>
                   <a:srgbClr val="C70040"/>
                 </a:solidFill>
-                <a:ea typeface="Times New Roman" panose="02020603050405020304" pitchFamily="18" charset="0"/>
-                <a:cs typeface="Times New Roman" panose="02020603050405020304" pitchFamily="18" charset="0"/>
-              </a:rPr>
-              <a:t>=</a:t>
-            </a:r>
-            <a:r>
-              <a:rPr lang="en-US" sz="1800" dirty="0" smtClean="0">
-                <a:solidFill>
-                  <a:srgbClr val="C70040"/>
-                </a:solidFill>
-                <a:ea typeface="Times New Roman" panose="02020603050405020304" pitchFamily="18" charset="0"/>
-                <a:cs typeface="Times New Roman" panose="02020603050405020304" pitchFamily="18" charset="0"/>
-              </a:rPr>
-              <a:t> </a:t>
-            </a:r>
-            <a:r>
-              <a:rPr lang="hu-HU" sz="1800" dirty="0" smtClean="0">
-                <a:solidFill>
-                  <a:srgbClr val="C70040"/>
-                </a:solidFill>
-                <a:ea typeface="Times New Roman" panose="02020603050405020304" pitchFamily="18" charset="0"/>
-                <a:cs typeface="Times New Roman" panose="02020603050405020304" pitchFamily="18" charset="0"/>
-              </a:rPr>
-              <a:t>++</a:t>
-            </a:r>
-            <a:r>
-              <a:rPr lang="hu-HU" sz="1800" dirty="0">
-                <a:solidFill>
-                  <a:schemeClr val="tx1"/>
-                </a:solidFill>
-                <a:ea typeface="Times New Roman" panose="02020603050405020304" pitchFamily="18" charset="0"/>
-                <a:cs typeface="Times New Roman" panose="02020603050405020304" pitchFamily="18" charset="0"/>
-              </a:rPr>
-              <a:t>gl.pendingResources[mediaFileUrls[0]] || 1;</a:t>
-            </a:r>
+                <a:latin typeface="Consolas" panose="020B0609020204030204" pitchFamily="49" charset="0"/>
+                <a:ea typeface="Times New Roman" panose="02020603050405020304" pitchFamily="18" charset="0"/>
+                <a:cs typeface="Times New Roman" panose="02020603050405020304" pitchFamily="18" charset="0"/>
+              </a:rPr>
+              <a:t>import </a:t>
+            </a:r>
+            <a:r>
+              <a:rPr lang="en-US" sz="2400" dirty="0" err="1">
+                <a:solidFill>
+                  <a:srgbClr val="000000"/>
+                </a:solidFill>
+                <a:latin typeface="Consolas" panose="020B0609020204030204" pitchFamily="49" charset="0"/>
+                <a:ea typeface="Times New Roman" panose="02020603050405020304" pitchFamily="18" charset="0"/>
+                <a:cs typeface="Times New Roman" panose="02020603050405020304" pitchFamily="18" charset="0"/>
+              </a:rPr>
+              <a:t>vision.gears.webglmath.Texture</a:t>
+            </a:r>
+            <a:endParaRPr lang="en-US" sz="2400" dirty="0">
+              <a:latin typeface="Calibri" panose="020F0502020204030204" pitchFamily="34" charset="0"/>
+              <a:ea typeface="Calibri" panose="020F0502020204030204" pitchFamily="34" charset="0"/>
+              <a:cs typeface="Times New Roman" panose="02020603050405020304" pitchFamily="18" charset="0"/>
+            </a:endParaRPr>
           </a:p>
           <a:p>
             <a:pPr>
               <a:lnSpc>
                 <a:spcPct val="107000"/>
               </a:lnSpc>
+              <a:tabLst>
+                <a:tab pos="581660" algn="l"/>
+                <a:tab pos="1163320" algn="l"/>
+                <a:tab pos="1744980" algn="l"/>
+                <a:tab pos="2326640" algn="l"/>
+                <a:tab pos="2908300" algn="l"/>
+                <a:tab pos="3489960" algn="l"/>
+                <a:tab pos="4071620" algn="l"/>
+                <a:tab pos="4653280" algn="l"/>
+                <a:tab pos="5234940" algn="l"/>
+                <a:tab pos="5816600" algn="l"/>
+                <a:tab pos="6398260" algn="l"/>
+                <a:tab pos="6979920" algn="l"/>
+                <a:tab pos="7561580" algn="l"/>
+                <a:tab pos="8143240" algn="l"/>
+                <a:tab pos="8724900" algn="l"/>
+                <a:tab pos="9306560" algn="l"/>
+              </a:tabLst>
             </a:pPr>
-            <a:r>
-              <a:rPr lang="hu-HU" sz="1800" dirty="0">
-                <a:solidFill>
-                  <a:schemeClr val="tx1"/>
-                </a:solidFill>
-                <a:ea typeface="Times New Roman" panose="02020603050405020304" pitchFamily="18" charset="0"/>
-                <a:cs typeface="Times New Roman" panose="02020603050405020304" pitchFamily="18" charset="0"/>
-              </a:rPr>
-              <a:t>    this.mediaFileUrls </a:t>
-            </a:r>
-            <a:r>
-              <a:rPr lang="hu-HU" sz="1800" dirty="0">
-                <a:solidFill>
-                  <a:srgbClr val="C70040"/>
-                </a:solidFill>
-                <a:ea typeface="Times New Roman" panose="02020603050405020304" pitchFamily="18" charset="0"/>
-                <a:cs typeface="Times New Roman" panose="02020603050405020304" pitchFamily="18" charset="0"/>
-              </a:rPr>
-              <a:t>=</a:t>
-            </a:r>
-            <a:r>
-              <a:rPr lang="hu-HU" sz="1800" dirty="0">
-                <a:solidFill>
-                  <a:schemeClr val="tx1"/>
-                </a:solidFill>
-                <a:ea typeface="Times New Roman" panose="02020603050405020304" pitchFamily="18" charset="0"/>
-                <a:cs typeface="Times New Roman" panose="02020603050405020304" pitchFamily="18" charset="0"/>
-              </a:rPr>
-              <a:t> mediaFileUrls;</a:t>
-            </a:r>
+            <a:endParaRPr lang="en-US" sz="2400" dirty="0">
+              <a:latin typeface="Calibri" panose="020F0502020204030204" pitchFamily="34" charset="0"/>
+              <a:ea typeface="Calibri" panose="020F0502020204030204" pitchFamily="34" charset="0"/>
+              <a:cs typeface="Times New Roman" panose="02020603050405020304" pitchFamily="18" charset="0"/>
+            </a:endParaRPr>
           </a:p>
           <a:p>
             <a:pPr>
               <a:lnSpc>
                 <a:spcPct val="107000"/>
               </a:lnSpc>
+              <a:tabLst>
+                <a:tab pos="581660" algn="l"/>
+                <a:tab pos="1163320" algn="l"/>
+                <a:tab pos="1744980" algn="l"/>
+                <a:tab pos="2326640" algn="l"/>
+                <a:tab pos="2908300" algn="l"/>
+                <a:tab pos="3489960" algn="l"/>
+                <a:tab pos="4071620" algn="l"/>
+                <a:tab pos="4653280" algn="l"/>
+                <a:tab pos="5234940" algn="l"/>
+                <a:tab pos="5816600" algn="l"/>
+                <a:tab pos="6398260" algn="l"/>
+                <a:tab pos="6979920" algn="l"/>
+                <a:tab pos="7561580" algn="l"/>
+                <a:tab pos="8143240" algn="l"/>
+                <a:tab pos="8724900" algn="l"/>
+                <a:tab pos="9306560" algn="l"/>
+              </a:tabLst>
             </a:pPr>
             <a:r>
-              <a:rPr lang="hu-HU" sz="1800" dirty="0">
-                <a:solidFill>
-                  <a:schemeClr val="tx1"/>
-                </a:solidFill>
-                <a:ea typeface="Times New Roman" panose="02020603050405020304" pitchFamily="18" charset="0"/>
-                <a:cs typeface="Times New Roman" panose="02020603050405020304" pitchFamily="18" charset="0"/>
-              </a:rPr>
-              <a:t>    this.glTexture </a:t>
-            </a:r>
-            <a:r>
-              <a:rPr lang="hu-HU" sz="1800" dirty="0">
+              <a:rPr lang="en-US" sz="2400" dirty="0">
                 <a:solidFill>
                   <a:srgbClr val="C70040"/>
                 </a:solidFill>
-                <a:ea typeface="Times New Roman" panose="02020603050405020304" pitchFamily="18" charset="0"/>
-                <a:cs typeface="Times New Roman" panose="02020603050405020304" pitchFamily="18" charset="0"/>
-              </a:rPr>
-              <a:t>= </a:t>
-            </a:r>
-            <a:r>
-              <a:rPr lang="hu-HU" sz="1800" dirty="0">
-                <a:solidFill>
-                  <a:schemeClr val="tx1"/>
-                </a:solidFill>
-                <a:ea typeface="Times New Roman" panose="02020603050405020304" pitchFamily="18" charset="0"/>
-                <a:cs typeface="Times New Roman" panose="02020603050405020304" pitchFamily="18" charset="0"/>
-              </a:rPr>
-              <a:t>gl.createTexture();</a:t>
-            </a:r>
+                <a:latin typeface="Consolas" panose="020B0609020204030204" pitchFamily="49" charset="0"/>
+                <a:ea typeface="Times New Roman" panose="02020603050405020304" pitchFamily="18" charset="0"/>
+                <a:cs typeface="Times New Roman" panose="02020603050405020304" pitchFamily="18" charset="0"/>
+              </a:rPr>
+              <a:t>class </a:t>
+            </a:r>
+            <a:r>
+              <a:rPr lang="en-US" sz="2400" b="1" dirty="0" err="1">
+                <a:solidFill>
+                  <a:srgbClr val="000000"/>
+                </a:solidFill>
+                <a:latin typeface="Consolas" panose="020B0609020204030204" pitchFamily="49" charset="0"/>
+                <a:ea typeface="Times New Roman" panose="02020603050405020304" pitchFamily="18" charset="0"/>
+                <a:cs typeface="Times New Roman" panose="02020603050405020304" pitchFamily="18" charset="0"/>
+              </a:rPr>
+              <a:t>TextureCube</a:t>
+            </a:r>
+            <a:r>
+              <a:rPr lang="en-US" sz="2400" dirty="0">
+                <a:solidFill>
+                  <a:srgbClr val="000000"/>
+                </a:solidFill>
+                <a:latin typeface="Consolas" panose="020B0609020204030204" pitchFamily="49" charset="0"/>
+                <a:ea typeface="Times New Roman" panose="02020603050405020304" pitchFamily="18" charset="0"/>
+                <a:cs typeface="Times New Roman" panose="02020603050405020304" pitchFamily="18" charset="0"/>
+              </a:rPr>
+              <a:t>(</a:t>
+            </a:r>
+            <a:endParaRPr lang="en-US" sz="2400" dirty="0">
+              <a:latin typeface="Calibri" panose="020F0502020204030204" pitchFamily="34" charset="0"/>
+              <a:ea typeface="Calibri" panose="020F0502020204030204" pitchFamily="34" charset="0"/>
+              <a:cs typeface="Times New Roman" panose="02020603050405020304" pitchFamily="18" charset="0"/>
+            </a:endParaRPr>
           </a:p>
           <a:p>
             <a:pPr>
               <a:lnSpc>
                 <a:spcPct val="107000"/>
               </a:lnSpc>
+              <a:tabLst>
+                <a:tab pos="581660" algn="l"/>
+                <a:tab pos="1163320" algn="l"/>
+                <a:tab pos="1744980" algn="l"/>
+                <a:tab pos="2326640" algn="l"/>
+                <a:tab pos="2908300" algn="l"/>
+                <a:tab pos="3489960" algn="l"/>
+                <a:tab pos="4071620" algn="l"/>
+                <a:tab pos="4653280" algn="l"/>
+                <a:tab pos="5234940" algn="l"/>
+                <a:tab pos="5816600" algn="l"/>
+                <a:tab pos="6398260" algn="l"/>
+                <a:tab pos="6979920" algn="l"/>
+                <a:tab pos="7561580" algn="l"/>
+                <a:tab pos="8143240" algn="l"/>
+                <a:tab pos="8724900" algn="l"/>
+                <a:tab pos="9306560" algn="l"/>
+              </a:tabLst>
             </a:pPr>
             <a:r>
-              <a:rPr lang="hu-HU" sz="1800" dirty="0">
-                <a:solidFill>
-                  <a:schemeClr val="tx1"/>
-                </a:solidFill>
-                <a:ea typeface="Times New Roman" panose="02020603050405020304" pitchFamily="18" charset="0"/>
-                <a:cs typeface="Times New Roman" panose="02020603050405020304" pitchFamily="18" charset="0"/>
-              </a:rPr>
-              <a:t>    this.loadedCount </a:t>
-            </a:r>
-            <a:r>
-              <a:rPr lang="hu-HU" sz="1800" dirty="0">
+              <a:rPr lang="en-US" sz="2400" dirty="0">
+                <a:solidFill>
+                  <a:srgbClr val="000000"/>
+                </a:solidFill>
+                <a:latin typeface="Consolas" panose="020B0609020204030204" pitchFamily="49" charset="0"/>
+                <a:ea typeface="Times New Roman" panose="02020603050405020304" pitchFamily="18" charset="0"/>
+                <a:cs typeface="Times New Roman" panose="02020603050405020304" pitchFamily="18" charset="0"/>
+              </a:rPr>
+              <a:t>  </a:t>
+            </a:r>
+            <a:r>
+              <a:rPr lang="en-US" sz="2400" i="1" dirty="0" err="1">
+                <a:solidFill>
+                  <a:srgbClr val="CB6500"/>
+                </a:solidFill>
+                <a:latin typeface="Consolas" panose="020B0609020204030204" pitchFamily="49" charset="0"/>
+                <a:ea typeface="Times New Roman" panose="02020603050405020304" pitchFamily="18" charset="0"/>
+                <a:cs typeface="Times New Roman" panose="02020603050405020304" pitchFamily="18" charset="0"/>
+              </a:rPr>
+              <a:t>gl</a:t>
+            </a:r>
+            <a:r>
+              <a:rPr lang="en-US" sz="2400" i="1" dirty="0">
+                <a:solidFill>
+                  <a:srgbClr val="CB6500"/>
+                </a:solidFill>
+                <a:latin typeface="Consolas" panose="020B0609020204030204" pitchFamily="49" charset="0"/>
+                <a:ea typeface="Times New Roman" panose="02020603050405020304" pitchFamily="18" charset="0"/>
+                <a:cs typeface="Times New Roman" panose="02020603050405020304" pitchFamily="18" charset="0"/>
+              </a:rPr>
+              <a:t> </a:t>
+            </a:r>
+            <a:r>
+              <a:rPr lang="en-US" sz="2400" dirty="0">
                 <a:solidFill>
                   <a:srgbClr val="C70040"/>
                 </a:solidFill>
-                <a:ea typeface="Times New Roman" panose="02020603050405020304" pitchFamily="18" charset="0"/>
-                <a:cs typeface="Times New Roman" panose="02020603050405020304" pitchFamily="18" charset="0"/>
-              </a:rPr>
-              <a:t>=</a:t>
-            </a:r>
-            <a:r>
-              <a:rPr lang="hu-HU" sz="1800" dirty="0">
-                <a:solidFill>
-                  <a:schemeClr val="tx1"/>
-                </a:solidFill>
-                <a:ea typeface="Times New Roman" panose="02020603050405020304" pitchFamily="18" charset="0"/>
-                <a:cs typeface="Times New Roman" panose="02020603050405020304" pitchFamily="18" charset="0"/>
-              </a:rPr>
-              <a:t> 0;</a:t>
-            </a:r>
+                <a:latin typeface="Consolas" panose="020B0609020204030204" pitchFamily="49" charset="0"/>
+                <a:ea typeface="Times New Roman" panose="02020603050405020304" pitchFamily="18" charset="0"/>
+                <a:cs typeface="Times New Roman" panose="02020603050405020304" pitchFamily="18" charset="0"/>
+              </a:rPr>
+              <a:t>: </a:t>
+            </a:r>
+            <a:r>
+              <a:rPr lang="en-US" sz="2400" dirty="0">
+                <a:solidFill>
+                  <a:srgbClr val="000000"/>
+                </a:solidFill>
+                <a:latin typeface="Consolas" panose="020B0609020204030204" pitchFamily="49" charset="0"/>
+                <a:ea typeface="Times New Roman" panose="02020603050405020304" pitchFamily="18" charset="0"/>
+                <a:cs typeface="Times New Roman" panose="02020603050405020304" pitchFamily="18" charset="0"/>
+              </a:rPr>
+              <a:t>WebGL2RenderingContext,</a:t>
+            </a:r>
+            <a:endParaRPr lang="en-US" sz="2400" dirty="0">
+              <a:latin typeface="Calibri" panose="020F0502020204030204" pitchFamily="34" charset="0"/>
+              <a:ea typeface="Calibri" panose="020F0502020204030204" pitchFamily="34" charset="0"/>
+              <a:cs typeface="Times New Roman" panose="02020603050405020304" pitchFamily="18" charset="0"/>
+            </a:endParaRPr>
           </a:p>
           <a:p>
             <a:pPr>
               <a:lnSpc>
                 <a:spcPct val="107000"/>
               </a:lnSpc>
+              <a:tabLst>
+                <a:tab pos="581660" algn="l"/>
+                <a:tab pos="1163320" algn="l"/>
+                <a:tab pos="1744980" algn="l"/>
+                <a:tab pos="2326640" algn="l"/>
+                <a:tab pos="2908300" algn="l"/>
+                <a:tab pos="3489960" algn="l"/>
+                <a:tab pos="4071620" algn="l"/>
+                <a:tab pos="4653280" algn="l"/>
+                <a:tab pos="5234940" algn="l"/>
+                <a:tab pos="5816600" algn="l"/>
+                <a:tab pos="6398260" algn="l"/>
+                <a:tab pos="6979920" algn="l"/>
+                <a:tab pos="7561580" algn="l"/>
+                <a:tab pos="8143240" algn="l"/>
+                <a:tab pos="8724900" algn="l"/>
+                <a:tab pos="9306560" algn="l"/>
+              </a:tabLst>
             </a:pPr>
             <a:r>
-              <a:rPr lang="hu-HU" sz="1800" dirty="0">
-                <a:solidFill>
-                  <a:schemeClr val="tx1"/>
-                </a:solidFill>
-                <a:ea typeface="Times New Roman" panose="02020603050405020304" pitchFamily="18" charset="0"/>
-                <a:cs typeface="Times New Roman" panose="02020603050405020304" pitchFamily="18" charset="0"/>
-              </a:rPr>
-              <a:t>    this.images </a:t>
-            </a:r>
-            <a:r>
-              <a:rPr lang="hu-HU" sz="1800" dirty="0">
+              <a:rPr lang="en-US" sz="2400" dirty="0">
+                <a:solidFill>
+                  <a:srgbClr val="000000"/>
+                </a:solidFill>
+                <a:latin typeface="Consolas" panose="020B0609020204030204" pitchFamily="49" charset="0"/>
+                <a:ea typeface="Times New Roman" panose="02020603050405020304" pitchFamily="18" charset="0"/>
+                <a:cs typeface="Times New Roman" panose="02020603050405020304" pitchFamily="18" charset="0"/>
+              </a:rPr>
+              <a:t>  </a:t>
+            </a:r>
+            <a:r>
+              <a:rPr lang="en-US" sz="2400" b="1" dirty="0" err="1">
                 <a:solidFill>
                   <a:srgbClr val="C70040"/>
                 </a:solidFill>
-                <a:ea typeface="Times New Roman" panose="02020603050405020304" pitchFamily="18" charset="0"/>
-                <a:cs typeface="Times New Roman" panose="02020603050405020304" pitchFamily="18" charset="0"/>
-              </a:rPr>
-              <a:t>= []</a:t>
-            </a:r>
-            <a:r>
-              <a:rPr lang="hu-HU" sz="1800" dirty="0">
-                <a:solidFill>
-                  <a:schemeClr val="tx1"/>
-                </a:solidFill>
-                <a:ea typeface="Times New Roman" panose="02020603050405020304" pitchFamily="18" charset="0"/>
-                <a:cs typeface="Times New Roman" panose="02020603050405020304" pitchFamily="18" charset="0"/>
-              </a:rPr>
-              <a:t>;</a:t>
-            </a:r>
+                <a:latin typeface="Consolas" panose="020B0609020204030204" pitchFamily="49" charset="0"/>
+                <a:ea typeface="Times New Roman" panose="02020603050405020304" pitchFamily="18" charset="0"/>
+                <a:cs typeface="Times New Roman" panose="02020603050405020304" pitchFamily="18" charset="0"/>
+              </a:rPr>
+              <a:t>vararg</a:t>
+            </a:r>
+            <a:r>
+              <a:rPr lang="en-US" sz="2400" dirty="0">
+                <a:solidFill>
+                  <a:srgbClr val="C70040"/>
+                </a:solidFill>
+                <a:latin typeface="Consolas" panose="020B0609020204030204" pitchFamily="49" charset="0"/>
+                <a:ea typeface="Times New Roman" panose="02020603050405020304" pitchFamily="18" charset="0"/>
+                <a:cs typeface="Times New Roman" panose="02020603050405020304" pitchFamily="18" charset="0"/>
+              </a:rPr>
+              <a:t> </a:t>
+            </a:r>
+            <a:r>
+              <a:rPr lang="en-US" sz="2400" i="1" dirty="0" err="1">
+                <a:solidFill>
+                  <a:srgbClr val="CB6500"/>
+                </a:solidFill>
+                <a:latin typeface="Consolas" panose="020B0609020204030204" pitchFamily="49" charset="0"/>
+                <a:ea typeface="Times New Roman" panose="02020603050405020304" pitchFamily="18" charset="0"/>
+                <a:cs typeface="Times New Roman" panose="02020603050405020304" pitchFamily="18" charset="0"/>
+              </a:rPr>
+              <a:t>mediaFileUrl</a:t>
+            </a:r>
+            <a:r>
+              <a:rPr lang="en-US" sz="2400" b="1" i="1" dirty="0" err="1">
+                <a:solidFill>
+                  <a:srgbClr val="CB6500"/>
+                </a:solidFill>
+                <a:latin typeface="Consolas" panose="020B0609020204030204" pitchFamily="49" charset="0"/>
+                <a:ea typeface="Times New Roman" panose="02020603050405020304" pitchFamily="18" charset="0"/>
+                <a:cs typeface="Times New Roman" panose="02020603050405020304" pitchFamily="18" charset="0"/>
+              </a:rPr>
+              <a:t>s</a:t>
+            </a:r>
+            <a:r>
+              <a:rPr lang="en-US" sz="2400" i="1" dirty="0">
+                <a:solidFill>
+                  <a:srgbClr val="CB6500"/>
+                </a:solidFill>
+                <a:latin typeface="Consolas" panose="020B0609020204030204" pitchFamily="49" charset="0"/>
+                <a:ea typeface="Times New Roman" panose="02020603050405020304" pitchFamily="18" charset="0"/>
+                <a:cs typeface="Times New Roman" panose="02020603050405020304" pitchFamily="18" charset="0"/>
+              </a:rPr>
+              <a:t> </a:t>
+            </a:r>
+            <a:r>
+              <a:rPr lang="en-US" sz="2400" dirty="0">
+                <a:solidFill>
+                  <a:srgbClr val="C70040"/>
+                </a:solidFill>
+                <a:latin typeface="Consolas" panose="020B0609020204030204" pitchFamily="49" charset="0"/>
+                <a:ea typeface="Times New Roman" panose="02020603050405020304" pitchFamily="18" charset="0"/>
+                <a:cs typeface="Times New Roman" panose="02020603050405020304" pitchFamily="18" charset="0"/>
+              </a:rPr>
+              <a:t>: </a:t>
+            </a:r>
+            <a:r>
+              <a:rPr lang="en-US" sz="2400" i="1" dirty="0">
+                <a:solidFill>
+                  <a:srgbClr val="34A7BD"/>
+                </a:solidFill>
+                <a:latin typeface="Consolas" panose="020B0609020204030204" pitchFamily="49" charset="0"/>
+                <a:ea typeface="Times New Roman" panose="02020603050405020304" pitchFamily="18" charset="0"/>
+                <a:cs typeface="Times New Roman" panose="02020603050405020304" pitchFamily="18" charset="0"/>
+              </a:rPr>
+              <a:t>String</a:t>
+            </a:r>
+            <a:endParaRPr lang="en-US" sz="2400" dirty="0">
+              <a:latin typeface="Calibri" panose="020F0502020204030204" pitchFamily="34" charset="0"/>
+              <a:ea typeface="Calibri" panose="020F0502020204030204" pitchFamily="34" charset="0"/>
+              <a:cs typeface="Times New Roman" panose="02020603050405020304" pitchFamily="18" charset="0"/>
+            </a:endParaRPr>
           </a:p>
           <a:p>
             <a:pPr>
               <a:lnSpc>
                 <a:spcPct val="107000"/>
               </a:lnSpc>
+              <a:tabLst>
+                <a:tab pos="581660" algn="l"/>
+                <a:tab pos="1163320" algn="l"/>
+                <a:tab pos="1744980" algn="l"/>
+                <a:tab pos="2326640" algn="l"/>
+                <a:tab pos="2908300" algn="l"/>
+                <a:tab pos="3489960" algn="l"/>
+                <a:tab pos="4071620" algn="l"/>
+                <a:tab pos="4653280" algn="l"/>
+                <a:tab pos="5234940" algn="l"/>
+                <a:tab pos="5816600" algn="l"/>
+                <a:tab pos="6398260" algn="l"/>
+                <a:tab pos="6979920" algn="l"/>
+                <a:tab pos="7561580" algn="l"/>
+                <a:tab pos="8143240" algn="l"/>
+                <a:tab pos="8724900" algn="l"/>
+                <a:tab pos="9306560" algn="l"/>
+              </a:tabLst>
             </a:pPr>
             <a:r>
-              <a:rPr lang="hu-HU" sz="1800" dirty="0">
-                <a:solidFill>
-                  <a:schemeClr val="tx1"/>
-                </a:solidFill>
-                <a:ea typeface="Times New Roman" panose="02020603050405020304" pitchFamily="18" charset="0"/>
-                <a:cs typeface="Times New Roman" panose="02020603050405020304" pitchFamily="18" charset="0"/>
-              </a:rPr>
-              <a:t>    for(let i</a:t>
-            </a:r>
-            <a:r>
-              <a:rPr lang="hu-HU" sz="1800" dirty="0">
+              <a:rPr lang="en-US" sz="2400" i="1" dirty="0">
+                <a:solidFill>
+                  <a:srgbClr val="34A7BD"/>
+                </a:solidFill>
+                <a:latin typeface="Consolas" panose="020B0609020204030204" pitchFamily="49" charset="0"/>
+                <a:ea typeface="Times New Roman" panose="02020603050405020304" pitchFamily="18" charset="0"/>
+                <a:cs typeface="Times New Roman" panose="02020603050405020304" pitchFamily="18" charset="0"/>
+              </a:rPr>
+              <a:t>  </a:t>
+            </a:r>
+            <a:r>
+              <a:rPr lang="en-US" sz="2400" dirty="0">
+                <a:solidFill>
+                  <a:srgbClr val="000000"/>
+                </a:solidFill>
+                <a:latin typeface="Consolas" panose="020B0609020204030204" pitchFamily="49" charset="0"/>
+                <a:ea typeface="Times New Roman" panose="02020603050405020304" pitchFamily="18" charset="0"/>
+                <a:cs typeface="Times New Roman" panose="02020603050405020304" pitchFamily="18" charset="0"/>
+              </a:rPr>
+              <a:t>) </a:t>
+            </a:r>
+            <a:r>
+              <a:rPr lang="en-US" sz="2400" dirty="0">
                 <a:solidFill>
                   <a:srgbClr val="C70040"/>
                 </a:solidFill>
-                <a:ea typeface="Times New Roman" panose="02020603050405020304" pitchFamily="18" charset="0"/>
-                <a:cs typeface="Times New Roman" panose="02020603050405020304" pitchFamily="18" charset="0"/>
-              </a:rPr>
-              <a:t>=</a:t>
-            </a:r>
-            <a:r>
-              <a:rPr lang="hu-HU" sz="1800" dirty="0">
-                <a:solidFill>
-                  <a:schemeClr val="tx1"/>
-                </a:solidFill>
-                <a:ea typeface="Times New Roman" panose="02020603050405020304" pitchFamily="18" charset="0"/>
-                <a:cs typeface="Times New Roman" panose="02020603050405020304" pitchFamily="18" charset="0"/>
-              </a:rPr>
-              <a:t>0; i</a:t>
-            </a:r>
-            <a:r>
-              <a:rPr lang="hu-HU" sz="1800" dirty="0">
-                <a:solidFill>
-                  <a:srgbClr val="C70040"/>
-                </a:solidFill>
-                <a:ea typeface="Times New Roman" panose="02020603050405020304" pitchFamily="18" charset="0"/>
-                <a:cs typeface="Times New Roman" panose="02020603050405020304" pitchFamily="18" charset="0"/>
-              </a:rPr>
-              <a:t>&lt;</a:t>
-            </a:r>
-            <a:r>
-              <a:rPr lang="hu-HU" sz="1800" dirty="0">
-                <a:solidFill>
-                  <a:schemeClr val="tx1"/>
-                </a:solidFill>
-                <a:ea typeface="Times New Roman" panose="02020603050405020304" pitchFamily="18" charset="0"/>
-                <a:cs typeface="Times New Roman" panose="02020603050405020304" pitchFamily="18" charset="0"/>
-              </a:rPr>
-              <a:t>6; i</a:t>
-            </a:r>
-            <a:r>
-              <a:rPr lang="hu-HU" sz="1800" dirty="0">
-                <a:solidFill>
-                  <a:srgbClr val="C70040"/>
-                </a:solidFill>
-                <a:ea typeface="Times New Roman" panose="02020603050405020304" pitchFamily="18" charset="0"/>
-                <a:cs typeface="Times New Roman" panose="02020603050405020304" pitchFamily="18" charset="0"/>
-              </a:rPr>
-              <a:t>++</a:t>
-            </a:r>
-            <a:r>
-              <a:rPr lang="hu-HU" sz="1800" dirty="0">
-                <a:solidFill>
-                  <a:schemeClr val="tx1"/>
-                </a:solidFill>
-                <a:ea typeface="Times New Roman" panose="02020603050405020304" pitchFamily="18" charset="0"/>
-                <a:cs typeface="Times New Roman" panose="02020603050405020304" pitchFamily="18" charset="0"/>
-              </a:rPr>
-              <a:t>){</a:t>
-            </a:r>
+                <a:latin typeface="Consolas" panose="020B0609020204030204" pitchFamily="49" charset="0"/>
+                <a:ea typeface="Times New Roman" panose="02020603050405020304" pitchFamily="18" charset="0"/>
+                <a:cs typeface="Times New Roman" panose="02020603050405020304" pitchFamily="18" charset="0"/>
+              </a:rPr>
+              <a:t>: </a:t>
+            </a:r>
+            <a:r>
+              <a:rPr lang="en-US" sz="2400" i="1" dirty="0">
+                <a:solidFill>
+                  <a:srgbClr val="427E00"/>
+                </a:solidFill>
+                <a:latin typeface="Consolas" panose="020B0609020204030204" pitchFamily="49" charset="0"/>
+                <a:ea typeface="Times New Roman" panose="02020603050405020304" pitchFamily="18" charset="0"/>
+                <a:cs typeface="Times New Roman" panose="02020603050405020304" pitchFamily="18" charset="0"/>
+              </a:rPr>
+              <a:t>Texture </a:t>
+            </a:r>
+            <a:r>
+              <a:rPr lang="en-US" sz="2400" dirty="0">
+                <a:solidFill>
+                  <a:srgbClr val="000000"/>
+                </a:solidFill>
+                <a:latin typeface="Consolas" panose="020B0609020204030204" pitchFamily="49" charset="0"/>
+                <a:ea typeface="Times New Roman" panose="02020603050405020304" pitchFamily="18" charset="0"/>
+                <a:cs typeface="Times New Roman" panose="02020603050405020304" pitchFamily="18" charset="0"/>
+              </a:rPr>
+              <a:t>{</a:t>
+            </a:r>
+            <a:endParaRPr lang="en-US" sz="2400" dirty="0">
+              <a:latin typeface="Calibri" panose="020F0502020204030204" pitchFamily="34" charset="0"/>
+              <a:ea typeface="Calibri" panose="020F0502020204030204" pitchFamily="34" charset="0"/>
+              <a:cs typeface="Times New Roman" panose="02020603050405020304" pitchFamily="18" charset="0"/>
+            </a:endParaRPr>
           </a:p>
           <a:p>
             <a:pPr>
               <a:lnSpc>
                 <a:spcPct val="107000"/>
               </a:lnSpc>
+              <a:tabLst>
+                <a:tab pos="581660" algn="l"/>
+                <a:tab pos="1163320" algn="l"/>
+                <a:tab pos="1744980" algn="l"/>
+                <a:tab pos="2326640" algn="l"/>
+                <a:tab pos="2908300" algn="l"/>
+                <a:tab pos="3489960" algn="l"/>
+                <a:tab pos="4071620" algn="l"/>
+                <a:tab pos="4653280" algn="l"/>
+                <a:tab pos="5234940" algn="l"/>
+                <a:tab pos="5816600" algn="l"/>
+                <a:tab pos="6398260" algn="l"/>
+                <a:tab pos="6979920" algn="l"/>
+                <a:tab pos="7561580" algn="l"/>
+                <a:tab pos="8143240" algn="l"/>
+                <a:tab pos="8724900" algn="l"/>
+                <a:tab pos="9306560" algn="l"/>
+              </a:tabLst>
             </a:pPr>
             <a:r>
-              <a:rPr lang="hu-HU" sz="1800" dirty="0">
-                <a:solidFill>
-                  <a:schemeClr val="tx1"/>
-                </a:solidFill>
-                <a:ea typeface="Times New Roman" panose="02020603050405020304" pitchFamily="18" charset="0"/>
-                <a:cs typeface="Times New Roman" panose="02020603050405020304" pitchFamily="18" charset="0"/>
-              </a:rPr>
-              <a:t>      this.images[i] </a:t>
-            </a:r>
-            <a:r>
-              <a:rPr lang="hu-HU" sz="1800" dirty="0">
+              <a:rPr lang="en-US" sz="2400" dirty="0">
+                <a:solidFill>
+                  <a:srgbClr val="000000"/>
+                </a:solidFill>
+                <a:latin typeface="Consolas" panose="020B0609020204030204" pitchFamily="49" charset="0"/>
+                <a:ea typeface="Times New Roman" panose="02020603050405020304" pitchFamily="18" charset="0"/>
+                <a:cs typeface="Times New Roman" panose="02020603050405020304" pitchFamily="18" charset="0"/>
+              </a:rPr>
+              <a:t>  </a:t>
+            </a:r>
+            <a:r>
+              <a:rPr lang="en-US" sz="2400" dirty="0">
                 <a:solidFill>
                   <a:srgbClr val="C70040"/>
                 </a:solidFill>
-                <a:ea typeface="Times New Roman" panose="02020603050405020304" pitchFamily="18" charset="0"/>
-                <a:cs typeface="Times New Roman" panose="02020603050405020304" pitchFamily="18" charset="0"/>
-              </a:rPr>
-              <a:t>= new</a:t>
-            </a:r>
-            <a:r>
-              <a:rPr lang="hu-HU" sz="1800" dirty="0">
-                <a:solidFill>
-                  <a:schemeClr val="tx1"/>
-                </a:solidFill>
-                <a:ea typeface="Times New Roman" panose="02020603050405020304" pitchFamily="18" charset="0"/>
-                <a:cs typeface="Times New Roman" panose="02020603050405020304" pitchFamily="18" charset="0"/>
-              </a:rPr>
-              <a:t> Image();</a:t>
-            </a:r>
-          </a:p>
-          <a:p>
-            <a:pPr>
-              <a:lnSpc>
-                <a:spcPct val="107000"/>
-              </a:lnSpc>
-            </a:pPr>
-            <a:r>
-              <a:rPr lang="hu-HU" sz="1800" dirty="0">
-                <a:solidFill>
-                  <a:schemeClr val="tx1"/>
-                </a:solidFill>
-                <a:ea typeface="Times New Roman" panose="02020603050405020304" pitchFamily="18" charset="0"/>
-                <a:cs typeface="Times New Roman" panose="02020603050405020304" pitchFamily="18" charset="0"/>
-              </a:rPr>
-              <a:t>      this.images[i].onload </a:t>
-            </a:r>
-            <a:r>
-              <a:rPr lang="hu-HU" sz="1800" dirty="0">
+                <a:latin typeface="Consolas" panose="020B0609020204030204" pitchFamily="49" charset="0"/>
+                <a:ea typeface="Times New Roman" panose="02020603050405020304" pitchFamily="18" charset="0"/>
+                <a:cs typeface="Times New Roman" panose="02020603050405020304" pitchFamily="18" charset="0"/>
+              </a:rPr>
+              <a:t>override </a:t>
+            </a:r>
+            <a:r>
+              <a:rPr lang="en-US" sz="2400" dirty="0" err="1">
                 <a:solidFill>
                   <a:srgbClr val="C70040"/>
                 </a:solidFill>
-                <a:ea typeface="Times New Roman" panose="02020603050405020304" pitchFamily="18" charset="0"/>
-                <a:cs typeface="Times New Roman" panose="02020603050405020304" pitchFamily="18" charset="0"/>
-              </a:rPr>
-              <a:t>=</a:t>
-            </a:r>
-            <a:r>
-              <a:rPr lang="hu-HU" sz="1800" dirty="0">
-                <a:solidFill>
-                  <a:schemeClr val="tx1"/>
-                </a:solidFill>
-                <a:ea typeface="Times New Roman" panose="02020603050405020304" pitchFamily="18" charset="0"/>
-                <a:cs typeface="Times New Roman" panose="02020603050405020304" pitchFamily="18" charset="0"/>
-              </a:rPr>
-              <a:t> () </a:t>
-            </a:r>
-            <a:r>
-              <a:rPr lang="hu-HU" sz="1800" dirty="0">
+                <a:latin typeface="Consolas" panose="020B0609020204030204" pitchFamily="49" charset="0"/>
+                <a:ea typeface="Times New Roman" panose="02020603050405020304" pitchFamily="18" charset="0"/>
+                <a:cs typeface="Times New Roman" panose="02020603050405020304" pitchFamily="18" charset="0"/>
+              </a:rPr>
+              <a:t>val</a:t>
+            </a:r>
+            <a:r>
+              <a:rPr lang="en-US" sz="2400" dirty="0">
                 <a:solidFill>
                   <a:srgbClr val="C70040"/>
                 </a:solidFill>
-                <a:ea typeface="Times New Roman" panose="02020603050405020304" pitchFamily="18" charset="0"/>
-                <a:cs typeface="Times New Roman" panose="02020603050405020304" pitchFamily="18" charset="0"/>
-              </a:rPr>
-              <a:t>=&gt;</a:t>
-            </a:r>
-            <a:r>
-              <a:rPr lang="hu-HU" sz="1800" dirty="0">
-                <a:solidFill>
-                  <a:schemeClr val="tx1"/>
-                </a:solidFill>
-                <a:ea typeface="Times New Roman" panose="02020603050405020304" pitchFamily="18" charset="0"/>
-                <a:cs typeface="Times New Roman" panose="02020603050405020304" pitchFamily="18" charset="0"/>
-              </a:rPr>
-              <a:t> {</a:t>
-            </a:r>
-          </a:p>
-          <a:p>
-            <a:pPr>
-              <a:lnSpc>
-                <a:spcPct val="107000"/>
-              </a:lnSpc>
-            </a:pPr>
-            <a:r>
-              <a:rPr lang="hu-HU" sz="1800" dirty="0">
-                <a:solidFill>
-                  <a:schemeClr val="tx1"/>
-                </a:solidFill>
-                <a:ea typeface="Times New Roman" panose="02020603050405020304" pitchFamily="18" charset="0"/>
-                <a:cs typeface="Times New Roman" panose="02020603050405020304" pitchFamily="18" charset="0"/>
-              </a:rPr>
-              <a:t>                             this.loaded(gl); }</a:t>
-            </a:r>
-          </a:p>
-          <a:p>
-            <a:pPr>
-              <a:lnSpc>
-                <a:spcPct val="107000"/>
-              </a:lnSpc>
-            </a:pPr>
-            <a:r>
-              <a:rPr lang="hu-HU" sz="1800" dirty="0">
-                <a:solidFill>
-                  <a:schemeClr val="tx1"/>
-                </a:solidFill>
-                <a:ea typeface="Times New Roman" panose="02020603050405020304" pitchFamily="18" charset="0"/>
-                <a:cs typeface="Times New Roman" panose="02020603050405020304" pitchFamily="18" charset="0"/>
-              </a:rPr>
-              <a:t>      this.images[i].src </a:t>
-            </a:r>
-            <a:r>
-              <a:rPr lang="hu-HU" sz="1800" dirty="0">
+                <a:latin typeface="Consolas" panose="020B0609020204030204" pitchFamily="49" charset="0"/>
+                <a:ea typeface="Times New Roman" panose="02020603050405020304" pitchFamily="18" charset="0"/>
+                <a:cs typeface="Times New Roman" panose="02020603050405020304" pitchFamily="18" charset="0"/>
+              </a:rPr>
+              <a:t> </a:t>
+            </a:r>
+            <a:r>
+              <a:rPr lang="en-US" sz="2400" dirty="0" err="1">
+                <a:solidFill>
+                  <a:srgbClr val="000000"/>
+                </a:solidFill>
+                <a:latin typeface="Consolas" panose="020B0609020204030204" pitchFamily="49" charset="0"/>
+                <a:ea typeface="Times New Roman" panose="02020603050405020304" pitchFamily="18" charset="0"/>
+                <a:cs typeface="Times New Roman" panose="02020603050405020304" pitchFamily="18" charset="0"/>
+              </a:rPr>
+              <a:t>glTexture</a:t>
+            </a:r>
+            <a:r>
+              <a:rPr lang="en-US" sz="2400" dirty="0">
+                <a:solidFill>
+                  <a:srgbClr val="000000"/>
+                </a:solidFill>
+                <a:latin typeface="Consolas" panose="020B0609020204030204" pitchFamily="49" charset="0"/>
+                <a:ea typeface="Times New Roman" panose="02020603050405020304" pitchFamily="18" charset="0"/>
+                <a:cs typeface="Times New Roman" panose="02020603050405020304" pitchFamily="18" charset="0"/>
+              </a:rPr>
+              <a:t> </a:t>
+            </a:r>
+            <a:r>
+              <a:rPr lang="en-US" sz="2400" dirty="0">
                 <a:solidFill>
                   <a:srgbClr val="C70040"/>
                 </a:solidFill>
-                <a:ea typeface="Times New Roman" panose="02020603050405020304" pitchFamily="18" charset="0"/>
-                <a:cs typeface="Times New Roman" panose="02020603050405020304" pitchFamily="18" charset="0"/>
-              </a:rPr>
-              <a:t>=</a:t>
-            </a:r>
-            <a:r>
-              <a:rPr lang="hu-HU" sz="1800" dirty="0">
-                <a:solidFill>
-                  <a:schemeClr val="tx1"/>
-                </a:solidFill>
-                <a:ea typeface="Times New Roman" panose="02020603050405020304" pitchFamily="18" charset="0"/>
-                <a:cs typeface="Times New Roman" panose="02020603050405020304" pitchFamily="18" charset="0"/>
-              </a:rPr>
-              <a:t> mediaFileUrls[i];</a:t>
-            </a:r>
-          </a:p>
-          <a:p>
-            <a:pPr>
-              <a:lnSpc>
-                <a:spcPct val="107000"/>
-              </a:lnSpc>
-            </a:pPr>
-            <a:r>
-              <a:rPr lang="hu-HU" sz="1800" dirty="0">
-                <a:solidFill>
-                  <a:schemeClr val="tx1"/>
-                </a:solidFill>
-                <a:ea typeface="Times New Roman" panose="02020603050405020304" pitchFamily="18" charset="0"/>
-                <a:cs typeface="Times New Roman" panose="02020603050405020304" pitchFamily="18" charset="0"/>
-              </a:rPr>
-              <a:t>    }</a:t>
-            </a:r>
-          </a:p>
-          <a:p>
-            <a:pPr>
-              <a:lnSpc>
-                <a:spcPct val="107000"/>
-              </a:lnSpc>
-            </a:pPr>
-            <a:r>
-              <a:rPr lang="hu-HU" sz="1800" dirty="0">
-                <a:solidFill>
-                  <a:schemeClr val="tx1"/>
-                </a:solidFill>
-                <a:ea typeface="Times New Roman" panose="02020603050405020304" pitchFamily="18" charset="0"/>
-                <a:cs typeface="Times New Roman" panose="02020603050405020304" pitchFamily="18" charset="0"/>
-              </a:rPr>
-              <a:t>  </a:t>
-            </a:r>
-            <a:r>
-              <a:rPr lang="hu-HU" sz="1800" dirty="0" smtClean="0">
-                <a:solidFill>
-                  <a:schemeClr val="tx1"/>
-                </a:solidFill>
-                <a:ea typeface="Times New Roman" panose="02020603050405020304" pitchFamily="18" charset="0"/>
-                <a:cs typeface="Times New Roman" panose="02020603050405020304" pitchFamily="18" charset="0"/>
-              </a:rPr>
-              <a:t>}</a:t>
-            </a:r>
-            <a:endParaRPr lang="hu-HU" sz="1800" dirty="0">
-              <a:solidFill>
-                <a:schemeClr val="tx1"/>
-              </a:solidFill>
-              <a:ea typeface="Times New Roman" panose="02020603050405020304" pitchFamily="18" charset="0"/>
+                <a:latin typeface="Consolas" panose="020B0609020204030204" pitchFamily="49" charset="0"/>
+                <a:ea typeface="Times New Roman" panose="02020603050405020304" pitchFamily="18" charset="0"/>
+                <a:cs typeface="Times New Roman" panose="02020603050405020304" pitchFamily="18" charset="0"/>
+              </a:rPr>
+              <a:t>: </a:t>
+            </a:r>
+            <a:r>
+              <a:rPr lang="en-US" sz="2400" dirty="0" err="1">
+                <a:solidFill>
+                  <a:srgbClr val="000000"/>
+                </a:solidFill>
+                <a:latin typeface="Consolas" panose="020B0609020204030204" pitchFamily="49" charset="0"/>
+                <a:ea typeface="Times New Roman" panose="02020603050405020304" pitchFamily="18" charset="0"/>
+                <a:cs typeface="Times New Roman" panose="02020603050405020304" pitchFamily="18" charset="0"/>
+              </a:rPr>
+              <a:t>WebGLTexture</a:t>
+            </a:r>
+            <a:r>
+              <a:rPr lang="en-US" sz="2400" dirty="0">
+                <a:solidFill>
+                  <a:srgbClr val="000000"/>
+                </a:solidFill>
+                <a:latin typeface="Consolas" panose="020B0609020204030204" pitchFamily="49" charset="0"/>
+                <a:ea typeface="Times New Roman" panose="02020603050405020304" pitchFamily="18" charset="0"/>
+                <a:cs typeface="Times New Roman" panose="02020603050405020304" pitchFamily="18" charset="0"/>
+              </a:rPr>
+              <a:t>? </a:t>
+            </a:r>
+            <a:r>
+              <a:rPr lang="en-US" sz="2400" dirty="0">
+                <a:solidFill>
+                  <a:srgbClr val="C70040"/>
+                </a:solidFill>
+                <a:latin typeface="Consolas" panose="020B0609020204030204" pitchFamily="49" charset="0"/>
+                <a:ea typeface="Times New Roman" panose="02020603050405020304" pitchFamily="18" charset="0"/>
+                <a:cs typeface="Times New Roman" panose="02020603050405020304" pitchFamily="18" charset="0"/>
+              </a:rPr>
+              <a:t>= </a:t>
+            </a:r>
+            <a:r>
+              <a:rPr lang="en-US" sz="2400" dirty="0" err="1">
+                <a:solidFill>
+                  <a:srgbClr val="000000"/>
+                </a:solidFill>
+                <a:latin typeface="Consolas" panose="020B0609020204030204" pitchFamily="49" charset="0"/>
+                <a:ea typeface="Times New Roman" panose="02020603050405020304" pitchFamily="18" charset="0"/>
+                <a:cs typeface="Times New Roman" panose="02020603050405020304" pitchFamily="18" charset="0"/>
+              </a:rPr>
+              <a:t>gl</a:t>
+            </a:r>
+            <a:r>
+              <a:rPr lang="en-US" sz="2400" dirty="0" err="1">
+                <a:solidFill>
+                  <a:srgbClr val="C70040"/>
+                </a:solidFill>
+                <a:latin typeface="Consolas" panose="020B0609020204030204" pitchFamily="49" charset="0"/>
+                <a:ea typeface="Times New Roman" panose="02020603050405020304" pitchFamily="18" charset="0"/>
+                <a:cs typeface="Times New Roman" panose="02020603050405020304" pitchFamily="18" charset="0"/>
+              </a:rPr>
+              <a:t>.</a:t>
+            </a:r>
+            <a:r>
+              <a:rPr lang="en-US" sz="2400" dirty="0" err="1">
+                <a:solidFill>
+                  <a:srgbClr val="000000"/>
+                </a:solidFill>
+                <a:latin typeface="Consolas" panose="020B0609020204030204" pitchFamily="49" charset="0"/>
+                <a:ea typeface="Times New Roman" panose="02020603050405020304" pitchFamily="18" charset="0"/>
+                <a:cs typeface="Times New Roman" panose="02020603050405020304" pitchFamily="18" charset="0"/>
+              </a:rPr>
+              <a:t>createTexture</a:t>
+            </a:r>
+            <a:r>
+              <a:rPr lang="en-US" sz="2400" dirty="0">
+                <a:solidFill>
+                  <a:srgbClr val="000000"/>
+                </a:solidFill>
+                <a:latin typeface="Consolas" panose="020B0609020204030204" pitchFamily="49" charset="0"/>
+                <a:ea typeface="Times New Roman" panose="02020603050405020304" pitchFamily="18" charset="0"/>
+                <a:cs typeface="Times New Roman" panose="02020603050405020304" pitchFamily="18" charset="0"/>
+              </a:rPr>
+              <a:t>()</a:t>
+            </a:r>
+            <a:endParaRPr lang="en-US" sz="2400" dirty="0">
+              <a:latin typeface="Calibri" panose="020F0502020204030204" pitchFamily="34" charset="0"/>
+              <a:ea typeface="Calibri" panose="020F0502020204030204" pitchFamily="34" charset="0"/>
               <a:cs typeface="Times New Roman" panose="02020603050405020304" pitchFamily="18" charset="0"/>
             </a:endParaRPr>
+          </a:p>
+          <a:p>
+            <a:endParaRPr lang="en-US" dirty="0"/>
           </a:p>
         </p:txBody>
       </p:sp>
       <p:sp>
         <p:nvSpPr>
-          <p:cNvPr id="5" name="TextBox 4"/>
+          <p:cNvPr id="5" name="TextBox 4">
+            <a:extLst>
+              <a:ext uri="{FF2B5EF4-FFF2-40B4-BE49-F238E27FC236}">
+                <a16:creationId xmlns:a16="http://schemas.microsoft.com/office/drawing/2014/main" id="{93EB2D97-E292-4358-8279-38075689BC7A}"/>
+              </a:ext>
+            </a:extLst>
+          </p:cNvPr>
           <p:cNvSpPr txBox="1"/>
           <p:nvPr/>
         </p:nvSpPr>
         <p:spPr>
           <a:xfrm>
-            <a:off x="0" y="-793020"/>
+            <a:off x="0" y="-898216"/>
             <a:ext cx="520118" cy="3170099"/>
           </a:xfrm>
           <a:prstGeom prst="rect">
@@ -7957,7 +8040,7 @@
           <a:lstStyle/>
           <a:p>
             <a:r>
-              <a:rPr lang="en-US" sz="20000" dirty="0" smtClean="0">
+              <a:rPr lang="en-US" sz="20000" dirty="0">
                 <a:solidFill>
                   <a:srgbClr val="00B050"/>
                 </a:solidFill>
@@ -7965,32 +8048,19 @@
               </a:rPr>
               <a:t>.</a:t>
             </a:r>
-            <a:endParaRPr lang="en-US" sz="20000" dirty="0">
-              <a:solidFill>
-                <a:srgbClr val="00B050"/>
-              </a:solidFill>
-              <a:latin typeface="Whipsmart" panose="020B0502030203050204" pitchFamily="34" charset="0"/>
-            </a:endParaRPr>
           </a:p>
         </p:txBody>
       </p:sp>
     </p:spTree>
     <p:extLst>
       <p:ext uri="{BB962C8B-B14F-4D97-AF65-F5344CB8AC3E}">
-        <p14:creationId xmlns:p14="http://schemas.microsoft.com/office/powerpoint/2010/main" val="430083167"/>
+        <p14:creationId xmlns:p14="http://schemas.microsoft.com/office/powerpoint/2010/main" val="155410238"/>
       </p:ext>
     </p:extLst>
   </p:cSld>
   <p:clrMapOvr>
     <a:masterClrMapping/>
   </p:clrMapOvr>
-  <p:timing>
-    <p:tnLst>
-      <p:par>
-        <p:cTn id="1" dur="indefinite" restart="never" nodeType="tmRoot"/>
-      </p:par>
-    </p:tnLst>
-  </p:timing>
 </p:sld>
 </file>
 
@@ -8023,54 +8093,63 @@
         </p:nvSpPr>
         <p:spPr/>
         <p:txBody>
-          <a:bodyPr vert="horz" lIns="91440" tIns="45720" rIns="91440" bIns="45720" rtlCol="0" anchor="ctr">
-            <a:normAutofit/>
+          <a:bodyPr>
+            <a:noAutofit/>
           </a:bodyPr>
           <a:lstStyle/>
           <a:p>
             <a:r>
-              <a:rPr lang="hu-HU" dirty="0">
-                <a:solidFill>
-                  <a:srgbClr val="FF0000"/>
-                </a:solidFill>
-              </a:rPr>
-              <a:t>TextureCube.js – </a:t>
-            </a:r>
-            <a:r>
-              <a:rPr lang="hu-HU" dirty="0" err="1">
-                <a:solidFill>
-                  <a:srgbClr val="FF0000"/>
-                </a:solidFill>
-              </a:rPr>
-              <a:t>resource</a:t>
-            </a:r>
-            <a:r>
-              <a:rPr lang="hu-HU" dirty="0">
-                <a:solidFill>
-                  <a:srgbClr val="FF0000"/>
-                </a:solidFill>
-              </a:rPr>
-              <a:t> </a:t>
-            </a:r>
-            <a:r>
-              <a:rPr lang="hu-HU" dirty="0" err="1">
-                <a:solidFill>
-                  <a:srgbClr val="FF0000"/>
-                </a:solidFill>
-              </a:rPr>
-              <a:t>creation</a:t>
-            </a:r>
-            <a:endParaRPr lang="en-US" dirty="0">
-              <a:solidFill>
-                <a:srgbClr val="FF0000"/>
-              </a:solidFill>
-            </a:endParaRPr>
+              <a:rPr lang="en-US" sz="3200" dirty="0" err="1">
+                <a:latin typeface="Consolas" panose="020B0609020204030204" pitchFamily="49" charset="0"/>
+                <a:cs typeface="Consolas" panose="020B0609020204030204" pitchFamily="49" charset="0"/>
+              </a:rPr>
+              <a:t>TextureCube</a:t>
+            </a:r>
+            <a:r>
+              <a:rPr lang="hu-HU" sz="3200" dirty="0">
+                <a:latin typeface="Consolas" panose="020B0609020204030204" pitchFamily="49" charset="0"/>
+                <a:cs typeface="Consolas" panose="020B0609020204030204" pitchFamily="49" charset="0"/>
+              </a:rPr>
+              <a:t>.</a:t>
+            </a:r>
+            <a:r>
+              <a:rPr lang="hu-HU" sz="3200" dirty="0" err="1">
+                <a:latin typeface="Consolas" panose="020B0609020204030204" pitchFamily="49" charset="0"/>
+                <a:cs typeface="Consolas" panose="020B0609020204030204" pitchFamily="49" charset="0"/>
+              </a:rPr>
+              <a:t>kt</a:t>
+            </a:r>
+            <a:r>
+              <a:rPr lang="en-US" sz="3200" dirty="0">
+                <a:cs typeface="Consolas" panose="020B0609020204030204" pitchFamily="49" charset="0"/>
+              </a:rPr>
+              <a:t> – similar to </a:t>
+            </a:r>
+            <a:r>
+              <a:rPr lang="en-US" sz="3200" dirty="0">
+                <a:latin typeface="Consolas" panose="020B0609020204030204" pitchFamily="49" charset="0"/>
+                <a:cs typeface="Consolas" panose="020B0609020204030204" pitchFamily="49" charset="0"/>
+              </a:rPr>
+              <a:t>Texture2D</a:t>
+            </a:r>
+            <a:r>
+              <a:rPr lang="en-US" sz="3200" dirty="0">
+                <a:cs typeface="Consolas" panose="020B0609020204030204" pitchFamily="49" charset="0"/>
+              </a:rPr>
+              <a:t>, but 6 images</a:t>
+            </a:r>
           </a:p>
         </p:txBody>
       </p:sp>
       <p:sp>
         <p:nvSpPr>
-          <p:cNvPr id="4" name="Content Placeholder 3"/>
+          <p:cNvPr id="4" name="Content Placeholder 3">
+            <a:extLst>
+              <a:ext uri="{FF2B5EF4-FFF2-40B4-BE49-F238E27FC236}">
+                <a16:creationId xmlns:a16="http://schemas.microsoft.com/office/drawing/2014/main" id="{C2621A13-DBE4-4F25-A88B-BB28520D9CB5}"/>
+              </a:ext>
+            </a:extLst>
+          </p:cNvPr>
           <p:cNvSpPr>
             <a:spLocks noGrp="1"/>
           </p:cNvSpPr>
@@ -8078,33 +8157,10 @@
             <p:ph idx="1"/>
           </p:nvPr>
         </p:nvSpPr>
-        <p:spPr>
-          <a:solidFill>
-            <a:schemeClr val="accent1">
-              <a:lumMod val="20000"/>
-              <a:lumOff val="80000"/>
-            </a:schemeClr>
-          </a:solidFill>
-        </p:spPr>
-        <p:style>
-          <a:lnRef idx="2">
-            <a:schemeClr val="accent1">
-              <a:shade val="50000"/>
-            </a:schemeClr>
-          </a:lnRef>
-          <a:fillRef idx="1">
-            <a:schemeClr val="accent1"/>
-          </a:fillRef>
-          <a:effectRef idx="0">
-            <a:schemeClr val="accent1"/>
-          </a:effectRef>
-          <a:fontRef idx="minor">
-            <a:schemeClr val="lt1"/>
-          </a:fontRef>
-        </p:style>
+        <p:spPr/>
         <p:txBody>
-          <a:bodyPr rtlCol="0" anchor="ctr">
-            <a:noAutofit/>
+          <a:bodyPr>
+            <a:normAutofit fontScale="70000" lnSpcReduction="20000"/>
           </a:bodyPr>
           <a:lstStyle/>
           <a:p>
@@ -8112,549 +8168,2407 @@
               <a:lnSpc>
                 <a:spcPct val="107000"/>
               </a:lnSpc>
+              <a:tabLst>
+                <a:tab pos="581660" algn="l"/>
+                <a:tab pos="1163320" algn="l"/>
+                <a:tab pos="1744980" algn="l"/>
+                <a:tab pos="2326640" algn="l"/>
+                <a:tab pos="2908300" algn="l"/>
+                <a:tab pos="3489960" algn="l"/>
+                <a:tab pos="4071620" algn="l"/>
+                <a:tab pos="4653280" algn="l"/>
+                <a:tab pos="5234940" algn="l"/>
+                <a:tab pos="5816600" algn="l"/>
+                <a:tab pos="6398260" algn="l"/>
+                <a:tab pos="6979920" algn="l"/>
+                <a:tab pos="7561580" algn="l"/>
+                <a:tab pos="8143240" algn="l"/>
+                <a:tab pos="8724900" algn="l"/>
+                <a:tab pos="9306560" algn="l"/>
+              </a:tabLst>
             </a:pPr>
             <a:r>
-              <a:rPr lang="en-US" sz="1600" dirty="0" smtClean="0">
-                <a:solidFill>
-                  <a:schemeClr val="tx1"/>
-                </a:solidFill>
-                <a:ea typeface="Times New Roman" panose="02020603050405020304" pitchFamily="18" charset="0"/>
-                <a:cs typeface="Times New Roman" panose="02020603050405020304" pitchFamily="18" charset="0"/>
-              </a:rPr>
-              <a:t>  </a:t>
-            </a:r>
-            <a:r>
-              <a:rPr lang="hu-HU" sz="1600" dirty="0">
-                <a:solidFill>
-                  <a:srgbClr val="427E00"/>
-                </a:solidFill>
-                <a:ea typeface="Times New Roman" panose="02020603050405020304" pitchFamily="18" charset="0"/>
-                <a:cs typeface="Times New Roman" panose="02020603050405020304" pitchFamily="18" charset="0"/>
-              </a:rPr>
-              <a:t>loaded</a:t>
-            </a:r>
-            <a:r>
-              <a:rPr lang="hu-HU" sz="1600" dirty="0" smtClean="0">
-                <a:solidFill>
-                  <a:schemeClr val="tx1"/>
-                </a:solidFill>
-                <a:ea typeface="Times New Roman" panose="02020603050405020304" pitchFamily="18" charset="0"/>
-                <a:cs typeface="Times New Roman" panose="02020603050405020304" pitchFamily="18" charset="0"/>
-              </a:rPr>
-              <a:t>(</a:t>
-            </a:r>
-            <a:r>
-              <a:rPr lang="hu-HU" sz="1600" i="1" dirty="0">
-                <a:solidFill>
-                  <a:srgbClr val="CB6500"/>
-                </a:solidFill>
-                <a:ea typeface="Times New Roman" panose="02020603050405020304" pitchFamily="18" charset="0"/>
-                <a:cs typeface="Times New Roman" panose="02020603050405020304" pitchFamily="18" charset="0"/>
-              </a:rPr>
-              <a:t>gl</a:t>
-            </a:r>
-            <a:r>
-              <a:rPr lang="hu-HU" sz="1600" dirty="0">
-                <a:solidFill>
-                  <a:schemeClr val="tx1"/>
-                </a:solidFill>
-                <a:ea typeface="Times New Roman" panose="02020603050405020304" pitchFamily="18" charset="0"/>
-                <a:cs typeface="Times New Roman" panose="02020603050405020304" pitchFamily="18" charset="0"/>
-              </a:rPr>
-              <a:t>){</a:t>
-            </a:r>
+              <a:rPr lang="en-US" sz="2400" dirty="0">
+                <a:solidFill>
+                  <a:srgbClr val="000000"/>
+                </a:solidFill>
+                <a:latin typeface="Consolas" panose="020B0609020204030204" pitchFamily="49" charset="0"/>
+                <a:ea typeface="Times New Roman" panose="02020603050405020304" pitchFamily="18" charset="0"/>
+                <a:cs typeface="Times New Roman" panose="02020603050405020304" pitchFamily="18" charset="0"/>
+              </a:rPr>
+              <a:t> </a:t>
+            </a:r>
+            <a:r>
+              <a:rPr lang="en-US" sz="2400" dirty="0" err="1">
+                <a:solidFill>
+                  <a:srgbClr val="000000"/>
+                </a:solidFill>
+                <a:latin typeface="Consolas" panose="020B0609020204030204" pitchFamily="49" charset="0"/>
+                <a:ea typeface="Times New Roman" panose="02020603050405020304" pitchFamily="18" charset="0"/>
+                <a:cs typeface="Times New Roman" panose="02020603050405020304" pitchFamily="18" charset="0"/>
+              </a:rPr>
+              <a:t>init</a:t>
+            </a:r>
+            <a:r>
+              <a:rPr lang="en-US" sz="2400" dirty="0">
+                <a:solidFill>
+                  <a:srgbClr val="000000"/>
+                </a:solidFill>
+                <a:latin typeface="Consolas" panose="020B0609020204030204" pitchFamily="49" charset="0"/>
+                <a:ea typeface="Times New Roman" panose="02020603050405020304" pitchFamily="18" charset="0"/>
+                <a:cs typeface="Times New Roman" panose="02020603050405020304" pitchFamily="18" charset="0"/>
+              </a:rPr>
+              <a:t> {</a:t>
+            </a:r>
+            <a:endParaRPr lang="en-US" sz="2400" dirty="0">
+              <a:latin typeface="Calibri" panose="020F0502020204030204" pitchFamily="34" charset="0"/>
+              <a:ea typeface="Calibri" panose="020F0502020204030204" pitchFamily="34" charset="0"/>
+              <a:cs typeface="Times New Roman" panose="02020603050405020304" pitchFamily="18" charset="0"/>
+            </a:endParaRPr>
           </a:p>
           <a:p>
             <a:pPr>
               <a:lnSpc>
                 <a:spcPct val="107000"/>
               </a:lnSpc>
+              <a:tabLst>
+                <a:tab pos="581660" algn="l"/>
+                <a:tab pos="1163320" algn="l"/>
+                <a:tab pos="1744980" algn="l"/>
+                <a:tab pos="2326640" algn="l"/>
+                <a:tab pos="2908300" algn="l"/>
+                <a:tab pos="3489960" algn="l"/>
+                <a:tab pos="4071620" algn="l"/>
+                <a:tab pos="4653280" algn="l"/>
+                <a:tab pos="5234940" algn="l"/>
+                <a:tab pos="5816600" algn="l"/>
+                <a:tab pos="6398260" algn="l"/>
+                <a:tab pos="6979920" algn="l"/>
+                <a:tab pos="7561580" algn="l"/>
+                <a:tab pos="8143240" algn="l"/>
+                <a:tab pos="8724900" algn="l"/>
+                <a:tab pos="9306560" algn="l"/>
+              </a:tabLst>
             </a:pPr>
             <a:r>
-              <a:rPr lang="hu-HU" sz="1600" dirty="0">
-                <a:solidFill>
-                  <a:schemeClr val="tx1"/>
-                </a:solidFill>
-                <a:ea typeface="Times New Roman" panose="02020603050405020304" pitchFamily="18" charset="0"/>
-                <a:cs typeface="Times New Roman" panose="02020603050405020304" pitchFamily="18" charset="0"/>
-              </a:rPr>
-              <a:t>    this.loadedCount++;</a:t>
-            </a:r>
+              <a:rPr lang="en-US" sz="2400" dirty="0">
+                <a:solidFill>
+                  <a:srgbClr val="000000"/>
+                </a:solidFill>
+                <a:latin typeface="Consolas" panose="020B0609020204030204" pitchFamily="49" charset="0"/>
+                <a:ea typeface="Times New Roman" panose="02020603050405020304" pitchFamily="18" charset="0"/>
+                <a:cs typeface="Times New Roman" panose="02020603050405020304" pitchFamily="18" charset="0"/>
+              </a:rPr>
+              <a:t>    </a:t>
+            </a:r>
+            <a:r>
+              <a:rPr lang="en-US" sz="2400" dirty="0" err="1">
+                <a:solidFill>
+                  <a:srgbClr val="C70040"/>
+                </a:solidFill>
+                <a:latin typeface="Consolas" panose="020B0609020204030204" pitchFamily="49" charset="0"/>
+                <a:ea typeface="Times New Roman" panose="02020603050405020304" pitchFamily="18" charset="0"/>
+                <a:cs typeface="Times New Roman" panose="02020603050405020304" pitchFamily="18" charset="0"/>
+              </a:rPr>
+              <a:t>val</a:t>
+            </a:r>
+            <a:r>
+              <a:rPr lang="en-US" sz="2400" dirty="0">
+                <a:solidFill>
+                  <a:srgbClr val="C70040"/>
+                </a:solidFill>
+                <a:latin typeface="Consolas" panose="020B0609020204030204" pitchFamily="49" charset="0"/>
+                <a:ea typeface="Times New Roman" panose="02020603050405020304" pitchFamily="18" charset="0"/>
+                <a:cs typeface="Times New Roman" panose="02020603050405020304" pitchFamily="18" charset="0"/>
+              </a:rPr>
+              <a:t> </a:t>
+            </a:r>
+            <a:r>
+              <a:rPr lang="en-US" sz="2400" dirty="0">
+                <a:solidFill>
+                  <a:srgbClr val="000000"/>
+                </a:solidFill>
+                <a:latin typeface="Consolas" panose="020B0609020204030204" pitchFamily="49" charset="0"/>
+                <a:ea typeface="Times New Roman" panose="02020603050405020304" pitchFamily="18" charset="0"/>
+                <a:cs typeface="Times New Roman" panose="02020603050405020304" pitchFamily="18" charset="0"/>
+              </a:rPr>
+              <a:t>image</a:t>
+            </a:r>
+            <a:r>
+              <a:rPr lang="en-US" sz="2400" b="1" dirty="0">
+                <a:solidFill>
+                  <a:srgbClr val="000000"/>
+                </a:solidFill>
+                <a:latin typeface="Consolas" panose="020B0609020204030204" pitchFamily="49" charset="0"/>
+                <a:ea typeface="Times New Roman" panose="02020603050405020304" pitchFamily="18" charset="0"/>
+                <a:cs typeface="Times New Roman" panose="02020603050405020304" pitchFamily="18" charset="0"/>
+              </a:rPr>
+              <a:t>s</a:t>
+            </a:r>
+            <a:r>
+              <a:rPr lang="en-US" sz="2400" dirty="0">
+                <a:solidFill>
+                  <a:srgbClr val="000000"/>
+                </a:solidFill>
+                <a:latin typeface="Consolas" panose="020B0609020204030204" pitchFamily="49" charset="0"/>
+                <a:ea typeface="Times New Roman" panose="02020603050405020304" pitchFamily="18" charset="0"/>
+                <a:cs typeface="Times New Roman" panose="02020603050405020304" pitchFamily="18" charset="0"/>
+              </a:rPr>
+              <a:t> </a:t>
+            </a:r>
+            <a:r>
+              <a:rPr lang="en-US" sz="2400" dirty="0">
+                <a:solidFill>
+                  <a:srgbClr val="C70040"/>
+                </a:solidFill>
+                <a:latin typeface="Consolas" panose="020B0609020204030204" pitchFamily="49" charset="0"/>
+                <a:ea typeface="Times New Roman" panose="02020603050405020304" pitchFamily="18" charset="0"/>
+                <a:cs typeface="Times New Roman" panose="02020603050405020304" pitchFamily="18" charset="0"/>
+              </a:rPr>
+              <a:t>= </a:t>
+            </a:r>
+            <a:r>
+              <a:rPr lang="en-US" sz="2400" b="1" i="1" dirty="0">
+                <a:solidFill>
+                  <a:srgbClr val="34A7BD"/>
+                </a:solidFill>
+                <a:latin typeface="Consolas" panose="020B0609020204030204" pitchFamily="49" charset="0"/>
+                <a:ea typeface="Times New Roman" panose="02020603050405020304" pitchFamily="18" charset="0"/>
+                <a:cs typeface="Times New Roman" panose="02020603050405020304" pitchFamily="18" charset="0"/>
+              </a:rPr>
+              <a:t>Array</a:t>
+            </a:r>
+            <a:r>
+              <a:rPr lang="en-US" sz="2400" b="1" dirty="0">
+                <a:solidFill>
+                  <a:srgbClr val="000000"/>
+                </a:solidFill>
+                <a:latin typeface="Consolas" panose="020B0609020204030204" pitchFamily="49" charset="0"/>
+                <a:ea typeface="Times New Roman" panose="02020603050405020304" pitchFamily="18" charset="0"/>
+                <a:cs typeface="Times New Roman" panose="02020603050405020304" pitchFamily="18" charset="0"/>
+              </a:rPr>
+              <a:t>&lt;Image&gt;(</a:t>
+            </a:r>
+            <a:r>
+              <a:rPr lang="en-US" sz="2400" b="1" dirty="0">
+                <a:solidFill>
+                  <a:srgbClr val="7C4FCD"/>
+                </a:solidFill>
+                <a:latin typeface="Consolas" panose="020B0609020204030204" pitchFamily="49" charset="0"/>
+                <a:ea typeface="Times New Roman" panose="02020603050405020304" pitchFamily="18" charset="0"/>
+                <a:cs typeface="Times New Roman" panose="02020603050405020304" pitchFamily="18" charset="0"/>
+              </a:rPr>
+              <a:t>6</a:t>
+            </a:r>
+            <a:r>
+              <a:rPr lang="en-US" sz="2400" b="1" dirty="0">
+                <a:solidFill>
+                  <a:srgbClr val="000000"/>
+                </a:solidFill>
+                <a:latin typeface="Consolas" panose="020B0609020204030204" pitchFamily="49" charset="0"/>
+                <a:ea typeface="Times New Roman" panose="02020603050405020304" pitchFamily="18" charset="0"/>
+                <a:cs typeface="Times New Roman" panose="02020603050405020304" pitchFamily="18" charset="0"/>
+              </a:rPr>
+              <a:t>) { </a:t>
+            </a:r>
+            <a:r>
+              <a:rPr lang="en-US" sz="2400" dirty="0">
+                <a:solidFill>
+                  <a:srgbClr val="000000"/>
+                </a:solidFill>
+                <a:latin typeface="Consolas" panose="020B0609020204030204" pitchFamily="49" charset="0"/>
+                <a:ea typeface="Times New Roman" panose="02020603050405020304" pitchFamily="18" charset="0"/>
+                <a:cs typeface="Times New Roman" panose="02020603050405020304" pitchFamily="18" charset="0"/>
+              </a:rPr>
+              <a:t>Image() </a:t>
+            </a:r>
+            <a:r>
+              <a:rPr lang="en-US" sz="2400" b="1" dirty="0">
+                <a:solidFill>
+                  <a:srgbClr val="000000"/>
+                </a:solidFill>
+                <a:latin typeface="Consolas" panose="020B0609020204030204" pitchFamily="49" charset="0"/>
+                <a:ea typeface="Times New Roman" panose="02020603050405020304" pitchFamily="18" charset="0"/>
+                <a:cs typeface="Times New Roman" panose="02020603050405020304" pitchFamily="18" charset="0"/>
+              </a:rPr>
+              <a:t>}</a:t>
+            </a:r>
+            <a:endParaRPr lang="en-US" sz="2400" b="1" dirty="0">
+              <a:latin typeface="Calibri" panose="020F0502020204030204" pitchFamily="34" charset="0"/>
+              <a:ea typeface="Calibri" panose="020F0502020204030204" pitchFamily="34" charset="0"/>
+              <a:cs typeface="Times New Roman" panose="02020603050405020304" pitchFamily="18" charset="0"/>
+            </a:endParaRPr>
           </a:p>
           <a:p>
             <a:pPr>
               <a:lnSpc>
                 <a:spcPct val="107000"/>
               </a:lnSpc>
+              <a:tabLst>
+                <a:tab pos="581660" algn="l"/>
+                <a:tab pos="1163320" algn="l"/>
+                <a:tab pos="1744980" algn="l"/>
+                <a:tab pos="2326640" algn="l"/>
+                <a:tab pos="2908300" algn="l"/>
+                <a:tab pos="3489960" algn="l"/>
+                <a:tab pos="4071620" algn="l"/>
+                <a:tab pos="4653280" algn="l"/>
+                <a:tab pos="5234940" algn="l"/>
+                <a:tab pos="5816600" algn="l"/>
+                <a:tab pos="6398260" algn="l"/>
+                <a:tab pos="6979920" algn="l"/>
+                <a:tab pos="7561580" algn="l"/>
+                <a:tab pos="8143240" algn="l"/>
+                <a:tab pos="8724900" algn="l"/>
+                <a:tab pos="9306560" algn="l"/>
+              </a:tabLst>
             </a:pPr>
             <a:r>
-              <a:rPr lang="hu-HU" sz="1600" dirty="0">
-                <a:solidFill>
-                  <a:schemeClr val="tx1"/>
-                </a:solidFill>
-                <a:ea typeface="Times New Roman" panose="02020603050405020304" pitchFamily="18" charset="0"/>
-                <a:cs typeface="Times New Roman" panose="02020603050405020304" pitchFamily="18" charset="0"/>
-              </a:rPr>
-              <a:t>    if(this.loadedCount </a:t>
-            </a:r>
-            <a:r>
-              <a:rPr lang="hu-HU" sz="1600" dirty="0">
+              <a:rPr lang="en-US" sz="2400" dirty="0">
+                <a:solidFill>
+                  <a:srgbClr val="000000"/>
+                </a:solidFill>
+                <a:latin typeface="Consolas" panose="020B0609020204030204" pitchFamily="49" charset="0"/>
+                <a:ea typeface="Times New Roman" panose="02020603050405020304" pitchFamily="18" charset="0"/>
+                <a:cs typeface="Times New Roman" panose="02020603050405020304" pitchFamily="18" charset="0"/>
+              </a:rPr>
+              <a:t>    </a:t>
+            </a:r>
+            <a:r>
+              <a:rPr lang="en-US" sz="2400" b="1" dirty="0">
                 <a:solidFill>
                   <a:srgbClr val="C70040"/>
                 </a:solidFill>
-                <a:ea typeface="Times New Roman" panose="02020603050405020304" pitchFamily="18" charset="0"/>
-                <a:cs typeface="Times New Roman" panose="02020603050405020304" pitchFamily="18" charset="0"/>
-              </a:rPr>
-              <a:t>&lt;</a:t>
-            </a:r>
-            <a:r>
-              <a:rPr lang="hu-HU" sz="1600" dirty="0">
-                <a:solidFill>
-                  <a:schemeClr val="tx1"/>
-                </a:solidFill>
-                <a:ea typeface="Times New Roman" panose="02020603050405020304" pitchFamily="18" charset="0"/>
-                <a:cs typeface="Times New Roman" panose="02020603050405020304" pitchFamily="18" charset="0"/>
-              </a:rPr>
-              <a:t> 6) {</a:t>
-            </a:r>
+                <a:latin typeface="Consolas" panose="020B0609020204030204" pitchFamily="49" charset="0"/>
+                <a:ea typeface="Times New Roman" panose="02020603050405020304" pitchFamily="18" charset="0"/>
+                <a:cs typeface="Times New Roman" panose="02020603050405020304" pitchFamily="18" charset="0"/>
+              </a:rPr>
+              <a:t>var </a:t>
+            </a:r>
+            <a:r>
+              <a:rPr lang="en-US" sz="2400" b="1" dirty="0" err="1">
+                <a:solidFill>
+                  <a:srgbClr val="000000"/>
+                </a:solidFill>
+                <a:latin typeface="Consolas" panose="020B0609020204030204" pitchFamily="49" charset="0"/>
+                <a:ea typeface="Times New Roman" panose="02020603050405020304" pitchFamily="18" charset="0"/>
+                <a:cs typeface="Times New Roman" panose="02020603050405020304" pitchFamily="18" charset="0"/>
+              </a:rPr>
+              <a:t>loadedCount</a:t>
+            </a:r>
+            <a:r>
+              <a:rPr lang="en-US" sz="2400" b="1" dirty="0">
+                <a:solidFill>
+                  <a:srgbClr val="000000"/>
+                </a:solidFill>
+                <a:latin typeface="Consolas" panose="020B0609020204030204" pitchFamily="49" charset="0"/>
+                <a:ea typeface="Times New Roman" panose="02020603050405020304" pitchFamily="18" charset="0"/>
+                <a:cs typeface="Times New Roman" panose="02020603050405020304" pitchFamily="18" charset="0"/>
+              </a:rPr>
+              <a:t> </a:t>
+            </a:r>
+            <a:r>
+              <a:rPr lang="en-US" sz="2400" b="1" dirty="0">
+                <a:solidFill>
+                  <a:srgbClr val="C70040"/>
+                </a:solidFill>
+                <a:latin typeface="Consolas" panose="020B0609020204030204" pitchFamily="49" charset="0"/>
+                <a:ea typeface="Times New Roman" panose="02020603050405020304" pitchFamily="18" charset="0"/>
+                <a:cs typeface="Times New Roman" panose="02020603050405020304" pitchFamily="18" charset="0"/>
+              </a:rPr>
+              <a:t>= </a:t>
+            </a:r>
+            <a:r>
+              <a:rPr lang="en-US" sz="2400" b="1" dirty="0">
+                <a:solidFill>
+                  <a:srgbClr val="7C4FCD"/>
+                </a:solidFill>
+                <a:latin typeface="Consolas" panose="020B0609020204030204" pitchFamily="49" charset="0"/>
+                <a:ea typeface="Times New Roman" panose="02020603050405020304" pitchFamily="18" charset="0"/>
+                <a:cs typeface="Times New Roman" panose="02020603050405020304" pitchFamily="18" charset="0"/>
+              </a:rPr>
+              <a:t>0    </a:t>
+            </a:r>
+            <a:endParaRPr lang="en-US" sz="2400" b="1" dirty="0">
+              <a:latin typeface="Calibri" panose="020F0502020204030204" pitchFamily="34" charset="0"/>
+              <a:ea typeface="Calibri" panose="020F0502020204030204" pitchFamily="34" charset="0"/>
+              <a:cs typeface="Times New Roman" panose="02020603050405020304" pitchFamily="18" charset="0"/>
+            </a:endParaRPr>
           </a:p>
           <a:p>
             <a:pPr>
               <a:lnSpc>
                 <a:spcPct val="107000"/>
               </a:lnSpc>
+              <a:tabLst>
+                <a:tab pos="581660" algn="l"/>
+                <a:tab pos="1163320" algn="l"/>
+                <a:tab pos="1744980" algn="l"/>
+                <a:tab pos="2326640" algn="l"/>
+                <a:tab pos="2908300" algn="l"/>
+                <a:tab pos="3489960" algn="l"/>
+                <a:tab pos="4071620" algn="l"/>
+                <a:tab pos="4653280" algn="l"/>
+                <a:tab pos="5234940" algn="l"/>
+                <a:tab pos="5816600" algn="l"/>
+                <a:tab pos="6398260" algn="l"/>
+                <a:tab pos="6979920" algn="l"/>
+                <a:tab pos="7561580" algn="l"/>
+                <a:tab pos="8143240" algn="l"/>
+                <a:tab pos="8724900" algn="l"/>
+                <a:tab pos="9306560" algn="l"/>
+              </a:tabLst>
             </a:pPr>
             <a:r>
-              <a:rPr lang="hu-HU" sz="1600" dirty="0">
-                <a:solidFill>
-                  <a:schemeClr val="tx1"/>
-                </a:solidFill>
-                <a:ea typeface="Times New Roman" panose="02020603050405020304" pitchFamily="18" charset="0"/>
-                <a:cs typeface="Times New Roman" panose="02020603050405020304" pitchFamily="18" charset="0"/>
-              </a:rPr>
-              <a:t>      return;</a:t>
-            </a:r>
+              <a:rPr lang="en-US" sz="2400" b="1" dirty="0">
+                <a:solidFill>
+                  <a:srgbClr val="7C4FCD"/>
+                </a:solidFill>
+                <a:latin typeface="Consolas" panose="020B0609020204030204" pitchFamily="49" charset="0"/>
+                <a:ea typeface="Times New Roman" panose="02020603050405020304" pitchFamily="18" charset="0"/>
+                <a:cs typeface="Times New Roman" panose="02020603050405020304" pitchFamily="18" charset="0"/>
+              </a:rPr>
+              <a:t>    </a:t>
+            </a:r>
+            <a:r>
+              <a:rPr lang="en-US" sz="2400" b="1" dirty="0">
+                <a:solidFill>
+                  <a:srgbClr val="C70040"/>
+                </a:solidFill>
+                <a:latin typeface="Consolas" panose="020B0609020204030204" pitchFamily="49" charset="0"/>
+                <a:ea typeface="Times New Roman" panose="02020603050405020304" pitchFamily="18" charset="0"/>
+                <a:cs typeface="Times New Roman" panose="02020603050405020304" pitchFamily="18" charset="0"/>
+              </a:rPr>
+              <a:t>for</a:t>
+            </a:r>
+            <a:r>
+              <a:rPr lang="en-US" sz="2400" b="1" dirty="0">
+                <a:solidFill>
+                  <a:srgbClr val="000000"/>
+                </a:solidFill>
+                <a:latin typeface="Consolas" panose="020B0609020204030204" pitchFamily="49" charset="0"/>
+                <a:ea typeface="Times New Roman" panose="02020603050405020304" pitchFamily="18" charset="0"/>
+                <a:cs typeface="Times New Roman" panose="02020603050405020304" pitchFamily="18" charset="0"/>
+              </a:rPr>
+              <a:t>(</a:t>
+            </a:r>
+            <a:r>
+              <a:rPr lang="en-US" sz="2400" b="1" dirty="0" err="1">
+                <a:solidFill>
+                  <a:srgbClr val="000000"/>
+                </a:solidFill>
+                <a:latin typeface="Consolas" panose="020B0609020204030204" pitchFamily="49" charset="0"/>
+                <a:ea typeface="Times New Roman" panose="02020603050405020304" pitchFamily="18" charset="0"/>
+                <a:cs typeface="Times New Roman" panose="02020603050405020304" pitchFamily="18" charset="0"/>
+              </a:rPr>
+              <a:t>i</a:t>
+            </a:r>
+            <a:r>
+              <a:rPr lang="en-US" sz="2400" b="1" dirty="0">
+                <a:solidFill>
+                  <a:srgbClr val="000000"/>
+                </a:solidFill>
+                <a:latin typeface="Consolas" panose="020B0609020204030204" pitchFamily="49" charset="0"/>
+                <a:ea typeface="Times New Roman" panose="02020603050405020304" pitchFamily="18" charset="0"/>
+                <a:cs typeface="Times New Roman" panose="02020603050405020304" pitchFamily="18" charset="0"/>
+              </a:rPr>
+              <a:t> </a:t>
+            </a:r>
+            <a:r>
+              <a:rPr lang="en-US" sz="2400" b="1" dirty="0">
+                <a:solidFill>
+                  <a:srgbClr val="C70040"/>
+                </a:solidFill>
+                <a:latin typeface="Consolas" panose="020B0609020204030204" pitchFamily="49" charset="0"/>
+                <a:ea typeface="Times New Roman" panose="02020603050405020304" pitchFamily="18" charset="0"/>
+                <a:cs typeface="Times New Roman" panose="02020603050405020304" pitchFamily="18" charset="0"/>
+              </a:rPr>
+              <a:t>in </a:t>
+            </a:r>
+            <a:r>
+              <a:rPr lang="en-US" sz="2400" b="1" dirty="0">
+                <a:solidFill>
+                  <a:srgbClr val="7C4FCD"/>
+                </a:solidFill>
+                <a:latin typeface="Consolas" panose="020B0609020204030204" pitchFamily="49" charset="0"/>
+                <a:ea typeface="Times New Roman" panose="02020603050405020304" pitchFamily="18" charset="0"/>
+                <a:cs typeface="Times New Roman" panose="02020603050405020304" pitchFamily="18" charset="0"/>
+              </a:rPr>
+              <a:t>0 </a:t>
+            </a:r>
+            <a:r>
+              <a:rPr lang="en-US" sz="2400" b="1" dirty="0">
+                <a:solidFill>
+                  <a:srgbClr val="000000"/>
+                </a:solidFill>
+                <a:latin typeface="Consolas" panose="020B0609020204030204" pitchFamily="49" charset="0"/>
+                <a:ea typeface="Times New Roman" panose="02020603050405020304" pitchFamily="18" charset="0"/>
+                <a:cs typeface="Times New Roman" panose="02020603050405020304" pitchFamily="18" charset="0"/>
+              </a:rPr>
+              <a:t>until </a:t>
+            </a:r>
+            <a:r>
+              <a:rPr lang="en-US" sz="2400" b="1" dirty="0">
+                <a:solidFill>
+                  <a:srgbClr val="7C4FCD"/>
+                </a:solidFill>
+                <a:latin typeface="Consolas" panose="020B0609020204030204" pitchFamily="49" charset="0"/>
+                <a:ea typeface="Times New Roman" panose="02020603050405020304" pitchFamily="18" charset="0"/>
+                <a:cs typeface="Times New Roman" panose="02020603050405020304" pitchFamily="18" charset="0"/>
+              </a:rPr>
+              <a:t>6</a:t>
+            </a:r>
+            <a:r>
+              <a:rPr lang="en-US" sz="2400" b="1" dirty="0">
+                <a:solidFill>
+                  <a:srgbClr val="000000"/>
+                </a:solidFill>
+                <a:latin typeface="Consolas" panose="020B0609020204030204" pitchFamily="49" charset="0"/>
+                <a:ea typeface="Times New Roman" panose="02020603050405020304" pitchFamily="18" charset="0"/>
+                <a:cs typeface="Times New Roman" panose="02020603050405020304" pitchFamily="18" charset="0"/>
+              </a:rPr>
+              <a:t>) {</a:t>
+            </a:r>
+            <a:endParaRPr lang="en-US" sz="2400" b="1" dirty="0">
+              <a:latin typeface="Calibri" panose="020F0502020204030204" pitchFamily="34" charset="0"/>
+              <a:ea typeface="Calibri" panose="020F0502020204030204" pitchFamily="34" charset="0"/>
+              <a:cs typeface="Times New Roman" panose="02020603050405020304" pitchFamily="18" charset="0"/>
+            </a:endParaRPr>
           </a:p>
           <a:p>
             <a:pPr>
               <a:lnSpc>
                 <a:spcPct val="107000"/>
               </a:lnSpc>
+              <a:tabLst>
+                <a:tab pos="581660" algn="l"/>
+                <a:tab pos="1163320" algn="l"/>
+                <a:tab pos="1744980" algn="l"/>
+                <a:tab pos="2326640" algn="l"/>
+                <a:tab pos="2908300" algn="l"/>
+                <a:tab pos="3489960" algn="l"/>
+                <a:tab pos="4071620" algn="l"/>
+                <a:tab pos="4653280" algn="l"/>
+                <a:tab pos="5234940" algn="l"/>
+                <a:tab pos="5816600" algn="l"/>
+                <a:tab pos="6398260" algn="l"/>
+                <a:tab pos="6979920" algn="l"/>
+                <a:tab pos="7561580" algn="l"/>
+                <a:tab pos="8143240" algn="l"/>
+                <a:tab pos="8724900" algn="l"/>
+                <a:tab pos="9306560" algn="l"/>
+              </a:tabLst>
             </a:pPr>
             <a:r>
-              <a:rPr lang="hu-HU" sz="1600" dirty="0">
-                <a:solidFill>
-                  <a:schemeClr val="tx1"/>
-                </a:solidFill>
-                <a:ea typeface="Times New Roman" panose="02020603050405020304" pitchFamily="18" charset="0"/>
-                <a:cs typeface="Times New Roman" panose="02020603050405020304" pitchFamily="18" charset="0"/>
-              </a:rPr>
-              <a:t>    }</a:t>
-            </a:r>
+              <a:rPr lang="en-US" sz="2400" dirty="0">
+                <a:solidFill>
+                  <a:srgbClr val="000000"/>
+                </a:solidFill>
+                <a:latin typeface="Consolas" panose="020B0609020204030204" pitchFamily="49" charset="0"/>
+                <a:ea typeface="Times New Roman" panose="02020603050405020304" pitchFamily="18" charset="0"/>
+                <a:cs typeface="Times New Roman" panose="02020603050405020304" pitchFamily="18" charset="0"/>
+              </a:rPr>
+              <a:t>      image</a:t>
+            </a:r>
+            <a:r>
+              <a:rPr lang="en-US" sz="2400" b="1" dirty="0">
+                <a:solidFill>
+                  <a:srgbClr val="000000"/>
+                </a:solidFill>
+                <a:latin typeface="Consolas" panose="020B0609020204030204" pitchFamily="49" charset="0"/>
+                <a:ea typeface="Times New Roman" panose="02020603050405020304" pitchFamily="18" charset="0"/>
+                <a:cs typeface="Times New Roman" panose="02020603050405020304" pitchFamily="18" charset="0"/>
+              </a:rPr>
+              <a:t>s[</a:t>
+            </a:r>
+            <a:r>
+              <a:rPr lang="en-US" sz="2400" b="1" dirty="0" err="1">
+                <a:solidFill>
+                  <a:srgbClr val="000000"/>
+                </a:solidFill>
+                <a:latin typeface="Consolas" panose="020B0609020204030204" pitchFamily="49" charset="0"/>
+                <a:ea typeface="Times New Roman" panose="02020603050405020304" pitchFamily="18" charset="0"/>
+                <a:cs typeface="Times New Roman" panose="02020603050405020304" pitchFamily="18" charset="0"/>
+              </a:rPr>
+              <a:t>i</a:t>
+            </a:r>
+            <a:r>
+              <a:rPr lang="en-US" sz="2400" b="1" dirty="0">
+                <a:solidFill>
+                  <a:srgbClr val="000000"/>
+                </a:solidFill>
+                <a:latin typeface="Consolas" panose="020B0609020204030204" pitchFamily="49" charset="0"/>
+                <a:ea typeface="Times New Roman" panose="02020603050405020304" pitchFamily="18" charset="0"/>
+                <a:cs typeface="Times New Roman" panose="02020603050405020304" pitchFamily="18" charset="0"/>
+              </a:rPr>
+              <a:t>]</a:t>
+            </a:r>
+            <a:r>
+              <a:rPr lang="en-US" sz="2400" dirty="0">
+                <a:solidFill>
+                  <a:srgbClr val="C70040"/>
+                </a:solidFill>
+                <a:latin typeface="Consolas" panose="020B0609020204030204" pitchFamily="49" charset="0"/>
+                <a:ea typeface="Times New Roman" panose="02020603050405020304" pitchFamily="18" charset="0"/>
+                <a:cs typeface="Times New Roman" panose="02020603050405020304" pitchFamily="18" charset="0"/>
+              </a:rPr>
+              <a:t>.</a:t>
+            </a:r>
+            <a:r>
+              <a:rPr lang="en-US" sz="2400" dirty="0">
+                <a:solidFill>
+                  <a:srgbClr val="000000"/>
+                </a:solidFill>
+                <a:latin typeface="Consolas" panose="020B0609020204030204" pitchFamily="49" charset="0"/>
+                <a:ea typeface="Times New Roman" panose="02020603050405020304" pitchFamily="18" charset="0"/>
+                <a:cs typeface="Times New Roman" panose="02020603050405020304" pitchFamily="18" charset="0"/>
+              </a:rPr>
+              <a:t>onload </a:t>
+            </a:r>
+            <a:r>
+              <a:rPr lang="en-US" sz="2400" dirty="0">
+                <a:solidFill>
+                  <a:srgbClr val="C70040"/>
+                </a:solidFill>
+                <a:latin typeface="Consolas" panose="020B0609020204030204" pitchFamily="49" charset="0"/>
+                <a:ea typeface="Times New Roman" panose="02020603050405020304" pitchFamily="18" charset="0"/>
+                <a:cs typeface="Times New Roman" panose="02020603050405020304" pitchFamily="18" charset="0"/>
+              </a:rPr>
+              <a:t>= </a:t>
+            </a:r>
+            <a:r>
+              <a:rPr lang="en-US" sz="2400" dirty="0">
+                <a:solidFill>
+                  <a:srgbClr val="000000"/>
+                </a:solidFill>
+                <a:latin typeface="Consolas" panose="020B0609020204030204" pitchFamily="49" charset="0"/>
+                <a:ea typeface="Times New Roman" panose="02020603050405020304" pitchFamily="18" charset="0"/>
+                <a:cs typeface="Times New Roman" panose="02020603050405020304" pitchFamily="18" charset="0"/>
+              </a:rPr>
+              <a:t>{</a:t>
+            </a:r>
+            <a:endParaRPr lang="en-US" sz="2400" dirty="0">
+              <a:latin typeface="Calibri" panose="020F0502020204030204" pitchFamily="34" charset="0"/>
+              <a:ea typeface="Calibri" panose="020F0502020204030204" pitchFamily="34" charset="0"/>
+              <a:cs typeface="Times New Roman" panose="02020603050405020304" pitchFamily="18" charset="0"/>
+            </a:endParaRPr>
           </a:p>
           <a:p>
             <a:pPr>
               <a:lnSpc>
                 <a:spcPct val="107000"/>
               </a:lnSpc>
+              <a:tabLst>
+                <a:tab pos="581660" algn="l"/>
+                <a:tab pos="1163320" algn="l"/>
+                <a:tab pos="1744980" algn="l"/>
+                <a:tab pos="2326640" algn="l"/>
+                <a:tab pos="2908300" algn="l"/>
+                <a:tab pos="3489960" algn="l"/>
+                <a:tab pos="4071620" algn="l"/>
+                <a:tab pos="4653280" algn="l"/>
+                <a:tab pos="5234940" algn="l"/>
+                <a:tab pos="5816600" algn="l"/>
+                <a:tab pos="6398260" algn="l"/>
+                <a:tab pos="6979920" algn="l"/>
+                <a:tab pos="7561580" algn="l"/>
+                <a:tab pos="8143240" algn="l"/>
+                <a:tab pos="8724900" algn="l"/>
+                <a:tab pos="9306560" algn="l"/>
+              </a:tabLst>
             </a:pPr>
             <a:r>
-              <a:rPr lang="hu-HU" sz="1600" dirty="0">
-                <a:solidFill>
-                  <a:schemeClr val="tx1"/>
-                </a:solidFill>
-                <a:ea typeface="Times New Roman" panose="02020603050405020304" pitchFamily="18" charset="0"/>
-                <a:cs typeface="Times New Roman" panose="02020603050405020304" pitchFamily="18" charset="0"/>
-              </a:rPr>
-              <a:t>    gl.bindTexture(gl.TEXTURE_CUBE_MAP, this.glTexture);</a:t>
-            </a:r>
+              <a:rPr lang="en-US" sz="2400" dirty="0">
+                <a:solidFill>
+                  <a:srgbClr val="000000"/>
+                </a:solidFill>
+                <a:latin typeface="Consolas" panose="020B0609020204030204" pitchFamily="49" charset="0"/>
+                <a:ea typeface="Times New Roman" panose="02020603050405020304" pitchFamily="18" charset="0"/>
+                <a:cs typeface="Times New Roman" panose="02020603050405020304" pitchFamily="18" charset="0"/>
+              </a:rPr>
+              <a:t>        </a:t>
+            </a:r>
+            <a:r>
+              <a:rPr lang="en-US" sz="2400" dirty="0" err="1">
+                <a:solidFill>
+                  <a:srgbClr val="000000"/>
+                </a:solidFill>
+                <a:latin typeface="Consolas" panose="020B0609020204030204" pitchFamily="49" charset="0"/>
+                <a:ea typeface="Times New Roman" panose="02020603050405020304" pitchFamily="18" charset="0"/>
+                <a:cs typeface="Times New Roman" panose="02020603050405020304" pitchFamily="18" charset="0"/>
+              </a:rPr>
+              <a:t>gl</a:t>
+            </a:r>
+            <a:r>
+              <a:rPr lang="en-US" sz="2400" dirty="0" err="1">
+                <a:solidFill>
+                  <a:srgbClr val="C70040"/>
+                </a:solidFill>
+                <a:latin typeface="Consolas" panose="020B0609020204030204" pitchFamily="49" charset="0"/>
+                <a:ea typeface="Times New Roman" panose="02020603050405020304" pitchFamily="18" charset="0"/>
+                <a:cs typeface="Times New Roman" panose="02020603050405020304" pitchFamily="18" charset="0"/>
+              </a:rPr>
+              <a:t>.</a:t>
+            </a:r>
+            <a:r>
+              <a:rPr lang="en-US" sz="2400" dirty="0" err="1">
+                <a:solidFill>
+                  <a:srgbClr val="000000"/>
+                </a:solidFill>
+                <a:latin typeface="Consolas" panose="020B0609020204030204" pitchFamily="49" charset="0"/>
+                <a:ea typeface="Times New Roman" panose="02020603050405020304" pitchFamily="18" charset="0"/>
+                <a:cs typeface="Times New Roman" panose="02020603050405020304" pitchFamily="18" charset="0"/>
+              </a:rPr>
+              <a:t>bindTexture</a:t>
+            </a:r>
+            <a:r>
+              <a:rPr lang="en-US" sz="2400" dirty="0">
+                <a:solidFill>
+                  <a:srgbClr val="000000"/>
+                </a:solidFill>
+                <a:latin typeface="Consolas" panose="020B0609020204030204" pitchFamily="49" charset="0"/>
+                <a:ea typeface="Times New Roman" panose="02020603050405020304" pitchFamily="18" charset="0"/>
+                <a:cs typeface="Times New Roman" panose="02020603050405020304" pitchFamily="18" charset="0"/>
+              </a:rPr>
+              <a:t>(</a:t>
+            </a:r>
+            <a:r>
+              <a:rPr lang="en-US" sz="2400" dirty="0">
+                <a:solidFill>
+                  <a:srgbClr val="7C4FCD"/>
+                </a:solidFill>
+                <a:latin typeface="Consolas" panose="020B0609020204030204" pitchFamily="49" charset="0"/>
+                <a:ea typeface="Times New Roman" panose="02020603050405020304" pitchFamily="18" charset="0"/>
+                <a:cs typeface="Times New Roman" panose="02020603050405020304" pitchFamily="18" charset="0"/>
+              </a:rPr>
+              <a:t>GL</a:t>
+            </a:r>
+            <a:r>
+              <a:rPr lang="en-US" sz="2400" dirty="0">
+                <a:solidFill>
+                  <a:srgbClr val="C70040"/>
+                </a:solidFill>
+                <a:latin typeface="Consolas" panose="020B0609020204030204" pitchFamily="49" charset="0"/>
+                <a:ea typeface="Times New Roman" panose="02020603050405020304" pitchFamily="18" charset="0"/>
+                <a:cs typeface="Times New Roman" panose="02020603050405020304" pitchFamily="18" charset="0"/>
+              </a:rPr>
+              <a:t>.</a:t>
+            </a:r>
+            <a:r>
+              <a:rPr lang="en-US" sz="2400" b="1" dirty="0">
+                <a:solidFill>
+                  <a:srgbClr val="7C4FCD"/>
+                </a:solidFill>
+                <a:latin typeface="Consolas" panose="020B0609020204030204" pitchFamily="49" charset="0"/>
+                <a:ea typeface="Times New Roman" panose="02020603050405020304" pitchFamily="18" charset="0"/>
+                <a:cs typeface="Times New Roman" panose="02020603050405020304" pitchFamily="18" charset="0"/>
+              </a:rPr>
+              <a:t>TEXTURE_CUBE_MAP</a:t>
+            </a:r>
+            <a:r>
+              <a:rPr lang="en-US" sz="2400" dirty="0">
+                <a:solidFill>
+                  <a:srgbClr val="000000"/>
+                </a:solidFill>
+                <a:latin typeface="Consolas" panose="020B0609020204030204" pitchFamily="49" charset="0"/>
+                <a:ea typeface="Times New Roman" panose="02020603050405020304" pitchFamily="18" charset="0"/>
+                <a:cs typeface="Times New Roman" panose="02020603050405020304" pitchFamily="18" charset="0"/>
+              </a:rPr>
+              <a:t>, </a:t>
+            </a:r>
+            <a:r>
+              <a:rPr lang="en-US" sz="2400" dirty="0" err="1">
+                <a:solidFill>
+                  <a:srgbClr val="000000"/>
+                </a:solidFill>
+                <a:latin typeface="Consolas" panose="020B0609020204030204" pitchFamily="49" charset="0"/>
+                <a:ea typeface="Times New Roman" panose="02020603050405020304" pitchFamily="18" charset="0"/>
+                <a:cs typeface="Times New Roman" panose="02020603050405020304" pitchFamily="18" charset="0"/>
+              </a:rPr>
+              <a:t>glTexture</a:t>
+            </a:r>
+            <a:r>
+              <a:rPr lang="en-US" sz="2400" dirty="0">
+                <a:solidFill>
+                  <a:srgbClr val="000000"/>
+                </a:solidFill>
+                <a:latin typeface="Consolas" panose="020B0609020204030204" pitchFamily="49" charset="0"/>
+                <a:ea typeface="Times New Roman" panose="02020603050405020304" pitchFamily="18" charset="0"/>
+                <a:cs typeface="Times New Roman" panose="02020603050405020304" pitchFamily="18" charset="0"/>
+              </a:rPr>
+              <a:t>)</a:t>
+            </a:r>
+            <a:endParaRPr lang="en-US" sz="2400" dirty="0">
+              <a:latin typeface="Calibri" panose="020F0502020204030204" pitchFamily="34" charset="0"/>
+              <a:ea typeface="Calibri" panose="020F0502020204030204" pitchFamily="34" charset="0"/>
+              <a:cs typeface="Times New Roman" panose="02020603050405020304" pitchFamily="18" charset="0"/>
+            </a:endParaRPr>
           </a:p>
           <a:p>
             <a:pPr>
               <a:lnSpc>
                 <a:spcPct val="107000"/>
               </a:lnSpc>
+              <a:tabLst>
+                <a:tab pos="581660" algn="l"/>
+                <a:tab pos="1163320" algn="l"/>
+                <a:tab pos="1744980" algn="l"/>
+                <a:tab pos="2326640" algn="l"/>
+                <a:tab pos="2908300" algn="l"/>
+                <a:tab pos="3489960" algn="l"/>
+                <a:tab pos="4071620" algn="l"/>
+                <a:tab pos="4653280" algn="l"/>
+                <a:tab pos="5234940" algn="l"/>
+                <a:tab pos="5816600" algn="l"/>
+                <a:tab pos="6398260" algn="l"/>
+                <a:tab pos="6979920" algn="l"/>
+                <a:tab pos="7561580" algn="l"/>
+                <a:tab pos="8143240" algn="l"/>
+                <a:tab pos="8724900" algn="l"/>
+                <a:tab pos="9306560" algn="l"/>
+              </a:tabLst>
             </a:pPr>
             <a:r>
-              <a:rPr lang="hu-HU" sz="1600" dirty="0">
-                <a:solidFill>
-                  <a:schemeClr val="tx1"/>
-                </a:solidFill>
-                <a:ea typeface="Times New Roman" panose="02020603050405020304" pitchFamily="18" charset="0"/>
-                <a:cs typeface="Times New Roman" panose="02020603050405020304" pitchFamily="18" charset="0"/>
-              </a:rPr>
-              <a:t>    for(let i</a:t>
-            </a:r>
-            <a:r>
-              <a:rPr lang="hu-HU" sz="1600" dirty="0">
+              <a:rPr lang="en-US" sz="2400" dirty="0">
+                <a:solidFill>
+                  <a:srgbClr val="000000"/>
+                </a:solidFill>
+                <a:latin typeface="Consolas" panose="020B0609020204030204" pitchFamily="49" charset="0"/>
+                <a:ea typeface="Times New Roman" panose="02020603050405020304" pitchFamily="18" charset="0"/>
+                <a:cs typeface="Times New Roman" panose="02020603050405020304" pitchFamily="18" charset="0"/>
+              </a:rPr>
+              <a:t>        gl</a:t>
+            </a:r>
+            <a:r>
+              <a:rPr lang="en-US" sz="2400" dirty="0">
                 <a:solidFill>
                   <a:srgbClr val="C70040"/>
                 </a:solidFill>
-                <a:ea typeface="Times New Roman" panose="02020603050405020304" pitchFamily="18" charset="0"/>
-                <a:cs typeface="Times New Roman" panose="02020603050405020304" pitchFamily="18" charset="0"/>
-              </a:rPr>
-              <a:t>=</a:t>
-            </a:r>
-            <a:r>
-              <a:rPr lang="hu-HU" sz="1600" dirty="0">
-                <a:solidFill>
-                  <a:schemeClr val="tx1"/>
-                </a:solidFill>
-                <a:ea typeface="Times New Roman" panose="02020603050405020304" pitchFamily="18" charset="0"/>
-                <a:cs typeface="Times New Roman" panose="02020603050405020304" pitchFamily="18" charset="0"/>
-              </a:rPr>
-              <a:t>0; i</a:t>
-            </a:r>
-            <a:r>
-              <a:rPr lang="hu-HU" sz="1600" dirty="0">
+                <a:latin typeface="Consolas" panose="020B0609020204030204" pitchFamily="49" charset="0"/>
+                <a:ea typeface="Times New Roman" panose="02020603050405020304" pitchFamily="18" charset="0"/>
+                <a:cs typeface="Times New Roman" panose="02020603050405020304" pitchFamily="18" charset="0"/>
+              </a:rPr>
+              <a:t>.</a:t>
+            </a:r>
+            <a:r>
+              <a:rPr lang="en-US" sz="2400" dirty="0">
+                <a:solidFill>
+                  <a:srgbClr val="000000"/>
+                </a:solidFill>
+                <a:latin typeface="Consolas" panose="020B0609020204030204" pitchFamily="49" charset="0"/>
+                <a:ea typeface="Times New Roman" panose="02020603050405020304" pitchFamily="18" charset="0"/>
+                <a:cs typeface="Times New Roman" panose="02020603050405020304" pitchFamily="18" charset="0"/>
+              </a:rPr>
+              <a:t>texImage2D(</a:t>
+            </a:r>
+            <a:r>
+              <a:rPr lang="en-US" sz="2400" dirty="0" err="1">
+                <a:solidFill>
+                  <a:srgbClr val="7C4FCD"/>
+                </a:solidFill>
+                <a:latin typeface="Consolas" panose="020B0609020204030204" pitchFamily="49" charset="0"/>
+                <a:ea typeface="Times New Roman" panose="02020603050405020304" pitchFamily="18" charset="0"/>
+                <a:cs typeface="Times New Roman" panose="02020603050405020304" pitchFamily="18" charset="0"/>
+              </a:rPr>
+              <a:t>GL</a:t>
+            </a:r>
+            <a:r>
+              <a:rPr lang="en-US" sz="2400" dirty="0" err="1">
                 <a:solidFill>
                   <a:srgbClr val="C70040"/>
                 </a:solidFill>
-                <a:ea typeface="Times New Roman" panose="02020603050405020304" pitchFamily="18" charset="0"/>
-                <a:cs typeface="Times New Roman" panose="02020603050405020304" pitchFamily="18" charset="0"/>
-              </a:rPr>
-              <a:t>&lt;</a:t>
-            </a:r>
-            <a:r>
-              <a:rPr lang="hu-HU" sz="1600" dirty="0">
-                <a:solidFill>
-                  <a:schemeClr val="tx1"/>
-                </a:solidFill>
-                <a:ea typeface="Times New Roman" panose="02020603050405020304" pitchFamily="18" charset="0"/>
-                <a:cs typeface="Times New Roman" panose="02020603050405020304" pitchFamily="18" charset="0"/>
-              </a:rPr>
-              <a:t>6; i</a:t>
-            </a:r>
-            <a:r>
-              <a:rPr lang="hu-HU" sz="1600" dirty="0">
+                <a:latin typeface="Consolas" panose="020B0609020204030204" pitchFamily="49" charset="0"/>
+                <a:ea typeface="Times New Roman" panose="02020603050405020304" pitchFamily="18" charset="0"/>
+                <a:cs typeface="Times New Roman" panose="02020603050405020304" pitchFamily="18" charset="0"/>
+              </a:rPr>
+              <a:t>.</a:t>
+            </a:r>
+            <a:r>
+              <a:rPr lang="en-US" sz="2400" b="1" dirty="0" err="1">
+                <a:solidFill>
+                  <a:srgbClr val="7C4FCD"/>
+                </a:solidFill>
+                <a:latin typeface="Consolas" panose="020B0609020204030204" pitchFamily="49" charset="0"/>
+                <a:ea typeface="Times New Roman" panose="02020603050405020304" pitchFamily="18" charset="0"/>
+                <a:cs typeface="Times New Roman" panose="02020603050405020304" pitchFamily="18" charset="0"/>
+              </a:rPr>
+              <a:t>TEXTURE_CUBE_MAP_POSITIVE_X</a:t>
+            </a:r>
+            <a:r>
+              <a:rPr lang="en-US" sz="2400" b="1" dirty="0" err="1">
                 <a:solidFill>
                   <a:srgbClr val="C70040"/>
                 </a:solidFill>
-                <a:ea typeface="Times New Roman" panose="02020603050405020304" pitchFamily="18" charset="0"/>
-                <a:cs typeface="Times New Roman" panose="02020603050405020304" pitchFamily="18" charset="0"/>
-              </a:rPr>
-              <a:t>++</a:t>
-            </a:r>
-            <a:r>
-              <a:rPr lang="hu-HU" sz="1600" dirty="0">
-                <a:solidFill>
-                  <a:schemeClr val="tx1"/>
-                </a:solidFill>
-                <a:ea typeface="Times New Roman" panose="02020603050405020304" pitchFamily="18" charset="0"/>
-                <a:cs typeface="Times New Roman" panose="02020603050405020304" pitchFamily="18" charset="0"/>
-              </a:rPr>
-              <a:t>){</a:t>
-            </a:r>
+                <a:latin typeface="Consolas" panose="020B0609020204030204" pitchFamily="49" charset="0"/>
+                <a:ea typeface="Times New Roman" panose="02020603050405020304" pitchFamily="18" charset="0"/>
+                <a:cs typeface="Times New Roman" panose="02020603050405020304" pitchFamily="18" charset="0"/>
+              </a:rPr>
+              <a:t>+</a:t>
+            </a:r>
+            <a:r>
+              <a:rPr lang="en-US" sz="2400" b="1" dirty="0" err="1">
+                <a:solidFill>
+                  <a:srgbClr val="000000"/>
+                </a:solidFill>
+                <a:latin typeface="Consolas" panose="020B0609020204030204" pitchFamily="49" charset="0"/>
+                <a:ea typeface="Times New Roman" panose="02020603050405020304" pitchFamily="18" charset="0"/>
+                <a:cs typeface="Times New Roman" panose="02020603050405020304" pitchFamily="18" charset="0"/>
+              </a:rPr>
+              <a:t>i</a:t>
+            </a:r>
+            <a:r>
+              <a:rPr lang="en-US" sz="2400" dirty="0">
+                <a:solidFill>
+                  <a:srgbClr val="000000"/>
+                </a:solidFill>
+                <a:latin typeface="Consolas" panose="020B0609020204030204" pitchFamily="49" charset="0"/>
+                <a:ea typeface="Times New Roman" panose="02020603050405020304" pitchFamily="18" charset="0"/>
+                <a:cs typeface="Times New Roman" panose="02020603050405020304" pitchFamily="18" charset="0"/>
+              </a:rPr>
+              <a:t>, </a:t>
+            </a:r>
+            <a:r>
+              <a:rPr lang="en-US" sz="2400" dirty="0">
+                <a:solidFill>
+                  <a:srgbClr val="7C4FCD"/>
+                </a:solidFill>
+                <a:latin typeface="Consolas" panose="020B0609020204030204" pitchFamily="49" charset="0"/>
+                <a:ea typeface="Times New Roman" panose="02020603050405020304" pitchFamily="18" charset="0"/>
+                <a:cs typeface="Times New Roman" panose="02020603050405020304" pitchFamily="18" charset="0"/>
+              </a:rPr>
+              <a:t>0</a:t>
+            </a:r>
+            <a:r>
+              <a:rPr lang="en-US" sz="2400" dirty="0">
+                <a:solidFill>
+                  <a:srgbClr val="000000"/>
+                </a:solidFill>
+                <a:latin typeface="Consolas" panose="020B0609020204030204" pitchFamily="49" charset="0"/>
+                <a:ea typeface="Times New Roman" panose="02020603050405020304" pitchFamily="18" charset="0"/>
+                <a:cs typeface="Times New Roman" panose="02020603050405020304" pitchFamily="18" charset="0"/>
+              </a:rPr>
+              <a:t>, </a:t>
+            </a:r>
+            <a:r>
+              <a:rPr lang="en-US" sz="2400" dirty="0">
+                <a:solidFill>
+                  <a:srgbClr val="7C4FCD"/>
+                </a:solidFill>
+                <a:latin typeface="Consolas" panose="020B0609020204030204" pitchFamily="49" charset="0"/>
+                <a:ea typeface="Times New Roman" panose="02020603050405020304" pitchFamily="18" charset="0"/>
+                <a:cs typeface="Times New Roman" panose="02020603050405020304" pitchFamily="18" charset="0"/>
+              </a:rPr>
+              <a:t>GL</a:t>
+            </a:r>
+            <a:r>
+              <a:rPr lang="en-US" sz="2400" dirty="0">
+                <a:solidFill>
+                  <a:srgbClr val="C70040"/>
+                </a:solidFill>
+                <a:latin typeface="Consolas" panose="020B0609020204030204" pitchFamily="49" charset="0"/>
+                <a:ea typeface="Times New Roman" panose="02020603050405020304" pitchFamily="18" charset="0"/>
+                <a:cs typeface="Times New Roman" panose="02020603050405020304" pitchFamily="18" charset="0"/>
+              </a:rPr>
+              <a:t>.</a:t>
+            </a:r>
+            <a:r>
+              <a:rPr lang="en-US" sz="2400" dirty="0">
+                <a:solidFill>
+                  <a:srgbClr val="7C4FCD"/>
+                </a:solidFill>
+                <a:latin typeface="Consolas" panose="020B0609020204030204" pitchFamily="49" charset="0"/>
+                <a:ea typeface="Times New Roman" panose="02020603050405020304" pitchFamily="18" charset="0"/>
+                <a:cs typeface="Times New Roman" panose="02020603050405020304" pitchFamily="18" charset="0"/>
+              </a:rPr>
+              <a:t>RGBA</a:t>
+            </a:r>
+            <a:r>
+              <a:rPr lang="en-US" sz="2400" dirty="0">
+                <a:solidFill>
+                  <a:srgbClr val="000000"/>
+                </a:solidFill>
+                <a:latin typeface="Consolas" panose="020B0609020204030204" pitchFamily="49" charset="0"/>
+                <a:ea typeface="Times New Roman" panose="02020603050405020304" pitchFamily="18" charset="0"/>
+                <a:cs typeface="Times New Roman" panose="02020603050405020304" pitchFamily="18" charset="0"/>
+              </a:rPr>
+              <a:t>, </a:t>
+            </a:r>
+            <a:r>
+              <a:rPr lang="en-US" sz="2400" dirty="0">
+                <a:solidFill>
+                  <a:srgbClr val="7C4FCD"/>
+                </a:solidFill>
+                <a:latin typeface="Consolas" panose="020B0609020204030204" pitchFamily="49" charset="0"/>
+                <a:ea typeface="Times New Roman" panose="02020603050405020304" pitchFamily="18" charset="0"/>
+                <a:cs typeface="Times New Roman" panose="02020603050405020304" pitchFamily="18" charset="0"/>
+              </a:rPr>
+              <a:t>GL</a:t>
+            </a:r>
+            <a:r>
+              <a:rPr lang="en-US" sz="2400" dirty="0">
+                <a:solidFill>
+                  <a:srgbClr val="C70040"/>
+                </a:solidFill>
+                <a:latin typeface="Consolas" panose="020B0609020204030204" pitchFamily="49" charset="0"/>
+                <a:ea typeface="Times New Roman" panose="02020603050405020304" pitchFamily="18" charset="0"/>
+                <a:cs typeface="Times New Roman" panose="02020603050405020304" pitchFamily="18" charset="0"/>
+              </a:rPr>
+              <a:t>.</a:t>
+            </a:r>
+            <a:r>
+              <a:rPr lang="en-US" sz="2400" dirty="0">
+                <a:solidFill>
+                  <a:srgbClr val="7C4FCD"/>
+                </a:solidFill>
+                <a:latin typeface="Consolas" panose="020B0609020204030204" pitchFamily="49" charset="0"/>
+                <a:ea typeface="Times New Roman" panose="02020603050405020304" pitchFamily="18" charset="0"/>
+                <a:cs typeface="Times New Roman" panose="02020603050405020304" pitchFamily="18" charset="0"/>
+              </a:rPr>
+              <a:t>RGBA</a:t>
+            </a:r>
+            <a:r>
+              <a:rPr lang="en-US" sz="2400" dirty="0">
+                <a:solidFill>
+                  <a:srgbClr val="000000"/>
+                </a:solidFill>
+                <a:latin typeface="Consolas" panose="020B0609020204030204" pitchFamily="49" charset="0"/>
+                <a:ea typeface="Times New Roman" panose="02020603050405020304" pitchFamily="18" charset="0"/>
+                <a:cs typeface="Times New Roman" panose="02020603050405020304" pitchFamily="18" charset="0"/>
+              </a:rPr>
+              <a:t>,</a:t>
+            </a:r>
+            <a:endParaRPr lang="hu-HU" sz="2400" dirty="0">
+              <a:solidFill>
+                <a:srgbClr val="000000"/>
+              </a:solidFill>
+              <a:latin typeface="Consolas" panose="020B0609020204030204" pitchFamily="49" charset="0"/>
+              <a:ea typeface="Times New Roman" panose="02020603050405020304" pitchFamily="18" charset="0"/>
+              <a:cs typeface="Times New Roman" panose="02020603050405020304" pitchFamily="18" charset="0"/>
+            </a:endParaRPr>
           </a:p>
           <a:p>
             <a:pPr>
               <a:lnSpc>
                 <a:spcPct val="107000"/>
               </a:lnSpc>
+              <a:tabLst>
+                <a:tab pos="581660" algn="l"/>
+                <a:tab pos="1163320" algn="l"/>
+                <a:tab pos="1744980" algn="l"/>
+                <a:tab pos="2326640" algn="l"/>
+                <a:tab pos="2908300" algn="l"/>
+                <a:tab pos="3489960" algn="l"/>
+                <a:tab pos="4071620" algn="l"/>
+                <a:tab pos="4653280" algn="l"/>
+                <a:tab pos="5234940" algn="l"/>
+                <a:tab pos="5816600" algn="l"/>
+                <a:tab pos="6398260" algn="l"/>
+                <a:tab pos="6979920" algn="l"/>
+                <a:tab pos="7561580" algn="l"/>
+                <a:tab pos="8143240" algn="l"/>
+                <a:tab pos="8724900" algn="l"/>
+                <a:tab pos="9306560" algn="l"/>
+              </a:tabLst>
             </a:pPr>
             <a:r>
-              <a:rPr lang="hu-HU" sz="1600" dirty="0">
-                <a:solidFill>
-                  <a:schemeClr val="tx1"/>
-                </a:solidFill>
-                <a:ea typeface="Times New Roman" panose="02020603050405020304" pitchFamily="18" charset="0"/>
-                <a:cs typeface="Times New Roman" panose="02020603050405020304" pitchFamily="18" charset="0"/>
-              </a:rPr>
-              <a:t>      gl.texImage2D(gl.TEXTURE_CUBE_MAP_POSITIVE_X</a:t>
-            </a:r>
-            <a:r>
-              <a:rPr lang="hu-HU" sz="1600" dirty="0">
+              <a:rPr lang="hu-HU" sz="2400" dirty="0">
+                <a:solidFill>
+                  <a:srgbClr val="000000"/>
+                </a:solidFill>
+                <a:latin typeface="Consolas" panose="020B0609020204030204" pitchFamily="49" charset="0"/>
+                <a:ea typeface="Times New Roman" panose="02020603050405020304" pitchFamily="18" charset="0"/>
+                <a:cs typeface="Times New Roman" panose="02020603050405020304" pitchFamily="18" charset="0"/>
+              </a:rPr>
+              <a:t>                                                   </a:t>
+            </a:r>
+            <a:r>
+              <a:rPr lang="en-US" sz="2400" dirty="0">
+                <a:solidFill>
+                  <a:srgbClr val="000000"/>
+                </a:solidFill>
+                <a:latin typeface="Consolas" panose="020B0609020204030204" pitchFamily="49" charset="0"/>
+                <a:ea typeface="Times New Roman" panose="02020603050405020304" pitchFamily="18" charset="0"/>
+                <a:cs typeface="Times New Roman" panose="02020603050405020304" pitchFamily="18" charset="0"/>
+              </a:rPr>
+              <a:t> </a:t>
+            </a:r>
+            <a:r>
+              <a:rPr lang="en-US" sz="2400" dirty="0">
+                <a:solidFill>
+                  <a:srgbClr val="7C4FCD"/>
+                </a:solidFill>
+                <a:latin typeface="Consolas" panose="020B0609020204030204" pitchFamily="49" charset="0"/>
+                <a:ea typeface="Times New Roman" panose="02020603050405020304" pitchFamily="18" charset="0"/>
+                <a:cs typeface="Times New Roman" panose="02020603050405020304" pitchFamily="18" charset="0"/>
+              </a:rPr>
+              <a:t>GL</a:t>
+            </a:r>
+            <a:r>
+              <a:rPr lang="en-US" sz="2400" dirty="0">
                 <a:solidFill>
                   <a:srgbClr val="C70040"/>
                 </a:solidFill>
-                <a:ea typeface="Times New Roman" panose="02020603050405020304" pitchFamily="18" charset="0"/>
-                <a:cs typeface="Times New Roman" panose="02020603050405020304" pitchFamily="18" charset="0"/>
-              </a:rPr>
-              <a:t>+</a:t>
-            </a:r>
-            <a:r>
-              <a:rPr lang="hu-HU" sz="1600" dirty="0">
-                <a:solidFill>
-                  <a:schemeClr val="tx1"/>
-                </a:solidFill>
-                <a:ea typeface="Times New Roman" panose="02020603050405020304" pitchFamily="18" charset="0"/>
-                <a:cs typeface="Times New Roman" panose="02020603050405020304" pitchFamily="18" charset="0"/>
-              </a:rPr>
-              <a:t>i, 0, </a:t>
-            </a:r>
+                <a:latin typeface="Consolas" panose="020B0609020204030204" pitchFamily="49" charset="0"/>
+                <a:ea typeface="Times New Roman" panose="02020603050405020304" pitchFamily="18" charset="0"/>
+                <a:cs typeface="Times New Roman" panose="02020603050405020304" pitchFamily="18" charset="0"/>
+              </a:rPr>
+              <a:t>.</a:t>
+            </a:r>
+            <a:r>
+              <a:rPr lang="en-US" sz="2400" dirty="0">
+                <a:solidFill>
+                  <a:srgbClr val="7C4FCD"/>
+                </a:solidFill>
+                <a:latin typeface="Consolas" panose="020B0609020204030204" pitchFamily="49" charset="0"/>
+                <a:ea typeface="Times New Roman" panose="02020603050405020304" pitchFamily="18" charset="0"/>
+                <a:cs typeface="Times New Roman" panose="02020603050405020304" pitchFamily="18" charset="0"/>
+              </a:rPr>
+              <a:t>UNSIGNED_BYTE</a:t>
+            </a:r>
+            <a:r>
+              <a:rPr lang="en-US" sz="2400" dirty="0">
+                <a:solidFill>
+                  <a:srgbClr val="000000"/>
+                </a:solidFill>
+                <a:latin typeface="Consolas" panose="020B0609020204030204" pitchFamily="49" charset="0"/>
+                <a:ea typeface="Times New Roman" panose="02020603050405020304" pitchFamily="18" charset="0"/>
+                <a:cs typeface="Times New Roman" panose="02020603050405020304" pitchFamily="18" charset="0"/>
+              </a:rPr>
+              <a:t>, image</a:t>
+            </a:r>
+            <a:r>
+              <a:rPr lang="en-US" sz="2400" b="1" dirty="0">
+                <a:solidFill>
+                  <a:srgbClr val="000000"/>
+                </a:solidFill>
+                <a:latin typeface="Consolas" panose="020B0609020204030204" pitchFamily="49" charset="0"/>
+                <a:ea typeface="Times New Roman" panose="02020603050405020304" pitchFamily="18" charset="0"/>
+                <a:cs typeface="Times New Roman" panose="02020603050405020304" pitchFamily="18" charset="0"/>
+              </a:rPr>
+              <a:t>s[</a:t>
+            </a:r>
+            <a:r>
+              <a:rPr lang="en-US" sz="2400" b="1" dirty="0" err="1">
+                <a:solidFill>
+                  <a:srgbClr val="000000"/>
+                </a:solidFill>
+                <a:latin typeface="Consolas" panose="020B0609020204030204" pitchFamily="49" charset="0"/>
+                <a:ea typeface="Times New Roman" panose="02020603050405020304" pitchFamily="18" charset="0"/>
+                <a:cs typeface="Times New Roman" panose="02020603050405020304" pitchFamily="18" charset="0"/>
+              </a:rPr>
+              <a:t>i</a:t>
+            </a:r>
+            <a:r>
+              <a:rPr lang="en-US" sz="2400" b="1" dirty="0">
+                <a:solidFill>
+                  <a:srgbClr val="000000"/>
+                </a:solidFill>
+                <a:latin typeface="Consolas" panose="020B0609020204030204" pitchFamily="49" charset="0"/>
+                <a:ea typeface="Times New Roman" panose="02020603050405020304" pitchFamily="18" charset="0"/>
+                <a:cs typeface="Times New Roman" panose="02020603050405020304" pitchFamily="18" charset="0"/>
+              </a:rPr>
+              <a:t>]</a:t>
+            </a:r>
+            <a:r>
+              <a:rPr lang="en-US" sz="2400" dirty="0">
+                <a:solidFill>
+                  <a:srgbClr val="000000"/>
+                </a:solidFill>
+                <a:latin typeface="Consolas" panose="020B0609020204030204" pitchFamily="49" charset="0"/>
+                <a:ea typeface="Times New Roman" panose="02020603050405020304" pitchFamily="18" charset="0"/>
+                <a:cs typeface="Times New Roman" panose="02020603050405020304" pitchFamily="18" charset="0"/>
+              </a:rPr>
+              <a:t>) </a:t>
+            </a:r>
+            <a:endParaRPr lang="en-US" sz="2400" dirty="0">
+              <a:latin typeface="Calibri" panose="020F0502020204030204" pitchFamily="34" charset="0"/>
+              <a:ea typeface="Calibri" panose="020F0502020204030204" pitchFamily="34" charset="0"/>
+              <a:cs typeface="Times New Roman" panose="02020603050405020304" pitchFamily="18" charset="0"/>
+            </a:endParaRPr>
           </a:p>
           <a:p>
             <a:pPr>
               <a:lnSpc>
                 <a:spcPct val="107000"/>
               </a:lnSpc>
+              <a:tabLst>
+                <a:tab pos="581660" algn="l"/>
+                <a:tab pos="1163320" algn="l"/>
+                <a:tab pos="1744980" algn="l"/>
+                <a:tab pos="2326640" algn="l"/>
+                <a:tab pos="2908300" algn="l"/>
+                <a:tab pos="3489960" algn="l"/>
+                <a:tab pos="4071620" algn="l"/>
+                <a:tab pos="4653280" algn="l"/>
+                <a:tab pos="5234940" algn="l"/>
+                <a:tab pos="5816600" algn="l"/>
+                <a:tab pos="6398260" algn="l"/>
+                <a:tab pos="6979920" algn="l"/>
+                <a:tab pos="7561580" algn="l"/>
+                <a:tab pos="8143240" algn="l"/>
+                <a:tab pos="8724900" algn="l"/>
+                <a:tab pos="9306560" algn="l"/>
+              </a:tabLst>
             </a:pPr>
             <a:r>
-              <a:rPr lang="hu-HU" sz="1600" dirty="0">
-                <a:solidFill>
-                  <a:schemeClr val="tx1"/>
-                </a:solidFill>
-                <a:ea typeface="Times New Roman" panose="02020603050405020304" pitchFamily="18" charset="0"/>
-                <a:cs typeface="Times New Roman" panose="02020603050405020304" pitchFamily="18" charset="0"/>
-              </a:rPr>
-              <a:t>                        gl.RGBA, gl.RGBA, gl.UNSIGNED_BYTE, this.images[i]);</a:t>
-            </a:r>
+              <a:rPr lang="en-US" sz="2400" dirty="0">
+                <a:solidFill>
+                  <a:srgbClr val="000000"/>
+                </a:solidFill>
+                <a:latin typeface="Consolas" panose="020B0609020204030204" pitchFamily="49" charset="0"/>
+                <a:ea typeface="Times New Roman" panose="02020603050405020304" pitchFamily="18" charset="0"/>
+                <a:cs typeface="Times New Roman" panose="02020603050405020304" pitchFamily="18" charset="0"/>
+              </a:rPr>
+              <a:t>        </a:t>
+            </a:r>
+            <a:r>
+              <a:rPr lang="en-US" sz="2400" b="1" dirty="0">
+                <a:solidFill>
+                  <a:srgbClr val="C70040"/>
+                </a:solidFill>
+                <a:latin typeface="Consolas" panose="020B0609020204030204" pitchFamily="49" charset="0"/>
+                <a:ea typeface="Times New Roman" panose="02020603050405020304" pitchFamily="18" charset="0"/>
+                <a:cs typeface="Times New Roman" panose="02020603050405020304" pitchFamily="18" charset="0"/>
+              </a:rPr>
+              <a:t>if</a:t>
+            </a:r>
+            <a:r>
+              <a:rPr lang="en-US" sz="2400" b="1" dirty="0">
+                <a:solidFill>
+                  <a:srgbClr val="000000"/>
+                </a:solidFill>
+                <a:latin typeface="Consolas" panose="020B0609020204030204" pitchFamily="49" charset="0"/>
+                <a:ea typeface="Times New Roman" panose="02020603050405020304" pitchFamily="18" charset="0"/>
+                <a:cs typeface="Times New Roman" panose="02020603050405020304" pitchFamily="18" charset="0"/>
+              </a:rPr>
+              <a:t>(</a:t>
+            </a:r>
+            <a:r>
+              <a:rPr lang="en-US" sz="2400" b="1" dirty="0">
+                <a:solidFill>
+                  <a:srgbClr val="C70040"/>
+                </a:solidFill>
+                <a:latin typeface="Consolas" panose="020B0609020204030204" pitchFamily="49" charset="0"/>
+                <a:ea typeface="Times New Roman" panose="02020603050405020304" pitchFamily="18" charset="0"/>
+                <a:cs typeface="Times New Roman" panose="02020603050405020304" pitchFamily="18" charset="0"/>
+              </a:rPr>
+              <a:t>++</a:t>
+            </a:r>
+            <a:r>
+              <a:rPr lang="en-US" sz="2400" b="1" dirty="0" err="1">
+                <a:solidFill>
+                  <a:srgbClr val="000000"/>
+                </a:solidFill>
+                <a:latin typeface="Consolas" panose="020B0609020204030204" pitchFamily="49" charset="0"/>
+                <a:ea typeface="Times New Roman" panose="02020603050405020304" pitchFamily="18" charset="0"/>
+                <a:cs typeface="Times New Roman" panose="02020603050405020304" pitchFamily="18" charset="0"/>
+              </a:rPr>
+              <a:t>loadedCount</a:t>
+            </a:r>
+            <a:r>
+              <a:rPr lang="en-US" sz="2400" b="1" dirty="0">
+                <a:solidFill>
+                  <a:srgbClr val="000000"/>
+                </a:solidFill>
+                <a:latin typeface="Consolas" panose="020B0609020204030204" pitchFamily="49" charset="0"/>
+                <a:ea typeface="Times New Roman" panose="02020603050405020304" pitchFamily="18" charset="0"/>
+                <a:cs typeface="Times New Roman" panose="02020603050405020304" pitchFamily="18" charset="0"/>
+              </a:rPr>
+              <a:t> </a:t>
+            </a:r>
+            <a:r>
+              <a:rPr lang="en-US" sz="2400" b="1" dirty="0">
+                <a:solidFill>
+                  <a:srgbClr val="C70040"/>
+                </a:solidFill>
+                <a:latin typeface="Consolas" panose="020B0609020204030204" pitchFamily="49" charset="0"/>
+                <a:ea typeface="Times New Roman" panose="02020603050405020304" pitchFamily="18" charset="0"/>
+                <a:cs typeface="Times New Roman" panose="02020603050405020304" pitchFamily="18" charset="0"/>
+              </a:rPr>
+              <a:t>== </a:t>
+            </a:r>
+            <a:r>
+              <a:rPr lang="en-US" sz="2400" b="1" dirty="0">
+                <a:solidFill>
+                  <a:srgbClr val="7C4FCD"/>
+                </a:solidFill>
+                <a:latin typeface="Consolas" panose="020B0609020204030204" pitchFamily="49" charset="0"/>
+                <a:ea typeface="Times New Roman" panose="02020603050405020304" pitchFamily="18" charset="0"/>
+                <a:cs typeface="Times New Roman" panose="02020603050405020304" pitchFamily="18" charset="0"/>
+              </a:rPr>
+              <a:t>6</a:t>
+            </a:r>
+            <a:r>
+              <a:rPr lang="en-US" sz="2400" b="1" dirty="0">
+                <a:solidFill>
+                  <a:srgbClr val="000000"/>
+                </a:solidFill>
+                <a:latin typeface="Consolas" panose="020B0609020204030204" pitchFamily="49" charset="0"/>
+                <a:ea typeface="Times New Roman" panose="02020603050405020304" pitchFamily="18" charset="0"/>
+                <a:cs typeface="Times New Roman" panose="02020603050405020304" pitchFamily="18" charset="0"/>
+              </a:rPr>
+              <a:t>) {</a:t>
+            </a:r>
+            <a:endParaRPr lang="en-US" sz="2400" b="1" dirty="0">
+              <a:latin typeface="Calibri" panose="020F0502020204030204" pitchFamily="34" charset="0"/>
+              <a:ea typeface="Calibri" panose="020F0502020204030204" pitchFamily="34" charset="0"/>
+              <a:cs typeface="Times New Roman" panose="02020603050405020304" pitchFamily="18" charset="0"/>
+            </a:endParaRPr>
           </a:p>
           <a:p>
             <a:pPr>
               <a:lnSpc>
                 <a:spcPct val="107000"/>
               </a:lnSpc>
+              <a:tabLst>
+                <a:tab pos="581660" algn="l"/>
+                <a:tab pos="1163320" algn="l"/>
+                <a:tab pos="1744980" algn="l"/>
+                <a:tab pos="2326640" algn="l"/>
+                <a:tab pos="2908300" algn="l"/>
+                <a:tab pos="3489960" algn="l"/>
+                <a:tab pos="4071620" algn="l"/>
+                <a:tab pos="4653280" algn="l"/>
+                <a:tab pos="5234940" algn="l"/>
+                <a:tab pos="5816600" algn="l"/>
+                <a:tab pos="6398260" algn="l"/>
+                <a:tab pos="6979920" algn="l"/>
+                <a:tab pos="7561580" algn="l"/>
+                <a:tab pos="8143240" algn="l"/>
+                <a:tab pos="8724900" algn="l"/>
+                <a:tab pos="9306560" algn="l"/>
+              </a:tabLst>
             </a:pPr>
             <a:r>
-              <a:rPr lang="hu-HU" sz="1600" dirty="0">
-                <a:solidFill>
-                  <a:schemeClr val="tx1"/>
-                </a:solidFill>
-                <a:ea typeface="Times New Roman" panose="02020603050405020304" pitchFamily="18" charset="0"/>
-                <a:cs typeface="Times New Roman" panose="02020603050405020304" pitchFamily="18" charset="0"/>
-              </a:rPr>
-              <a:t>    }</a:t>
-            </a:r>
+              <a:rPr lang="en-US" sz="2400" dirty="0">
+                <a:solidFill>
+                  <a:srgbClr val="000000"/>
+                </a:solidFill>
+                <a:latin typeface="Consolas" panose="020B0609020204030204" pitchFamily="49" charset="0"/>
+                <a:ea typeface="Times New Roman" panose="02020603050405020304" pitchFamily="18" charset="0"/>
+                <a:cs typeface="Times New Roman" panose="02020603050405020304" pitchFamily="18" charset="0"/>
+              </a:rPr>
+              <a:t>          </a:t>
+            </a:r>
+            <a:r>
+              <a:rPr lang="en-US" sz="2400" dirty="0" err="1">
+                <a:solidFill>
+                  <a:srgbClr val="000000"/>
+                </a:solidFill>
+                <a:latin typeface="Consolas" panose="020B0609020204030204" pitchFamily="49" charset="0"/>
+                <a:ea typeface="Times New Roman" panose="02020603050405020304" pitchFamily="18" charset="0"/>
+                <a:cs typeface="Times New Roman" panose="02020603050405020304" pitchFamily="18" charset="0"/>
+              </a:rPr>
+              <a:t>gl</a:t>
+            </a:r>
+            <a:r>
+              <a:rPr lang="en-US" sz="2400" dirty="0" err="1">
+                <a:solidFill>
+                  <a:srgbClr val="C70040"/>
+                </a:solidFill>
+                <a:latin typeface="Consolas" panose="020B0609020204030204" pitchFamily="49" charset="0"/>
+                <a:ea typeface="Times New Roman" panose="02020603050405020304" pitchFamily="18" charset="0"/>
+                <a:cs typeface="Times New Roman" panose="02020603050405020304" pitchFamily="18" charset="0"/>
+              </a:rPr>
+              <a:t>.</a:t>
+            </a:r>
+            <a:r>
+              <a:rPr lang="en-US" sz="2400" dirty="0" err="1">
+                <a:solidFill>
+                  <a:srgbClr val="000000"/>
+                </a:solidFill>
+                <a:latin typeface="Consolas" panose="020B0609020204030204" pitchFamily="49" charset="0"/>
+                <a:ea typeface="Times New Roman" panose="02020603050405020304" pitchFamily="18" charset="0"/>
+                <a:cs typeface="Times New Roman" panose="02020603050405020304" pitchFamily="18" charset="0"/>
+              </a:rPr>
+              <a:t>texParameteri</a:t>
+            </a:r>
+            <a:r>
+              <a:rPr lang="en-US" sz="2400" dirty="0">
+                <a:solidFill>
+                  <a:srgbClr val="000000"/>
+                </a:solidFill>
+                <a:latin typeface="Consolas" panose="020B0609020204030204" pitchFamily="49" charset="0"/>
+                <a:ea typeface="Times New Roman" panose="02020603050405020304" pitchFamily="18" charset="0"/>
+                <a:cs typeface="Times New Roman" panose="02020603050405020304" pitchFamily="18" charset="0"/>
+              </a:rPr>
+              <a:t>(</a:t>
+            </a:r>
+            <a:r>
+              <a:rPr lang="en-US" sz="2400" dirty="0">
+                <a:solidFill>
+                  <a:srgbClr val="7C4FCD"/>
+                </a:solidFill>
+                <a:latin typeface="Consolas" panose="020B0609020204030204" pitchFamily="49" charset="0"/>
+                <a:ea typeface="Times New Roman" panose="02020603050405020304" pitchFamily="18" charset="0"/>
+                <a:cs typeface="Times New Roman" panose="02020603050405020304" pitchFamily="18" charset="0"/>
+              </a:rPr>
+              <a:t>GL</a:t>
+            </a:r>
+            <a:r>
+              <a:rPr lang="en-US" sz="2400" dirty="0">
+                <a:solidFill>
+                  <a:srgbClr val="C70040"/>
+                </a:solidFill>
+                <a:latin typeface="Consolas" panose="020B0609020204030204" pitchFamily="49" charset="0"/>
+                <a:ea typeface="Times New Roman" panose="02020603050405020304" pitchFamily="18" charset="0"/>
+                <a:cs typeface="Times New Roman" panose="02020603050405020304" pitchFamily="18" charset="0"/>
+              </a:rPr>
+              <a:t>.</a:t>
+            </a:r>
+            <a:r>
+              <a:rPr lang="en-US" sz="2400" b="1" dirty="0">
+                <a:solidFill>
+                  <a:srgbClr val="7C4FCD"/>
+                </a:solidFill>
+                <a:latin typeface="Consolas" panose="020B0609020204030204" pitchFamily="49" charset="0"/>
+                <a:ea typeface="Times New Roman" panose="02020603050405020304" pitchFamily="18" charset="0"/>
+                <a:cs typeface="Times New Roman" panose="02020603050405020304" pitchFamily="18" charset="0"/>
+              </a:rPr>
+              <a:t>TEXTURE_CUBE_MAP</a:t>
+            </a:r>
+            <a:r>
+              <a:rPr lang="en-US" sz="2400" dirty="0">
+                <a:solidFill>
+                  <a:srgbClr val="000000"/>
+                </a:solidFill>
+                <a:latin typeface="Consolas" panose="020B0609020204030204" pitchFamily="49" charset="0"/>
+                <a:ea typeface="Times New Roman" panose="02020603050405020304" pitchFamily="18" charset="0"/>
+                <a:cs typeface="Times New Roman" panose="02020603050405020304" pitchFamily="18" charset="0"/>
+              </a:rPr>
+              <a:t>, </a:t>
+            </a:r>
+            <a:r>
+              <a:rPr lang="en-US" sz="2400" dirty="0">
+                <a:solidFill>
+                  <a:srgbClr val="7C4FCD"/>
+                </a:solidFill>
+                <a:latin typeface="Consolas" panose="020B0609020204030204" pitchFamily="49" charset="0"/>
+                <a:ea typeface="Times New Roman" panose="02020603050405020304" pitchFamily="18" charset="0"/>
+                <a:cs typeface="Times New Roman" panose="02020603050405020304" pitchFamily="18" charset="0"/>
+              </a:rPr>
+              <a:t>GL</a:t>
+            </a:r>
+            <a:r>
+              <a:rPr lang="en-US" sz="2400" dirty="0">
+                <a:solidFill>
+                  <a:srgbClr val="C70040"/>
+                </a:solidFill>
+                <a:latin typeface="Consolas" panose="020B0609020204030204" pitchFamily="49" charset="0"/>
+                <a:ea typeface="Times New Roman" panose="02020603050405020304" pitchFamily="18" charset="0"/>
+                <a:cs typeface="Times New Roman" panose="02020603050405020304" pitchFamily="18" charset="0"/>
+              </a:rPr>
+              <a:t>.</a:t>
+            </a:r>
+            <a:r>
+              <a:rPr lang="en-US" sz="2400" dirty="0">
+                <a:solidFill>
+                  <a:srgbClr val="7C4FCD"/>
+                </a:solidFill>
+                <a:latin typeface="Consolas" panose="020B0609020204030204" pitchFamily="49" charset="0"/>
+                <a:ea typeface="Times New Roman" panose="02020603050405020304" pitchFamily="18" charset="0"/>
+                <a:cs typeface="Times New Roman" panose="02020603050405020304" pitchFamily="18" charset="0"/>
+              </a:rPr>
+              <a:t>TEXTURE_MAG_FILTER</a:t>
+            </a:r>
+            <a:r>
+              <a:rPr lang="en-US" sz="2400" dirty="0">
+                <a:solidFill>
+                  <a:srgbClr val="000000"/>
+                </a:solidFill>
+                <a:latin typeface="Consolas" panose="020B0609020204030204" pitchFamily="49" charset="0"/>
+                <a:ea typeface="Times New Roman" panose="02020603050405020304" pitchFamily="18" charset="0"/>
+                <a:cs typeface="Times New Roman" panose="02020603050405020304" pitchFamily="18" charset="0"/>
+              </a:rPr>
+              <a:t>, </a:t>
+            </a:r>
+            <a:r>
+              <a:rPr lang="en-US" sz="2400" dirty="0">
+                <a:solidFill>
+                  <a:srgbClr val="7C4FCD"/>
+                </a:solidFill>
+                <a:latin typeface="Consolas" panose="020B0609020204030204" pitchFamily="49" charset="0"/>
+                <a:ea typeface="Times New Roman" panose="02020603050405020304" pitchFamily="18" charset="0"/>
+                <a:cs typeface="Times New Roman" panose="02020603050405020304" pitchFamily="18" charset="0"/>
+              </a:rPr>
+              <a:t>GL</a:t>
+            </a:r>
+            <a:r>
+              <a:rPr lang="en-US" sz="2400" dirty="0">
+                <a:solidFill>
+                  <a:srgbClr val="C70040"/>
+                </a:solidFill>
+                <a:latin typeface="Consolas" panose="020B0609020204030204" pitchFamily="49" charset="0"/>
+                <a:ea typeface="Times New Roman" panose="02020603050405020304" pitchFamily="18" charset="0"/>
+                <a:cs typeface="Times New Roman" panose="02020603050405020304" pitchFamily="18" charset="0"/>
+              </a:rPr>
+              <a:t>.</a:t>
+            </a:r>
+            <a:r>
+              <a:rPr lang="en-US" sz="2400" dirty="0">
+                <a:solidFill>
+                  <a:srgbClr val="7C4FCD"/>
+                </a:solidFill>
+                <a:latin typeface="Consolas" panose="020B0609020204030204" pitchFamily="49" charset="0"/>
+                <a:ea typeface="Times New Roman" panose="02020603050405020304" pitchFamily="18" charset="0"/>
+                <a:cs typeface="Times New Roman" panose="02020603050405020304" pitchFamily="18" charset="0"/>
+              </a:rPr>
+              <a:t>LINEAR</a:t>
+            </a:r>
+            <a:r>
+              <a:rPr lang="en-US" sz="2400" dirty="0">
+                <a:solidFill>
+                  <a:srgbClr val="000000"/>
+                </a:solidFill>
+                <a:latin typeface="Consolas" panose="020B0609020204030204" pitchFamily="49" charset="0"/>
+                <a:ea typeface="Times New Roman" panose="02020603050405020304" pitchFamily="18" charset="0"/>
+                <a:cs typeface="Times New Roman" panose="02020603050405020304" pitchFamily="18" charset="0"/>
+              </a:rPr>
+              <a:t>) </a:t>
+            </a:r>
+            <a:endParaRPr lang="en-US" sz="2400" dirty="0">
+              <a:latin typeface="Calibri" panose="020F0502020204030204" pitchFamily="34" charset="0"/>
+              <a:ea typeface="Calibri" panose="020F0502020204030204" pitchFamily="34" charset="0"/>
+              <a:cs typeface="Times New Roman" panose="02020603050405020304" pitchFamily="18" charset="0"/>
+            </a:endParaRPr>
           </a:p>
           <a:p>
             <a:pPr>
               <a:lnSpc>
                 <a:spcPct val="107000"/>
               </a:lnSpc>
+              <a:tabLst>
+                <a:tab pos="581660" algn="l"/>
+                <a:tab pos="1163320" algn="l"/>
+                <a:tab pos="1744980" algn="l"/>
+                <a:tab pos="2326640" algn="l"/>
+                <a:tab pos="2908300" algn="l"/>
+                <a:tab pos="3489960" algn="l"/>
+                <a:tab pos="4071620" algn="l"/>
+                <a:tab pos="4653280" algn="l"/>
+                <a:tab pos="5234940" algn="l"/>
+                <a:tab pos="5816600" algn="l"/>
+                <a:tab pos="6398260" algn="l"/>
+                <a:tab pos="6979920" algn="l"/>
+                <a:tab pos="7561580" algn="l"/>
+                <a:tab pos="8143240" algn="l"/>
+                <a:tab pos="8724900" algn="l"/>
+                <a:tab pos="9306560" algn="l"/>
+              </a:tabLst>
             </a:pPr>
             <a:r>
-              <a:rPr lang="hu-HU" sz="1600" dirty="0">
-                <a:solidFill>
-                  <a:schemeClr val="tx1"/>
-                </a:solidFill>
-                <a:ea typeface="Times New Roman" panose="02020603050405020304" pitchFamily="18" charset="0"/>
-                <a:cs typeface="Times New Roman" panose="02020603050405020304" pitchFamily="18" charset="0"/>
-              </a:rPr>
-              <a:t>    gl.texParameteri(gl.TEXTURE_CUBE_MAP, gl.TEXTURE_MAG_FILTER, gl.LINEAR);</a:t>
-            </a:r>
+              <a:rPr lang="en-US" sz="2400" dirty="0">
+                <a:solidFill>
+                  <a:srgbClr val="000000"/>
+                </a:solidFill>
+                <a:latin typeface="Consolas" panose="020B0609020204030204" pitchFamily="49" charset="0"/>
+                <a:ea typeface="Times New Roman" panose="02020603050405020304" pitchFamily="18" charset="0"/>
+                <a:cs typeface="Times New Roman" panose="02020603050405020304" pitchFamily="18" charset="0"/>
+              </a:rPr>
+              <a:t>          </a:t>
+            </a:r>
+            <a:r>
+              <a:rPr lang="en-US" sz="2400" dirty="0" err="1">
+                <a:solidFill>
+                  <a:srgbClr val="000000"/>
+                </a:solidFill>
+                <a:latin typeface="Consolas" panose="020B0609020204030204" pitchFamily="49" charset="0"/>
+                <a:ea typeface="Times New Roman" panose="02020603050405020304" pitchFamily="18" charset="0"/>
+                <a:cs typeface="Times New Roman" panose="02020603050405020304" pitchFamily="18" charset="0"/>
+              </a:rPr>
+              <a:t>gl</a:t>
+            </a:r>
+            <a:r>
+              <a:rPr lang="en-US" sz="2400" dirty="0" err="1">
+                <a:solidFill>
+                  <a:srgbClr val="C70040"/>
+                </a:solidFill>
+                <a:latin typeface="Consolas" panose="020B0609020204030204" pitchFamily="49" charset="0"/>
+                <a:ea typeface="Times New Roman" panose="02020603050405020304" pitchFamily="18" charset="0"/>
+                <a:cs typeface="Times New Roman" panose="02020603050405020304" pitchFamily="18" charset="0"/>
+              </a:rPr>
+              <a:t>.</a:t>
+            </a:r>
+            <a:r>
+              <a:rPr lang="en-US" sz="2400" dirty="0" err="1">
+                <a:solidFill>
+                  <a:srgbClr val="000000"/>
+                </a:solidFill>
+                <a:latin typeface="Consolas" panose="020B0609020204030204" pitchFamily="49" charset="0"/>
+                <a:ea typeface="Times New Roman" panose="02020603050405020304" pitchFamily="18" charset="0"/>
+                <a:cs typeface="Times New Roman" panose="02020603050405020304" pitchFamily="18" charset="0"/>
+              </a:rPr>
+              <a:t>texParameteri</a:t>
+            </a:r>
+            <a:r>
+              <a:rPr lang="en-US" sz="2400" dirty="0">
+                <a:solidFill>
+                  <a:srgbClr val="000000"/>
+                </a:solidFill>
+                <a:latin typeface="Consolas" panose="020B0609020204030204" pitchFamily="49" charset="0"/>
+                <a:ea typeface="Times New Roman" panose="02020603050405020304" pitchFamily="18" charset="0"/>
+                <a:cs typeface="Times New Roman" panose="02020603050405020304" pitchFamily="18" charset="0"/>
+              </a:rPr>
+              <a:t>(</a:t>
+            </a:r>
+            <a:r>
+              <a:rPr lang="en-US" sz="2400" dirty="0">
+                <a:solidFill>
+                  <a:srgbClr val="7C4FCD"/>
+                </a:solidFill>
+                <a:latin typeface="Consolas" panose="020B0609020204030204" pitchFamily="49" charset="0"/>
+                <a:ea typeface="Times New Roman" panose="02020603050405020304" pitchFamily="18" charset="0"/>
+                <a:cs typeface="Times New Roman" panose="02020603050405020304" pitchFamily="18" charset="0"/>
+              </a:rPr>
+              <a:t>GL</a:t>
+            </a:r>
+            <a:r>
+              <a:rPr lang="en-US" sz="2400" dirty="0">
+                <a:solidFill>
+                  <a:srgbClr val="C70040"/>
+                </a:solidFill>
+                <a:latin typeface="Consolas" panose="020B0609020204030204" pitchFamily="49" charset="0"/>
+                <a:ea typeface="Times New Roman" panose="02020603050405020304" pitchFamily="18" charset="0"/>
+                <a:cs typeface="Times New Roman" panose="02020603050405020304" pitchFamily="18" charset="0"/>
+              </a:rPr>
+              <a:t>.</a:t>
+            </a:r>
+            <a:r>
+              <a:rPr lang="en-US" sz="2400" b="1" dirty="0">
+                <a:solidFill>
+                  <a:srgbClr val="7C4FCD"/>
+                </a:solidFill>
+                <a:latin typeface="Consolas" panose="020B0609020204030204" pitchFamily="49" charset="0"/>
+                <a:ea typeface="Times New Roman" panose="02020603050405020304" pitchFamily="18" charset="0"/>
+                <a:cs typeface="Times New Roman" panose="02020603050405020304" pitchFamily="18" charset="0"/>
+              </a:rPr>
+              <a:t>TEXTURE_CUBE_MAP</a:t>
+            </a:r>
+            <a:r>
+              <a:rPr lang="en-US" sz="2400" dirty="0">
+                <a:solidFill>
+                  <a:srgbClr val="000000"/>
+                </a:solidFill>
+                <a:latin typeface="Consolas" panose="020B0609020204030204" pitchFamily="49" charset="0"/>
+                <a:ea typeface="Times New Roman" panose="02020603050405020304" pitchFamily="18" charset="0"/>
+                <a:cs typeface="Times New Roman" panose="02020603050405020304" pitchFamily="18" charset="0"/>
+              </a:rPr>
+              <a:t>, </a:t>
+            </a:r>
+            <a:r>
+              <a:rPr lang="en-US" sz="2400" dirty="0">
+                <a:solidFill>
+                  <a:srgbClr val="7C4FCD"/>
+                </a:solidFill>
+                <a:latin typeface="Consolas" panose="020B0609020204030204" pitchFamily="49" charset="0"/>
+                <a:ea typeface="Times New Roman" panose="02020603050405020304" pitchFamily="18" charset="0"/>
+                <a:cs typeface="Times New Roman" panose="02020603050405020304" pitchFamily="18" charset="0"/>
+              </a:rPr>
+              <a:t>GL</a:t>
+            </a:r>
+            <a:r>
+              <a:rPr lang="en-US" sz="2400" dirty="0">
+                <a:solidFill>
+                  <a:srgbClr val="C70040"/>
+                </a:solidFill>
+                <a:latin typeface="Consolas" panose="020B0609020204030204" pitchFamily="49" charset="0"/>
+                <a:ea typeface="Times New Roman" panose="02020603050405020304" pitchFamily="18" charset="0"/>
+                <a:cs typeface="Times New Roman" panose="02020603050405020304" pitchFamily="18" charset="0"/>
+              </a:rPr>
+              <a:t>.</a:t>
+            </a:r>
+            <a:r>
+              <a:rPr lang="en-US" sz="2400" dirty="0">
+                <a:solidFill>
+                  <a:srgbClr val="7C4FCD"/>
+                </a:solidFill>
+                <a:latin typeface="Consolas" panose="020B0609020204030204" pitchFamily="49" charset="0"/>
+                <a:ea typeface="Times New Roman" panose="02020603050405020304" pitchFamily="18" charset="0"/>
+                <a:cs typeface="Times New Roman" panose="02020603050405020304" pitchFamily="18" charset="0"/>
+              </a:rPr>
+              <a:t>TEXTURE_MIN_FILTER</a:t>
+            </a:r>
+            <a:r>
+              <a:rPr lang="en-US" sz="2400" dirty="0">
+                <a:solidFill>
+                  <a:srgbClr val="000000"/>
+                </a:solidFill>
+                <a:latin typeface="Consolas" panose="020B0609020204030204" pitchFamily="49" charset="0"/>
+                <a:ea typeface="Times New Roman" panose="02020603050405020304" pitchFamily="18" charset="0"/>
+                <a:cs typeface="Times New Roman" panose="02020603050405020304" pitchFamily="18" charset="0"/>
+              </a:rPr>
+              <a:t>,</a:t>
+            </a:r>
+            <a:endParaRPr lang="hu-HU" sz="2400" dirty="0">
+              <a:solidFill>
+                <a:srgbClr val="000000"/>
+              </a:solidFill>
+              <a:latin typeface="Consolas" panose="020B0609020204030204" pitchFamily="49" charset="0"/>
+              <a:ea typeface="Times New Roman" panose="02020603050405020304" pitchFamily="18" charset="0"/>
+              <a:cs typeface="Times New Roman" panose="02020603050405020304" pitchFamily="18" charset="0"/>
+            </a:endParaRPr>
           </a:p>
           <a:p>
             <a:pPr>
               <a:lnSpc>
                 <a:spcPct val="107000"/>
               </a:lnSpc>
+              <a:tabLst>
+                <a:tab pos="581660" algn="l"/>
+                <a:tab pos="1163320" algn="l"/>
+                <a:tab pos="1744980" algn="l"/>
+                <a:tab pos="2326640" algn="l"/>
+                <a:tab pos="2908300" algn="l"/>
+                <a:tab pos="3489960" algn="l"/>
+                <a:tab pos="4071620" algn="l"/>
+                <a:tab pos="4653280" algn="l"/>
+                <a:tab pos="5234940" algn="l"/>
+                <a:tab pos="5816600" algn="l"/>
+                <a:tab pos="6398260" algn="l"/>
+                <a:tab pos="6979920" algn="l"/>
+                <a:tab pos="7561580" algn="l"/>
+                <a:tab pos="8143240" algn="l"/>
+                <a:tab pos="8724900" algn="l"/>
+                <a:tab pos="9306560" algn="l"/>
+              </a:tabLst>
             </a:pPr>
             <a:r>
-              <a:rPr lang="hu-HU" sz="1600" dirty="0">
-                <a:solidFill>
-                  <a:schemeClr val="tx1"/>
-                </a:solidFill>
-                <a:ea typeface="Times New Roman" panose="02020603050405020304" pitchFamily="18" charset="0"/>
-                <a:cs typeface="Times New Roman" panose="02020603050405020304" pitchFamily="18" charset="0"/>
-              </a:rPr>
-              <a:t>    gl.texParameteri(gl.TEXTURE_CUBE_MAP, gl.TEXTURE_MIN_FILTER</a:t>
-            </a:r>
-            <a:r>
-              <a:rPr lang="hu-HU" sz="1600" dirty="0" smtClean="0">
-                <a:solidFill>
-                  <a:schemeClr val="tx1"/>
-                </a:solidFill>
-                <a:ea typeface="Times New Roman" panose="02020603050405020304" pitchFamily="18" charset="0"/>
-                <a:cs typeface="Times New Roman" panose="02020603050405020304" pitchFamily="18" charset="0"/>
-              </a:rPr>
-              <a:t>, gl.LINEAR_MIPMAP_LINEAR</a:t>
-            </a:r>
-            <a:r>
-              <a:rPr lang="hu-HU" sz="1600" dirty="0">
-                <a:solidFill>
-                  <a:schemeClr val="tx1"/>
-                </a:solidFill>
-                <a:ea typeface="Times New Roman" panose="02020603050405020304" pitchFamily="18" charset="0"/>
-                <a:cs typeface="Times New Roman" panose="02020603050405020304" pitchFamily="18" charset="0"/>
-              </a:rPr>
-              <a:t>);</a:t>
-            </a:r>
+              <a:rPr lang="hu-HU" sz="2400" dirty="0">
+                <a:solidFill>
+                  <a:srgbClr val="000000"/>
+                </a:solidFill>
+                <a:latin typeface="Consolas" panose="020B0609020204030204" pitchFamily="49" charset="0"/>
+                <a:ea typeface="Times New Roman" panose="02020603050405020304" pitchFamily="18" charset="0"/>
+                <a:cs typeface="Times New Roman" panose="02020603050405020304" pitchFamily="18" charset="0"/>
+              </a:rPr>
+              <a:t>                                                        </a:t>
+            </a:r>
+            <a:r>
+              <a:rPr lang="en-US" sz="2400" dirty="0">
+                <a:solidFill>
+                  <a:srgbClr val="000000"/>
+                </a:solidFill>
+                <a:latin typeface="Consolas" panose="020B0609020204030204" pitchFamily="49" charset="0"/>
+                <a:ea typeface="Times New Roman" panose="02020603050405020304" pitchFamily="18" charset="0"/>
+                <a:cs typeface="Times New Roman" panose="02020603050405020304" pitchFamily="18" charset="0"/>
+              </a:rPr>
+              <a:t> </a:t>
+            </a:r>
+            <a:r>
+              <a:rPr lang="en-US" sz="2400" dirty="0">
+                <a:solidFill>
+                  <a:srgbClr val="7C4FCD"/>
+                </a:solidFill>
+                <a:latin typeface="Consolas" panose="020B0609020204030204" pitchFamily="49" charset="0"/>
+                <a:ea typeface="Times New Roman" panose="02020603050405020304" pitchFamily="18" charset="0"/>
+                <a:cs typeface="Times New Roman" panose="02020603050405020304" pitchFamily="18" charset="0"/>
+              </a:rPr>
+              <a:t>GL</a:t>
+            </a:r>
+            <a:r>
+              <a:rPr lang="en-US" sz="2400" dirty="0">
+                <a:solidFill>
+                  <a:srgbClr val="C70040"/>
+                </a:solidFill>
+                <a:latin typeface="Consolas" panose="020B0609020204030204" pitchFamily="49" charset="0"/>
+                <a:ea typeface="Times New Roman" panose="02020603050405020304" pitchFamily="18" charset="0"/>
+                <a:cs typeface="Times New Roman" panose="02020603050405020304" pitchFamily="18" charset="0"/>
+              </a:rPr>
+              <a:t>.</a:t>
+            </a:r>
+            <a:r>
+              <a:rPr lang="en-US" sz="2400" dirty="0">
+                <a:solidFill>
+                  <a:srgbClr val="7C4FCD"/>
+                </a:solidFill>
+                <a:latin typeface="Consolas" panose="020B0609020204030204" pitchFamily="49" charset="0"/>
+                <a:ea typeface="Times New Roman" panose="02020603050405020304" pitchFamily="18" charset="0"/>
+                <a:cs typeface="Times New Roman" panose="02020603050405020304" pitchFamily="18" charset="0"/>
+              </a:rPr>
+              <a:t>LINEAR_MIPMAP_LINEAR</a:t>
+            </a:r>
+            <a:r>
+              <a:rPr lang="en-US" sz="2400" dirty="0">
+                <a:solidFill>
+                  <a:srgbClr val="000000"/>
+                </a:solidFill>
+                <a:latin typeface="Consolas" panose="020B0609020204030204" pitchFamily="49" charset="0"/>
+                <a:ea typeface="Times New Roman" panose="02020603050405020304" pitchFamily="18" charset="0"/>
+                <a:cs typeface="Times New Roman" panose="02020603050405020304" pitchFamily="18" charset="0"/>
+              </a:rPr>
+              <a:t>) </a:t>
+            </a:r>
+            <a:endParaRPr lang="en-US" sz="2400" dirty="0">
+              <a:latin typeface="Calibri" panose="020F0502020204030204" pitchFamily="34" charset="0"/>
+              <a:ea typeface="Calibri" panose="020F0502020204030204" pitchFamily="34" charset="0"/>
+              <a:cs typeface="Times New Roman" panose="02020603050405020304" pitchFamily="18" charset="0"/>
+            </a:endParaRPr>
           </a:p>
           <a:p>
             <a:pPr>
               <a:lnSpc>
                 <a:spcPct val="107000"/>
               </a:lnSpc>
+              <a:tabLst>
+                <a:tab pos="581660" algn="l"/>
+                <a:tab pos="1163320" algn="l"/>
+                <a:tab pos="1744980" algn="l"/>
+                <a:tab pos="2326640" algn="l"/>
+                <a:tab pos="2908300" algn="l"/>
+                <a:tab pos="3489960" algn="l"/>
+                <a:tab pos="4071620" algn="l"/>
+                <a:tab pos="4653280" algn="l"/>
+                <a:tab pos="5234940" algn="l"/>
+                <a:tab pos="5816600" algn="l"/>
+                <a:tab pos="6398260" algn="l"/>
+                <a:tab pos="6979920" algn="l"/>
+                <a:tab pos="7561580" algn="l"/>
+                <a:tab pos="8143240" algn="l"/>
+                <a:tab pos="8724900" algn="l"/>
+                <a:tab pos="9306560" algn="l"/>
+              </a:tabLst>
             </a:pPr>
             <a:r>
-              <a:rPr lang="hu-HU" sz="1600" dirty="0">
-                <a:solidFill>
-                  <a:schemeClr val="tx1"/>
-                </a:solidFill>
-                <a:ea typeface="Times New Roman" panose="02020603050405020304" pitchFamily="18" charset="0"/>
-                <a:cs typeface="Times New Roman" panose="02020603050405020304" pitchFamily="18" charset="0"/>
-              </a:rPr>
-              <a:t>    gl.generateMipmap(gl.TEXTURE_CUBE_MAP);</a:t>
-            </a:r>
+              <a:rPr lang="en-US" sz="2400" dirty="0">
+                <a:solidFill>
+                  <a:srgbClr val="000000"/>
+                </a:solidFill>
+                <a:latin typeface="Consolas" panose="020B0609020204030204" pitchFamily="49" charset="0"/>
+                <a:ea typeface="Times New Roman" panose="02020603050405020304" pitchFamily="18" charset="0"/>
+                <a:cs typeface="Times New Roman" panose="02020603050405020304" pitchFamily="18" charset="0"/>
+              </a:rPr>
+              <a:t>          </a:t>
+            </a:r>
+            <a:r>
+              <a:rPr lang="en-US" sz="2400" dirty="0" err="1">
+                <a:solidFill>
+                  <a:srgbClr val="000000"/>
+                </a:solidFill>
+                <a:latin typeface="Consolas" panose="020B0609020204030204" pitchFamily="49" charset="0"/>
+                <a:ea typeface="Times New Roman" panose="02020603050405020304" pitchFamily="18" charset="0"/>
+                <a:cs typeface="Times New Roman" panose="02020603050405020304" pitchFamily="18" charset="0"/>
+              </a:rPr>
+              <a:t>gl</a:t>
+            </a:r>
+            <a:r>
+              <a:rPr lang="en-US" sz="2400" dirty="0" err="1">
+                <a:solidFill>
+                  <a:srgbClr val="C70040"/>
+                </a:solidFill>
+                <a:latin typeface="Consolas" panose="020B0609020204030204" pitchFamily="49" charset="0"/>
+                <a:ea typeface="Times New Roman" panose="02020603050405020304" pitchFamily="18" charset="0"/>
+                <a:cs typeface="Times New Roman" panose="02020603050405020304" pitchFamily="18" charset="0"/>
+              </a:rPr>
+              <a:t>.</a:t>
+            </a:r>
+            <a:r>
+              <a:rPr lang="en-US" sz="2400" dirty="0" err="1">
+                <a:solidFill>
+                  <a:srgbClr val="000000"/>
+                </a:solidFill>
+                <a:latin typeface="Consolas" panose="020B0609020204030204" pitchFamily="49" charset="0"/>
+                <a:ea typeface="Times New Roman" panose="02020603050405020304" pitchFamily="18" charset="0"/>
+                <a:cs typeface="Times New Roman" panose="02020603050405020304" pitchFamily="18" charset="0"/>
+              </a:rPr>
+              <a:t>generateMipmap</a:t>
+            </a:r>
+            <a:r>
+              <a:rPr lang="en-US" sz="2400" dirty="0">
+                <a:solidFill>
+                  <a:srgbClr val="000000"/>
+                </a:solidFill>
+                <a:latin typeface="Consolas" panose="020B0609020204030204" pitchFamily="49" charset="0"/>
+                <a:ea typeface="Times New Roman" panose="02020603050405020304" pitchFamily="18" charset="0"/>
+                <a:cs typeface="Times New Roman" panose="02020603050405020304" pitchFamily="18" charset="0"/>
+              </a:rPr>
+              <a:t>(</a:t>
+            </a:r>
+            <a:r>
+              <a:rPr lang="en-US" sz="2400" dirty="0">
+                <a:solidFill>
+                  <a:srgbClr val="7C4FCD"/>
+                </a:solidFill>
+                <a:latin typeface="Consolas" panose="020B0609020204030204" pitchFamily="49" charset="0"/>
+                <a:ea typeface="Times New Roman" panose="02020603050405020304" pitchFamily="18" charset="0"/>
+                <a:cs typeface="Times New Roman" panose="02020603050405020304" pitchFamily="18" charset="0"/>
+              </a:rPr>
+              <a:t>GL</a:t>
+            </a:r>
+            <a:r>
+              <a:rPr lang="en-US" sz="2400" dirty="0">
+                <a:solidFill>
+                  <a:srgbClr val="C70040"/>
+                </a:solidFill>
+                <a:latin typeface="Consolas" panose="020B0609020204030204" pitchFamily="49" charset="0"/>
+                <a:ea typeface="Times New Roman" panose="02020603050405020304" pitchFamily="18" charset="0"/>
+                <a:cs typeface="Times New Roman" panose="02020603050405020304" pitchFamily="18" charset="0"/>
+              </a:rPr>
+              <a:t>.</a:t>
+            </a:r>
+            <a:r>
+              <a:rPr lang="en-US" sz="2400" b="1" dirty="0">
+                <a:solidFill>
+                  <a:srgbClr val="7C4FCD"/>
+                </a:solidFill>
+                <a:latin typeface="Consolas" panose="020B0609020204030204" pitchFamily="49" charset="0"/>
+                <a:ea typeface="Times New Roman" panose="02020603050405020304" pitchFamily="18" charset="0"/>
+                <a:cs typeface="Times New Roman" panose="02020603050405020304" pitchFamily="18" charset="0"/>
+              </a:rPr>
+              <a:t>TEXTURE_CUBE_MAP</a:t>
+            </a:r>
+            <a:r>
+              <a:rPr lang="en-US" sz="2400" dirty="0">
+                <a:solidFill>
+                  <a:srgbClr val="000000"/>
+                </a:solidFill>
+                <a:latin typeface="Consolas" panose="020B0609020204030204" pitchFamily="49" charset="0"/>
+                <a:ea typeface="Times New Roman" panose="02020603050405020304" pitchFamily="18" charset="0"/>
+                <a:cs typeface="Times New Roman" panose="02020603050405020304" pitchFamily="18" charset="0"/>
+              </a:rPr>
+              <a:t>); </a:t>
+            </a:r>
+            <a:endParaRPr lang="en-US" sz="2400" dirty="0">
+              <a:latin typeface="Calibri" panose="020F0502020204030204" pitchFamily="34" charset="0"/>
+              <a:ea typeface="Calibri" panose="020F0502020204030204" pitchFamily="34" charset="0"/>
+              <a:cs typeface="Times New Roman" panose="02020603050405020304" pitchFamily="18" charset="0"/>
+            </a:endParaRPr>
           </a:p>
           <a:p>
             <a:pPr>
               <a:lnSpc>
                 <a:spcPct val="107000"/>
               </a:lnSpc>
+              <a:tabLst>
+                <a:tab pos="581660" algn="l"/>
+                <a:tab pos="1163320" algn="l"/>
+                <a:tab pos="1744980" algn="l"/>
+                <a:tab pos="2326640" algn="l"/>
+                <a:tab pos="2908300" algn="l"/>
+                <a:tab pos="3489960" algn="l"/>
+                <a:tab pos="4071620" algn="l"/>
+                <a:tab pos="4653280" algn="l"/>
+                <a:tab pos="5234940" algn="l"/>
+                <a:tab pos="5816600" algn="l"/>
+                <a:tab pos="6398260" algn="l"/>
+                <a:tab pos="6979920" algn="l"/>
+                <a:tab pos="7561580" algn="l"/>
+                <a:tab pos="8143240" algn="l"/>
+                <a:tab pos="8724900" algn="l"/>
+                <a:tab pos="9306560" algn="l"/>
+              </a:tabLst>
             </a:pPr>
             <a:r>
-              <a:rPr lang="hu-HU" sz="1600" dirty="0">
-                <a:solidFill>
-                  <a:schemeClr val="tx1"/>
-                </a:solidFill>
-                <a:ea typeface="Times New Roman" panose="02020603050405020304" pitchFamily="18" charset="0"/>
-                <a:cs typeface="Times New Roman" panose="02020603050405020304" pitchFamily="18" charset="0"/>
-              </a:rPr>
-              <a:t>    gl.bindTexture(gl.TEXTURE_CUBE_MAP, null);</a:t>
-            </a:r>
+              <a:rPr lang="en-US" sz="2400" dirty="0">
+                <a:solidFill>
+                  <a:srgbClr val="000000"/>
+                </a:solidFill>
+                <a:latin typeface="Consolas" panose="020B0609020204030204" pitchFamily="49" charset="0"/>
+                <a:ea typeface="Times New Roman" panose="02020603050405020304" pitchFamily="18" charset="0"/>
+                <a:cs typeface="Times New Roman" panose="02020603050405020304" pitchFamily="18" charset="0"/>
+              </a:rPr>
+              <a:t>        }</a:t>
+            </a:r>
+            <a:endParaRPr lang="en-US" sz="2400" dirty="0">
+              <a:latin typeface="Calibri" panose="020F0502020204030204" pitchFamily="34" charset="0"/>
+              <a:ea typeface="Calibri" panose="020F0502020204030204" pitchFamily="34" charset="0"/>
+              <a:cs typeface="Times New Roman" panose="02020603050405020304" pitchFamily="18" charset="0"/>
+            </a:endParaRPr>
           </a:p>
           <a:p>
             <a:pPr>
               <a:lnSpc>
                 <a:spcPct val="107000"/>
               </a:lnSpc>
+              <a:tabLst>
+                <a:tab pos="581660" algn="l"/>
+                <a:tab pos="1163320" algn="l"/>
+                <a:tab pos="1744980" algn="l"/>
+                <a:tab pos="2326640" algn="l"/>
+                <a:tab pos="2908300" algn="l"/>
+                <a:tab pos="3489960" algn="l"/>
+                <a:tab pos="4071620" algn="l"/>
+                <a:tab pos="4653280" algn="l"/>
+                <a:tab pos="5234940" algn="l"/>
+                <a:tab pos="5816600" algn="l"/>
+                <a:tab pos="6398260" algn="l"/>
+                <a:tab pos="6979920" algn="l"/>
+                <a:tab pos="7561580" algn="l"/>
+                <a:tab pos="8143240" algn="l"/>
+                <a:tab pos="8724900" algn="l"/>
+                <a:tab pos="9306560" algn="l"/>
+              </a:tabLst>
             </a:pPr>
             <a:r>
-              <a:rPr lang="hu-HU" sz="1600" dirty="0">
-                <a:solidFill>
-                  <a:schemeClr val="tx1"/>
-                </a:solidFill>
-                <a:ea typeface="Times New Roman" panose="02020603050405020304" pitchFamily="18" charset="0"/>
-                <a:cs typeface="Times New Roman" panose="02020603050405020304" pitchFamily="18" charset="0"/>
-              </a:rPr>
-              <a:t>    if( </a:t>
-            </a:r>
-            <a:r>
-              <a:rPr lang="hu-HU" sz="1600" dirty="0">
+              <a:rPr lang="en-US" sz="2400" dirty="0">
+                <a:solidFill>
+                  <a:srgbClr val="000000"/>
+                </a:solidFill>
+                <a:latin typeface="Consolas" panose="020B0609020204030204" pitchFamily="49" charset="0"/>
+                <a:ea typeface="Times New Roman" panose="02020603050405020304" pitchFamily="18" charset="0"/>
+                <a:cs typeface="Times New Roman" panose="02020603050405020304" pitchFamily="18" charset="0"/>
+              </a:rPr>
+              <a:t>        </a:t>
+            </a:r>
+            <a:r>
+              <a:rPr lang="en-US" sz="2400" dirty="0" err="1">
+                <a:solidFill>
+                  <a:srgbClr val="000000"/>
+                </a:solidFill>
+                <a:latin typeface="Consolas" panose="020B0609020204030204" pitchFamily="49" charset="0"/>
+                <a:ea typeface="Times New Roman" panose="02020603050405020304" pitchFamily="18" charset="0"/>
+                <a:cs typeface="Times New Roman" panose="02020603050405020304" pitchFamily="18" charset="0"/>
+              </a:rPr>
+              <a:t>gl</a:t>
+            </a:r>
+            <a:r>
+              <a:rPr lang="en-US" sz="2400" dirty="0" err="1">
                 <a:solidFill>
                   <a:srgbClr val="C70040"/>
                 </a:solidFill>
-                <a:ea typeface="Times New Roman" panose="02020603050405020304" pitchFamily="18" charset="0"/>
-                <a:cs typeface="Times New Roman" panose="02020603050405020304" pitchFamily="18" charset="0"/>
-              </a:rPr>
-              <a:t>--</a:t>
-            </a:r>
-            <a:r>
-              <a:rPr lang="hu-HU" sz="1600" dirty="0">
-                <a:solidFill>
-                  <a:schemeClr val="tx1"/>
-                </a:solidFill>
-                <a:ea typeface="Times New Roman" panose="02020603050405020304" pitchFamily="18" charset="0"/>
-                <a:cs typeface="Times New Roman" panose="02020603050405020304" pitchFamily="18" charset="0"/>
-              </a:rPr>
-              <a:t>gl.pendingResources[this.mediaFileUrls[0]] </a:t>
-            </a:r>
-            <a:r>
-              <a:rPr lang="hu-HU" sz="1600" dirty="0">
+                <a:latin typeface="Consolas" panose="020B0609020204030204" pitchFamily="49" charset="0"/>
+                <a:ea typeface="Times New Roman" panose="02020603050405020304" pitchFamily="18" charset="0"/>
+                <a:cs typeface="Times New Roman" panose="02020603050405020304" pitchFamily="18" charset="0"/>
+              </a:rPr>
+              <a:t>.</a:t>
+            </a:r>
+            <a:r>
+              <a:rPr lang="en-US" sz="2400" dirty="0" err="1">
+                <a:solidFill>
+                  <a:srgbClr val="000000"/>
+                </a:solidFill>
+                <a:latin typeface="Consolas" panose="020B0609020204030204" pitchFamily="49" charset="0"/>
+                <a:ea typeface="Times New Roman" panose="02020603050405020304" pitchFamily="18" charset="0"/>
+                <a:cs typeface="Times New Roman" panose="02020603050405020304" pitchFamily="18" charset="0"/>
+              </a:rPr>
+              <a:t>bindTexture</a:t>
+            </a:r>
+            <a:r>
+              <a:rPr lang="en-US" sz="2400" dirty="0">
+                <a:solidFill>
+                  <a:srgbClr val="000000"/>
+                </a:solidFill>
+                <a:latin typeface="Consolas" panose="020B0609020204030204" pitchFamily="49" charset="0"/>
+                <a:ea typeface="Times New Roman" panose="02020603050405020304" pitchFamily="18" charset="0"/>
+                <a:cs typeface="Times New Roman" panose="02020603050405020304" pitchFamily="18" charset="0"/>
+              </a:rPr>
+              <a:t>(</a:t>
+            </a:r>
+            <a:r>
+              <a:rPr lang="en-US" sz="2400" dirty="0">
+                <a:solidFill>
+                  <a:srgbClr val="7C4FCD"/>
+                </a:solidFill>
+                <a:latin typeface="Consolas" panose="020B0609020204030204" pitchFamily="49" charset="0"/>
+                <a:ea typeface="Times New Roman" panose="02020603050405020304" pitchFamily="18" charset="0"/>
+                <a:cs typeface="Times New Roman" panose="02020603050405020304" pitchFamily="18" charset="0"/>
+              </a:rPr>
+              <a:t>GL</a:t>
+            </a:r>
+            <a:r>
+              <a:rPr lang="en-US" sz="2400" dirty="0">
                 <a:solidFill>
                   <a:srgbClr val="C70040"/>
                 </a:solidFill>
-                <a:ea typeface="Times New Roman" panose="02020603050405020304" pitchFamily="18" charset="0"/>
-                <a:cs typeface="Times New Roman" panose="02020603050405020304" pitchFamily="18" charset="0"/>
-              </a:rPr>
-              <a:t>===</a:t>
-            </a:r>
-            <a:r>
-              <a:rPr lang="hu-HU" sz="1600" dirty="0">
-                <a:solidFill>
-                  <a:schemeClr val="tx1"/>
-                </a:solidFill>
-                <a:ea typeface="Times New Roman" panose="02020603050405020304" pitchFamily="18" charset="0"/>
-                <a:cs typeface="Times New Roman" panose="02020603050405020304" pitchFamily="18" charset="0"/>
-              </a:rPr>
-              <a:t> 0 ) {</a:t>
-            </a:r>
+                <a:latin typeface="Consolas" panose="020B0609020204030204" pitchFamily="49" charset="0"/>
+                <a:ea typeface="Times New Roman" panose="02020603050405020304" pitchFamily="18" charset="0"/>
+                <a:cs typeface="Times New Roman" panose="02020603050405020304" pitchFamily="18" charset="0"/>
+              </a:rPr>
+              <a:t>.</a:t>
+            </a:r>
+            <a:r>
+              <a:rPr lang="en-US" sz="2400" b="1" dirty="0">
+                <a:solidFill>
+                  <a:srgbClr val="7C4FCD"/>
+                </a:solidFill>
+                <a:latin typeface="Consolas" panose="020B0609020204030204" pitchFamily="49" charset="0"/>
+                <a:ea typeface="Times New Roman" panose="02020603050405020304" pitchFamily="18" charset="0"/>
+                <a:cs typeface="Times New Roman" panose="02020603050405020304" pitchFamily="18" charset="0"/>
+              </a:rPr>
+              <a:t>TEXTURE_CUBE_MAP</a:t>
+            </a:r>
+            <a:r>
+              <a:rPr lang="en-US" sz="2400" dirty="0">
+                <a:solidFill>
+                  <a:srgbClr val="000000"/>
+                </a:solidFill>
+                <a:latin typeface="Consolas" panose="020B0609020204030204" pitchFamily="49" charset="0"/>
+                <a:ea typeface="Times New Roman" panose="02020603050405020304" pitchFamily="18" charset="0"/>
+                <a:cs typeface="Times New Roman" panose="02020603050405020304" pitchFamily="18" charset="0"/>
+              </a:rPr>
+              <a:t>, </a:t>
+            </a:r>
+            <a:r>
+              <a:rPr lang="en-US" sz="2400" dirty="0">
+                <a:solidFill>
+                  <a:srgbClr val="7C4FCD"/>
+                </a:solidFill>
+                <a:latin typeface="Consolas" panose="020B0609020204030204" pitchFamily="49" charset="0"/>
+                <a:ea typeface="Times New Roman" panose="02020603050405020304" pitchFamily="18" charset="0"/>
+                <a:cs typeface="Times New Roman" panose="02020603050405020304" pitchFamily="18" charset="0"/>
+              </a:rPr>
+              <a:t>null</a:t>
+            </a:r>
+            <a:r>
+              <a:rPr lang="en-US" sz="2400" dirty="0">
+                <a:solidFill>
+                  <a:srgbClr val="000000"/>
+                </a:solidFill>
+                <a:latin typeface="Consolas" panose="020B0609020204030204" pitchFamily="49" charset="0"/>
+                <a:ea typeface="Times New Roman" panose="02020603050405020304" pitchFamily="18" charset="0"/>
+                <a:cs typeface="Times New Roman" panose="02020603050405020304" pitchFamily="18" charset="0"/>
+              </a:rPr>
+              <a:t>); </a:t>
+            </a:r>
+            <a:endParaRPr lang="en-US" sz="2400" dirty="0">
+              <a:latin typeface="Calibri" panose="020F0502020204030204" pitchFamily="34" charset="0"/>
+              <a:ea typeface="Calibri" panose="020F0502020204030204" pitchFamily="34" charset="0"/>
+              <a:cs typeface="Times New Roman" panose="02020603050405020304" pitchFamily="18" charset="0"/>
+            </a:endParaRPr>
           </a:p>
           <a:p>
             <a:pPr>
               <a:lnSpc>
                 <a:spcPct val="107000"/>
               </a:lnSpc>
+              <a:tabLst>
+                <a:tab pos="581660" algn="l"/>
+                <a:tab pos="1163320" algn="l"/>
+                <a:tab pos="1744980" algn="l"/>
+                <a:tab pos="2326640" algn="l"/>
+                <a:tab pos="2908300" algn="l"/>
+                <a:tab pos="3489960" algn="l"/>
+                <a:tab pos="4071620" algn="l"/>
+                <a:tab pos="4653280" algn="l"/>
+                <a:tab pos="5234940" algn="l"/>
+                <a:tab pos="5816600" algn="l"/>
+                <a:tab pos="6398260" algn="l"/>
+                <a:tab pos="6979920" algn="l"/>
+                <a:tab pos="7561580" algn="l"/>
+                <a:tab pos="8143240" algn="l"/>
+                <a:tab pos="8724900" algn="l"/>
+                <a:tab pos="9306560" algn="l"/>
+              </a:tabLst>
             </a:pPr>
             <a:r>
-              <a:rPr lang="hu-HU" sz="1600" dirty="0">
-                <a:solidFill>
-                  <a:schemeClr val="tx1"/>
-                </a:solidFill>
-                <a:ea typeface="Times New Roman" panose="02020603050405020304" pitchFamily="18" charset="0"/>
-                <a:cs typeface="Times New Roman" panose="02020603050405020304" pitchFamily="18" charset="0"/>
-              </a:rPr>
-              <a:t>      </a:t>
-            </a:r>
-            <a:r>
-              <a:rPr lang="hu-HU" sz="1600" dirty="0">
-                <a:solidFill>
-                  <a:srgbClr val="C70040"/>
-                </a:solidFill>
-                <a:ea typeface="Times New Roman" panose="02020603050405020304" pitchFamily="18" charset="0"/>
-                <a:cs typeface="Times New Roman" panose="02020603050405020304" pitchFamily="18" charset="0"/>
-              </a:rPr>
-              <a:t>delete</a:t>
-            </a:r>
-            <a:r>
-              <a:rPr lang="hu-HU" sz="1600" dirty="0">
-                <a:solidFill>
-                  <a:schemeClr val="tx1"/>
-                </a:solidFill>
-                <a:ea typeface="Times New Roman" panose="02020603050405020304" pitchFamily="18" charset="0"/>
-                <a:cs typeface="Times New Roman" panose="02020603050405020304" pitchFamily="18" charset="0"/>
-              </a:rPr>
-              <a:t> gl.pendingResources[this.mediaFileUrls[0]];</a:t>
-            </a:r>
+              <a:rPr lang="en-US" sz="2400" dirty="0">
+                <a:solidFill>
+                  <a:srgbClr val="000000"/>
+                </a:solidFill>
+                <a:latin typeface="Consolas" panose="020B0609020204030204" pitchFamily="49" charset="0"/>
+                <a:ea typeface="Times New Roman" panose="02020603050405020304" pitchFamily="18" charset="0"/>
+                <a:cs typeface="Times New Roman" panose="02020603050405020304" pitchFamily="18" charset="0"/>
+              </a:rPr>
+              <a:t>      }</a:t>
+            </a:r>
+            <a:endParaRPr lang="en-US" sz="2400" dirty="0">
+              <a:latin typeface="Calibri" panose="020F0502020204030204" pitchFamily="34" charset="0"/>
+              <a:ea typeface="Calibri" panose="020F0502020204030204" pitchFamily="34" charset="0"/>
+              <a:cs typeface="Times New Roman" panose="02020603050405020304" pitchFamily="18" charset="0"/>
+            </a:endParaRPr>
           </a:p>
           <a:p>
             <a:pPr>
               <a:lnSpc>
                 <a:spcPct val="107000"/>
               </a:lnSpc>
+              <a:tabLst>
+                <a:tab pos="581660" algn="l"/>
+                <a:tab pos="1163320" algn="l"/>
+                <a:tab pos="1744980" algn="l"/>
+                <a:tab pos="2326640" algn="l"/>
+                <a:tab pos="2908300" algn="l"/>
+                <a:tab pos="3489960" algn="l"/>
+                <a:tab pos="4071620" algn="l"/>
+                <a:tab pos="4653280" algn="l"/>
+                <a:tab pos="5234940" algn="l"/>
+                <a:tab pos="5816600" algn="l"/>
+                <a:tab pos="6398260" algn="l"/>
+                <a:tab pos="6979920" algn="l"/>
+                <a:tab pos="7561580" algn="l"/>
+                <a:tab pos="8143240" algn="l"/>
+                <a:tab pos="8724900" algn="l"/>
+                <a:tab pos="9306560" algn="l"/>
+              </a:tabLst>
             </a:pPr>
             <a:r>
-              <a:rPr lang="hu-HU" sz="1600" dirty="0">
-                <a:solidFill>
-                  <a:schemeClr val="tx1"/>
-                </a:solidFill>
-                <a:ea typeface="Times New Roman" panose="02020603050405020304" pitchFamily="18" charset="0"/>
-                <a:cs typeface="Times New Roman" panose="02020603050405020304" pitchFamily="18" charset="0"/>
-              </a:rPr>
-              <a:t>    }</a:t>
-            </a:r>
+              <a:rPr lang="en-US" sz="2400" dirty="0">
+                <a:solidFill>
+                  <a:srgbClr val="000000"/>
+                </a:solidFill>
+                <a:latin typeface="Consolas" panose="020B0609020204030204" pitchFamily="49" charset="0"/>
+                <a:ea typeface="Times New Roman" panose="02020603050405020304" pitchFamily="18" charset="0"/>
+                <a:cs typeface="Times New Roman" panose="02020603050405020304" pitchFamily="18" charset="0"/>
+              </a:rPr>
+              <a:t>      image</a:t>
+            </a:r>
+            <a:r>
+              <a:rPr lang="en-US" sz="2400" b="1" dirty="0">
+                <a:solidFill>
+                  <a:srgbClr val="000000"/>
+                </a:solidFill>
+                <a:latin typeface="Consolas" panose="020B0609020204030204" pitchFamily="49" charset="0"/>
+                <a:ea typeface="Times New Roman" panose="02020603050405020304" pitchFamily="18" charset="0"/>
+                <a:cs typeface="Times New Roman" panose="02020603050405020304" pitchFamily="18" charset="0"/>
+              </a:rPr>
+              <a:t>s[</a:t>
+            </a:r>
+            <a:r>
+              <a:rPr lang="en-US" sz="2400" b="1" dirty="0" err="1">
+                <a:solidFill>
+                  <a:srgbClr val="000000"/>
+                </a:solidFill>
+                <a:latin typeface="Consolas" panose="020B0609020204030204" pitchFamily="49" charset="0"/>
+                <a:ea typeface="Times New Roman" panose="02020603050405020304" pitchFamily="18" charset="0"/>
+                <a:cs typeface="Times New Roman" panose="02020603050405020304" pitchFamily="18" charset="0"/>
+              </a:rPr>
+              <a:t>i</a:t>
+            </a:r>
+            <a:r>
+              <a:rPr lang="en-US" sz="2400" b="1" dirty="0">
+                <a:solidFill>
+                  <a:srgbClr val="000000"/>
+                </a:solidFill>
+                <a:latin typeface="Consolas" panose="020B0609020204030204" pitchFamily="49" charset="0"/>
+                <a:ea typeface="Times New Roman" panose="02020603050405020304" pitchFamily="18" charset="0"/>
+                <a:cs typeface="Times New Roman" panose="02020603050405020304" pitchFamily="18" charset="0"/>
+              </a:rPr>
+              <a:t>]</a:t>
+            </a:r>
+            <a:r>
+              <a:rPr lang="en-US" sz="2400" dirty="0">
+                <a:solidFill>
+                  <a:srgbClr val="C70040"/>
+                </a:solidFill>
+                <a:latin typeface="Consolas" panose="020B0609020204030204" pitchFamily="49" charset="0"/>
+                <a:ea typeface="Times New Roman" panose="02020603050405020304" pitchFamily="18" charset="0"/>
+                <a:cs typeface="Times New Roman" panose="02020603050405020304" pitchFamily="18" charset="0"/>
+              </a:rPr>
+              <a:t>.</a:t>
+            </a:r>
+            <a:r>
+              <a:rPr lang="en-US" sz="2400" dirty="0" err="1">
+                <a:solidFill>
+                  <a:srgbClr val="000000"/>
+                </a:solidFill>
+                <a:latin typeface="Consolas" panose="020B0609020204030204" pitchFamily="49" charset="0"/>
+                <a:ea typeface="Times New Roman" panose="02020603050405020304" pitchFamily="18" charset="0"/>
+                <a:cs typeface="Times New Roman" panose="02020603050405020304" pitchFamily="18" charset="0"/>
+              </a:rPr>
+              <a:t>src</a:t>
+            </a:r>
+            <a:r>
+              <a:rPr lang="en-US" sz="2400" dirty="0">
+                <a:solidFill>
+                  <a:srgbClr val="000000"/>
+                </a:solidFill>
+                <a:latin typeface="Consolas" panose="020B0609020204030204" pitchFamily="49" charset="0"/>
+                <a:ea typeface="Times New Roman" panose="02020603050405020304" pitchFamily="18" charset="0"/>
+                <a:cs typeface="Times New Roman" panose="02020603050405020304" pitchFamily="18" charset="0"/>
+              </a:rPr>
+              <a:t> </a:t>
+            </a:r>
+            <a:r>
+              <a:rPr lang="en-US" sz="2400" dirty="0">
+                <a:solidFill>
+                  <a:srgbClr val="C70040"/>
+                </a:solidFill>
+                <a:latin typeface="Consolas" panose="020B0609020204030204" pitchFamily="49" charset="0"/>
+                <a:ea typeface="Times New Roman" panose="02020603050405020304" pitchFamily="18" charset="0"/>
+                <a:cs typeface="Times New Roman" panose="02020603050405020304" pitchFamily="18" charset="0"/>
+              </a:rPr>
+              <a:t>= </a:t>
+            </a:r>
+            <a:r>
+              <a:rPr lang="en-US" sz="2400" dirty="0" err="1">
+                <a:solidFill>
+                  <a:srgbClr val="000000"/>
+                </a:solidFill>
+                <a:latin typeface="Consolas" panose="020B0609020204030204" pitchFamily="49" charset="0"/>
+                <a:ea typeface="Times New Roman" panose="02020603050405020304" pitchFamily="18" charset="0"/>
+                <a:cs typeface="Times New Roman" panose="02020603050405020304" pitchFamily="18" charset="0"/>
+              </a:rPr>
+              <a:t>mediaFileUrl</a:t>
+            </a:r>
+            <a:r>
+              <a:rPr lang="en-US" sz="2400" b="1" dirty="0" err="1">
+                <a:solidFill>
+                  <a:srgbClr val="000000"/>
+                </a:solidFill>
+                <a:latin typeface="Consolas" panose="020B0609020204030204" pitchFamily="49" charset="0"/>
+                <a:ea typeface="Times New Roman" panose="02020603050405020304" pitchFamily="18" charset="0"/>
+                <a:cs typeface="Times New Roman" panose="02020603050405020304" pitchFamily="18" charset="0"/>
+              </a:rPr>
+              <a:t>s</a:t>
+            </a:r>
+            <a:r>
+              <a:rPr lang="en-US" sz="2400" b="1" dirty="0">
+                <a:solidFill>
+                  <a:srgbClr val="000000"/>
+                </a:solidFill>
+                <a:latin typeface="Consolas" panose="020B0609020204030204" pitchFamily="49" charset="0"/>
+                <a:ea typeface="Times New Roman" panose="02020603050405020304" pitchFamily="18" charset="0"/>
+                <a:cs typeface="Times New Roman" panose="02020603050405020304" pitchFamily="18" charset="0"/>
+              </a:rPr>
+              <a:t>[</a:t>
+            </a:r>
+            <a:r>
+              <a:rPr lang="en-US" sz="2400" b="1" dirty="0" err="1">
+                <a:solidFill>
+                  <a:srgbClr val="000000"/>
+                </a:solidFill>
+                <a:latin typeface="Consolas" panose="020B0609020204030204" pitchFamily="49" charset="0"/>
+                <a:ea typeface="Times New Roman" panose="02020603050405020304" pitchFamily="18" charset="0"/>
+                <a:cs typeface="Times New Roman" panose="02020603050405020304" pitchFamily="18" charset="0"/>
+              </a:rPr>
+              <a:t>i</a:t>
+            </a:r>
+            <a:r>
+              <a:rPr lang="en-US" sz="2400" b="1" dirty="0">
+                <a:solidFill>
+                  <a:srgbClr val="000000"/>
+                </a:solidFill>
+                <a:latin typeface="Consolas" panose="020B0609020204030204" pitchFamily="49" charset="0"/>
+                <a:ea typeface="Times New Roman" panose="02020603050405020304" pitchFamily="18" charset="0"/>
+                <a:cs typeface="Times New Roman" panose="02020603050405020304" pitchFamily="18" charset="0"/>
+              </a:rPr>
+              <a:t>]</a:t>
+            </a:r>
+            <a:endParaRPr lang="en-US" sz="2400" b="1" dirty="0">
+              <a:latin typeface="Calibri" panose="020F0502020204030204" pitchFamily="34" charset="0"/>
+              <a:ea typeface="Calibri" panose="020F0502020204030204" pitchFamily="34" charset="0"/>
+              <a:cs typeface="Times New Roman" panose="02020603050405020304" pitchFamily="18" charset="0"/>
+            </a:endParaRPr>
           </a:p>
           <a:p>
             <a:pPr>
               <a:lnSpc>
                 <a:spcPct val="107000"/>
               </a:lnSpc>
+              <a:tabLst>
+                <a:tab pos="581660" algn="l"/>
+                <a:tab pos="1163320" algn="l"/>
+                <a:tab pos="1744980" algn="l"/>
+                <a:tab pos="2326640" algn="l"/>
+                <a:tab pos="2908300" algn="l"/>
+                <a:tab pos="3489960" algn="l"/>
+                <a:tab pos="4071620" algn="l"/>
+                <a:tab pos="4653280" algn="l"/>
+                <a:tab pos="5234940" algn="l"/>
+                <a:tab pos="5816600" algn="l"/>
+                <a:tab pos="6398260" algn="l"/>
+                <a:tab pos="6979920" algn="l"/>
+                <a:tab pos="7561580" algn="l"/>
+                <a:tab pos="8143240" algn="l"/>
+                <a:tab pos="8724900" algn="l"/>
+                <a:tab pos="9306560" algn="l"/>
+              </a:tabLst>
             </a:pPr>
             <a:r>
-              <a:rPr lang="hu-HU" sz="1600" dirty="0">
-                <a:solidFill>
-                  <a:schemeClr val="tx1"/>
-                </a:solidFill>
-                <a:ea typeface="Times New Roman" panose="02020603050405020304" pitchFamily="18" charset="0"/>
-                <a:cs typeface="Times New Roman" panose="02020603050405020304" pitchFamily="18" charset="0"/>
-              </a:rPr>
-              <a:t>  }</a:t>
-            </a:r>
+              <a:rPr lang="en-US" sz="2400" dirty="0">
+                <a:solidFill>
+                  <a:srgbClr val="000000"/>
+                </a:solidFill>
+                <a:latin typeface="Consolas" panose="020B0609020204030204" pitchFamily="49" charset="0"/>
+                <a:ea typeface="Times New Roman" panose="02020603050405020304" pitchFamily="18" charset="0"/>
+                <a:cs typeface="Times New Roman" panose="02020603050405020304" pitchFamily="18" charset="0"/>
+              </a:rPr>
+              <a:t>    }</a:t>
+            </a:r>
+            <a:endParaRPr lang="en-US" sz="2400" dirty="0">
+              <a:latin typeface="Calibri" panose="020F0502020204030204" pitchFamily="34" charset="0"/>
+              <a:ea typeface="Calibri" panose="020F0502020204030204" pitchFamily="34" charset="0"/>
+              <a:cs typeface="Times New Roman" panose="02020603050405020304" pitchFamily="18" charset="0"/>
+            </a:endParaRPr>
           </a:p>
           <a:p>
             <a:pPr>
               <a:lnSpc>
                 <a:spcPct val="107000"/>
               </a:lnSpc>
+              <a:tabLst>
+                <a:tab pos="581660" algn="l"/>
+                <a:tab pos="1163320" algn="l"/>
+                <a:tab pos="1744980" algn="l"/>
+                <a:tab pos="2326640" algn="l"/>
+                <a:tab pos="2908300" algn="l"/>
+                <a:tab pos="3489960" algn="l"/>
+                <a:tab pos="4071620" algn="l"/>
+                <a:tab pos="4653280" algn="l"/>
+                <a:tab pos="5234940" algn="l"/>
+                <a:tab pos="5816600" algn="l"/>
+                <a:tab pos="6398260" algn="l"/>
+                <a:tab pos="6979920" algn="l"/>
+                <a:tab pos="7561580" algn="l"/>
+                <a:tab pos="8143240" algn="l"/>
+                <a:tab pos="8724900" algn="l"/>
+                <a:tab pos="9306560" algn="l"/>
+              </a:tabLst>
             </a:pPr>
             <a:r>
-              <a:rPr lang="hu-HU" sz="1600" dirty="0">
-                <a:solidFill>
-                  <a:schemeClr val="tx1"/>
-                </a:solidFill>
+              <a:rPr lang="en-US" sz="2400" dirty="0">
+                <a:solidFill>
+                  <a:srgbClr val="000000"/>
+                </a:solidFill>
+                <a:latin typeface="Consolas" panose="020B0609020204030204" pitchFamily="49" charset="0"/>
+                <a:ea typeface="Times New Roman" panose="02020603050405020304" pitchFamily="18" charset="0"/>
+                <a:cs typeface="Times New Roman" panose="02020603050405020304" pitchFamily="18" charset="0"/>
+              </a:rPr>
+              <a:t>  }</a:t>
+            </a:r>
+            <a:endParaRPr lang="en-US" sz="2400" dirty="0">
+              <a:latin typeface="Calibri" panose="020F0502020204030204" pitchFamily="34" charset="0"/>
+              <a:ea typeface="Calibri" panose="020F0502020204030204" pitchFamily="34" charset="0"/>
+              <a:cs typeface="Times New Roman" panose="02020603050405020304" pitchFamily="18" charset="0"/>
+            </a:endParaRPr>
+          </a:p>
+          <a:p>
+            <a:pPr>
+              <a:lnSpc>
+                <a:spcPct val="107000"/>
+              </a:lnSpc>
+              <a:tabLst>
+                <a:tab pos="581660" algn="l"/>
+                <a:tab pos="1163320" algn="l"/>
+                <a:tab pos="1744980" algn="l"/>
+                <a:tab pos="2326640" algn="l"/>
+                <a:tab pos="2908300" algn="l"/>
+                <a:tab pos="3489960" algn="l"/>
+                <a:tab pos="4071620" algn="l"/>
+                <a:tab pos="4653280" algn="l"/>
+                <a:tab pos="5234940" algn="l"/>
+                <a:tab pos="5816600" algn="l"/>
+                <a:tab pos="6398260" algn="l"/>
+                <a:tab pos="6979920" algn="l"/>
+                <a:tab pos="7561580" algn="l"/>
+                <a:tab pos="8143240" algn="l"/>
+                <a:tab pos="8724900" algn="l"/>
+                <a:tab pos="9306560" algn="l"/>
+              </a:tabLst>
+            </a:pPr>
+            <a:r>
+              <a:rPr lang="en-US" sz="2400" dirty="0">
+                <a:solidFill>
+                  <a:srgbClr val="000000"/>
+                </a:solidFill>
+                <a:latin typeface="Consolas" panose="020B0609020204030204" pitchFamily="49" charset="0"/>
                 <a:ea typeface="Times New Roman" panose="02020603050405020304" pitchFamily="18" charset="0"/>
                 <a:cs typeface="Times New Roman" panose="02020603050405020304" pitchFamily="18" charset="0"/>
               </a:rPr>
               <a:t>}</a:t>
             </a:r>
+            <a:endParaRPr lang="en-US" dirty="0"/>
           </a:p>
         </p:txBody>
       </p:sp>
       <p:sp>
         <p:nvSpPr>
-          <p:cNvPr id="5" name="TextBox 4"/>
+          <p:cNvPr id="5" name="TextBox 4">
+            <a:extLst>
+              <a:ext uri="{FF2B5EF4-FFF2-40B4-BE49-F238E27FC236}">
+                <a16:creationId xmlns:a16="http://schemas.microsoft.com/office/drawing/2014/main" id="{3117DCE0-49C6-4379-A41A-561AFAC00916}"/>
+              </a:ext>
+            </a:extLst>
+          </p:cNvPr>
           <p:cNvSpPr txBox="1"/>
           <p:nvPr/>
         </p:nvSpPr>
@@ -8675,7 +10589,7 @@
           <a:lstStyle/>
           <a:p>
             <a:r>
-              <a:rPr lang="en-US" sz="20000" dirty="0" smtClean="0">
+              <a:rPr lang="en-US" sz="20000" dirty="0">
                 <a:solidFill>
                   <a:srgbClr val="00B050"/>
                 </a:solidFill>
@@ -8683,32 +10597,19 @@
               </a:rPr>
               <a:t>.</a:t>
             </a:r>
-            <a:endParaRPr lang="en-US" sz="20000" dirty="0">
-              <a:solidFill>
-                <a:srgbClr val="00B050"/>
-              </a:solidFill>
-              <a:latin typeface="Whipsmart" panose="020B0502030203050204" pitchFamily="34" charset="0"/>
-            </a:endParaRPr>
           </a:p>
         </p:txBody>
       </p:sp>
     </p:spTree>
     <p:extLst>
       <p:ext uri="{BB962C8B-B14F-4D97-AF65-F5344CB8AC3E}">
-        <p14:creationId xmlns:p14="http://schemas.microsoft.com/office/powerpoint/2010/main" val="2603963558"/>
+        <p14:creationId xmlns:p14="http://schemas.microsoft.com/office/powerpoint/2010/main" val="2116262974"/>
       </p:ext>
     </p:extLst>
   </p:cSld>
   <p:clrMapOvr>
     <a:masterClrMapping/>
   </p:clrMapOvr>
-  <p:timing>
-    <p:tnLst>
-      <p:par>
-        <p:cTn id="1" dur="indefinite" restart="never" nodeType="tmRoot"/>
-      </p:par>
-    </p:tnLst>
-  </p:timing>
 </p:sld>
 </file>
 
@@ -8745,10 +10646,9 @@
           <a:lstStyle/>
           <a:p>
             <a:r>
-              <a:rPr lang="en-US" dirty="0" smtClean="0"/>
+              <a:rPr lang="en-US" dirty="0"/>
               <a:t>Do not forget to</a:t>
             </a:r>
-            <a:endParaRPr lang="en-US" dirty="0"/>
           </a:p>
         </p:txBody>
       </p:sp>
@@ -8770,70 +10670,40 @@
           <a:lstStyle/>
           <a:p>
             <a:r>
-              <a:rPr lang="en-US" dirty="0" smtClean="0"/>
-              <a:t>include</a:t>
-            </a:r>
-            <a:r>
-              <a:rPr lang="hu-HU" dirty="0" smtClean="0"/>
-              <a:t> </a:t>
-            </a:r>
-            <a:r>
-              <a:rPr lang="en-US" dirty="0" smtClean="0"/>
-              <a:t>new </a:t>
-            </a:r>
-            <a:r>
-              <a:rPr lang="en-US" dirty="0" err="1" smtClean="0"/>
-              <a:t>shaders</a:t>
-            </a:r>
-            <a:r>
-              <a:rPr lang="en-US" dirty="0" smtClean="0"/>
-              <a:t> in </a:t>
-            </a:r>
-            <a:r>
-              <a:rPr lang="hu-HU" dirty="0" smtClean="0"/>
-              <a:t>index.</a:t>
-            </a:r>
-            <a:r>
-              <a:rPr lang="en-US" dirty="0" smtClean="0"/>
-              <a:t>HTML</a:t>
-            </a:r>
-          </a:p>
-          <a:p>
-            <a:r>
-              <a:rPr lang="en-US" dirty="0" smtClean="0"/>
+              <a:rPr lang="en-US" dirty="0"/>
               <a:t>create required </a:t>
             </a:r>
             <a:r>
-              <a:rPr lang="en-US" dirty="0" err="1" smtClean="0">
+              <a:rPr lang="en-US" dirty="0">
                 <a:latin typeface="Consolas" panose="020B0609020204030204" pitchFamily="49" charset="0"/>
                 <a:cs typeface="Consolas" panose="020B0609020204030204" pitchFamily="49" charset="0"/>
               </a:rPr>
               <a:t>Shader</a:t>
             </a:r>
             <a:r>
-              <a:rPr lang="en-US" dirty="0" smtClean="0"/>
+              <a:rPr lang="en-US" dirty="0"/>
               <a:t>, </a:t>
             </a:r>
             <a:r>
-              <a:rPr lang="en-US" dirty="0" err="1" smtClean="0">
+              <a:rPr lang="en-US" dirty="0" err="1">
                 <a:latin typeface="Consolas" panose="020B0609020204030204" pitchFamily="49" charset="0"/>
                 <a:cs typeface="Consolas" panose="020B0609020204030204" pitchFamily="49" charset="0"/>
               </a:rPr>
               <a:t>TexturedProgram</a:t>
             </a:r>
             <a:r>
-              <a:rPr lang="en-US" smtClean="0"/>
+              <a:rPr lang="en-US" dirty="0"/>
               <a:t>, </a:t>
             </a:r>
             <a:r>
-              <a:rPr lang="en-US" smtClean="0">
+              <a:rPr lang="en-US" dirty="0">
                 <a:latin typeface="Consolas" panose="020B0609020204030204" pitchFamily="49" charset="0"/>
                 <a:cs typeface="Consolas" panose="020B0609020204030204" pitchFamily="49" charset="0"/>
               </a:rPr>
               <a:t>Material</a:t>
             </a:r>
             <a:r>
-              <a:rPr lang="en-US" smtClean="0"/>
+              <a:rPr lang="en-US" dirty="0"/>
               <a:t> objects</a:t>
             </a:r>
             <a:endParaRPr lang="en-US" dirty="0">
@@ -8843,18 +10713,42 @@
           </a:p>
           <a:p>
             <a:r>
-              <a:rPr lang="hu-HU" dirty="0" smtClean="0"/>
-              <a:t>set the cube texture to the backgound material</a:t>
-            </a:r>
-            <a:endParaRPr lang="en-US" dirty="0" smtClean="0"/>
-          </a:p>
-          <a:p>
-            <a:r>
-              <a:rPr lang="hu-HU" dirty="0" smtClean="0"/>
+              <a:rPr lang="hu-HU" dirty="0"/>
+              <a:t>set the cube texture to </a:t>
+            </a:r>
+            <a:r>
+              <a:rPr lang="hu-HU" dirty="0" err="1"/>
+              <a:t>the</a:t>
+            </a:r>
+            <a:r>
+              <a:rPr lang="hu-HU" dirty="0"/>
+              <a:t> </a:t>
+            </a:r>
+            <a:r>
+              <a:rPr lang="hu-HU" dirty="0" err="1"/>
+              <a:t>backg</a:t>
+            </a:r>
+            <a:r>
+              <a:rPr lang="en-US" dirty="0"/>
+              <a:t>r</a:t>
+            </a:r>
+            <a:r>
+              <a:rPr lang="hu-HU" dirty="0" err="1"/>
+              <a:t>ound</a:t>
+            </a:r>
+            <a:r>
+              <a:rPr lang="hu-HU" dirty="0"/>
+              <a:t> material</a:t>
+            </a:r>
+            <a:endParaRPr lang="en-US" dirty="0"/>
+          </a:p>
+          <a:p>
+            <a:r>
+              <a:rPr lang="hu-HU" dirty="0"/>
               <a:t>create</a:t>
             </a:r>
             <a:r>
-              <a:rPr lang="en-US" dirty="0" smtClean="0"/>
+              <a:rPr lang="en-US" dirty="0"/>
               <a:t> a </a:t>
             </a:r>
             <a:r>
@@ -8864,14 +10758,14 @@
               <a:t>T</a:t>
             </a:r>
             <a:r>
-              <a:rPr lang="hu-HU" dirty="0" smtClean="0">
+              <a:rPr lang="hu-HU" dirty="0">
                 <a:latin typeface="Consolas" panose="020B0609020204030204" pitchFamily="49" charset="0"/>
                 <a:cs typeface="Consolas" panose="020B0609020204030204" pitchFamily="49" charset="0"/>
               </a:rPr>
               <a:t>exturedQ</a:t>
             </a:r>
             <a:r>
-              <a:rPr lang="en-US" dirty="0" err="1" smtClean="0">
+              <a:rPr lang="en-US" dirty="0" err="1">
                 <a:latin typeface="Consolas" panose="020B0609020204030204" pitchFamily="49" charset="0"/>
                 <a:cs typeface="Consolas" panose="020B0609020204030204" pitchFamily="49" charset="0"/>
               </a:rPr>
@@ -8884,64 +10778,56 @@
           </a:p>
           <a:p>
             <a:r>
-              <a:rPr lang="hu-HU" dirty="0" smtClean="0"/>
+              <a:rPr lang="hu-HU" dirty="0"/>
               <a:t>create</a:t>
-            </a:r>
-            <a:r>
-              <a:rPr lang="en-US" dirty="0" smtClean="0"/>
-              <a:t> </a:t>
-            </a:r>
-            <a:r>
-              <a:rPr lang="en-US" dirty="0" smtClean="0">
-                <a:latin typeface="Consolas" panose="020B0609020204030204" pitchFamily="49" charset="0"/>
-                <a:cs typeface="Consolas" panose="020B0609020204030204" pitchFamily="49" charset="0"/>
-              </a:rPr>
-              <a:t>M</a:t>
-            </a:r>
-            <a:r>
-              <a:rPr lang="hu-HU" dirty="0" smtClean="0">
-                <a:latin typeface="Consolas" panose="020B0609020204030204" pitchFamily="49" charset="0"/>
-                <a:cs typeface="Consolas" panose="020B0609020204030204" pitchFamily="49" charset="0"/>
-              </a:rPr>
-              <a:t>esh</a:t>
-            </a:r>
-            <a:r>
-              <a:rPr lang="en-US" dirty="0" smtClean="0"/>
-              <a:t> </a:t>
-            </a:r>
-            <a:r>
-              <a:rPr lang="hu-HU" dirty="0" smtClean="0"/>
-              <a:t>using</a:t>
-            </a:r>
-            <a:r>
-              <a:rPr lang="en-US" dirty="0" smtClean="0"/>
-              <a:t> </a:t>
-            </a:r>
-            <a:r>
-              <a:rPr lang="hu-HU" dirty="0" smtClean="0"/>
-              <a:t>the </a:t>
-            </a:r>
-            <a:r>
-              <a:rPr lang="hu-HU" dirty="0"/>
-              <a:t>above</a:t>
             </a:r>
             <a:r>
               <a:rPr lang="en-US" dirty="0"/>
               <a:t> </a:t>
             </a:r>
             <a:r>
-              <a:rPr lang="en-US" dirty="0" smtClean="0"/>
-              <a:t>material and geometry</a:t>
+              <a:rPr lang="en-US" dirty="0">
+                <a:latin typeface="Consolas" panose="020B0609020204030204" pitchFamily="49" charset="0"/>
+                <a:cs typeface="Consolas" panose="020B0609020204030204" pitchFamily="49" charset="0"/>
+              </a:rPr>
+              <a:t>M</a:t>
+            </a:r>
+            <a:r>
+              <a:rPr lang="hu-HU" dirty="0">
+                <a:latin typeface="Consolas" panose="020B0609020204030204" pitchFamily="49" charset="0"/>
+                <a:cs typeface="Consolas" panose="020B0609020204030204" pitchFamily="49" charset="0"/>
+              </a:rPr>
+              <a:t>esh</a:t>
+            </a:r>
+            <a:r>
+              <a:rPr lang="en-US" dirty="0"/>
+              <a:t> </a:t>
+            </a:r>
+            <a:r>
+              <a:rPr lang="hu-HU" dirty="0"/>
+              <a:t>using</a:t>
+            </a:r>
+            <a:r>
+              <a:rPr lang="en-US" dirty="0"/>
+              <a:t> </a:t>
+            </a:r>
+            <a:r>
+              <a:rPr lang="hu-HU" dirty="0"/>
+              <a:t>the above</a:t>
+            </a:r>
+            <a:r>
+              <a:rPr lang="en-US" dirty="0"/>
+              <a:t> material and geometry</a:t>
             </a:r>
             <a:endParaRPr lang="hu-HU" dirty="0"/>
           </a:p>
           <a:p>
             <a:r>
-              <a:rPr lang="hu-HU" dirty="0" smtClean="0"/>
+              <a:rPr lang="hu-HU" dirty="0"/>
               <a:t>create a</a:t>
             </a:r>
             <a:r>
-              <a:rPr lang="en-US" dirty="0" smtClean="0"/>
+              <a:rPr lang="en-US" dirty="0"/>
               <a:t> </a:t>
             </a:r>
             <a:r>
@@ -8951,25 +10837,24 @@
               <a:t>G</a:t>
             </a:r>
             <a:r>
-              <a:rPr lang="en-US" dirty="0" err="1" smtClean="0">
+              <a:rPr lang="en-US" dirty="0" err="1">
                 <a:latin typeface="Consolas" panose="020B0609020204030204" pitchFamily="49" charset="0"/>
                 <a:cs typeface="Consolas" panose="020B0609020204030204" pitchFamily="49" charset="0"/>
               </a:rPr>
               <a:t>ameObject</a:t>
             </a:r>
             <a:r>
-              <a:rPr lang="en-US" dirty="0" smtClean="0"/>
+              <a:rPr lang="en-US" dirty="0"/>
               <a:t> </a:t>
             </a:r>
             <a:r>
-              <a:rPr lang="hu-HU" dirty="0" smtClean="0"/>
+              <a:rPr lang="hu-HU" dirty="0"/>
               <a:t>using the above</a:t>
             </a:r>
             <a:r>
-              <a:rPr lang="en-US" dirty="0" smtClean="0"/>
+              <a:rPr lang="en-US" dirty="0"/>
               <a:t> mesh</a:t>
             </a:r>
-            <a:endParaRPr lang="en-US" dirty="0"/>
           </a:p>
         </p:txBody>
       </p:sp>
@@ -8996,7 +10881,7 @@
           <a:lstStyle/>
           <a:p>
             <a:r>
-              <a:rPr lang="hu-HU" sz="20000" dirty="0" smtClean="0">
+              <a:rPr lang="hu-HU" sz="20000" dirty="0">
                 <a:solidFill>
                   <a:srgbClr val="00B050"/>
                 </a:solidFill>
@@ -9023,13 +10908,6 @@
   <p:clrMapOvr>
     <a:masterClrMapping/>
   </p:clrMapOvr>
-  <p:timing>
-    <p:tnLst>
-      <p:par>
-        <p:cTn id="1" dur="indefinite" restart="never" nodeType="tmRoot"/>
-      </p:par>
-    </p:tnLst>
-  </p:timing>
 </p:sld>
 </file>
 

--- a/projects/kog.040.030-background/aitcg330 - Environment Background.pptx
+++ b/projects/kog.040.030-background/aitcg330 - Environment Background.pptx
@@ -14,8 +14,8 @@
     <p:sldId id="439" r:id="rId5"/>
     <p:sldId id="440" r:id="rId6"/>
     <p:sldId id="441" r:id="rId7"/>
-    <p:sldId id="352" r:id="rId8"/>
-    <p:sldId id="353" r:id="rId9"/>
+    <p:sldId id="445" r:id="rId8"/>
+    <p:sldId id="446" r:id="rId9"/>
     <p:sldId id="444" r:id="rId10"/>
   </p:sldIdLst>
   <p:sldSz cx="12192000" cy="6858000"/>
@@ -205,7 +205,7 @@
           <a:p>
             <a:fld id="{5B0DAFD6-FAC2-42B7-869F-67A360C20BEA}" type="datetimeFigureOut">
               <a:rPr lang="en-US" smtClean="0"/>
-              <a:t>11/8/2021</a:t>
+              <a:t>2020-03-30</a:t>
             </a:fld>
             <a:endParaRPr lang="en-US"/>
           </a:p>
@@ -269,37 +269,38 @@
           <a:p>
             <a:pPr lvl="0"/>
             <a:r>
-              <a:rPr lang="en-US"/>
+              <a:rPr lang="en-US" smtClean="0"/>
               <a:t>Click to edit Master text styles</a:t>
             </a:r>
           </a:p>
           <a:p>
             <a:pPr lvl="1"/>
             <a:r>
-              <a:rPr lang="en-US"/>
+              <a:rPr lang="en-US" smtClean="0"/>
               <a:t>Second level</a:t>
             </a:r>
           </a:p>
           <a:p>
             <a:pPr lvl="2"/>
             <a:r>
-              <a:rPr lang="en-US"/>
+              <a:rPr lang="en-US" smtClean="0"/>
               <a:t>Third level</a:t>
             </a:r>
           </a:p>
           <a:p>
             <a:pPr lvl="3"/>
             <a:r>
-              <a:rPr lang="en-US"/>
+              <a:rPr lang="en-US" smtClean="0"/>
               <a:t>Fourth level</a:t>
             </a:r>
           </a:p>
           <a:p>
             <a:pPr lvl="4"/>
             <a:r>
-              <a:rPr lang="en-US"/>
+              <a:rPr lang="en-US" smtClean="0"/>
               <a:t>Fifth level</a:t>
             </a:r>
+            <a:endParaRPr lang="en-US"/>
           </a:p>
         </p:txBody>
       </p:sp>
@@ -516,9 +517,10 @@
           </a:lstStyle>
           <a:p>
             <a:r>
-              <a:rPr lang="en-US"/>
+              <a:rPr lang="en-US" smtClean="0"/>
               <a:t>Click to edit Master title style</a:t>
             </a:r>
+            <a:endParaRPr lang="en-US"/>
           </a:p>
         </p:txBody>
       </p:sp>
@@ -580,9 +582,10 @@
           </a:lstStyle>
           <a:p>
             <a:r>
-              <a:rPr lang="en-US"/>
+              <a:rPr lang="en-US" smtClean="0"/>
               <a:t>Click to edit Master subtitle style</a:t>
             </a:r>
+            <a:endParaRPr lang="en-US"/>
           </a:p>
         </p:txBody>
       </p:sp>
@@ -603,7 +606,7 @@
           <a:p>
             <a:fld id="{338A3FAA-9C6C-4F9E-8590-40D8D97A52B8}" type="datetimeFigureOut">
               <a:rPr lang="en-US" smtClean="0"/>
-              <a:t>11/8/2021</a:t>
+              <a:t>2020-03-30</a:t>
             </a:fld>
             <a:endParaRPr lang="en-US"/>
           </a:p>
@@ -697,9 +700,10 @@
           <a:lstStyle/>
           <a:p>
             <a:r>
-              <a:rPr lang="en-US"/>
+              <a:rPr lang="en-US" smtClean="0"/>
               <a:t>Click to edit Master title style</a:t>
             </a:r>
+            <a:endParaRPr lang="en-US"/>
           </a:p>
         </p:txBody>
       </p:sp>
@@ -720,37 +724,38 @@
           <a:p>
             <a:pPr lvl="0"/>
             <a:r>
-              <a:rPr lang="en-US"/>
+              <a:rPr lang="en-US" smtClean="0"/>
               <a:t>Click to edit Master text styles</a:t>
             </a:r>
           </a:p>
           <a:p>
             <a:pPr lvl="1"/>
             <a:r>
-              <a:rPr lang="en-US"/>
+              <a:rPr lang="en-US" smtClean="0"/>
               <a:t>Second level</a:t>
             </a:r>
           </a:p>
           <a:p>
             <a:pPr lvl="2"/>
             <a:r>
-              <a:rPr lang="en-US"/>
+              <a:rPr lang="en-US" smtClean="0"/>
               <a:t>Third level</a:t>
             </a:r>
           </a:p>
           <a:p>
             <a:pPr lvl="3"/>
             <a:r>
-              <a:rPr lang="en-US"/>
+              <a:rPr lang="en-US" smtClean="0"/>
               <a:t>Fourth level</a:t>
             </a:r>
           </a:p>
           <a:p>
             <a:pPr lvl="4"/>
             <a:r>
-              <a:rPr lang="en-US"/>
+              <a:rPr lang="en-US" smtClean="0"/>
               <a:t>Fifth level</a:t>
             </a:r>
+            <a:endParaRPr lang="en-US"/>
           </a:p>
         </p:txBody>
       </p:sp>
@@ -771,7 +776,7 @@
           <a:p>
             <a:fld id="{338A3FAA-9C6C-4F9E-8590-40D8D97A52B8}" type="datetimeFigureOut">
               <a:rPr lang="en-US" smtClean="0"/>
-              <a:t>11/8/2021</a:t>
+              <a:t>2020-03-30</a:t>
             </a:fld>
             <a:endParaRPr lang="en-US"/>
           </a:p>
@@ -870,9 +875,10 @@
           <a:lstStyle/>
           <a:p>
             <a:r>
-              <a:rPr lang="en-US"/>
+              <a:rPr lang="en-US" smtClean="0"/>
               <a:t>Click to edit Master title style</a:t>
             </a:r>
+            <a:endParaRPr lang="en-US"/>
           </a:p>
         </p:txBody>
       </p:sp>
@@ -898,37 +904,38 @@
           <a:p>
             <a:pPr lvl="0"/>
             <a:r>
-              <a:rPr lang="en-US"/>
+              <a:rPr lang="en-US" smtClean="0"/>
               <a:t>Click to edit Master text styles</a:t>
             </a:r>
           </a:p>
           <a:p>
             <a:pPr lvl="1"/>
             <a:r>
-              <a:rPr lang="en-US"/>
+              <a:rPr lang="en-US" smtClean="0"/>
               <a:t>Second level</a:t>
             </a:r>
           </a:p>
           <a:p>
             <a:pPr lvl="2"/>
             <a:r>
-              <a:rPr lang="en-US"/>
+              <a:rPr lang="en-US" smtClean="0"/>
               <a:t>Third level</a:t>
             </a:r>
           </a:p>
           <a:p>
             <a:pPr lvl="3"/>
             <a:r>
-              <a:rPr lang="en-US"/>
+              <a:rPr lang="en-US" smtClean="0"/>
               <a:t>Fourth level</a:t>
             </a:r>
           </a:p>
           <a:p>
             <a:pPr lvl="4"/>
             <a:r>
-              <a:rPr lang="en-US"/>
+              <a:rPr lang="en-US" smtClean="0"/>
               <a:t>Fifth level</a:t>
             </a:r>
+            <a:endParaRPr lang="en-US"/>
           </a:p>
         </p:txBody>
       </p:sp>
@@ -949,7 +956,7 @@
           <a:p>
             <a:fld id="{338A3FAA-9C6C-4F9E-8590-40D8D97A52B8}" type="datetimeFigureOut">
               <a:rPr lang="en-US" smtClean="0"/>
-              <a:t>11/8/2021</a:t>
+              <a:t>2020-03-30</a:t>
             </a:fld>
             <a:endParaRPr lang="en-US"/>
           </a:p>
@@ -1052,7 +1059,7 @@
           </a:lstStyle>
           <a:p>
             <a:r>
-              <a:rPr lang="en-US"/>
+              <a:rPr lang="en-US" smtClean="0"/>
               <a:t>Click to edit Master title style</a:t>
             </a:r>
             <a:endParaRPr lang="en-US" dirty="0"/>
@@ -1117,7 +1124,7 @@
           </a:lstStyle>
           <a:p>
             <a:r>
-              <a:rPr lang="en-US"/>
+              <a:rPr lang="en-US" smtClean="0"/>
               <a:t>Click to edit Master subtitle style</a:t>
             </a:r>
             <a:endParaRPr lang="en-US" dirty="0"/>
@@ -1170,7 +1177,7 @@
           <a:lstStyle/>
           <a:p>
             <a:r>
-              <a:rPr lang="en-US"/>
+              <a:rPr lang="en-US" smtClean="0"/>
               <a:t>Click to edit Master title style</a:t>
             </a:r>
             <a:endParaRPr lang="en-US" dirty="0"/>
@@ -1199,35 +1206,35 @@
           <a:p>
             <a:pPr lvl="0"/>
             <a:r>
-              <a:rPr lang="en-US"/>
+              <a:rPr lang="en-US" smtClean="0"/>
               <a:t>Click to edit Master text styles</a:t>
             </a:r>
           </a:p>
           <a:p>
             <a:pPr lvl="1"/>
             <a:r>
-              <a:rPr lang="en-US"/>
+              <a:rPr lang="en-US" smtClean="0"/>
               <a:t>Second level</a:t>
             </a:r>
           </a:p>
           <a:p>
             <a:pPr lvl="2"/>
             <a:r>
-              <a:rPr lang="en-US"/>
+              <a:rPr lang="en-US" smtClean="0"/>
               <a:t>Third level</a:t>
             </a:r>
           </a:p>
           <a:p>
             <a:pPr lvl="3"/>
             <a:r>
-              <a:rPr lang="en-US"/>
+              <a:rPr lang="en-US" smtClean="0"/>
               <a:t>Fourth level</a:t>
             </a:r>
           </a:p>
           <a:p>
             <a:pPr lvl="4"/>
             <a:r>
-              <a:rPr lang="en-US"/>
+              <a:rPr lang="en-US" smtClean="0"/>
               <a:t>Fifth level</a:t>
             </a:r>
             <a:endParaRPr lang="en-US" dirty="0"/>
@@ -1280,7 +1287,7 @@
           <a:lstStyle/>
           <a:p>
             <a:r>
-              <a:rPr lang="en-US"/>
+              <a:rPr lang="en-US" smtClean="0"/>
               <a:t>Click to edit Master title style</a:t>
             </a:r>
             <a:endParaRPr lang="en-US" dirty="0"/>
@@ -1366,7 +1373,7 @@
           <a:p>
             <a:pPr lvl="0"/>
             <a:r>
-              <a:rPr lang="en-US" dirty="0"/>
+              <a:rPr lang="en-US" dirty="0" smtClean="0"/>
               <a:t>Click to edit Master text styles</a:t>
             </a:r>
           </a:p>
@@ -1418,7 +1425,7 @@
           <a:lstStyle/>
           <a:p>
             <a:r>
-              <a:rPr lang="en-US"/>
+              <a:rPr lang="en-US" smtClean="0"/>
               <a:t>Click to edit Master title style</a:t>
             </a:r>
             <a:endParaRPr lang="en-US" dirty="0"/>
@@ -1449,7 +1456,7 @@
                 </a:solidFill>
               </a:rPr>
               <a:pPr/>
-              <a:t>11/8/2021</a:t>
+              <a:t>2020-03-30</a:t>
             </a:fld>
             <a:endParaRPr lang="en-US">
               <a:solidFill>
@@ -1598,9 +1605,10 @@
           <a:lstStyle/>
           <a:p>
             <a:r>
-              <a:rPr lang="en-US"/>
+              <a:rPr lang="en-US" smtClean="0"/>
               <a:t>Click to edit Master title style</a:t>
             </a:r>
+            <a:endParaRPr lang="en-US"/>
           </a:p>
         </p:txBody>
       </p:sp>
@@ -1621,37 +1629,38 @@
           <a:p>
             <a:pPr lvl="0"/>
             <a:r>
-              <a:rPr lang="en-US"/>
+              <a:rPr lang="en-US" smtClean="0"/>
               <a:t>Click to edit Master text styles</a:t>
             </a:r>
           </a:p>
           <a:p>
             <a:pPr lvl="1"/>
             <a:r>
-              <a:rPr lang="en-US"/>
+              <a:rPr lang="en-US" smtClean="0"/>
               <a:t>Second level</a:t>
             </a:r>
           </a:p>
           <a:p>
             <a:pPr lvl="2"/>
             <a:r>
-              <a:rPr lang="en-US"/>
+              <a:rPr lang="en-US" smtClean="0"/>
               <a:t>Third level</a:t>
             </a:r>
           </a:p>
           <a:p>
             <a:pPr lvl="3"/>
             <a:r>
-              <a:rPr lang="en-US"/>
+              <a:rPr lang="en-US" smtClean="0"/>
               <a:t>Fourth level</a:t>
             </a:r>
           </a:p>
           <a:p>
             <a:pPr lvl="4"/>
             <a:r>
-              <a:rPr lang="en-US"/>
+              <a:rPr lang="en-US" smtClean="0"/>
               <a:t>Fifth level</a:t>
             </a:r>
+            <a:endParaRPr lang="en-US"/>
           </a:p>
         </p:txBody>
       </p:sp>
@@ -1672,7 +1681,7 @@
           <a:p>
             <a:fld id="{338A3FAA-9C6C-4F9E-8590-40D8D97A52B8}" type="datetimeFigureOut">
               <a:rPr lang="en-US" smtClean="0"/>
-              <a:t>11/8/2021</a:t>
+              <a:t>2020-03-30</a:t>
             </a:fld>
             <a:endParaRPr lang="en-US"/>
           </a:p>
@@ -1775,9 +1784,10 @@
           </a:lstStyle>
           <a:p>
             <a:r>
-              <a:rPr lang="en-US"/>
+              <a:rPr lang="en-US" smtClean="0"/>
               <a:t>Click to edit Master title style</a:t>
             </a:r>
+            <a:endParaRPr lang="en-US"/>
           </a:p>
         </p:txBody>
       </p:sp>
@@ -1894,7 +1904,7 @@
           <a:p>
             <a:pPr lvl="0"/>
             <a:r>
-              <a:rPr lang="en-US"/>
+              <a:rPr lang="en-US" smtClean="0"/>
               <a:t>Click to edit Master text styles</a:t>
             </a:r>
           </a:p>
@@ -1917,7 +1927,7 @@
           <a:p>
             <a:fld id="{338A3FAA-9C6C-4F9E-8590-40D8D97A52B8}" type="datetimeFigureOut">
               <a:rPr lang="en-US" smtClean="0"/>
-              <a:t>11/8/2021</a:t>
+              <a:t>2020-03-30</a:t>
             </a:fld>
             <a:endParaRPr lang="en-US"/>
           </a:p>
@@ -2011,9 +2021,10 @@
           <a:lstStyle/>
           <a:p>
             <a:r>
-              <a:rPr lang="en-US"/>
+              <a:rPr lang="en-US" smtClean="0"/>
               <a:t>Click to edit Master title style</a:t>
             </a:r>
+            <a:endParaRPr lang="en-US"/>
           </a:p>
         </p:txBody>
       </p:sp>
@@ -2039,37 +2050,38 @@
           <a:p>
             <a:pPr lvl="0"/>
             <a:r>
-              <a:rPr lang="en-US"/>
+              <a:rPr lang="en-US" smtClean="0"/>
               <a:t>Click to edit Master text styles</a:t>
             </a:r>
           </a:p>
           <a:p>
             <a:pPr lvl="1"/>
             <a:r>
-              <a:rPr lang="en-US"/>
+              <a:rPr lang="en-US" smtClean="0"/>
               <a:t>Second level</a:t>
             </a:r>
           </a:p>
           <a:p>
             <a:pPr lvl="2"/>
             <a:r>
-              <a:rPr lang="en-US"/>
+              <a:rPr lang="en-US" smtClean="0"/>
               <a:t>Third level</a:t>
             </a:r>
           </a:p>
           <a:p>
             <a:pPr lvl="3"/>
             <a:r>
-              <a:rPr lang="en-US"/>
+              <a:rPr lang="en-US" smtClean="0"/>
               <a:t>Fourth level</a:t>
             </a:r>
           </a:p>
           <a:p>
             <a:pPr lvl="4"/>
             <a:r>
-              <a:rPr lang="en-US"/>
+              <a:rPr lang="en-US" smtClean="0"/>
               <a:t>Fifth level</a:t>
             </a:r>
+            <a:endParaRPr lang="en-US"/>
           </a:p>
         </p:txBody>
       </p:sp>
@@ -2095,37 +2107,38 @@
           <a:p>
             <a:pPr lvl="0"/>
             <a:r>
-              <a:rPr lang="en-US"/>
+              <a:rPr lang="en-US" smtClean="0"/>
               <a:t>Click to edit Master text styles</a:t>
             </a:r>
           </a:p>
           <a:p>
             <a:pPr lvl="1"/>
             <a:r>
-              <a:rPr lang="en-US"/>
+              <a:rPr lang="en-US" smtClean="0"/>
               <a:t>Second level</a:t>
             </a:r>
           </a:p>
           <a:p>
             <a:pPr lvl="2"/>
             <a:r>
-              <a:rPr lang="en-US"/>
+              <a:rPr lang="en-US" smtClean="0"/>
               <a:t>Third level</a:t>
             </a:r>
           </a:p>
           <a:p>
             <a:pPr lvl="3"/>
             <a:r>
-              <a:rPr lang="en-US"/>
+              <a:rPr lang="en-US" smtClean="0"/>
               <a:t>Fourth level</a:t>
             </a:r>
           </a:p>
           <a:p>
             <a:pPr lvl="4"/>
             <a:r>
-              <a:rPr lang="en-US"/>
+              <a:rPr lang="en-US" smtClean="0"/>
               <a:t>Fifth level</a:t>
             </a:r>
+            <a:endParaRPr lang="en-US"/>
           </a:p>
         </p:txBody>
       </p:sp>
@@ -2146,7 +2159,7 @@
           <a:p>
             <a:fld id="{338A3FAA-9C6C-4F9E-8590-40D8D97A52B8}" type="datetimeFigureOut">
               <a:rPr lang="en-US" smtClean="0"/>
-              <a:t>11/8/2021</a:t>
+              <a:t>2020-03-30</a:t>
             </a:fld>
             <a:endParaRPr lang="en-US"/>
           </a:p>
@@ -2245,9 +2258,10 @@
           <a:lstStyle/>
           <a:p>
             <a:r>
-              <a:rPr lang="en-US"/>
+              <a:rPr lang="en-US" smtClean="0"/>
               <a:t>Click to edit Master title style</a:t>
             </a:r>
+            <a:endParaRPr lang="en-US"/>
           </a:p>
         </p:txBody>
       </p:sp>
@@ -2310,7 +2324,7 @@
           <a:p>
             <a:pPr lvl="0"/>
             <a:r>
-              <a:rPr lang="en-US"/>
+              <a:rPr lang="en-US" smtClean="0"/>
               <a:t>Click to edit Master text styles</a:t>
             </a:r>
           </a:p>
@@ -2338,37 +2352,38 @@
           <a:p>
             <a:pPr lvl="0"/>
             <a:r>
-              <a:rPr lang="en-US"/>
+              <a:rPr lang="en-US" smtClean="0"/>
               <a:t>Click to edit Master text styles</a:t>
             </a:r>
           </a:p>
           <a:p>
             <a:pPr lvl="1"/>
             <a:r>
-              <a:rPr lang="en-US"/>
+              <a:rPr lang="en-US" smtClean="0"/>
               <a:t>Second level</a:t>
             </a:r>
           </a:p>
           <a:p>
             <a:pPr lvl="2"/>
             <a:r>
-              <a:rPr lang="en-US"/>
+              <a:rPr lang="en-US" smtClean="0"/>
               <a:t>Third level</a:t>
             </a:r>
           </a:p>
           <a:p>
             <a:pPr lvl="3"/>
             <a:r>
-              <a:rPr lang="en-US"/>
+              <a:rPr lang="en-US" smtClean="0"/>
               <a:t>Fourth level</a:t>
             </a:r>
           </a:p>
           <a:p>
             <a:pPr lvl="4"/>
             <a:r>
-              <a:rPr lang="en-US"/>
+              <a:rPr lang="en-US" smtClean="0"/>
               <a:t>Fifth level</a:t>
             </a:r>
+            <a:endParaRPr lang="en-US"/>
           </a:p>
         </p:txBody>
       </p:sp>
@@ -2431,7 +2446,7 @@
           <a:p>
             <a:pPr lvl="0"/>
             <a:r>
-              <a:rPr lang="en-US"/>
+              <a:rPr lang="en-US" smtClean="0"/>
               <a:t>Click to edit Master text styles</a:t>
             </a:r>
           </a:p>
@@ -2459,37 +2474,38 @@
           <a:p>
             <a:pPr lvl="0"/>
             <a:r>
-              <a:rPr lang="en-US"/>
+              <a:rPr lang="en-US" smtClean="0"/>
               <a:t>Click to edit Master text styles</a:t>
             </a:r>
           </a:p>
           <a:p>
             <a:pPr lvl="1"/>
             <a:r>
-              <a:rPr lang="en-US"/>
+              <a:rPr lang="en-US" smtClean="0"/>
               <a:t>Second level</a:t>
             </a:r>
           </a:p>
           <a:p>
             <a:pPr lvl="2"/>
             <a:r>
-              <a:rPr lang="en-US"/>
+              <a:rPr lang="en-US" smtClean="0"/>
               <a:t>Third level</a:t>
             </a:r>
           </a:p>
           <a:p>
             <a:pPr lvl="3"/>
             <a:r>
-              <a:rPr lang="en-US"/>
+              <a:rPr lang="en-US" smtClean="0"/>
               <a:t>Fourth level</a:t>
             </a:r>
           </a:p>
           <a:p>
             <a:pPr lvl="4"/>
             <a:r>
-              <a:rPr lang="en-US"/>
+              <a:rPr lang="en-US" smtClean="0"/>
               <a:t>Fifth level</a:t>
             </a:r>
+            <a:endParaRPr lang="en-US"/>
           </a:p>
         </p:txBody>
       </p:sp>
@@ -2510,7 +2526,7 @@
           <a:p>
             <a:fld id="{338A3FAA-9C6C-4F9E-8590-40D8D97A52B8}" type="datetimeFigureOut">
               <a:rPr lang="en-US" smtClean="0"/>
-              <a:t>11/8/2021</a:t>
+              <a:t>2020-03-30</a:t>
             </a:fld>
             <a:endParaRPr lang="en-US"/>
           </a:p>
@@ -2604,9 +2620,10 @@
           <a:lstStyle/>
           <a:p>
             <a:r>
-              <a:rPr lang="en-US"/>
+              <a:rPr lang="en-US" smtClean="0"/>
               <a:t>Click to edit Master title style</a:t>
             </a:r>
+            <a:endParaRPr lang="en-US"/>
           </a:p>
         </p:txBody>
       </p:sp>
@@ -2627,7 +2644,7 @@
           <a:p>
             <a:fld id="{338A3FAA-9C6C-4F9E-8590-40D8D97A52B8}" type="datetimeFigureOut">
               <a:rPr lang="en-US" smtClean="0"/>
-              <a:t>11/8/2021</a:t>
+              <a:t>2020-03-30</a:t>
             </a:fld>
             <a:endParaRPr lang="en-US"/>
           </a:p>
@@ -2722,7 +2739,7 @@
           <a:p>
             <a:fld id="{338A3FAA-9C6C-4F9E-8590-40D8D97A52B8}" type="datetimeFigureOut">
               <a:rPr lang="en-US" smtClean="0"/>
-              <a:t>11/8/2021</a:t>
+              <a:t>2020-03-30</a:t>
             </a:fld>
             <a:endParaRPr lang="en-US"/>
           </a:p>
@@ -2825,9 +2842,10 @@
           </a:lstStyle>
           <a:p>
             <a:r>
-              <a:rPr lang="en-US"/>
+              <a:rPr lang="en-US" smtClean="0"/>
               <a:t>Click to edit Master title style</a:t>
             </a:r>
+            <a:endParaRPr lang="en-US"/>
           </a:p>
         </p:txBody>
       </p:sp>
@@ -2881,37 +2899,38 @@
           <a:p>
             <a:pPr lvl="0"/>
             <a:r>
-              <a:rPr lang="en-US"/>
+              <a:rPr lang="en-US" smtClean="0"/>
               <a:t>Click to edit Master text styles</a:t>
             </a:r>
           </a:p>
           <a:p>
             <a:pPr lvl="1"/>
             <a:r>
-              <a:rPr lang="en-US"/>
+              <a:rPr lang="en-US" smtClean="0"/>
               <a:t>Second level</a:t>
             </a:r>
           </a:p>
           <a:p>
             <a:pPr lvl="2"/>
             <a:r>
-              <a:rPr lang="en-US"/>
+              <a:rPr lang="en-US" smtClean="0"/>
               <a:t>Third level</a:t>
             </a:r>
           </a:p>
           <a:p>
             <a:pPr lvl="3"/>
             <a:r>
-              <a:rPr lang="en-US"/>
+              <a:rPr lang="en-US" smtClean="0"/>
               <a:t>Fourth level</a:t>
             </a:r>
           </a:p>
           <a:p>
             <a:pPr lvl="4"/>
             <a:r>
-              <a:rPr lang="en-US"/>
+              <a:rPr lang="en-US" smtClean="0"/>
               <a:t>Fifth level</a:t>
             </a:r>
+            <a:endParaRPr lang="en-US"/>
           </a:p>
         </p:txBody>
       </p:sp>
@@ -2974,7 +2993,7 @@
           <a:p>
             <a:pPr lvl="0"/>
             <a:r>
-              <a:rPr lang="en-US"/>
+              <a:rPr lang="en-US" smtClean="0"/>
               <a:t>Click to edit Master text styles</a:t>
             </a:r>
           </a:p>
@@ -2997,7 +3016,7 @@
           <a:p>
             <a:fld id="{338A3FAA-9C6C-4F9E-8590-40D8D97A52B8}" type="datetimeFigureOut">
               <a:rPr lang="en-US" smtClean="0"/>
-              <a:t>11/8/2021</a:t>
+              <a:t>2020-03-30</a:t>
             </a:fld>
             <a:endParaRPr lang="en-US"/>
           </a:p>
@@ -3100,9 +3119,10 @@
           </a:lstStyle>
           <a:p>
             <a:r>
-              <a:rPr lang="en-US"/>
+              <a:rPr lang="en-US" smtClean="0"/>
               <a:t>Click to edit Master title style</a:t>
             </a:r>
+            <a:endParaRPr lang="en-US"/>
           </a:p>
         </p:txBody>
       </p:sp>
@@ -3226,7 +3246,7 @@
           <a:p>
             <a:pPr lvl="0"/>
             <a:r>
-              <a:rPr lang="en-US"/>
+              <a:rPr lang="en-US" smtClean="0"/>
               <a:t>Click to edit Master text styles</a:t>
             </a:r>
           </a:p>
@@ -3249,7 +3269,7 @@
           <a:p>
             <a:fld id="{338A3FAA-9C6C-4F9E-8590-40D8D97A52B8}" type="datetimeFigureOut">
               <a:rPr lang="en-US" smtClean="0"/>
-              <a:t>11/8/2021</a:t>
+              <a:t>2020-03-30</a:t>
             </a:fld>
             <a:endParaRPr lang="en-US"/>
           </a:p>
@@ -3358,9 +3378,10 @@
           <a:lstStyle/>
           <a:p>
             <a:r>
-              <a:rPr lang="en-US" noProof="0" dirty="0"/>
+              <a:rPr lang="en-US" noProof="0" dirty="0" smtClean="0"/>
               <a:t>Click to edit Master title style</a:t>
             </a:r>
+            <a:endParaRPr lang="en-US" noProof="0" dirty="0"/>
           </a:p>
         </p:txBody>
       </p:sp>
@@ -3391,37 +3412,38 @@
           <a:p>
             <a:pPr lvl="0"/>
             <a:r>
-              <a:rPr lang="en-US" noProof="0" dirty="0"/>
+              <a:rPr lang="en-US" noProof="0" dirty="0" smtClean="0"/>
               <a:t>Click to edit Master text styles</a:t>
             </a:r>
           </a:p>
           <a:p>
             <a:pPr lvl="1"/>
             <a:r>
-              <a:rPr lang="en-US" noProof="0" dirty="0"/>
+              <a:rPr lang="en-US" noProof="0" dirty="0" smtClean="0"/>
               <a:t>Second level</a:t>
             </a:r>
           </a:p>
           <a:p>
             <a:pPr lvl="2"/>
             <a:r>
-              <a:rPr lang="en-US" noProof="0" dirty="0"/>
+              <a:rPr lang="en-US" noProof="0" dirty="0" smtClean="0"/>
               <a:t>Third level</a:t>
             </a:r>
           </a:p>
           <a:p>
             <a:pPr lvl="3"/>
             <a:r>
-              <a:rPr lang="en-US" noProof="0" dirty="0"/>
+              <a:rPr lang="en-US" noProof="0" dirty="0" smtClean="0"/>
               <a:t>Fourth level</a:t>
             </a:r>
           </a:p>
           <a:p>
             <a:pPr lvl="4"/>
             <a:r>
-              <a:rPr lang="en-US" noProof="0" dirty="0"/>
+              <a:rPr lang="en-US" noProof="0" dirty="0" smtClean="0"/>
               <a:t>Fifth level</a:t>
             </a:r>
+            <a:endParaRPr lang="en-US" noProof="0" dirty="0"/>
           </a:p>
         </p:txBody>
       </p:sp>
@@ -3460,7 +3482,7 @@
           <a:p>
             <a:fld id="{338A3FAA-9C6C-4F9E-8590-40D8D97A52B8}" type="datetimeFigureOut">
               <a:rPr lang="en-US" smtClean="0"/>
-              <a:t>11/8/2021</a:t>
+              <a:t>2020-03-30</a:t>
             </a:fld>
             <a:endParaRPr lang="en-US"/>
           </a:p>
@@ -3896,7 +3918,7 @@
           <a:lstStyle/>
           <a:p>
             <a:r>
-              <a:rPr lang="en-US"/>
+              <a:rPr lang="en-US" smtClean="0"/>
               <a:t>Click to edit Master title style</a:t>
             </a:r>
             <a:endParaRPr lang="en-US" dirty="0"/>
@@ -3930,35 +3952,35 @@
           <a:p>
             <a:pPr lvl="0"/>
             <a:r>
-              <a:rPr lang="en-US"/>
+              <a:rPr lang="en-US" smtClean="0"/>
               <a:t>Click to edit Master text styles</a:t>
             </a:r>
           </a:p>
           <a:p>
             <a:pPr lvl="1"/>
             <a:r>
-              <a:rPr lang="en-US"/>
+              <a:rPr lang="en-US" smtClean="0"/>
               <a:t>Second level</a:t>
             </a:r>
           </a:p>
           <a:p>
             <a:pPr lvl="2"/>
             <a:r>
-              <a:rPr lang="en-US"/>
+              <a:rPr lang="en-US" smtClean="0"/>
               <a:t>Third level</a:t>
             </a:r>
           </a:p>
           <a:p>
             <a:pPr lvl="3"/>
             <a:r>
-              <a:rPr lang="en-US"/>
+              <a:rPr lang="en-US" smtClean="0"/>
               <a:t>Fourth level</a:t>
             </a:r>
           </a:p>
           <a:p>
             <a:pPr lvl="4"/>
             <a:r>
-              <a:rPr lang="en-US"/>
+              <a:rPr lang="en-US" smtClean="0"/>
               <a:t>Fifth level</a:t>
             </a:r>
             <a:endParaRPr lang="en-US" dirty="0"/>
@@ -4008,7 +4030,7 @@
                 </a:solidFill>
               </a:rPr>
               <a:pPr/>
-              <a:t>11/8/2021</a:t>
+              <a:t>2020-03-30</a:t>
             </a:fld>
             <a:endParaRPr lang="en-US">
               <a:solidFill>
@@ -4452,18 +4474,22 @@
           <a:lstStyle/>
           <a:p>
             <a:r>
-              <a:rPr lang="en-US" dirty="0">
+              <a:rPr lang="en-US" dirty="0" smtClean="0">
                 <a:solidFill>
                   <a:srgbClr val="C00000"/>
                 </a:solidFill>
               </a:rPr>
               <a:t>Computer Graphics</a:t>
             </a:r>
+            <a:r>
+              <a:rPr lang="en-US" dirty="0" smtClean="0"/>
+              <a:t/>
+            </a:r>
             <a:br>
-              <a:rPr lang="en-US" dirty="0"/>
+              <a:rPr lang="en-US" dirty="0" smtClean="0"/>
             </a:br>
             <a:r>
-              <a:rPr lang="hu-HU" dirty="0"/>
+              <a:rPr lang="hu-HU" dirty="0" smtClean="0"/>
               <a:t>Environment Background</a:t>
             </a:r>
             <a:endParaRPr lang="en-US" dirty="0"/>
@@ -4486,23 +4512,24 @@
           <a:lstStyle/>
           <a:p>
             <a:r>
-              <a:rPr lang="hu-HU" dirty="0"/>
+              <a:rPr lang="hu-HU" dirty="0" smtClean="0"/>
               <a:t>László Szécsi  </a:t>
             </a:r>
             <a:r>
-              <a:rPr lang="en-US" altLang="en-US" dirty="0" err="1"/>
+              <a:rPr lang="en-US" altLang="en-US" dirty="0" err="1" smtClean="0"/>
               <a:t>szecsi</a:t>
             </a:r>
             <a:r>
-              <a:rPr lang="hu-HU" altLang="en-US" dirty="0"/>
+              <a:rPr lang="hu-HU" altLang="en-US" dirty="0" smtClean="0"/>
               <a:t>@iit.bme.hu</a:t>
             </a:r>
           </a:p>
           <a:p>
             <a:r>
-              <a:rPr lang="hu-HU" altLang="en-US" dirty="0"/>
+              <a:rPr lang="hu-HU" altLang="en-US" dirty="0" smtClean="0"/>
               <a:t>AIT</a:t>
             </a:r>
+            <a:endParaRPr lang="hu-HU" altLang="en-US" dirty="0"/>
           </a:p>
         </p:txBody>
       </p:sp>
@@ -4516,6 +4543,13 @@
   <p:clrMapOvr>
     <a:masterClrMapping/>
   </p:clrMapOvr>
+  <p:timing>
+    <p:tnLst>
+      <p:par>
+        <p:cTn id="1" dur="indefinite" restart="never" nodeType="tmRoot"/>
+      </p:par>
+    </p:tnLst>
+  </p:timing>
 </p:sld>
 </file>
 
@@ -4552,9 +4586,10 @@
           <a:lstStyle/>
           <a:p>
             <a:r>
-              <a:rPr lang="en-US" dirty="0"/>
+              <a:rPr lang="en-US" dirty="0" smtClean="0"/>
               <a:t>Compute ray direction</a:t>
             </a:r>
+            <a:endParaRPr lang="en-US" dirty="0"/>
           </a:p>
         </p:txBody>
       </p:sp>
@@ -4588,8 +4623,25 @@
                 <a:ea typeface="Calibri" panose="020F0502020204030204" pitchFamily="34" charset="0"/>
                 <a:cs typeface="Times New Roman" panose="02020603050405020304" pitchFamily="18" charset="0"/>
               </a:rPr>
-              <a:t>ray from eye through pixel in world space, which is, normalized, the</a:t>
-            </a:r>
+              <a:t>ray from eye through pixel in world space, which is, normalized</a:t>
+            </a:r>
+            <a:r>
+              <a:rPr lang="en-US" dirty="0" smtClean="0">
+                <a:solidFill>
+                  <a:srgbClr val="000000"/>
+                </a:solidFill>
+                <a:ea typeface="Calibri" panose="020F0502020204030204" pitchFamily="34" charset="0"/>
+                <a:cs typeface="Times New Roman" panose="02020603050405020304" pitchFamily="18" charset="0"/>
+              </a:rPr>
+              <a:t>, the</a:t>
+            </a:r>
+            <a:endParaRPr lang="en-US" dirty="0">
+              <a:solidFill>
+                <a:srgbClr val="000000"/>
+              </a:solidFill>
+              <a:ea typeface="Calibri" panose="020F0502020204030204" pitchFamily="34" charset="0"/>
+              <a:cs typeface="Times New Roman" panose="02020603050405020304" pitchFamily="18" charset="0"/>
+            </a:endParaRPr>
           </a:p>
           <a:p>
             <a:pPr>
@@ -4605,8 +4657,25 @@
                 <a:ea typeface="Calibri" panose="020F0502020204030204" pitchFamily="34" charset="0"/>
                 <a:cs typeface="Times New Roman" panose="02020603050405020304" pitchFamily="18" charset="0"/>
               </a:rPr>
-              <a:t>vector from eye to pixel, which is, interpolated, the</a:t>
-            </a:r>
+              <a:t>vector from eye to pixel, which is, interpolated</a:t>
+            </a:r>
+            <a:r>
+              <a:rPr lang="en-US" dirty="0" smtClean="0">
+                <a:solidFill>
+                  <a:srgbClr val="000000"/>
+                </a:solidFill>
+                <a:ea typeface="Calibri" panose="020F0502020204030204" pitchFamily="34" charset="0"/>
+                <a:cs typeface="Times New Roman" panose="02020603050405020304" pitchFamily="18" charset="0"/>
+              </a:rPr>
+              <a:t>, the</a:t>
+            </a:r>
+            <a:endParaRPr lang="en-US" dirty="0">
+              <a:solidFill>
+                <a:srgbClr val="000000"/>
+              </a:solidFill>
+              <a:ea typeface="Calibri" panose="020F0502020204030204" pitchFamily="34" charset="0"/>
+              <a:cs typeface="Times New Roman" panose="02020603050405020304" pitchFamily="18" charset="0"/>
+            </a:endParaRPr>
           </a:p>
           <a:p>
             <a:pPr>
@@ -4622,8 +4691,25 @@
                 <a:ea typeface="Calibri" panose="020F0502020204030204" pitchFamily="34" charset="0"/>
                 <a:cs typeface="Times New Roman" panose="02020603050405020304" pitchFamily="18" charset="0"/>
               </a:rPr>
-              <a:t>vector from eye to vertex of full-viewport quad, which can be computed using a matrix</a:t>
-            </a:r>
+              <a:t>vector </a:t>
+            </a:r>
+            <a:r>
+              <a:rPr lang="en-US" dirty="0" smtClean="0">
+                <a:solidFill>
+                  <a:srgbClr val="000000"/>
+                </a:solidFill>
+                <a:ea typeface="Calibri" panose="020F0502020204030204" pitchFamily="34" charset="0"/>
+                <a:cs typeface="Times New Roman" panose="02020603050405020304" pitchFamily="18" charset="0"/>
+              </a:rPr>
+              <a:t>from eye to vertex of full-viewport quad, which can be computed using a matrix</a:t>
+            </a:r>
+            <a:endParaRPr lang="en-US" dirty="0">
+              <a:solidFill>
+                <a:srgbClr val="000000"/>
+              </a:solidFill>
+              <a:ea typeface="Calibri" panose="020F0502020204030204" pitchFamily="34" charset="0"/>
+              <a:cs typeface="Times New Roman" panose="02020603050405020304" pitchFamily="18" charset="0"/>
+            </a:endParaRPr>
           </a:p>
         </p:txBody>
       </p:sp>
@@ -4637,6 +4723,13 @@
   <p:clrMapOvr>
     <a:masterClrMapping/>
   </p:clrMapOvr>
+  <p:timing>
+    <p:tnLst>
+      <p:par>
+        <p:cTn id="1" dur="indefinite" restart="never" nodeType="tmRoot"/>
+      </p:par>
+    </p:tnLst>
+  </p:timing>
 </p:sld>
 </file>
 
@@ -4673,19 +4766,19 @@
           <a:lstStyle/>
           <a:p>
             <a:r>
-              <a:rPr lang="en-US" dirty="0"/>
+              <a:rPr lang="en-US" dirty="0" smtClean="0"/>
               <a:t>Ray direction from</a:t>
             </a:r>
             <a:r>
-              <a:rPr lang="hu-HU" dirty="0"/>
+              <a:rPr lang="hu-HU" dirty="0" smtClean="0"/>
               <a:t> </a:t>
             </a:r>
             <a:r>
-              <a:rPr lang="en-US" dirty="0"/>
+              <a:rPr lang="en-US" dirty="0" smtClean="0"/>
               <a:t>normalized device </a:t>
             </a:r>
             <a:r>
-              <a:rPr lang="en-US" dirty="0" err="1"/>
+              <a:rPr lang="en-US" dirty="0" err="1" smtClean="0"/>
               <a:t>coords</a:t>
             </a:r>
             <a:endParaRPr lang="en-US" dirty="0"/>
@@ -4764,23 +4857,26 @@
               <a:t> </a:t>
             </a:r>
             <a:r>
-              <a:rPr lang="en-US" dirty="0">
+              <a:rPr lang="en-US" dirty="0" smtClean="0">
                 <a:latin typeface="Whipsmart" panose="020B0502030203050204" pitchFamily="34" charset="0"/>
               </a:rPr>
               <a:t>is henceforth called </a:t>
             </a:r>
             <a:r>
-              <a:rPr lang="en-US" u="sng" dirty="0">
+              <a:rPr lang="en-US" u="sng" dirty="0" smtClean="0">
                 <a:latin typeface="Whipsmart" panose="020B0502030203050204" pitchFamily="34" charset="0"/>
               </a:rPr>
               <a:t>ray</a:t>
             </a:r>
             <a:r>
-              <a:rPr lang="hu-HU" u="sng" dirty="0">
+              <a:rPr lang="hu-HU" u="sng" dirty="0" smtClean="0">
                 <a:latin typeface="Whipsmart" panose="020B0502030203050204" pitchFamily="34" charset="0"/>
               </a:rPr>
               <a:t>DirMatrix</a:t>
             </a:r>
+            <a:endParaRPr lang="hu-HU" u="sng" dirty="0">
+              <a:latin typeface="Whipsmart" panose="020B0502030203050204" pitchFamily="34" charset="0"/>
+            </a:endParaRPr>
           </a:p>
         </p:txBody>
       </p:sp>
@@ -5011,7 +5107,7 @@
           <a:lstStyle/>
           <a:p>
             <a:r>
-              <a:rPr lang="en-US" dirty="0">
+              <a:rPr lang="en-US" dirty="0" smtClean="0">
                 <a:solidFill>
                   <a:srgbClr val="00B050"/>
                 </a:solidFill>
@@ -5020,7 +5116,7 @@
               <a:t>a property of </a:t>
             </a:r>
             <a:r>
-              <a:rPr lang="en-US" dirty="0" err="1">
+              <a:rPr lang="en-US" dirty="0" err="1" smtClean="0">
                 <a:solidFill>
                   <a:srgbClr val="00B050"/>
                 </a:solidFill>
@@ -5029,7 +5125,7 @@
               </a:rPr>
               <a:t>PerspectiveCamera</a:t>
             </a:r>
-            <a:endParaRPr lang="en-US" dirty="0">
+            <a:endParaRPr lang="en-US" dirty="0" smtClean="0">
               <a:solidFill>
                 <a:srgbClr val="00B050"/>
               </a:solidFill>
@@ -5049,7 +5145,7 @@
               <a:t>PerspectiveCamera#update</a:t>
             </a:r>
             <a:r>
-              <a:rPr lang="en-US" dirty="0">
+              <a:rPr lang="en-US" dirty="0" smtClean="0">
                 <a:solidFill>
                   <a:srgbClr val="00B050"/>
                 </a:solidFill>
@@ -5060,7 +5156,7 @@
           </a:p>
           <a:p>
             <a:r>
-              <a:rPr lang="en-US" dirty="0">
+              <a:rPr lang="en-US" dirty="0" smtClean="0">
                 <a:solidFill>
                   <a:srgbClr val="00B050"/>
                 </a:solidFill>
@@ -5750,9 +5846,10 @@
           <a:lstStyle/>
           <a:p>
             <a:r>
-              <a:rPr lang="en-US" dirty="0"/>
+              <a:rPr lang="en-US" dirty="0" smtClean="0"/>
               <a:t>Display environment as a background</a:t>
             </a:r>
+            <a:endParaRPr lang="en-US" dirty="0"/>
           </a:p>
         </p:txBody>
       </p:sp>
@@ -5774,21 +5871,21 @@
           <a:lstStyle/>
           <a:p>
             <a:r>
-              <a:rPr lang="en-US" dirty="0"/>
+              <a:rPr lang="en-US" dirty="0" smtClean="0"/>
               <a:t>draw full viewport quad (hurray!)</a:t>
             </a:r>
           </a:p>
           <a:p>
             <a:r>
-              <a:rPr lang="en-US" dirty="0"/>
+              <a:rPr lang="en-US" dirty="0" smtClean="0"/>
               <a:t>new</a:t>
             </a:r>
             <a:r>
-              <a:rPr lang="hu-HU" dirty="0"/>
+              <a:rPr lang="hu-HU" dirty="0" smtClean="0"/>
               <a:t> </a:t>
             </a:r>
             <a:r>
-              <a:rPr lang="en-US" dirty="0"/>
+              <a:rPr lang="en-US" dirty="0" smtClean="0"/>
               <a:t>VS</a:t>
             </a:r>
             <a:r>
@@ -5796,83 +5893,99 @@
               <a:t>:</a:t>
             </a:r>
             <a:r>
-              <a:rPr lang="en-US" dirty="0"/>
+              <a:rPr lang="en-US" dirty="0" smtClean="0"/>
               <a:t> computes ray direction</a:t>
             </a:r>
           </a:p>
           <a:p>
             <a:pPr lvl="1"/>
             <a:r>
-              <a:rPr lang="en-US" dirty="0"/>
-              <a:t>must take matrix that computes world-space-c</a:t>
-            </a:r>
-            <a:r>
-              <a:rPr lang="hu-HU" dirty="0"/>
+              <a:rPr lang="en-US" dirty="0" smtClean="0"/>
+              <a:t>must take matrix that computes </a:t>
+            </a:r>
+            <a:r>
+              <a:rPr lang="en-US" dirty="0" smtClean="0"/>
+              <a:t>world-space-c</a:t>
+            </a:r>
+            <a:r>
+              <a:rPr lang="hu-HU" dirty="0" smtClean="0"/>
               <a:t>o</a:t>
             </a:r>
             <a:r>
-              <a:rPr lang="en-US" dirty="0" err="1"/>
+              <a:rPr lang="en-US" dirty="0" err="1" smtClean="0"/>
               <a:t>ords</a:t>
             </a:r>
             <a:r>
-              <a:rPr lang="en-US" dirty="0"/>
-              <a:t>-minus-eye-position from </a:t>
-            </a:r>
-            <a:r>
-              <a:rPr lang="en-US" dirty="0" err="1"/>
+              <a:rPr lang="en-US" dirty="0" smtClean="0"/>
+              <a:t>-minus-eye-position </a:t>
+            </a:r>
+            <a:r>
+              <a:rPr lang="en-US" dirty="0" smtClean="0"/>
+              <a:t>from </a:t>
+            </a:r>
+            <a:r>
+              <a:rPr lang="en-US" dirty="0" err="1" smtClean="0"/>
               <a:t>ndc</a:t>
             </a:r>
             <a:r>
-              <a:rPr lang="hu-HU" dirty="0"/>
+              <a:rPr lang="hu-HU" dirty="0" smtClean="0"/>
               <a:t> </a:t>
             </a:r>
             <a:r>
-              <a:rPr lang="en-US" dirty="0"/>
+              <a:rPr lang="en-US" dirty="0" smtClean="0"/>
               <a:t>(a.k.a. </a:t>
             </a:r>
             <a:r>
-              <a:rPr lang="en-US" dirty="0">
+              <a:rPr lang="en-US" dirty="0" smtClean="0">
                 <a:latin typeface="Consolas" panose="020B0609020204030204" pitchFamily="49" charset="0"/>
               </a:rPr>
               <a:t>camera.</a:t>
             </a:r>
             <a:r>
-              <a:rPr lang="hu-HU" dirty="0">
+              <a:rPr lang="hu-HU" dirty="0" smtClean="0">
                 <a:latin typeface="Consolas" panose="020B0609020204030204" pitchFamily="49" charset="0"/>
               </a:rPr>
               <a:t>ray</a:t>
             </a:r>
             <a:r>
-              <a:rPr lang="en-US" dirty="0" err="1">
+              <a:rPr lang="en-US" dirty="0" err="1" smtClean="0">
                 <a:latin typeface="Consolas" panose="020B0609020204030204" pitchFamily="49" charset="0"/>
               </a:rPr>
               <a:t>DirMatrix</a:t>
             </a:r>
             <a:r>
-              <a:rPr lang="en-US" dirty="0"/>
+              <a:rPr lang="en-US" dirty="0" smtClean="0"/>
               <a:t>)</a:t>
             </a:r>
           </a:p>
           <a:p>
             <a:pPr lvl="2"/>
             <a:r>
-              <a:rPr lang="en-US" b="1" dirty="0">
+              <a:rPr lang="en-US" b="1" dirty="0" smtClean="0">
                 <a:solidFill>
                   <a:srgbClr val="00B050"/>
                 </a:solidFill>
               </a:rPr>
-              <a:t>camera must compute this matrix</a:t>
-            </a:r>
-            <a:r>
-              <a:rPr lang="hu-HU" b="1" dirty="0">
+              <a:t>camera must compute this </a:t>
+            </a:r>
+            <a:r>
+              <a:rPr lang="en-US" b="1" dirty="0" smtClean="0">
                 <a:solidFill>
                   <a:srgbClr val="00B050"/>
                 </a:solidFill>
               </a:rPr>
+              <a:t>matrix</a:t>
+            </a:r>
+            <a:r>
+              <a:rPr lang="hu-HU" b="1" dirty="0" smtClean="0">
+                <a:solidFill>
+                  <a:srgbClr val="00B050"/>
+                </a:solidFill>
+              </a:rPr>
               <a:t> </a:t>
             </a:r>
             <a:r>
-              <a:rPr lang="hu-HU" b="1" dirty="0" err="1">
+              <a:rPr lang="hu-HU" b="1" dirty="0" err="1" smtClean="0">
                 <a:solidFill>
                   <a:srgbClr val="00B050"/>
                 </a:solidFill>
@@ -5880,7 +5993,7 @@
               <a:t>in</a:t>
             </a:r>
             <a:r>
-              <a:rPr lang="hu-HU" b="1" dirty="0">
+              <a:rPr lang="hu-HU" b="1" dirty="0" smtClean="0">
                 <a:solidFill>
                   <a:srgbClr val="00B050"/>
                 </a:solidFill>
@@ -5888,7 +6001,7 @@
               <a:t> </a:t>
             </a:r>
             <a:r>
-              <a:rPr lang="hu-HU" b="1" dirty="0" err="1">
+              <a:rPr lang="hu-HU" b="1" dirty="0" err="1" smtClean="0">
                 <a:solidFill>
                   <a:srgbClr val="00B050"/>
                 </a:solidFill>
@@ -5896,14 +6009,14 @@
               <a:t>PerspectiveCamera</a:t>
             </a:r>
             <a:r>
-              <a:rPr lang="en-US" b="1" dirty="0">
+              <a:rPr lang="en-US" b="1" dirty="0" smtClean="0">
                 <a:solidFill>
                   <a:srgbClr val="00B050"/>
                 </a:solidFill>
               </a:rPr>
               <a:t>#update</a:t>
             </a:r>
-            <a:endParaRPr lang="hu-HU" b="1" dirty="0">
+            <a:endParaRPr lang="hu-HU" b="1" dirty="0" smtClean="0">
               <a:solidFill>
                 <a:srgbClr val="00B050"/>
               </a:solidFill>
@@ -5912,53 +6025,54 @@
           <a:p>
             <a:pPr lvl="1"/>
             <a:r>
-              <a:rPr lang="en-US" dirty="0"/>
+              <a:rPr lang="en-US" dirty="0" smtClean="0"/>
               <a:t>does no transformation</a:t>
             </a:r>
             <a:r>
-              <a:rPr lang="hu-HU" dirty="0"/>
+              <a:rPr lang="hu-HU" dirty="0" smtClean="0"/>
               <a:t> (</a:t>
             </a:r>
             <a:r>
-              <a:rPr lang="en-US" dirty="0"/>
+              <a:rPr lang="en-US" dirty="0" smtClean="0"/>
               <a:t>being a full</a:t>
             </a:r>
             <a:r>
-              <a:rPr lang="hu-HU" dirty="0"/>
+              <a:rPr lang="hu-HU" dirty="0" smtClean="0"/>
               <a:t> viewport quad)</a:t>
             </a:r>
           </a:p>
           <a:p>
             <a:pPr lvl="1"/>
             <a:r>
-              <a:rPr lang="hu-HU" dirty="0"/>
+              <a:rPr lang="hu-HU" dirty="0" smtClean="0"/>
               <a:t>z</a:t>
             </a:r>
             <a:r>
-              <a:rPr lang="en-US" dirty="0"/>
+              <a:rPr lang="en-US" dirty="0" smtClean="0"/>
               <a:t>=0.99999, behind everything</a:t>
             </a:r>
           </a:p>
           <a:p>
             <a:r>
-              <a:rPr lang="en-US" dirty="0"/>
+              <a:rPr lang="en-US" dirty="0" smtClean="0"/>
               <a:t>FS gets ray direction from VS</a:t>
             </a:r>
           </a:p>
           <a:p>
             <a:pPr lvl="1"/>
             <a:r>
-              <a:rPr lang="en-US" dirty="0"/>
+              <a:rPr lang="en-US" dirty="0" smtClean="0"/>
               <a:t>addresses cube texture</a:t>
             </a:r>
-            <a:endParaRPr lang="hu-HU" dirty="0"/>
+            <a:endParaRPr lang="hu-HU" dirty="0" smtClean="0"/>
           </a:p>
           <a:p>
             <a:pPr lvl="1"/>
             <a:r>
-              <a:rPr lang="en-US" dirty="0"/>
+              <a:rPr lang="en-US" dirty="0" smtClean="0"/>
               <a:t>returns color from texture</a:t>
             </a:r>
+            <a:endParaRPr lang="en-US" dirty="0"/>
           </a:p>
         </p:txBody>
       </p:sp>
@@ -5985,7 +6099,7 @@
           <a:lstStyle/>
           <a:p>
             <a:r>
-              <a:rPr lang="en-US" sz="20000" dirty="0">
+              <a:rPr lang="en-US" sz="20000" dirty="0" smtClean="0">
                 <a:solidFill>
                   <a:srgbClr val="00B050"/>
                 </a:solidFill>
@@ -5993,6 +6107,12 @@
               </a:rPr>
               <a:t>.</a:t>
             </a:r>
+            <a:endParaRPr lang="en-US" sz="20000" dirty="0">
+              <a:solidFill>
+                <a:srgbClr val="00B050"/>
+              </a:solidFill>
+              <a:latin typeface="Whipsmart" panose="020B0502030203050204" pitchFamily="34" charset="0"/>
+            </a:endParaRPr>
           </a:p>
         </p:txBody>
       </p:sp>
@@ -6006,6 +6126,13 @@
   <p:clrMapOvr>
     <a:masterClrMapping/>
   </p:clrMapOvr>
+  <p:timing>
+    <p:tnLst>
+      <p:par>
+        <p:cTn id="1" dur="indefinite" restart="never" nodeType="tmRoot"/>
+      </p:par>
+    </p:tnLst>
+  </p:timing>
 </p:sld>
 </file>
 
@@ -6042,9 +6169,10 @@
           <a:lstStyle/>
           <a:p>
             <a:r>
-              <a:rPr lang="en-US" dirty="0"/>
+              <a:rPr lang="en-US" dirty="0" smtClean="0"/>
               <a:t>Cube texture</a:t>
             </a:r>
+            <a:endParaRPr lang="en-US" dirty="0"/>
           </a:p>
         </p:txBody>
       </p:sp>
@@ -6064,81 +6192,86 @@
           <a:lstStyle/>
           <a:p>
             <a:r>
-              <a:rPr lang="en-US" dirty="0"/>
+              <a:rPr lang="en-US" dirty="0" smtClean="0"/>
               <a:t>need a uniform in</a:t>
             </a:r>
             <a:r>
-              <a:rPr lang="hu-HU" dirty="0"/>
+              <a:rPr lang="hu-HU" dirty="0" smtClean="0"/>
               <a:t> FS</a:t>
             </a:r>
+            <a:endParaRPr lang="en-US" dirty="0" smtClean="0"/>
+          </a:p>
+          <a:p>
             <a:endParaRPr lang="en-US" dirty="0"/>
           </a:p>
           <a:p>
+            <a:endParaRPr lang="en-US" dirty="0" smtClean="0"/>
+          </a:p>
+          <a:p>
             <a:endParaRPr lang="en-US" dirty="0"/>
           </a:p>
           <a:p>
-            <a:endParaRPr lang="en-US" dirty="0"/>
-          </a:p>
-          <a:p>
-            <a:endParaRPr lang="en-US" dirty="0"/>
-          </a:p>
-          <a:p>
-            <a:r>
-              <a:rPr lang="en-US" sz="2400" dirty="0">
+            <a:r>
+              <a:rPr lang="en-US" sz="2400" dirty="0" smtClean="0">
                 <a:latin typeface="Consolas" panose="020B0609020204030204" pitchFamily="49" charset="0"/>
                 <a:cs typeface="Consolas" panose="020B0609020204030204" pitchFamily="49" charset="0"/>
               </a:rPr>
               <a:t>in Scene </a:t>
             </a:r>
             <a:r>
-              <a:rPr lang="en-US" dirty="0"/>
+              <a:rPr lang="en-US" dirty="0" smtClean="0"/>
               <a:t>create </a:t>
+            </a:r>
+            <a:r>
+              <a:rPr lang="en-US" sz="2400" dirty="0" err="1" smtClean="0">
+                <a:latin typeface="Consolas" panose="020B0609020204030204" pitchFamily="49" charset="0"/>
+                <a:cs typeface="Consolas" panose="020B0609020204030204" pitchFamily="49" charset="0"/>
+              </a:rPr>
+              <a:t>TextureCube</a:t>
+            </a:r>
+            <a:r>
+              <a:rPr lang="hu-HU" dirty="0" smtClean="0"/>
+              <a:t>, </a:t>
+            </a:r>
+            <a:r>
+              <a:rPr lang="en-US" dirty="0" smtClean="0"/>
+              <a:t>pass it to the</a:t>
+            </a:r>
+            <a:r>
+              <a:rPr lang="hu-HU" dirty="0" smtClean="0"/>
+              <a:t> FS</a:t>
+            </a:r>
+            <a:r>
+              <a:rPr lang="en-US" dirty="0" smtClean="0"/>
+              <a:t> through its </a:t>
+            </a:r>
+            <a:r>
+              <a:rPr lang="en-US" sz="2400" dirty="0" smtClean="0">
+                <a:latin typeface="Consolas" panose="020B0609020204030204" pitchFamily="49" charset="0"/>
+                <a:cs typeface="Consolas" panose="020B0609020204030204" pitchFamily="49" charset="0"/>
+              </a:rPr>
+              <a:t>Material</a:t>
+            </a:r>
+            <a:r>
+              <a:rPr lang="en-US" dirty="0" smtClean="0"/>
+              <a:t>, with a </a:t>
             </a:r>
             <a:r>
               <a:rPr lang="en-US" sz="2400" dirty="0" err="1">
                 <a:latin typeface="Consolas" panose="020B0609020204030204" pitchFamily="49" charset="0"/>
                 <a:cs typeface="Consolas" panose="020B0609020204030204" pitchFamily="49" charset="0"/>
               </a:rPr>
-              <a:t>TextureCube</a:t>
-            </a:r>
-            <a:r>
-              <a:rPr lang="hu-HU" dirty="0"/>
-              <a:t>, </a:t>
+              <a:t>GameObject</a:t>
             </a:r>
             <a:r>
               <a:rPr lang="en-US" dirty="0"/>
-              <a:t>pass it to the</a:t>
-            </a:r>
-            <a:r>
-              <a:rPr lang="hu-HU" dirty="0"/>
-              <a:t> FS</a:t>
-            </a:r>
-            <a:r>
-              <a:rPr lang="en-US" dirty="0"/>
-              <a:t> through its </a:t>
-            </a:r>
-            <a:r>
-              <a:rPr lang="en-US" sz="2400" dirty="0">
-                <a:latin typeface="Consolas" panose="020B0609020204030204" pitchFamily="49" charset="0"/>
-                <a:cs typeface="Consolas" panose="020B0609020204030204" pitchFamily="49" charset="0"/>
-              </a:rPr>
-              <a:t>Material</a:t>
-            </a:r>
-            <a:r>
-              <a:rPr lang="en-US" dirty="0"/>
-              <a:t>, with a </a:t>
-            </a:r>
-            <a:r>
-              <a:rPr lang="en-US" sz="2400" dirty="0" err="1">
-                <a:latin typeface="Consolas" panose="020B0609020204030204" pitchFamily="49" charset="0"/>
-                <a:cs typeface="Consolas" panose="020B0609020204030204" pitchFamily="49" charset="0"/>
-              </a:rPr>
-              <a:t>GameObject</a:t>
-            </a:r>
-            <a:r>
-              <a:rPr lang="en-US" dirty="0"/>
-              <a:t> using the material (geometry is textured quad)</a:t>
-            </a:r>
+              <a:t> </a:t>
+            </a:r>
+            <a:r>
+              <a:rPr lang="en-US" dirty="0" smtClean="0"/>
+              <a:t>using the material (geometry is textured quad)</a:t>
+            </a:r>
+            <a:endParaRPr lang="en-US" dirty="0"/>
           </a:p>
           <a:p>
             <a:endParaRPr lang="en-US" dirty="0"/>
@@ -6194,8 +6327,25 @@
                 <a:latin typeface="Consolas" panose="020B0609020204030204" pitchFamily="49" charset="0"/>
                 <a:ea typeface="Times New Roman" panose="02020603050405020304" pitchFamily="18" charset="0"/>
               </a:rPr>
-              <a:t>// need a sample uniform</a:t>
-            </a:r>
+              <a:t>// </a:t>
+            </a:r>
+            <a:r>
+              <a:rPr lang="en-US" dirty="0" smtClean="0">
+                <a:solidFill>
+                  <a:srgbClr val="00B050"/>
+                </a:solidFill>
+                <a:latin typeface="Consolas" panose="020B0609020204030204" pitchFamily="49" charset="0"/>
+                <a:ea typeface="Times New Roman" panose="02020603050405020304" pitchFamily="18" charset="0"/>
+              </a:rPr>
+              <a:t>need a sample uniform</a:t>
+            </a:r>
+            <a:endParaRPr lang="en-US" dirty="0">
+              <a:solidFill>
+                <a:srgbClr val="00B050"/>
+              </a:solidFill>
+              <a:latin typeface="Consolas" panose="020B0609020204030204" pitchFamily="49" charset="0"/>
+              <a:ea typeface="Times New Roman" panose="02020603050405020304" pitchFamily="18" charset="0"/>
+            </a:endParaRPr>
           </a:p>
           <a:p>
             <a:r>
@@ -6209,6 +6359,46 @@
               <a:t>uniform </a:t>
             </a:r>
             <a:r>
+              <a:rPr lang="en-US" dirty="0" err="1" smtClean="0">
+                <a:solidFill>
+                  <a:schemeClr val="tx1"/>
+                </a:solidFill>
+                <a:latin typeface="Consolas" panose="020B0609020204030204" pitchFamily="49" charset="0"/>
+                <a:ea typeface="Times New Roman" panose="02020603050405020304" pitchFamily="18" charset="0"/>
+              </a:rPr>
+              <a:t>struct</a:t>
+            </a:r>
+            <a:r>
+              <a:rPr lang="en-US" dirty="0" smtClean="0">
+                <a:solidFill>
+                  <a:schemeClr val="tx1"/>
+                </a:solidFill>
+                <a:latin typeface="Consolas" panose="020B0609020204030204" pitchFamily="49" charset="0"/>
+                <a:ea typeface="Times New Roman" panose="02020603050405020304" pitchFamily="18" charset="0"/>
+              </a:rPr>
+              <a:t> { </a:t>
+            </a:r>
+            <a:r>
+              <a:rPr lang="en-US" dirty="0" err="1" smtClean="0">
+                <a:solidFill>
+                  <a:schemeClr val="tx1"/>
+                </a:solidFill>
+                <a:latin typeface="Consolas" panose="020B0609020204030204" pitchFamily="49" charset="0"/>
+                <a:ea typeface="Times New Roman" panose="02020603050405020304" pitchFamily="18" charset="0"/>
+              </a:rPr>
+              <a:t>samplerCube</a:t>
+            </a:r>
+            <a:r>
+              <a:rPr lang="en-US" dirty="0" smtClean="0">
+                <a:solidFill>
+                  <a:schemeClr val="tx1"/>
+                </a:solidFill>
+                <a:latin typeface="Consolas" panose="020B0609020204030204" pitchFamily="49" charset="0"/>
+                <a:ea typeface="Times New Roman" panose="02020603050405020304" pitchFamily="18" charset="0"/>
+              </a:rPr>
+              <a:t> </a:t>
+            </a:r>
+            <a:r>
               <a:rPr lang="en-US" dirty="0" err="1">
                 <a:solidFill>
                   <a:schemeClr val="tx1"/>
@@ -6216,58 +6406,25 @@
                 <a:latin typeface="Consolas" panose="020B0609020204030204" pitchFamily="49" charset="0"/>
                 <a:ea typeface="Times New Roman" panose="02020603050405020304" pitchFamily="18" charset="0"/>
               </a:rPr>
-              <a:t>struct</a:t>
-            </a:r>
-            <a:r>
-              <a:rPr lang="en-US" dirty="0">
+              <a:t>envTexture</a:t>
+            </a:r>
+            <a:r>
+              <a:rPr lang="en-US" dirty="0" smtClean="0">
                 <a:solidFill>
                   <a:schemeClr val="tx1"/>
                 </a:solidFill>
                 <a:latin typeface="Consolas" panose="020B0609020204030204" pitchFamily="49" charset="0"/>
                 <a:ea typeface="Times New Roman" panose="02020603050405020304" pitchFamily="18" charset="0"/>
               </a:rPr>
-              <a:t> { </a:t>
-            </a:r>
-            <a:r>
-              <a:rPr lang="en-US" dirty="0" err="1">
-                <a:solidFill>
-                  <a:schemeClr val="tx1"/>
-                </a:solidFill>
-                <a:latin typeface="Consolas" panose="020B0609020204030204" pitchFamily="49" charset="0"/>
-                <a:ea typeface="Times New Roman" panose="02020603050405020304" pitchFamily="18" charset="0"/>
-              </a:rPr>
-              <a:t>samplerCube</a:t>
-            </a:r>
-            <a:r>
-              <a:rPr lang="en-US" dirty="0">
-                <a:solidFill>
-                  <a:schemeClr val="tx1"/>
-                </a:solidFill>
-                <a:latin typeface="Consolas" panose="020B0609020204030204" pitchFamily="49" charset="0"/>
-                <a:ea typeface="Times New Roman" panose="02020603050405020304" pitchFamily="18" charset="0"/>
-              </a:rPr>
-              <a:t> </a:t>
-            </a:r>
-            <a:r>
-              <a:rPr lang="en-US" dirty="0" err="1">
-                <a:solidFill>
-                  <a:schemeClr val="tx1"/>
-                </a:solidFill>
-                <a:latin typeface="Consolas" panose="020B0609020204030204" pitchFamily="49" charset="0"/>
-                <a:ea typeface="Times New Roman" panose="02020603050405020304" pitchFamily="18" charset="0"/>
-              </a:rPr>
-              <a:t>envTexture</a:t>
-            </a:r>
-            <a:r>
-              <a:rPr lang="en-US" dirty="0">
-                <a:solidFill>
-                  <a:schemeClr val="tx1"/>
-                </a:solidFill>
-                <a:latin typeface="Consolas" panose="020B0609020204030204" pitchFamily="49" charset="0"/>
-                <a:ea typeface="Times New Roman" panose="02020603050405020304" pitchFamily="18" charset="0"/>
-              </a:rPr>
               <a:t>; } material;</a:t>
             </a:r>
+            <a:endParaRPr lang="en-US" dirty="0">
+              <a:solidFill>
+                <a:schemeClr val="tx1"/>
+              </a:solidFill>
+              <a:latin typeface="Consolas" panose="020B0609020204030204" pitchFamily="49" charset="0"/>
+              <a:ea typeface="Times New Roman" panose="02020603050405020304" pitchFamily="18" charset="0"/>
+            </a:endParaRPr>
           </a:p>
         </p:txBody>
       </p:sp>
@@ -6320,8 +6477,25 @@
                 <a:latin typeface="Consolas" panose="020B0609020204030204" pitchFamily="49" charset="0"/>
                 <a:ea typeface="Times New Roman" panose="02020603050405020304" pitchFamily="18" charset="0"/>
               </a:rPr>
-              <a:t>// read from ray direction</a:t>
-            </a:r>
+              <a:t>// </a:t>
+            </a:r>
+            <a:r>
+              <a:rPr lang="en-US" dirty="0" smtClean="0">
+                <a:solidFill>
+                  <a:srgbClr val="00B050"/>
+                </a:solidFill>
+                <a:latin typeface="Consolas" panose="020B0609020204030204" pitchFamily="49" charset="0"/>
+                <a:ea typeface="Times New Roman" panose="02020603050405020304" pitchFamily="18" charset="0"/>
+              </a:rPr>
+              <a:t>read from ray direction</a:t>
+            </a:r>
+            <a:endParaRPr lang="en-US" dirty="0">
+              <a:solidFill>
+                <a:srgbClr val="00B050"/>
+              </a:solidFill>
+              <a:latin typeface="Consolas" panose="020B0609020204030204" pitchFamily="49" charset="0"/>
+              <a:ea typeface="Times New Roman" panose="02020603050405020304" pitchFamily="18" charset="0"/>
+            </a:endParaRPr>
           </a:p>
           <a:p>
             <a:r>
@@ -6375,7 +6549,7 @@
               <a:t>= texture ( </a:t>
             </a:r>
             <a:r>
-              <a:rPr lang="en-US" dirty="0" err="1">
+              <a:rPr lang="en-US" dirty="0" err="1" smtClean="0">
                 <a:solidFill>
                   <a:schemeClr val="tx1"/>
                 </a:solidFill>
@@ -6432,103 +6606,102 @@
             <a:avLst/>
           </a:prstGeom>
           <a:solidFill>
-            <a:schemeClr val="accent4">
+            <a:schemeClr val="accent1">
               <a:lumMod val="20000"/>
               <a:lumOff val="80000"/>
             </a:schemeClr>
           </a:solidFill>
-          <a:ln>
-            <a:solidFill>
-              <a:schemeClr val="accent4">
-                <a:lumMod val="50000"/>
-              </a:schemeClr>
-            </a:solidFill>
-          </a:ln>
         </p:spPr>
-        <p:txBody>
-          <a:bodyPr vert="horz" lIns="91440" tIns="45720" rIns="91440" bIns="45720" rtlCol="0">
-            <a:normAutofit fontScale="77500" lnSpcReduction="20000"/>
-          </a:bodyPr>
+        <p:style>
+          <a:lnRef idx="2">
+            <a:schemeClr val="accent1">
+              <a:shade val="50000"/>
+            </a:schemeClr>
+          </a:lnRef>
+          <a:fillRef idx="1">
+            <a:schemeClr val="accent1"/>
+          </a:fillRef>
+          <a:effectRef idx="0">
+            <a:schemeClr val="accent1"/>
+          </a:effectRef>
+          <a:fontRef idx="minor">
+            <a:schemeClr val="lt1"/>
+          </a:fontRef>
+        </p:style>
+        <p:txBody>
+          <a:bodyPr rtlCol="0" anchor="ctr"/>
           <a:lstStyle/>
           <a:p>
             <a:pPr>
               <a:lnSpc>
                 <a:spcPct val="107000"/>
               </a:lnSpc>
-              <a:tabLst>
-                <a:tab pos="581660" algn="l"/>
-                <a:tab pos="1163320" algn="l"/>
-                <a:tab pos="1744980" algn="l"/>
-                <a:tab pos="2326640" algn="l"/>
-                <a:tab pos="2908300" algn="l"/>
-                <a:tab pos="3489960" algn="l"/>
-                <a:tab pos="4071620" algn="l"/>
-                <a:tab pos="4653280" algn="l"/>
-                <a:tab pos="5234940" algn="l"/>
-                <a:tab pos="5816600" algn="l"/>
-                <a:tab pos="6398260" algn="l"/>
-                <a:tab pos="6979920" algn="l"/>
-                <a:tab pos="7561580" algn="l"/>
-                <a:tab pos="8143240" algn="l"/>
-                <a:tab pos="8724900" algn="l"/>
-                <a:tab pos="9306560" algn="l"/>
-              </a:tabLst>
             </a:pPr>
             <a:r>
-              <a:rPr lang="hu-HU" sz="2400" dirty="0" err="1">
+              <a:rPr lang="en-US" sz="1600" dirty="0" err="1">
+                <a:solidFill>
+                  <a:schemeClr val="tx1"/>
+                </a:solidFill>
                 <a:latin typeface="Consolas" panose="020B0609020204030204" pitchFamily="49" charset="0"/>
-                <a:cs typeface="Times New Roman" panose="02020603050405020304" pitchFamily="18" charset="0"/>
-              </a:rPr>
-              <a:t>val</a:t>
-            </a:r>
-            <a:r>
-              <a:rPr lang="hu-HU" sz="2400" dirty="0">
+                <a:ea typeface="Times New Roman" panose="02020603050405020304" pitchFamily="18" charset="0"/>
+                <a:cs typeface="Times New Roman" panose="02020603050405020304" pitchFamily="18" charset="0"/>
+              </a:rPr>
+              <a:t>this.envTexture</a:t>
+            </a:r>
+            <a:r>
+              <a:rPr lang="en-US" sz="1600" dirty="0">
+                <a:solidFill>
+                  <a:schemeClr val="tx1"/>
+                </a:solidFill>
                 <a:latin typeface="Consolas" panose="020B0609020204030204" pitchFamily="49" charset="0"/>
-                <a:cs typeface="Times New Roman" panose="02020603050405020304" pitchFamily="18" charset="0"/>
-              </a:rPr>
-              <a:t> </a:t>
-            </a:r>
-            <a:r>
-              <a:rPr lang="en-US" sz="2400" dirty="0" err="1">
+                <a:ea typeface="Times New Roman" panose="02020603050405020304" pitchFamily="18" charset="0"/>
+                <a:cs typeface="Times New Roman" panose="02020603050405020304" pitchFamily="18" charset="0"/>
+              </a:rPr>
+              <a:t> = new </a:t>
+            </a:r>
+            <a:r>
+              <a:rPr lang="en-US" sz="1600" dirty="0" err="1">
+                <a:solidFill>
+                  <a:schemeClr val="tx1"/>
+                </a:solidFill>
                 <a:latin typeface="Consolas" panose="020B0609020204030204" pitchFamily="49" charset="0"/>
-                <a:cs typeface="Times New Roman" panose="02020603050405020304" pitchFamily="18" charset="0"/>
-              </a:rPr>
-              <a:t>envTexture</a:t>
-            </a:r>
-            <a:r>
-              <a:rPr lang="en-US" sz="2400" dirty="0">
+                <a:ea typeface="Times New Roman" panose="02020603050405020304" pitchFamily="18" charset="0"/>
+                <a:cs typeface="Times New Roman" panose="02020603050405020304" pitchFamily="18" charset="0"/>
+              </a:rPr>
+              <a:t>TextureCube</a:t>
+            </a:r>
+            <a:r>
+              <a:rPr lang="en-US" sz="1600" dirty="0">
+                <a:solidFill>
+                  <a:schemeClr val="tx1"/>
+                </a:solidFill>
                 <a:latin typeface="Consolas" panose="020B0609020204030204" pitchFamily="49" charset="0"/>
-                <a:cs typeface="Times New Roman" panose="02020603050405020304" pitchFamily="18" charset="0"/>
-              </a:rPr>
-              <a:t> = </a:t>
-            </a:r>
-            <a:r>
-              <a:rPr lang="en-US" sz="2400" dirty="0" err="1">
+                <a:ea typeface="Times New Roman" panose="02020603050405020304" pitchFamily="18" charset="0"/>
+                <a:cs typeface="Times New Roman" panose="02020603050405020304" pitchFamily="18" charset="0"/>
+              </a:rPr>
+              <a:t>(</a:t>
+            </a:r>
+            <a:r>
+              <a:rPr lang="en-US" sz="1600" dirty="0" err="1">
+                <a:solidFill>
+                  <a:schemeClr val="tx1"/>
+                </a:solidFill>
                 <a:latin typeface="Consolas" panose="020B0609020204030204" pitchFamily="49" charset="0"/>
-                <a:cs typeface="Times New Roman" panose="02020603050405020304" pitchFamily="18" charset="0"/>
-              </a:rPr>
-              <a:t>TextureCube</a:t>
-            </a:r>
-            <a:r>
-              <a:rPr lang="en-US" sz="2400" dirty="0">
+                <a:ea typeface="Times New Roman" panose="02020603050405020304" pitchFamily="18" charset="0"/>
+                <a:cs typeface="Times New Roman" panose="02020603050405020304" pitchFamily="18" charset="0"/>
+              </a:rPr>
+              <a:t>gl</a:t>
+            </a:r>
+            <a:r>
+              <a:rPr lang="en-US" sz="1600" dirty="0">
+                <a:solidFill>
+                  <a:schemeClr val="tx1"/>
+                </a:solidFill>
                 <a:latin typeface="Consolas" panose="020B0609020204030204" pitchFamily="49" charset="0"/>
-                <a:cs typeface="Times New Roman" panose="02020603050405020304" pitchFamily="18" charset="0"/>
-              </a:rPr>
-              <a:t>(</a:t>
-            </a:r>
-            <a:r>
-              <a:rPr lang="en-US" sz="2400" dirty="0" err="1">
-                <a:latin typeface="Consolas" panose="020B0609020204030204" pitchFamily="49" charset="0"/>
-                <a:cs typeface="Times New Roman" panose="02020603050405020304" pitchFamily="18" charset="0"/>
-              </a:rPr>
-              <a:t>gl</a:t>
-            </a:r>
-            <a:r>
-              <a:rPr lang="en-US" sz="2400" dirty="0">
-                <a:latin typeface="Consolas" panose="020B0609020204030204" pitchFamily="49" charset="0"/>
-                <a:cs typeface="Times New Roman" panose="02020603050405020304" pitchFamily="18" charset="0"/>
-              </a:rPr>
-              <a:t>, </a:t>
+                <a:ea typeface="Times New Roman" panose="02020603050405020304" pitchFamily="18" charset="0"/>
+                <a:cs typeface="Times New Roman" panose="02020603050405020304" pitchFamily="18" charset="0"/>
+              </a:rPr>
+              <a:t>, [</a:t>
             </a:r>
           </a:p>
           <a:p>
@@ -6536,49 +6709,47 @@
               <a:lnSpc>
                 <a:spcPct val="107000"/>
               </a:lnSpc>
-              <a:tabLst>
-                <a:tab pos="581660" algn="l"/>
-                <a:tab pos="1163320" algn="l"/>
-                <a:tab pos="1744980" algn="l"/>
-                <a:tab pos="2326640" algn="l"/>
-                <a:tab pos="2908300" algn="l"/>
-                <a:tab pos="3489960" algn="l"/>
-                <a:tab pos="4071620" algn="l"/>
-                <a:tab pos="4653280" algn="l"/>
-                <a:tab pos="5234940" algn="l"/>
-                <a:tab pos="5816600" algn="l"/>
-                <a:tab pos="6398260" algn="l"/>
-                <a:tab pos="6979920" algn="l"/>
-                <a:tab pos="7561580" algn="l"/>
-                <a:tab pos="8143240" algn="l"/>
-                <a:tab pos="8724900" algn="l"/>
-                <a:tab pos="9306560" algn="l"/>
-              </a:tabLst>
             </a:pPr>
             <a:r>
-              <a:rPr lang="en-US" sz="2400" dirty="0">
+              <a:rPr lang="en-US" sz="1600" dirty="0">
+                <a:solidFill>
+                  <a:schemeClr val="tx1"/>
+                </a:solidFill>
                 <a:latin typeface="Consolas" panose="020B0609020204030204" pitchFamily="49" charset="0"/>
+                <a:ea typeface="Times New Roman" panose="02020603050405020304" pitchFamily="18" charset="0"/>
                 <a:cs typeface="Times New Roman" panose="02020603050405020304" pitchFamily="18" charset="0"/>
               </a:rPr>
               <a:t>    "media/</a:t>
             </a:r>
             <a:r>
-              <a:rPr lang="en-US" sz="2400" dirty="0" err="1">
+              <a:rPr lang="en-US" sz="1600" dirty="0" err="1">
+                <a:solidFill>
+                  <a:schemeClr val="tx1"/>
+                </a:solidFill>
                 <a:latin typeface="Consolas" panose="020B0609020204030204" pitchFamily="49" charset="0"/>
+                <a:ea typeface="Times New Roman" panose="02020603050405020304" pitchFamily="18" charset="0"/>
                 <a:cs typeface="Times New Roman" panose="02020603050405020304" pitchFamily="18" charset="0"/>
               </a:rPr>
               <a:t>posx</a:t>
             </a:r>
             <a:r>
-              <a:rPr lang="hu-HU" sz="2400" dirty="0">
+              <a:rPr lang="hu-HU" sz="1600" dirty="0">
+                <a:solidFill>
+                  <a:schemeClr val="tx1"/>
+                </a:solidFill>
                 <a:latin typeface="Consolas" panose="020B0609020204030204" pitchFamily="49" charset="0"/>
+                <a:ea typeface="Times New Roman" panose="02020603050405020304" pitchFamily="18" charset="0"/>
                 <a:cs typeface="Times New Roman" panose="02020603050405020304" pitchFamily="18" charset="0"/>
               </a:rPr>
               <a:t>512</a:t>
             </a:r>
             <a:r>
-              <a:rPr lang="en-US" sz="2400" dirty="0">
+              <a:rPr lang="en-US" sz="1600" dirty="0">
+                <a:solidFill>
+                  <a:schemeClr val="tx1"/>
+                </a:solidFill>
                 <a:latin typeface="Consolas" panose="020B0609020204030204" pitchFamily="49" charset="0"/>
+                <a:ea typeface="Times New Roman" panose="02020603050405020304" pitchFamily="18" charset="0"/>
                 <a:cs typeface="Times New Roman" panose="02020603050405020304" pitchFamily="18" charset="0"/>
               </a:rPr>
               <a:t>.jpg",</a:t>
@@ -6589,49 +6760,47 @@
               <a:lnSpc>
                 <a:spcPct val="107000"/>
               </a:lnSpc>
-              <a:tabLst>
-                <a:tab pos="581660" algn="l"/>
-                <a:tab pos="1163320" algn="l"/>
-                <a:tab pos="1744980" algn="l"/>
-                <a:tab pos="2326640" algn="l"/>
-                <a:tab pos="2908300" algn="l"/>
-                <a:tab pos="3489960" algn="l"/>
-                <a:tab pos="4071620" algn="l"/>
-                <a:tab pos="4653280" algn="l"/>
-                <a:tab pos="5234940" algn="l"/>
-                <a:tab pos="5816600" algn="l"/>
-                <a:tab pos="6398260" algn="l"/>
-                <a:tab pos="6979920" algn="l"/>
-                <a:tab pos="7561580" algn="l"/>
-                <a:tab pos="8143240" algn="l"/>
-                <a:tab pos="8724900" algn="l"/>
-                <a:tab pos="9306560" algn="l"/>
-              </a:tabLst>
             </a:pPr>
             <a:r>
-              <a:rPr lang="en-US" sz="2400" dirty="0">
+              <a:rPr lang="en-US" sz="1600" dirty="0">
+                <a:solidFill>
+                  <a:schemeClr val="tx1"/>
+                </a:solidFill>
                 <a:latin typeface="Consolas" panose="020B0609020204030204" pitchFamily="49" charset="0"/>
+                <a:ea typeface="Times New Roman" panose="02020603050405020304" pitchFamily="18" charset="0"/>
                 <a:cs typeface="Times New Roman" panose="02020603050405020304" pitchFamily="18" charset="0"/>
               </a:rPr>
               <a:t>    "media/</a:t>
             </a:r>
             <a:r>
-              <a:rPr lang="en-US" sz="2400" dirty="0" err="1">
+              <a:rPr lang="en-US" sz="1600" dirty="0" err="1">
+                <a:solidFill>
+                  <a:schemeClr val="tx1"/>
+                </a:solidFill>
                 <a:latin typeface="Consolas" panose="020B0609020204030204" pitchFamily="49" charset="0"/>
+                <a:ea typeface="Times New Roman" panose="02020603050405020304" pitchFamily="18" charset="0"/>
                 <a:cs typeface="Times New Roman" panose="02020603050405020304" pitchFamily="18" charset="0"/>
               </a:rPr>
               <a:t>negx</a:t>
             </a:r>
             <a:r>
-              <a:rPr lang="hu-HU" sz="2400" dirty="0">
+              <a:rPr lang="hu-HU" sz="1600" dirty="0">
+                <a:solidFill>
+                  <a:schemeClr val="tx1"/>
+                </a:solidFill>
                 <a:latin typeface="Consolas" panose="020B0609020204030204" pitchFamily="49" charset="0"/>
+                <a:ea typeface="Times New Roman" panose="02020603050405020304" pitchFamily="18" charset="0"/>
                 <a:cs typeface="Times New Roman" panose="02020603050405020304" pitchFamily="18" charset="0"/>
               </a:rPr>
               <a:t>512</a:t>
             </a:r>
             <a:r>
-              <a:rPr lang="en-US" sz="2400" dirty="0">
+              <a:rPr lang="en-US" sz="1600" dirty="0">
+                <a:solidFill>
+                  <a:schemeClr val="tx1"/>
+                </a:solidFill>
                 <a:latin typeface="Consolas" panose="020B0609020204030204" pitchFamily="49" charset="0"/>
+                <a:ea typeface="Times New Roman" panose="02020603050405020304" pitchFamily="18" charset="0"/>
                 <a:cs typeface="Times New Roman" panose="02020603050405020304" pitchFamily="18" charset="0"/>
               </a:rPr>
               <a:t>.jpg",</a:t>
@@ -6642,42 +6811,36 @@
               <a:lnSpc>
                 <a:spcPct val="107000"/>
               </a:lnSpc>
-              <a:tabLst>
-                <a:tab pos="581660" algn="l"/>
-                <a:tab pos="1163320" algn="l"/>
-                <a:tab pos="1744980" algn="l"/>
-                <a:tab pos="2326640" algn="l"/>
-                <a:tab pos="2908300" algn="l"/>
-                <a:tab pos="3489960" algn="l"/>
-                <a:tab pos="4071620" algn="l"/>
-                <a:tab pos="4653280" algn="l"/>
-                <a:tab pos="5234940" algn="l"/>
-                <a:tab pos="5816600" algn="l"/>
-                <a:tab pos="6398260" algn="l"/>
-                <a:tab pos="6979920" algn="l"/>
-                <a:tab pos="7561580" algn="l"/>
-                <a:tab pos="8143240" algn="l"/>
-                <a:tab pos="8724900" algn="l"/>
-                <a:tab pos="9306560" algn="l"/>
-              </a:tabLst>
             </a:pPr>
             <a:r>
-              <a:rPr lang="en-US" sz="2400" dirty="0">
+              <a:rPr lang="en-US" sz="1600" dirty="0">
+                <a:solidFill>
+                  <a:schemeClr val="tx1"/>
+                </a:solidFill>
                 <a:latin typeface="Consolas" panose="020B0609020204030204" pitchFamily="49" charset="0"/>
+                <a:ea typeface="Times New Roman" panose="02020603050405020304" pitchFamily="18" charset="0"/>
                 <a:cs typeface="Times New Roman" panose="02020603050405020304" pitchFamily="18" charset="0"/>
               </a:rPr>
               <a:t>    "media/posy</a:t>
             </a:r>
             <a:r>
-              <a:rPr lang="hu-HU" sz="2400" dirty="0">
+              <a:rPr lang="hu-HU" sz="1600" dirty="0">
+                <a:solidFill>
+                  <a:schemeClr val="tx1"/>
+                </a:solidFill>
                 <a:latin typeface="Consolas" panose="020B0609020204030204" pitchFamily="49" charset="0"/>
+                <a:ea typeface="Times New Roman" panose="02020603050405020304" pitchFamily="18" charset="0"/>
                 <a:cs typeface="Times New Roman" panose="02020603050405020304" pitchFamily="18" charset="0"/>
               </a:rPr>
               <a:t>512</a:t>
             </a:r>
             <a:r>
-              <a:rPr lang="en-US" sz="2400" dirty="0">
+              <a:rPr lang="en-US" sz="1600" dirty="0">
+                <a:solidFill>
+                  <a:schemeClr val="tx1"/>
+                </a:solidFill>
                 <a:latin typeface="Consolas" panose="020B0609020204030204" pitchFamily="49" charset="0"/>
+                <a:ea typeface="Times New Roman" panose="02020603050405020304" pitchFamily="18" charset="0"/>
                 <a:cs typeface="Times New Roman" panose="02020603050405020304" pitchFamily="18" charset="0"/>
               </a:rPr>
               <a:t>.jpg",</a:t>
@@ -6688,49 +6851,47 @@
               <a:lnSpc>
                 <a:spcPct val="107000"/>
               </a:lnSpc>
-              <a:tabLst>
-                <a:tab pos="581660" algn="l"/>
-                <a:tab pos="1163320" algn="l"/>
-                <a:tab pos="1744980" algn="l"/>
-                <a:tab pos="2326640" algn="l"/>
-                <a:tab pos="2908300" algn="l"/>
-                <a:tab pos="3489960" algn="l"/>
-                <a:tab pos="4071620" algn="l"/>
-                <a:tab pos="4653280" algn="l"/>
-                <a:tab pos="5234940" algn="l"/>
-                <a:tab pos="5816600" algn="l"/>
-                <a:tab pos="6398260" algn="l"/>
-                <a:tab pos="6979920" algn="l"/>
-                <a:tab pos="7561580" algn="l"/>
-                <a:tab pos="8143240" algn="l"/>
-                <a:tab pos="8724900" algn="l"/>
-                <a:tab pos="9306560" algn="l"/>
-              </a:tabLst>
             </a:pPr>
             <a:r>
-              <a:rPr lang="en-US" sz="2400" dirty="0">
+              <a:rPr lang="en-US" sz="1600" dirty="0">
+                <a:solidFill>
+                  <a:schemeClr val="tx1"/>
+                </a:solidFill>
                 <a:latin typeface="Consolas" panose="020B0609020204030204" pitchFamily="49" charset="0"/>
+                <a:ea typeface="Times New Roman" panose="02020603050405020304" pitchFamily="18" charset="0"/>
                 <a:cs typeface="Times New Roman" panose="02020603050405020304" pitchFamily="18" charset="0"/>
               </a:rPr>
               <a:t>    "media/</a:t>
             </a:r>
             <a:r>
-              <a:rPr lang="en-US" sz="2400" dirty="0" err="1">
+              <a:rPr lang="en-US" sz="1600" dirty="0" err="1">
+                <a:solidFill>
+                  <a:schemeClr val="tx1"/>
+                </a:solidFill>
                 <a:latin typeface="Consolas" panose="020B0609020204030204" pitchFamily="49" charset="0"/>
+                <a:ea typeface="Times New Roman" panose="02020603050405020304" pitchFamily="18" charset="0"/>
                 <a:cs typeface="Times New Roman" panose="02020603050405020304" pitchFamily="18" charset="0"/>
               </a:rPr>
               <a:t>negy</a:t>
             </a:r>
             <a:r>
-              <a:rPr lang="hu-HU" sz="2400" dirty="0">
+              <a:rPr lang="hu-HU" sz="1600" dirty="0">
+                <a:solidFill>
+                  <a:schemeClr val="tx1"/>
+                </a:solidFill>
                 <a:latin typeface="Consolas" panose="020B0609020204030204" pitchFamily="49" charset="0"/>
+                <a:ea typeface="Times New Roman" panose="02020603050405020304" pitchFamily="18" charset="0"/>
                 <a:cs typeface="Times New Roman" panose="02020603050405020304" pitchFamily="18" charset="0"/>
               </a:rPr>
               <a:t>512</a:t>
             </a:r>
             <a:r>
-              <a:rPr lang="en-US" sz="2400" dirty="0">
+              <a:rPr lang="en-US" sz="1600" dirty="0">
+                <a:solidFill>
+                  <a:schemeClr val="tx1"/>
+                </a:solidFill>
                 <a:latin typeface="Consolas" panose="020B0609020204030204" pitchFamily="49" charset="0"/>
+                <a:ea typeface="Times New Roman" panose="02020603050405020304" pitchFamily="18" charset="0"/>
                 <a:cs typeface="Times New Roman" panose="02020603050405020304" pitchFamily="18" charset="0"/>
               </a:rPr>
               <a:t>.jpg",</a:t>
@@ -6741,49 +6902,47 @@
               <a:lnSpc>
                 <a:spcPct val="107000"/>
               </a:lnSpc>
-              <a:tabLst>
-                <a:tab pos="581660" algn="l"/>
-                <a:tab pos="1163320" algn="l"/>
-                <a:tab pos="1744980" algn="l"/>
-                <a:tab pos="2326640" algn="l"/>
-                <a:tab pos="2908300" algn="l"/>
-                <a:tab pos="3489960" algn="l"/>
-                <a:tab pos="4071620" algn="l"/>
-                <a:tab pos="4653280" algn="l"/>
-                <a:tab pos="5234940" algn="l"/>
-                <a:tab pos="5816600" algn="l"/>
-                <a:tab pos="6398260" algn="l"/>
-                <a:tab pos="6979920" algn="l"/>
-                <a:tab pos="7561580" algn="l"/>
-                <a:tab pos="8143240" algn="l"/>
-                <a:tab pos="8724900" algn="l"/>
-                <a:tab pos="9306560" algn="l"/>
-              </a:tabLst>
             </a:pPr>
             <a:r>
-              <a:rPr lang="en-US" sz="2400" dirty="0">
+              <a:rPr lang="en-US" sz="1600" dirty="0">
+                <a:solidFill>
+                  <a:schemeClr val="tx1"/>
+                </a:solidFill>
                 <a:latin typeface="Consolas" panose="020B0609020204030204" pitchFamily="49" charset="0"/>
+                <a:ea typeface="Times New Roman" panose="02020603050405020304" pitchFamily="18" charset="0"/>
                 <a:cs typeface="Times New Roman" panose="02020603050405020304" pitchFamily="18" charset="0"/>
               </a:rPr>
               <a:t>    "media/</a:t>
             </a:r>
             <a:r>
-              <a:rPr lang="en-US" sz="2400" dirty="0" err="1">
+              <a:rPr lang="en-US" sz="1600" dirty="0" err="1">
+                <a:solidFill>
+                  <a:schemeClr val="tx1"/>
+                </a:solidFill>
                 <a:latin typeface="Consolas" panose="020B0609020204030204" pitchFamily="49" charset="0"/>
+                <a:ea typeface="Times New Roman" panose="02020603050405020304" pitchFamily="18" charset="0"/>
                 <a:cs typeface="Times New Roman" panose="02020603050405020304" pitchFamily="18" charset="0"/>
               </a:rPr>
               <a:t>posz</a:t>
             </a:r>
             <a:r>
-              <a:rPr lang="hu-HU" sz="2400" dirty="0">
+              <a:rPr lang="hu-HU" sz="1600" dirty="0">
+                <a:solidFill>
+                  <a:schemeClr val="tx1"/>
+                </a:solidFill>
                 <a:latin typeface="Consolas" panose="020B0609020204030204" pitchFamily="49" charset="0"/>
+                <a:ea typeface="Times New Roman" panose="02020603050405020304" pitchFamily="18" charset="0"/>
                 <a:cs typeface="Times New Roman" panose="02020603050405020304" pitchFamily="18" charset="0"/>
               </a:rPr>
               <a:t>512</a:t>
             </a:r>
             <a:r>
-              <a:rPr lang="en-US" sz="2400" dirty="0">
+              <a:rPr lang="en-US" sz="1600" dirty="0">
+                <a:solidFill>
+                  <a:schemeClr val="tx1"/>
+                </a:solidFill>
                 <a:latin typeface="Consolas" panose="020B0609020204030204" pitchFamily="49" charset="0"/>
+                <a:ea typeface="Times New Roman" panose="02020603050405020304" pitchFamily="18" charset="0"/>
                 <a:cs typeface="Times New Roman" panose="02020603050405020304" pitchFamily="18" charset="0"/>
               </a:rPr>
               <a:t>.jpg",</a:t>
@@ -6794,52 +6953,50 @@
               <a:lnSpc>
                 <a:spcPct val="107000"/>
               </a:lnSpc>
-              <a:tabLst>
-                <a:tab pos="581660" algn="l"/>
-                <a:tab pos="1163320" algn="l"/>
-                <a:tab pos="1744980" algn="l"/>
-                <a:tab pos="2326640" algn="l"/>
-                <a:tab pos="2908300" algn="l"/>
-                <a:tab pos="3489960" algn="l"/>
-                <a:tab pos="4071620" algn="l"/>
-                <a:tab pos="4653280" algn="l"/>
-                <a:tab pos="5234940" algn="l"/>
-                <a:tab pos="5816600" algn="l"/>
-                <a:tab pos="6398260" algn="l"/>
-                <a:tab pos="6979920" algn="l"/>
-                <a:tab pos="7561580" algn="l"/>
-                <a:tab pos="8143240" algn="l"/>
-                <a:tab pos="8724900" algn="l"/>
-                <a:tab pos="9306560" algn="l"/>
-              </a:tabLst>
             </a:pPr>
             <a:r>
-              <a:rPr lang="en-US" sz="2400" dirty="0">
+              <a:rPr lang="en-US" sz="1600" dirty="0">
+                <a:solidFill>
+                  <a:schemeClr val="tx1"/>
+                </a:solidFill>
                 <a:latin typeface="Consolas" panose="020B0609020204030204" pitchFamily="49" charset="0"/>
+                <a:ea typeface="Times New Roman" panose="02020603050405020304" pitchFamily="18" charset="0"/>
                 <a:cs typeface="Times New Roman" panose="02020603050405020304" pitchFamily="18" charset="0"/>
               </a:rPr>
               <a:t>    "media/</a:t>
             </a:r>
             <a:r>
-              <a:rPr lang="en-US" sz="2400" dirty="0" err="1">
+              <a:rPr lang="en-US" sz="1600" dirty="0" err="1">
+                <a:solidFill>
+                  <a:schemeClr val="tx1"/>
+                </a:solidFill>
                 <a:latin typeface="Consolas" panose="020B0609020204030204" pitchFamily="49" charset="0"/>
+                <a:ea typeface="Times New Roman" panose="02020603050405020304" pitchFamily="18" charset="0"/>
                 <a:cs typeface="Times New Roman" panose="02020603050405020304" pitchFamily="18" charset="0"/>
               </a:rPr>
               <a:t>negz</a:t>
             </a:r>
             <a:r>
-              <a:rPr lang="hu-HU" sz="2400" dirty="0">
+              <a:rPr lang="hu-HU" sz="1600" dirty="0">
+                <a:solidFill>
+                  <a:schemeClr val="tx1"/>
+                </a:solidFill>
                 <a:latin typeface="Consolas" panose="020B0609020204030204" pitchFamily="49" charset="0"/>
+                <a:ea typeface="Times New Roman" panose="02020603050405020304" pitchFamily="18" charset="0"/>
                 <a:cs typeface="Times New Roman" panose="02020603050405020304" pitchFamily="18" charset="0"/>
               </a:rPr>
               <a:t>512</a:t>
             </a:r>
             <a:r>
-              <a:rPr lang="en-US" sz="2400" dirty="0">
+              <a:rPr lang="en-US" sz="1600" dirty="0">
+                <a:solidFill>
+                  <a:schemeClr val="tx1"/>
+                </a:solidFill>
                 <a:latin typeface="Consolas" panose="020B0609020204030204" pitchFamily="49" charset="0"/>
-                <a:cs typeface="Times New Roman" panose="02020603050405020304" pitchFamily="18" charset="0"/>
-              </a:rPr>
-              <a:t>.jpg"</a:t>
+                <a:ea typeface="Times New Roman" panose="02020603050405020304" pitchFamily="18" charset="0"/>
+                <a:cs typeface="Times New Roman" panose="02020603050405020304" pitchFamily="18" charset="0"/>
+              </a:rPr>
+              <a:t>.jpg",]</a:t>
             </a:r>
           </a:p>
           <a:p>
@@ -6847,43 +7004,18 @@
               <a:lnSpc>
                 <a:spcPct val="107000"/>
               </a:lnSpc>
-              <a:tabLst>
-                <a:tab pos="581660" algn="l"/>
-                <a:tab pos="1163320" algn="l"/>
-                <a:tab pos="1744980" algn="l"/>
-                <a:tab pos="2326640" algn="l"/>
-                <a:tab pos="2908300" algn="l"/>
-                <a:tab pos="3489960" algn="l"/>
-                <a:tab pos="4071620" algn="l"/>
-                <a:tab pos="4653280" algn="l"/>
-                <a:tab pos="5234940" algn="l"/>
-                <a:tab pos="5816600" algn="l"/>
-                <a:tab pos="6398260" algn="l"/>
-                <a:tab pos="6979920" algn="l"/>
-                <a:tab pos="7561580" algn="l"/>
-                <a:tab pos="8143240" algn="l"/>
-                <a:tab pos="8724900" algn="l"/>
-                <a:tab pos="9306560" algn="l"/>
-              </a:tabLst>
             </a:pPr>
             <a:r>
-              <a:rPr lang="en-US" sz="2400" dirty="0">
+              <a:rPr lang="en-US" sz="1600" dirty="0">
+                <a:solidFill>
+                  <a:schemeClr val="tx1"/>
+                </a:solidFill>
                 <a:latin typeface="Consolas" panose="020B0609020204030204" pitchFamily="49" charset="0"/>
-                <a:cs typeface="Times New Roman" panose="02020603050405020304" pitchFamily="18" charset="0"/>
-              </a:rPr>
-              <a:t>    </a:t>
-            </a:r>
-            <a:r>
-              <a:rPr lang="hu-HU" sz="2400" dirty="0">
-                <a:latin typeface="Consolas" panose="020B0609020204030204" pitchFamily="49" charset="0"/>
-                <a:cs typeface="Times New Roman" panose="02020603050405020304" pitchFamily="18" charset="0"/>
-              </a:rPr>
-              <a:t>)</a:t>
-            </a:r>
-            <a:endParaRPr lang="en-US" sz="2400" dirty="0">
-              <a:latin typeface="Consolas" panose="020B0609020204030204" pitchFamily="49" charset="0"/>
-              <a:cs typeface="Times New Roman" panose="02020603050405020304" pitchFamily="18" charset="0"/>
-            </a:endParaRPr>
+                <a:ea typeface="Times New Roman" panose="02020603050405020304" pitchFamily="18" charset="0"/>
+                <a:cs typeface="Times New Roman" panose="02020603050405020304" pitchFamily="18" charset="0"/>
+              </a:rPr>
+              <a:t>    );</a:t>
+            </a:r>
           </a:p>
         </p:txBody>
       </p:sp>
@@ -6896,116 +7028,86 @@
         <p:spPr>
           <a:xfrm>
             <a:off x="3747407" y="5445579"/>
-            <a:ext cx="7223269" cy="685801"/>
+            <a:ext cx="7223269" cy="1067989"/>
           </a:xfrm>
           <a:prstGeom prst="rect">
             <a:avLst/>
           </a:prstGeom>
           <a:solidFill>
-            <a:schemeClr val="accent4">
+            <a:schemeClr val="accent1">
               <a:lumMod val="20000"/>
               <a:lumOff val="80000"/>
             </a:schemeClr>
           </a:solidFill>
-          <a:ln>
-            <a:solidFill>
-              <a:schemeClr val="accent4">
-                <a:lumMod val="50000"/>
-              </a:schemeClr>
-            </a:solidFill>
-          </a:ln>
         </p:spPr>
-        <p:txBody>
-          <a:bodyPr vert="horz" lIns="91440" tIns="45720" rIns="91440" bIns="45720" rtlCol="0">
-            <a:normAutofit/>
-          </a:bodyPr>
+        <p:style>
+          <a:lnRef idx="2">
+            <a:schemeClr val="accent1">
+              <a:shade val="50000"/>
+            </a:schemeClr>
+          </a:lnRef>
+          <a:fillRef idx="1">
+            <a:schemeClr val="accent1"/>
+          </a:fillRef>
+          <a:effectRef idx="0">
+            <a:schemeClr val="accent1"/>
+          </a:effectRef>
+          <a:fontRef idx="minor">
+            <a:schemeClr val="lt1"/>
+          </a:fontRef>
+        </p:style>
+        <p:txBody>
+          <a:bodyPr rtlCol="0" anchor="ctr"/>
           <a:lstStyle/>
           <a:p>
             <a:pPr>
               <a:lnSpc>
                 <a:spcPct val="107000"/>
               </a:lnSpc>
-              <a:tabLst>
-                <a:tab pos="581660" algn="l"/>
-                <a:tab pos="1163320" algn="l"/>
-                <a:tab pos="1744980" algn="l"/>
-                <a:tab pos="2326640" algn="l"/>
-                <a:tab pos="2908300" algn="l"/>
-                <a:tab pos="3489960" algn="l"/>
-                <a:tab pos="4071620" algn="l"/>
-                <a:tab pos="4653280" algn="l"/>
-                <a:tab pos="5234940" algn="l"/>
-                <a:tab pos="5816600" algn="l"/>
-                <a:tab pos="6398260" algn="l"/>
-                <a:tab pos="6979920" algn="l"/>
-                <a:tab pos="7561580" algn="l"/>
-                <a:tab pos="8143240" algn="l"/>
-                <a:tab pos="8724900" algn="l"/>
-                <a:tab pos="9306560" algn="l"/>
-              </a:tabLst>
             </a:pPr>
             <a:r>
-              <a:rPr lang="en-US" sz="2000" dirty="0" err="1">
+              <a:rPr lang="en-US" sz="1600" dirty="0" err="1">
+                <a:solidFill>
+                  <a:schemeClr val="tx1"/>
+                </a:solidFill>
                 <a:latin typeface="Consolas" panose="020B0609020204030204" pitchFamily="49" charset="0"/>
-                <a:cs typeface="Times New Roman" panose="02020603050405020304" pitchFamily="18" charset="0"/>
-              </a:rPr>
-              <a:t>backgroundMaterial</a:t>
-            </a:r>
-            <a:r>
-              <a:rPr lang="en-US" sz="2000" dirty="0">
+                <a:ea typeface="Times New Roman" panose="02020603050405020304" pitchFamily="18" charset="0"/>
+                <a:cs typeface="Times New Roman" panose="02020603050405020304" pitchFamily="18" charset="0"/>
+              </a:rPr>
+              <a:t>this.backgroundMaterial.envTexture</a:t>
+            </a:r>
+            <a:r>
+              <a:rPr lang="hu-HU" sz="1600" dirty="0">
+                <a:solidFill>
+                  <a:schemeClr val="tx1"/>
+                </a:solidFill>
                 <a:latin typeface="Consolas" panose="020B0609020204030204" pitchFamily="49" charset="0"/>
-                <a:cs typeface="Times New Roman" panose="02020603050405020304" pitchFamily="18" charset="0"/>
-              </a:rPr>
-              <a:t>["</a:t>
-            </a:r>
-            <a:r>
-              <a:rPr lang="en-US" sz="2000" dirty="0" err="1">
+                <a:ea typeface="Times New Roman" panose="02020603050405020304" pitchFamily="18" charset="0"/>
+                <a:cs typeface="Times New Roman" panose="02020603050405020304" pitchFamily="18" charset="0"/>
+              </a:rPr>
+              <a:t>.set(</a:t>
+            </a:r>
+            <a:r>
+              <a:rPr lang="en-US" sz="1600" dirty="0" err="1">
+                <a:solidFill>
+                  <a:schemeClr val="tx1"/>
+                </a:solidFill>
                 <a:latin typeface="Consolas" panose="020B0609020204030204" pitchFamily="49" charset="0"/>
-                <a:cs typeface="Times New Roman" panose="02020603050405020304" pitchFamily="18" charset="0"/>
-              </a:rPr>
-              <a:t>envTexture</a:t>
-            </a:r>
-            <a:r>
-              <a:rPr lang="en-US" sz="2000" dirty="0">
+                <a:ea typeface="Times New Roman" panose="02020603050405020304" pitchFamily="18" charset="0"/>
+                <a:cs typeface="Times New Roman" panose="02020603050405020304" pitchFamily="18" charset="0"/>
+              </a:rPr>
+              <a:t>this.envTexture</a:t>
+            </a:r>
+            <a:r>
+              <a:rPr lang="en-US" sz="1600" dirty="0">
+                <a:solidFill>
+                  <a:schemeClr val="tx1"/>
+                </a:solidFill>
                 <a:latin typeface="Consolas" panose="020B0609020204030204" pitchFamily="49" charset="0"/>
-                <a:cs typeface="Times New Roman" panose="02020603050405020304" pitchFamily="18" charset="0"/>
-              </a:rPr>
-              <a:t>"]?</a:t>
-            </a:r>
-            <a:r>
-              <a:rPr lang="hu-HU" sz="2000" dirty="0">
-                <a:latin typeface="Consolas" panose="020B0609020204030204" pitchFamily="49" charset="0"/>
-                <a:cs typeface="Times New Roman" panose="02020603050405020304" pitchFamily="18" charset="0"/>
-              </a:rPr>
-              <a:t>.</a:t>
-            </a:r>
-            <a:r>
-              <a:rPr lang="hu-HU" sz="2000" dirty="0" err="1">
-                <a:latin typeface="Consolas" panose="020B0609020204030204" pitchFamily="49" charset="0"/>
-                <a:cs typeface="Times New Roman" panose="02020603050405020304" pitchFamily="18" charset="0"/>
-              </a:rPr>
-              <a:t>set</a:t>
-            </a:r>
-            <a:r>
-              <a:rPr lang="hu-HU" sz="2000" dirty="0">
-                <a:latin typeface="Consolas" panose="020B0609020204030204" pitchFamily="49" charset="0"/>
-                <a:cs typeface="Times New Roman" panose="02020603050405020304" pitchFamily="18" charset="0"/>
-              </a:rPr>
-              <a:t>(</a:t>
-            </a:r>
-            <a:r>
-              <a:rPr lang="en-US" sz="2000" dirty="0" err="1">
-                <a:latin typeface="Consolas" panose="020B0609020204030204" pitchFamily="49" charset="0"/>
-                <a:cs typeface="Times New Roman" panose="02020603050405020304" pitchFamily="18" charset="0"/>
-              </a:rPr>
-              <a:t>envTexture</a:t>
-            </a:r>
-            <a:r>
-              <a:rPr lang="en-US" sz="2000" dirty="0">
-                <a:latin typeface="Consolas" panose="020B0609020204030204" pitchFamily="49" charset="0"/>
-                <a:cs typeface="Times New Roman" panose="02020603050405020304" pitchFamily="18" charset="0"/>
-              </a:rPr>
-              <a:t>)</a:t>
+                <a:ea typeface="Times New Roman" panose="02020603050405020304" pitchFamily="18" charset="0"/>
+                <a:cs typeface="Times New Roman" panose="02020603050405020304" pitchFamily="18" charset="0"/>
+              </a:rPr>
+              <a:t>);</a:t>
             </a:r>
           </a:p>
         </p:txBody>
@@ -7033,7 +7135,7 @@
           <a:lstStyle/>
           <a:p>
             <a:r>
-              <a:rPr lang="en-US" sz="20000" dirty="0">
+              <a:rPr lang="en-US" sz="20000" dirty="0" smtClean="0">
                 <a:solidFill>
                   <a:srgbClr val="00B050"/>
                 </a:solidFill>
@@ -7041,6 +7143,12 @@
               </a:rPr>
               <a:t>.</a:t>
             </a:r>
+            <a:endParaRPr lang="en-US" sz="20000" dirty="0">
+              <a:solidFill>
+                <a:srgbClr val="00B050"/>
+              </a:solidFill>
+              <a:latin typeface="Whipsmart" panose="020B0502030203050204" pitchFamily="34" charset="0"/>
+            </a:endParaRPr>
           </a:p>
         </p:txBody>
       </p:sp>
@@ -7054,6 +7162,13 @@
   <p:clrMapOvr>
     <a:masterClrMapping/>
   </p:clrMapOvr>
+  <p:timing>
+    <p:tnLst>
+      <p:par>
+        <p:cTn id="1" dur="indefinite" restart="never" nodeType="tmRoot"/>
+      </p:par>
+    </p:tnLst>
+  </p:timing>
 </p:sld>
 </file>
 
@@ -7086,57 +7201,62 @@
         </p:nvSpPr>
         <p:spPr/>
         <p:txBody>
-          <a:bodyPr>
-            <a:noAutofit/>
+          <a:bodyPr vert="horz" lIns="91440" tIns="45720" rIns="91440" bIns="45720" rtlCol="0" anchor="ctr">
+            <a:normAutofit/>
           </a:bodyPr>
           <a:lstStyle/>
           <a:p>
             <a:r>
-              <a:rPr lang="en-US" sz="3200" dirty="0" err="1">
-                <a:latin typeface="Consolas" panose="020B0609020204030204" pitchFamily="49" charset="0"/>
-                <a:cs typeface="Consolas" panose="020B0609020204030204" pitchFamily="49" charset="0"/>
-              </a:rPr>
-              <a:t>TextureCube</a:t>
-            </a:r>
-            <a:r>
-              <a:rPr lang="hu-HU" sz="3200" dirty="0">
-                <a:latin typeface="Consolas" panose="020B0609020204030204" pitchFamily="49" charset="0"/>
-                <a:cs typeface="Consolas" panose="020B0609020204030204" pitchFamily="49" charset="0"/>
-              </a:rPr>
-              <a:t>.</a:t>
-            </a:r>
-            <a:r>
-              <a:rPr lang="hu-HU" sz="3200" dirty="0" err="1">
-                <a:latin typeface="Consolas" panose="020B0609020204030204" pitchFamily="49" charset="0"/>
-                <a:cs typeface="Consolas" panose="020B0609020204030204" pitchFamily="49" charset="0"/>
-              </a:rPr>
-              <a:t>kt</a:t>
-            </a:r>
-            <a:r>
-              <a:rPr lang="en-US" sz="3200" dirty="0">
-                <a:cs typeface="Consolas" panose="020B0609020204030204" pitchFamily="49" charset="0"/>
-              </a:rPr>
-              <a:t> – similar to </a:t>
-            </a:r>
-            <a:r>
-              <a:rPr lang="en-US" sz="3200" dirty="0">
-                <a:latin typeface="Consolas" panose="020B0609020204030204" pitchFamily="49" charset="0"/>
-                <a:cs typeface="Consolas" panose="020B0609020204030204" pitchFamily="49" charset="0"/>
-              </a:rPr>
-              <a:t>Texture2D</a:t>
-            </a:r>
-          </a:p>
-        </p:txBody>
-      </p:sp>
-      <p:sp>
-        <p:nvSpPr>
-          <p:cNvPr id="4" name="Content Placeholder 3">
-            <a:extLst>
-              <a:ext uri="{FF2B5EF4-FFF2-40B4-BE49-F238E27FC236}">
-                <a16:creationId xmlns:a16="http://schemas.microsoft.com/office/drawing/2014/main" id="{7BA7820A-0B1B-4715-8FC8-B805517B8191}"/>
-              </a:ext>
-            </a:extLst>
-          </p:cNvPr>
+              <a:rPr lang="hu-HU" dirty="0" err="1">
+                <a:solidFill>
+                  <a:srgbClr val="FF0000"/>
+                </a:solidFill>
+              </a:rPr>
+              <a:t>TextureCube.js</a:t>
+            </a:r>
+            <a:r>
+              <a:rPr lang="hu-HU" dirty="0">
+                <a:solidFill>
+                  <a:srgbClr val="FF0000"/>
+                </a:solidFill>
+              </a:rPr>
+              <a:t> – </a:t>
+            </a:r>
+            <a:r>
+              <a:rPr lang="hu-HU" dirty="0" err="1">
+                <a:solidFill>
+                  <a:srgbClr val="FF0000"/>
+                </a:solidFill>
+              </a:rPr>
+              <a:t>loading</a:t>
+            </a:r>
+            <a:r>
+              <a:rPr lang="hu-HU" dirty="0">
+                <a:solidFill>
+                  <a:srgbClr val="FF0000"/>
+                </a:solidFill>
+              </a:rPr>
+              <a:t> </a:t>
+            </a:r>
+            <a:r>
+              <a:rPr lang="hu-HU" dirty="0" err="1">
+                <a:solidFill>
+                  <a:srgbClr val="FF0000"/>
+                </a:solidFill>
+              </a:rPr>
+              <a:t>images</a:t>
+            </a:r>
+            <a:endParaRPr lang="en-US" dirty="0">
+              <a:solidFill>
+                <a:srgbClr val="FF0000"/>
+              </a:solidFill>
+            </a:endParaRPr>
+          </a:p>
+        </p:txBody>
+      </p:sp>
+      <p:sp>
+        <p:nvSpPr>
+          <p:cNvPr id="4" name="Content Placeholder 3"/>
           <p:cNvSpPr>
             <a:spLocks noGrp="1"/>
           </p:cNvSpPr>
@@ -7144,888 +7264,685 @@
             <p:ph idx="1"/>
           </p:nvPr>
         </p:nvSpPr>
-        <p:spPr/>
-        <p:txBody>
-          <a:bodyPr/>
+        <p:spPr>
+          <a:solidFill>
+            <a:schemeClr val="accent1">
+              <a:lumMod val="20000"/>
+              <a:lumOff val="80000"/>
+            </a:schemeClr>
+          </a:solidFill>
+        </p:spPr>
+        <p:style>
+          <a:lnRef idx="2">
+            <a:schemeClr val="accent1">
+              <a:shade val="50000"/>
+            </a:schemeClr>
+          </a:lnRef>
+          <a:fillRef idx="1">
+            <a:schemeClr val="accent1"/>
+          </a:fillRef>
+          <a:effectRef idx="0">
+            <a:schemeClr val="accent1"/>
+          </a:effectRef>
+          <a:fontRef idx="minor">
+            <a:schemeClr val="lt1"/>
+          </a:fontRef>
+        </p:style>
+        <p:txBody>
+          <a:bodyPr rtlCol="0" anchor="ctr">
+            <a:noAutofit/>
+          </a:bodyPr>
           <a:lstStyle/>
           <a:p>
             <a:pPr>
               <a:lnSpc>
                 <a:spcPct val="107000"/>
               </a:lnSpc>
-              <a:tabLst>
-                <a:tab pos="581660" algn="l"/>
-                <a:tab pos="1163320" algn="l"/>
-                <a:tab pos="1744980" algn="l"/>
-                <a:tab pos="2326640" algn="l"/>
-                <a:tab pos="2908300" algn="l"/>
-                <a:tab pos="3489960" algn="l"/>
-                <a:tab pos="4071620" algn="l"/>
-                <a:tab pos="4653280" algn="l"/>
-                <a:tab pos="5234940" algn="l"/>
-                <a:tab pos="5816600" algn="l"/>
-                <a:tab pos="6398260" algn="l"/>
-                <a:tab pos="6979920" algn="l"/>
-                <a:tab pos="7561580" algn="l"/>
-                <a:tab pos="8143240" algn="l"/>
-                <a:tab pos="8724900" algn="l"/>
-                <a:tab pos="9306560" algn="l"/>
-              </a:tabLst>
             </a:pPr>
             <a:r>
-              <a:rPr lang="en-US" sz="2400" dirty="0">
-                <a:solidFill>
-                  <a:srgbClr val="C70040"/>
-                </a:solidFill>
-                <a:latin typeface="Consolas" panose="020B0609020204030204" pitchFamily="49" charset="0"/>
-                <a:ea typeface="Times New Roman" panose="02020603050405020304" pitchFamily="18" charset="0"/>
-                <a:cs typeface="Times New Roman" panose="02020603050405020304" pitchFamily="18" charset="0"/>
-              </a:rPr>
-              <a:t>import </a:t>
-            </a:r>
-            <a:r>
-              <a:rPr lang="en-US" sz="2400" dirty="0" err="1">
-                <a:solidFill>
-                  <a:srgbClr val="000000"/>
-                </a:solidFill>
-                <a:latin typeface="Consolas" panose="020B0609020204030204" pitchFamily="49" charset="0"/>
-                <a:ea typeface="Times New Roman" panose="02020603050405020304" pitchFamily="18" charset="0"/>
-                <a:cs typeface="Times New Roman" panose="02020603050405020304" pitchFamily="18" charset="0"/>
-              </a:rPr>
-              <a:t>org.khronos.webgl.WebGLRenderingContext</a:t>
-            </a:r>
-            <a:r>
-              <a:rPr lang="en-US" sz="2400" dirty="0">
-                <a:solidFill>
-                  <a:srgbClr val="000000"/>
-                </a:solidFill>
-                <a:latin typeface="Consolas" panose="020B0609020204030204" pitchFamily="49" charset="0"/>
-                <a:ea typeface="Times New Roman" panose="02020603050405020304" pitchFamily="18" charset="0"/>
-                <a:cs typeface="Times New Roman" panose="02020603050405020304" pitchFamily="18" charset="0"/>
-              </a:rPr>
-              <a:t> </a:t>
-            </a:r>
-            <a:r>
-              <a:rPr lang="en-US" sz="2400" dirty="0">
-                <a:solidFill>
-                  <a:srgbClr val="C70040"/>
-                </a:solidFill>
-                <a:latin typeface="Consolas" panose="020B0609020204030204" pitchFamily="49" charset="0"/>
-                <a:ea typeface="Times New Roman" panose="02020603050405020304" pitchFamily="18" charset="0"/>
-                <a:cs typeface="Times New Roman" panose="02020603050405020304" pitchFamily="18" charset="0"/>
-              </a:rPr>
-              <a:t>as </a:t>
-            </a:r>
-            <a:r>
-              <a:rPr lang="en-US" sz="2400" dirty="0">
-                <a:solidFill>
-                  <a:srgbClr val="7C4FCD"/>
-                </a:solidFill>
-                <a:latin typeface="Consolas" panose="020B0609020204030204" pitchFamily="49" charset="0"/>
-                <a:ea typeface="Times New Roman" panose="02020603050405020304" pitchFamily="18" charset="0"/>
-                <a:cs typeface="Times New Roman" panose="02020603050405020304" pitchFamily="18" charset="0"/>
-              </a:rPr>
-              <a:t>GL</a:t>
-            </a:r>
-            <a:endParaRPr lang="en-US" sz="2400" dirty="0">
-              <a:latin typeface="Calibri" panose="020F0502020204030204" pitchFamily="34" charset="0"/>
-              <a:ea typeface="Calibri" panose="020F0502020204030204" pitchFamily="34" charset="0"/>
-              <a:cs typeface="Times New Roman" panose="02020603050405020304" pitchFamily="18" charset="0"/>
-            </a:endParaRPr>
+              <a:rPr lang="hu-HU" sz="1800" dirty="0">
+                <a:solidFill>
+                  <a:srgbClr val="8F8634"/>
+                </a:solidFill>
+                <a:ea typeface="Times New Roman" panose="02020603050405020304" pitchFamily="18" charset="0"/>
+                <a:cs typeface="Times New Roman" panose="02020603050405020304" pitchFamily="18" charset="0"/>
+              </a:rPr>
+              <a:t>"use strict";</a:t>
+            </a:r>
           </a:p>
           <a:p>
             <a:pPr>
               <a:lnSpc>
                 <a:spcPct val="107000"/>
               </a:lnSpc>
-              <a:tabLst>
-                <a:tab pos="581660" algn="l"/>
-                <a:tab pos="1163320" algn="l"/>
-                <a:tab pos="1744980" algn="l"/>
-                <a:tab pos="2326640" algn="l"/>
-                <a:tab pos="2908300" algn="l"/>
-                <a:tab pos="3489960" algn="l"/>
-                <a:tab pos="4071620" algn="l"/>
-                <a:tab pos="4653280" algn="l"/>
-                <a:tab pos="5234940" algn="l"/>
-                <a:tab pos="5816600" algn="l"/>
-                <a:tab pos="6398260" algn="l"/>
-                <a:tab pos="6979920" algn="l"/>
-                <a:tab pos="7561580" algn="l"/>
-                <a:tab pos="8143240" algn="l"/>
-                <a:tab pos="8724900" algn="l"/>
-                <a:tab pos="9306560" algn="l"/>
-              </a:tabLst>
             </a:pPr>
             <a:r>
-              <a:rPr lang="en-US" sz="2400" dirty="0">
-                <a:solidFill>
-                  <a:srgbClr val="C70040"/>
-                </a:solidFill>
-                <a:latin typeface="Consolas" panose="020B0609020204030204" pitchFamily="49" charset="0"/>
-                <a:ea typeface="Times New Roman" panose="02020603050405020304" pitchFamily="18" charset="0"/>
-                <a:cs typeface="Times New Roman" panose="02020603050405020304" pitchFamily="18" charset="0"/>
-              </a:rPr>
-              <a:t>import </a:t>
-            </a:r>
-            <a:r>
-              <a:rPr lang="en-US" sz="2400" dirty="0" err="1">
-                <a:solidFill>
-                  <a:srgbClr val="000000"/>
-                </a:solidFill>
-                <a:latin typeface="Consolas" panose="020B0609020204030204" pitchFamily="49" charset="0"/>
-                <a:ea typeface="Times New Roman" panose="02020603050405020304" pitchFamily="18" charset="0"/>
-                <a:cs typeface="Times New Roman" panose="02020603050405020304" pitchFamily="18" charset="0"/>
-              </a:rPr>
-              <a:t>org.khronos.webgl.WebGLTexture</a:t>
-            </a:r>
-            <a:endParaRPr lang="en-US" sz="2400" dirty="0">
-              <a:latin typeface="Calibri" panose="020F0502020204030204" pitchFamily="34" charset="0"/>
-              <a:ea typeface="Calibri" panose="020F0502020204030204" pitchFamily="34" charset="0"/>
-              <a:cs typeface="Times New Roman" panose="02020603050405020304" pitchFamily="18" charset="0"/>
-            </a:endParaRPr>
+              <a:rPr lang="hu-HU" sz="1800" dirty="0">
+                <a:solidFill>
+                  <a:srgbClr val="00B050"/>
+                </a:solidFill>
+                <a:ea typeface="Times New Roman" panose="02020603050405020304" pitchFamily="18" charset="0"/>
+                <a:cs typeface="Times New Roman" panose="02020603050405020304" pitchFamily="18" charset="0"/>
+              </a:rPr>
+              <a:t>/* exports TextureCube */</a:t>
+            </a:r>
           </a:p>
           <a:p>
             <a:pPr>
               <a:lnSpc>
                 <a:spcPct val="107000"/>
               </a:lnSpc>
-              <a:tabLst>
-                <a:tab pos="581660" algn="l"/>
-                <a:tab pos="1163320" algn="l"/>
-                <a:tab pos="1744980" algn="l"/>
-                <a:tab pos="2326640" algn="l"/>
-                <a:tab pos="2908300" algn="l"/>
-                <a:tab pos="3489960" algn="l"/>
-                <a:tab pos="4071620" algn="l"/>
-                <a:tab pos="4653280" algn="l"/>
-                <a:tab pos="5234940" algn="l"/>
-                <a:tab pos="5816600" algn="l"/>
-                <a:tab pos="6398260" algn="l"/>
-                <a:tab pos="6979920" algn="l"/>
-                <a:tab pos="7561580" algn="l"/>
-                <a:tab pos="8143240" algn="l"/>
-                <a:tab pos="8724900" algn="l"/>
-                <a:tab pos="9306560" algn="l"/>
-              </a:tabLst>
             </a:pPr>
             <a:r>
-              <a:rPr lang="en-US" sz="2400" dirty="0">
-                <a:solidFill>
-                  <a:srgbClr val="C70040"/>
-                </a:solidFill>
-                <a:latin typeface="Consolas" panose="020B0609020204030204" pitchFamily="49" charset="0"/>
-                <a:ea typeface="Times New Roman" panose="02020603050405020304" pitchFamily="18" charset="0"/>
-                <a:cs typeface="Times New Roman" panose="02020603050405020304" pitchFamily="18" charset="0"/>
-              </a:rPr>
-              <a:t>import </a:t>
-            </a:r>
-            <a:r>
-              <a:rPr lang="en-US" sz="2400" dirty="0">
-                <a:solidFill>
-                  <a:srgbClr val="000000"/>
-                </a:solidFill>
-                <a:latin typeface="Consolas" panose="020B0609020204030204" pitchFamily="49" charset="0"/>
-                <a:ea typeface="Times New Roman" panose="02020603050405020304" pitchFamily="18" charset="0"/>
-                <a:cs typeface="Times New Roman" panose="02020603050405020304" pitchFamily="18" charset="0"/>
-              </a:rPr>
-              <a:t>org.w3c.dom.Image</a:t>
-            </a:r>
-            <a:endParaRPr lang="en-US" sz="2400" dirty="0">
-              <a:latin typeface="Calibri" panose="020F0502020204030204" pitchFamily="34" charset="0"/>
-              <a:ea typeface="Calibri" panose="020F0502020204030204" pitchFamily="34" charset="0"/>
-              <a:cs typeface="Times New Roman" panose="02020603050405020304" pitchFamily="18" charset="0"/>
-            </a:endParaRPr>
+              <a:rPr lang="hu-HU" sz="1800" i="1" dirty="0">
+                <a:solidFill>
+                  <a:srgbClr val="34A7BD"/>
+                </a:solidFill>
+                <a:ea typeface="Times New Roman" panose="02020603050405020304" pitchFamily="18" charset="0"/>
+                <a:cs typeface="Times New Roman" panose="02020603050405020304" pitchFamily="18" charset="0"/>
+              </a:rPr>
+              <a:t>class</a:t>
+            </a:r>
+            <a:r>
+              <a:rPr lang="hu-HU" sz="1800" dirty="0">
+                <a:solidFill>
+                  <a:schemeClr val="tx1"/>
+                </a:solidFill>
+                <a:ea typeface="Times New Roman" panose="02020603050405020304" pitchFamily="18" charset="0"/>
+                <a:cs typeface="Times New Roman" panose="02020603050405020304" pitchFamily="18" charset="0"/>
+              </a:rPr>
+              <a:t> </a:t>
+            </a:r>
+            <a:r>
+              <a:rPr lang="hu-HU" sz="1800" dirty="0">
+                <a:solidFill>
+                  <a:srgbClr val="427E00"/>
+                </a:solidFill>
+                <a:ea typeface="Times New Roman" panose="02020603050405020304" pitchFamily="18" charset="0"/>
+                <a:cs typeface="Times New Roman" panose="02020603050405020304" pitchFamily="18" charset="0"/>
+              </a:rPr>
+              <a:t>TextureCube</a:t>
+            </a:r>
+            <a:r>
+              <a:rPr lang="hu-HU" sz="1800" dirty="0">
+                <a:solidFill>
+                  <a:schemeClr val="tx1"/>
+                </a:solidFill>
+                <a:ea typeface="Times New Roman" panose="02020603050405020304" pitchFamily="18" charset="0"/>
+                <a:cs typeface="Times New Roman" panose="02020603050405020304" pitchFamily="18" charset="0"/>
+              </a:rPr>
+              <a:t> {</a:t>
+            </a:r>
           </a:p>
           <a:p>
             <a:pPr>
               <a:lnSpc>
                 <a:spcPct val="107000"/>
               </a:lnSpc>
-              <a:tabLst>
-                <a:tab pos="581660" algn="l"/>
-                <a:tab pos="1163320" algn="l"/>
-                <a:tab pos="1744980" algn="l"/>
-                <a:tab pos="2326640" algn="l"/>
-                <a:tab pos="2908300" algn="l"/>
-                <a:tab pos="3489960" algn="l"/>
-                <a:tab pos="4071620" algn="l"/>
-                <a:tab pos="4653280" algn="l"/>
-                <a:tab pos="5234940" algn="l"/>
-                <a:tab pos="5816600" algn="l"/>
-                <a:tab pos="6398260" algn="l"/>
-                <a:tab pos="6979920" algn="l"/>
-                <a:tab pos="7561580" algn="l"/>
-                <a:tab pos="8143240" algn="l"/>
-                <a:tab pos="8724900" algn="l"/>
-                <a:tab pos="9306560" algn="l"/>
-              </a:tabLst>
             </a:pPr>
             <a:r>
-              <a:rPr lang="en-US" sz="2400" dirty="0">
-                <a:solidFill>
-                  <a:srgbClr val="C70040"/>
-                </a:solidFill>
-                <a:latin typeface="Consolas" panose="020B0609020204030204" pitchFamily="49" charset="0"/>
-                <a:ea typeface="Times New Roman" panose="02020603050405020304" pitchFamily="18" charset="0"/>
-                <a:cs typeface="Times New Roman" panose="02020603050405020304" pitchFamily="18" charset="0"/>
-              </a:rPr>
-              <a:t>import </a:t>
-            </a:r>
-            <a:r>
-              <a:rPr lang="en-US" sz="2400" dirty="0">
-                <a:solidFill>
-                  <a:srgbClr val="000000"/>
-                </a:solidFill>
-                <a:latin typeface="Consolas" panose="020B0609020204030204" pitchFamily="49" charset="0"/>
-                <a:ea typeface="Times New Roman" panose="02020603050405020304" pitchFamily="18" charset="0"/>
-                <a:cs typeface="Times New Roman" panose="02020603050405020304" pitchFamily="18" charset="0"/>
-              </a:rPr>
-              <a:t>org.w3c.dom.events.Event</a:t>
-            </a:r>
-            <a:endParaRPr lang="en-US" sz="2400" dirty="0">
-              <a:latin typeface="Calibri" panose="020F0502020204030204" pitchFamily="34" charset="0"/>
-              <a:ea typeface="Calibri" panose="020F0502020204030204" pitchFamily="34" charset="0"/>
-              <a:cs typeface="Times New Roman" panose="02020603050405020304" pitchFamily="18" charset="0"/>
-            </a:endParaRPr>
+              <a:rPr lang="hu-HU" sz="1800" dirty="0">
+                <a:solidFill>
+                  <a:schemeClr val="tx1"/>
+                </a:solidFill>
+                <a:ea typeface="Times New Roman" panose="02020603050405020304" pitchFamily="18" charset="0"/>
+                <a:cs typeface="Times New Roman" panose="02020603050405020304" pitchFamily="18" charset="0"/>
+              </a:rPr>
+              <a:t>  </a:t>
+            </a:r>
+            <a:r>
+              <a:rPr lang="hu-HU" sz="1800" dirty="0">
+                <a:solidFill>
+                  <a:srgbClr val="427E00"/>
+                </a:solidFill>
+                <a:ea typeface="Times New Roman" panose="02020603050405020304" pitchFamily="18" charset="0"/>
+                <a:cs typeface="Times New Roman" panose="02020603050405020304" pitchFamily="18" charset="0"/>
+              </a:rPr>
+              <a:t>constructor</a:t>
+            </a:r>
+            <a:r>
+              <a:rPr lang="hu-HU" sz="1800" dirty="0">
+                <a:solidFill>
+                  <a:schemeClr val="tx1"/>
+                </a:solidFill>
+                <a:ea typeface="Times New Roman" panose="02020603050405020304" pitchFamily="18" charset="0"/>
+                <a:cs typeface="Times New Roman" panose="02020603050405020304" pitchFamily="18" charset="0"/>
+              </a:rPr>
+              <a:t>(</a:t>
+            </a:r>
+            <a:r>
+              <a:rPr lang="hu-HU" sz="1800" i="1" dirty="0">
+                <a:solidFill>
+                  <a:srgbClr val="CB6500"/>
+                </a:solidFill>
+                <a:ea typeface="Times New Roman" panose="02020603050405020304" pitchFamily="18" charset="0"/>
+                <a:cs typeface="Times New Roman" panose="02020603050405020304" pitchFamily="18" charset="0"/>
+              </a:rPr>
+              <a:t>gl</a:t>
+            </a:r>
+            <a:r>
+              <a:rPr lang="hu-HU" sz="1800" dirty="0">
+                <a:solidFill>
+                  <a:schemeClr val="tx1"/>
+                </a:solidFill>
+                <a:ea typeface="Times New Roman" panose="02020603050405020304" pitchFamily="18" charset="0"/>
+                <a:cs typeface="Times New Roman" panose="02020603050405020304" pitchFamily="18" charset="0"/>
+              </a:rPr>
+              <a:t>, </a:t>
+            </a:r>
+            <a:r>
+              <a:rPr lang="hu-HU" sz="1800" i="1" dirty="0">
+                <a:solidFill>
+                  <a:srgbClr val="CB6500"/>
+                </a:solidFill>
+                <a:ea typeface="Times New Roman" panose="02020603050405020304" pitchFamily="18" charset="0"/>
+                <a:cs typeface="Times New Roman" panose="02020603050405020304" pitchFamily="18" charset="0"/>
+              </a:rPr>
+              <a:t>mediaFileUrls</a:t>
+            </a:r>
+            <a:r>
+              <a:rPr lang="hu-HU" sz="1800" dirty="0">
+                <a:solidFill>
+                  <a:schemeClr val="tx1"/>
+                </a:solidFill>
+                <a:ea typeface="Times New Roman" panose="02020603050405020304" pitchFamily="18" charset="0"/>
+                <a:cs typeface="Times New Roman" panose="02020603050405020304" pitchFamily="18" charset="0"/>
+              </a:rPr>
+              <a:t>) {</a:t>
+            </a:r>
           </a:p>
           <a:p>
             <a:pPr>
               <a:lnSpc>
                 <a:spcPct val="107000"/>
               </a:lnSpc>
-              <a:tabLst>
-                <a:tab pos="581660" algn="l"/>
-                <a:tab pos="1163320" algn="l"/>
-                <a:tab pos="1744980" algn="l"/>
-                <a:tab pos="2326640" algn="l"/>
-                <a:tab pos="2908300" algn="l"/>
-                <a:tab pos="3489960" algn="l"/>
-                <a:tab pos="4071620" algn="l"/>
-                <a:tab pos="4653280" algn="l"/>
-                <a:tab pos="5234940" algn="l"/>
-                <a:tab pos="5816600" algn="l"/>
-                <a:tab pos="6398260" algn="l"/>
-                <a:tab pos="6979920" algn="l"/>
-                <a:tab pos="7561580" algn="l"/>
-                <a:tab pos="8143240" algn="l"/>
-                <a:tab pos="8724900" algn="l"/>
-                <a:tab pos="9306560" algn="l"/>
-              </a:tabLst>
             </a:pPr>
             <a:r>
-              <a:rPr lang="en-US" sz="2400" dirty="0">
+              <a:rPr lang="hu-HU" sz="1800" dirty="0">
+                <a:solidFill>
+                  <a:schemeClr val="tx1"/>
+                </a:solidFill>
+                <a:ea typeface="Times New Roman" panose="02020603050405020304" pitchFamily="18" charset="0"/>
+                <a:cs typeface="Times New Roman" panose="02020603050405020304" pitchFamily="18" charset="0"/>
+              </a:rPr>
+              <a:t>    gl.pendingResources[mediaFileUrls[0]] </a:t>
+            </a:r>
+            <a:r>
+              <a:rPr lang="hu-HU" sz="1800" dirty="0" smtClean="0">
                 <a:solidFill>
                   <a:srgbClr val="C70040"/>
                 </a:solidFill>
-                <a:latin typeface="Consolas" panose="020B0609020204030204" pitchFamily="49" charset="0"/>
-                <a:ea typeface="Times New Roman" panose="02020603050405020304" pitchFamily="18" charset="0"/>
-                <a:cs typeface="Times New Roman" panose="02020603050405020304" pitchFamily="18" charset="0"/>
-              </a:rPr>
-              <a:t>import </a:t>
-            </a:r>
-            <a:r>
-              <a:rPr lang="en-US" sz="2400" dirty="0" err="1">
-                <a:solidFill>
-                  <a:srgbClr val="000000"/>
-                </a:solidFill>
-                <a:latin typeface="Consolas" panose="020B0609020204030204" pitchFamily="49" charset="0"/>
-                <a:ea typeface="Times New Roman" panose="02020603050405020304" pitchFamily="18" charset="0"/>
-                <a:cs typeface="Times New Roman" panose="02020603050405020304" pitchFamily="18" charset="0"/>
-              </a:rPr>
-              <a:t>vision.gears.webglmath.Texture</a:t>
-            </a:r>
-            <a:endParaRPr lang="en-US" sz="2400" dirty="0">
-              <a:latin typeface="Calibri" panose="020F0502020204030204" pitchFamily="34" charset="0"/>
-              <a:ea typeface="Calibri" panose="020F0502020204030204" pitchFamily="34" charset="0"/>
-              <a:cs typeface="Times New Roman" panose="02020603050405020304" pitchFamily="18" charset="0"/>
-            </a:endParaRPr>
+                <a:ea typeface="Times New Roman" panose="02020603050405020304" pitchFamily="18" charset="0"/>
+                <a:cs typeface="Times New Roman" panose="02020603050405020304" pitchFamily="18" charset="0"/>
+              </a:rPr>
+              <a:t>=</a:t>
+            </a:r>
+            <a:r>
+              <a:rPr lang="en-US" sz="1800" dirty="0" smtClean="0">
+                <a:solidFill>
+                  <a:srgbClr val="C70040"/>
+                </a:solidFill>
+                <a:ea typeface="Times New Roman" panose="02020603050405020304" pitchFamily="18" charset="0"/>
+                <a:cs typeface="Times New Roman" panose="02020603050405020304" pitchFamily="18" charset="0"/>
+              </a:rPr>
+              <a:t> </a:t>
+            </a:r>
+            <a:r>
+              <a:rPr lang="hu-HU" sz="1800" dirty="0" smtClean="0">
+                <a:solidFill>
+                  <a:srgbClr val="C70040"/>
+                </a:solidFill>
+                <a:ea typeface="Times New Roman" panose="02020603050405020304" pitchFamily="18" charset="0"/>
+                <a:cs typeface="Times New Roman" panose="02020603050405020304" pitchFamily="18" charset="0"/>
+              </a:rPr>
+              <a:t>++</a:t>
+            </a:r>
+            <a:r>
+              <a:rPr lang="hu-HU" sz="1800" dirty="0">
+                <a:solidFill>
+                  <a:schemeClr val="tx1"/>
+                </a:solidFill>
+                <a:ea typeface="Times New Roman" panose="02020603050405020304" pitchFamily="18" charset="0"/>
+                <a:cs typeface="Times New Roman" panose="02020603050405020304" pitchFamily="18" charset="0"/>
+              </a:rPr>
+              <a:t>gl.pendingResources[mediaFileUrls[0]] || 1;</a:t>
+            </a:r>
           </a:p>
           <a:p>
             <a:pPr>
               <a:lnSpc>
                 <a:spcPct val="107000"/>
               </a:lnSpc>
-              <a:tabLst>
-                <a:tab pos="581660" algn="l"/>
-                <a:tab pos="1163320" algn="l"/>
-                <a:tab pos="1744980" algn="l"/>
-                <a:tab pos="2326640" algn="l"/>
-                <a:tab pos="2908300" algn="l"/>
-                <a:tab pos="3489960" algn="l"/>
-                <a:tab pos="4071620" algn="l"/>
-                <a:tab pos="4653280" algn="l"/>
-                <a:tab pos="5234940" algn="l"/>
-                <a:tab pos="5816600" algn="l"/>
-                <a:tab pos="6398260" algn="l"/>
-                <a:tab pos="6979920" algn="l"/>
-                <a:tab pos="7561580" algn="l"/>
-                <a:tab pos="8143240" algn="l"/>
-                <a:tab pos="8724900" algn="l"/>
-                <a:tab pos="9306560" algn="l"/>
-              </a:tabLst>
             </a:pPr>
-            <a:endParaRPr lang="en-US" sz="2400" dirty="0">
-              <a:latin typeface="Calibri" panose="020F0502020204030204" pitchFamily="34" charset="0"/>
-              <a:ea typeface="Calibri" panose="020F0502020204030204" pitchFamily="34" charset="0"/>
-              <a:cs typeface="Times New Roman" panose="02020603050405020304" pitchFamily="18" charset="0"/>
-            </a:endParaRPr>
+            <a:r>
+              <a:rPr lang="hu-HU" sz="1800" dirty="0">
+                <a:solidFill>
+                  <a:schemeClr val="tx1"/>
+                </a:solidFill>
+                <a:ea typeface="Times New Roman" panose="02020603050405020304" pitchFamily="18" charset="0"/>
+                <a:cs typeface="Times New Roman" panose="02020603050405020304" pitchFamily="18" charset="0"/>
+              </a:rPr>
+              <a:t>    this.mediaFileUrls </a:t>
+            </a:r>
+            <a:r>
+              <a:rPr lang="hu-HU" sz="1800" dirty="0">
+                <a:solidFill>
+                  <a:srgbClr val="C70040"/>
+                </a:solidFill>
+                <a:ea typeface="Times New Roman" panose="02020603050405020304" pitchFamily="18" charset="0"/>
+                <a:cs typeface="Times New Roman" panose="02020603050405020304" pitchFamily="18" charset="0"/>
+              </a:rPr>
+              <a:t>=</a:t>
+            </a:r>
+            <a:r>
+              <a:rPr lang="hu-HU" sz="1800" dirty="0">
+                <a:solidFill>
+                  <a:schemeClr val="tx1"/>
+                </a:solidFill>
+                <a:ea typeface="Times New Roman" panose="02020603050405020304" pitchFamily="18" charset="0"/>
+                <a:cs typeface="Times New Roman" panose="02020603050405020304" pitchFamily="18" charset="0"/>
+              </a:rPr>
+              <a:t> mediaFileUrls;</a:t>
+            </a:r>
           </a:p>
           <a:p>
             <a:pPr>
               <a:lnSpc>
                 <a:spcPct val="107000"/>
               </a:lnSpc>
-              <a:tabLst>
-                <a:tab pos="581660" algn="l"/>
-                <a:tab pos="1163320" algn="l"/>
-                <a:tab pos="1744980" algn="l"/>
-                <a:tab pos="2326640" algn="l"/>
-                <a:tab pos="2908300" algn="l"/>
-                <a:tab pos="3489960" algn="l"/>
-                <a:tab pos="4071620" algn="l"/>
-                <a:tab pos="4653280" algn="l"/>
-                <a:tab pos="5234940" algn="l"/>
-                <a:tab pos="5816600" algn="l"/>
-                <a:tab pos="6398260" algn="l"/>
-                <a:tab pos="6979920" algn="l"/>
-                <a:tab pos="7561580" algn="l"/>
-                <a:tab pos="8143240" algn="l"/>
-                <a:tab pos="8724900" algn="l"/>
-                <a:tab pos="9306560" algn="l"/>
-              </a:tabLst>
             </a:pPr>
             <a:r>
-              <a:rPr lang="en-US" sz="2400" dirty="0">
+              <a:rPr lang="hu-HU" sz="1800" dirty="0">
+                <a:solidFill>
+                  <a:schemeClr val="tx1"/>
+                </a:solidFill>
+                <a:ea typeface="Times New Roman" panose="02020603050405020304" pitchFamily="18" charset="0"/>
+                <a:cs typeface="Times New Roman" panose="02020603050405020304" pitchFamily="18" charset="0"/>
+              </a:rPr>
+              <a:t>    this.glTexture </a:t>
+            </a:r>
+            <a:r>
+              <a:rPr lang="hu-HU" sz="1800" dirty="0">
                 <a:solidFill>
                   <a:srgbClr val="C70040"/>
                 </a:solidFill>
-                <a:latin typeface="Consolas" panose="020B0609020204030204" pitchFamily="49" charset="0"/>
-                <a:ea typeface="Times New Roman" panose="02020603050405020304" pitchFamily="18" charset="0"/>
-                <a:cs typeface="Times New Roman" panose="02020603050405020304" pitchFamily="18" charset="0"/>
-              </a:rPr>
-              <a:t>class </a:t>
-            </a:r>
-            <a:r>
-              <a:rPr lang="en-US" sz="2400" b="1" dirty="0" err="1">
-                <a:solidFill>
-                  <a:srgbClr val="000000"/>
-                </a:solidFill>
-                <a:latin typeface="Consolas" panose="020B0609020204030204" pitchFamily="49" charset="0"/>
-                <a:ea typeface="Times New Roman" panose="02020603050405020304" pitchFamily="18" charset="0"/>
-                <a:cs typeface="Times New Roman" panose="02020603050405020304" pitchFamily="18" charset="0"/>
-              </a:rPr>
-              <a:t>TextureCube</a:t>
-            </a:r>
-            <a:r>
-              <a:rPr lang="en-US" sz="2400" dirty="0">
-                <a:solidFill>
-                  <a:srgbClr val="000000"/>
-                </a:solidFill>
-                <a:latin typeface="Consolas" panose="020B0609020204030204" pitchFamily="49" charset="0"/>
-                <a:ea typeface="Times New Roman" panose="02020603050405020304" pitchFamily="18" charset="0"/>
-                <a:cs typeface="Times New Roman" panose="02020603050405020304" pitchFamily="18" charset="0"/>
-              </a:rPr>
-              <a:t>(</a:t>
-            </a:r>
-            <a:endParaRPr lang="en-US" sz="2400" dirty="0">
-              <a:latin typeface="Calibri" panose="020F0502020204030204" pitchFamily="34" charset="0"/>
-              <a:ea typeface="Calibri" panose="020F0502020204030204" pitchFamily="34" charset="0"/>
-              <a:cs typeface="Times New Roman" panose="02020603050405020304" pitchFamily="18" charset="0"/>
-            </a:endParaRPr>
+                <a:ea typeface="Times New Roman" panose="02020603050405020304" pitchFamily="18" charset="0"/>
+                <a:cs typeface="Times New Roman" panose="02020603050405020304" pitchFamily="18" charset="0"/>
+              </a:rPr>
+              <a:t>= </a:t>
+            </a:r>
+            <a:r>
+              <a:rPr lang="hu-HU" sz="1800" dirty="0">
+                <a:solidFill>
+                  <a:schemeClr val="tx1"/>
+                </a:solidFill>
+                <a:ea typeface="Times New Roman" panose="02020603050405020304" pitchFamily="18" charset="0"/>
+                <a:cs typeface="Times New Roman" panose="02020603050405020304" pitchFamily="18" charset="0"/>
+              </a:rPr>
+              <a:t>gl.createTexture();</a:t>
+            </a:r>
           </a:p>
           <a:p>
             <a:pPr>
               <a:lnSpc>
                 <a:spcPct val="107000"/>
               </a:lnSpc>
-              <a:tabLst>
-                <a:tab pos="581660" algn="l"/>
-                <a:tab pos="1163320" algn="l"/>
-                <a:tab pos="1744980" algn="l"/>
-                <a:tab pos="2326640" algn="l"/>
-                <a:tab pos="2908300" algn="l"/>
-                <a:tab pos="3489960" algn="l"/>
-                <a:tab pos="4071620" algn="l"/>
-                <a:tab pos="4653280" algn="l"/>
-                <a:tab pos="5234940" algn="l"/>
-                <a:tab pos="5816600" algn="l"/>
-                <a:tab pos="6398260" algn="l"/>
-                <a:tab pos="6979920" algn="l"/>
-                <a:tab pos="7561580" algn="l"/>
-                <a:tab pos="8143240" algn="l"/>
-                <a:tab pos="8724900" algn="l"/>
-                <a:tab pos="9306560" algn="l"/>
-              </a:tabLst>
             </a:pPr>
             <a:r>
-              <a:rPr lang="en-US" sz="2400" dirty="0">
-                <a:solidFill>
-                  <a:srgbClr val="000000"/>
-                </a:solidFill>
-                <a:latin typeface="Consolas" panose="020B0609020204030204" pitchFamily="49" charset="0"/>
-                <a:ea typeface="Times New Roman" panose="02020603050405020304" pitchFamily="18" charset="0"/>
-                <a:cs typeface="Times New Roman" panose="02020603050405020304" pitchFamily="18" charset="0"/>
-              </a:rPr>
-              <a:t>  </a:t>
-            </a:r>
-            <a:r>
-              <a:rPr lang="en-US" sz="2400" i="1" dirty="0" err="1">
-                <a:solidFill>
-                  <a:srgbClr val="CB6500"/>
-                </a:solidFill>
-                <a:latin typeface="Consolas" panose="020B0609020204030204" pitchFamily="49" charset="0"/>
-                <a:ea typeface="Times New Roman" panose="02020603050405020304" pitchFamily="18" charset="0"/>
-                <a:cs typeface="Times New Roman" panose="02020603050405020304" pitchFamily="18" charset="0"/>
-              </a:rPr>
-              <a:t>gl</a:t>
-            </a:r>
-            <a:r>
-              <a:rPr lang="en-US" sz="2400" i="1" dirty="0">
-                <a:solidFill>
-                  <a:srgbClr val="CB6500"/>
-                </a:solidFill>
-                <a:latin typeface="Consolas" panose="020B0609020204030204" pitchFamily="49" charset="0"/>
-                <a:ea typeface="Times New Roman" panose="02020603050405020304" pitchFamily="18" charset="0"/>
-                <a:cs typeface="Times New Roman" panose="02020603050405020304" pitchFamily="18" charset="0"/>
-              </a:rPr>
-              <a:t> </a:t>
-            </a:r>
-            <a:r>
-              <a:rPr lang="en-US" sz="2400" dirty="0">
+              <a:rPr lang="hu-HU" sz="1800" dirty="0">
+                <a:solidFill>
+                  <a:schemeClr val="tx1"/>
+                </a:solidFill>
+                <a:ea typeface="Times New Roman" panose="02020603050405020304" pitchFamily="18" charset="0"/>
+                <a:cs typeface="Times New Roman" panose="02020603050405020304" pitchFamily="18" charset="0"/>
+              </a:rPr>
+              <a:t>    this.loadedCount </a:t>
+            </a:r>
+            <a:r>
+              <a:rPr lang="hu-HU" sz="1800" dirty="0">
                 <a:solidFill>
                   <a:srgbClr val="C70040"/>
                 </a:solidFill>
-                <a:latin typeface="Consolas" panose="020B0609020204030204" pitchFamily="49" charset="0"/>
-                <a:ea typeface="Times New Roman" panose="02020603050405020304" pitchFamily="18" charset="0"/>
-                <a:cs typeface="Times New Roman" panose="02020603050405020304" pitchFamily="18" charset="0"/>
-              </a:rPr>
-              <a:t>: </a:t>
-            </a:r>
-            <a:r>
-              <a:rPr lang="en-US" sz="2400" dirty="0">
-                <a:solidFill>
-                  <a:srgbClr val="000000"/>
-                </a:solidFill>
-                <a:latin typeface="Consolas" panose="020B0609020204030204" pitchFamily="49" charset="0"/>
-                <a:ea typeface="Times New Roman" panose="02020603050405020304" pitchFamily="18" charset="0"/>
-                <a:cs typeface="Times New Roman" panose="02020603050405020304" pitchFamily="18" charset="0"/>
-              </a:rPr>
-              <a:t>WebGL2RenderingContext,</a:t>
-            </a:r>
-            <a:endParaRPr lang="en-US" sz="2400" dirty="0">
-              <a:latin typeface="Calibri" panose="020F0502020204030204" pitchFamily="34" charset="0"/>
-              <a:ea typeface="Calibri" panose="020F0502020204030204" pitchFamily="34" charset="0"/>
-              <a:cs typeface="Times New Roman" panose="02020603050405020304" pitchFamily="18" charset="0"/>
-            </a:endParaRPr>
+                <a:ea typeface="Times New Roman" panose="02020603050405020304" pitchFamily="18" charset="0"/>
+                <a:cs typeface="Times New Roman" panose="02020603050405020304" pitchFamily="18" charset="0"/>
+              </a:rPr>
+              <a:t>=</a:t>
+            </a:r>
+            <a:r>
+              <a:rPr lang="hu-HU" sz="1800" dirty="0">
+                <a:solidFill>
+                  <a:schemeClr val="tx1"/>
+                </a:solidFill>
+                <a:ea typeface="Times New Roman" panose="02020603050405020304" pitchFamily="18" charset="0"/>
+                <a:cs typeface="Times New Roman" panose="02020603050405020304" pitchFamily="18" charset="0"/>
+              </a:rPr>
+              <a:t> 0;</a:t>
+            </a:r>
           </a:p>
           <a:p>
             <a:pPr>
               <a:lnSpc>
                 <a:spcPct val="107000"/>
               </a:lnSpc>
-              <a:tabLst>
-                <a:tab pos="581660" algn="l"/>
-                <a:tab pos="1163320" algn="l"/>
-                <a:tab pos="1744980" algn="l"/>
-                <a:tab pos="2326640" algn="l"/>
-                <a:tab pos="2908300" algn="l"/>
-                <a:tab pos="3489960" algn="l"/>
-                <a:tab pos="4071620" algn="l"/>
-                <a:tab pos="4653280" algn="l"/>
-                <a:tab pos="5234940" algn="l"/>
-                <a:tab pos="5816600" algn="l"/>
-                <a:tab pos="6398260" algn="l"/>
-                <a:tab pos="6979920" algn="l"/>
-                <a:tab pos="7561580" algn="l"/>
-                <a:tab pos="8143240" algn="l"/>
-                <a:tab pos="8724900" algn="l"/>
-                <a:tab pos="9306560" algn="l"/>
-              </a:tabLst>
             </a:pPr>
             <a:r>
-              <a:rPr lang="en-US" sz="2400" dirty="0">
-                <a:solidFill>
-                  <a:srgbClr val="000000"/>
-                </a:solidFill>
-                <a:latin typeface="Consolas" panose="020B0609020204030204" pitchFamily="49" charset="0"/>
-                <a:ea typeface="Times New Roman" panose="02020603050405020304" pitchFamily="18" charset="0"/>
-                <a:cs typeface="Times New Roman" panose="02020603050405020304" pitchFamily="18" charset="0"/>
-              </a:rPr>
-              <a:t>  </a:t>
-            </a:r>
-            <a:r>
-              <a:rPr lang="en-US" sz="2400" b="1" dirty="0" err="1">
+              <a:rPr lang="hu-HU" sz="1800" dirty="0">
+                <a:solidFill>
+                  <a:schemeClr val="tx1"/>
+                </a:solidFill>
+                <a:ea typeface="Times New Roman" panose="02020603050405020304" pitchFamily="18" charset="0"/>
+                <a:cs typeface="Times New Roman" panose="02020603050405020304" pitchFamily="18" charset="0"/>
+              </a:rPr>
+              <a:t>    this.images </a:t>
+            </a:r>
+            <a:r>
+              <a:rPr lang="hu-HU" sz="1800" dirty="0">
                 <a:solidFill>
                   <a:srgbClr val="C70040"/>
                 </a:solidFill>
-                <a:latin typeface="Consolas" panose="020B0609020204030204" pitchFamily="49" charset="0"/>
-                <a:ea typeface="Times New Roman" panose="02020603050405020304" pitchFamily="18" charset="0"/>
-                <a:cs typeface="Times New Roman" panose="02020603050405020304" pitchFamily="18" charset="0"/>
-              </a:rPr>
-              <a:t>vararg</a:t>
-            </a:r>
-            <a:r>
-              <a:rPr lang="en-US" sz="2400" dirty="0">
-                <a:solidFill>
-                  <a:srgbClr val="C70040"/>
-                </a:solidFill>
-                <a:latin typeface="Consolas" panose="020B0609020204030204" pitchFamily="49" charset="0"/>
-                <a:ea typeface="Times New Roman" panose="02020603050405020304" pitchFamily="18" charset="0"/>
-                <a:cs typeface="Times New Roman" panose="02020603050405020304" pitchFamily="18" charset="0"/>
-              </a:rPr>
-              <a:t> </a:t>
-            </a:r>
-            <a:r>
-              <a:rPr lang="en-US" sz="2400" i="1" dirty="0" err="1">
-                <a:solidFill>
-                  <a:srgbClr val="CB6500"/>
-                </a:solidFill>
-                <a:latin typeface="Consolas" panose="020B0609020204030204" pitchFamily="49" charset="0"/>
-                <a:ea typeface="Times New Roman" panose="02020603050405020304" pitchFamily="18" charset="0"/>
-                <a:cs typeface="Times New Roman" panose="02020603050405020304" pitchFamily="18" charset="0"/>
-              </a:rPr>
-              <a:t>mediaFileUrl</a:t>
-            </a:r>
-            <a:r>
-              <a:rPr lang="en-US" sz="2400" b="1" i="1" dirty="0" err="1">
-                <a:solidFill>
-                  <a:srgbClr val="CB6500"/>
-                </a:solidFill>
-                <a:latin typeface="Consolas" panose="020B0609020204030204" pitchFamily="49" charset="0"/>
-                <a:ea typeface="Times New Roman" panose="02020603050405020304" pitchFamily="18" charset="0"/>
-                <a:cs typeface="Times New Roman" panose="02020603050405020304" pitchFamily="18" charset="0"/>
-              </a:rPr>
-              <a:t>s</a:t>
-            </a:r>
-            <a:r>
-              <a:rPr lang="en-US" sz="2400" i="1" dirty="0">
-                <a:solidFill>
-                  <a:srgbClr val="CB6500"/>
-                </a:solidFill>
-                <a:latin typeface="Consolas" panose="020B0609020204030204" pitchFamily="49" charset="0"/>
-                <a:ea typeface="Times New Roman" panose="02020603050405020304" pitchFamily="18" charset="0"/>
-                <a:cs typeface="Times New Roman" panose="02020603050405020304" pitchFamily="18" charset="0"/>
-              </a:rPr>
-              <a:t> </a:t>
-            </a:r>
-            <a:r>
-              <a:rPr lang="en-US" sz="2400" dirty="0">
-                <a:solidFill>
-                  <a:srgbClr val="C70040"/>
-                </a:solidFill>
-                <a:latin typeface="Consolas" panose="020B0609020204030204" pitchFamily="49" charset="0"/>
-                <a:ea typeface="Times New Roman" panose="02020603050405020304" pitchFamily="18" charset="0"/>
-                <a:cs typeface="Times New Roman" panose="02020603050405020304" pitchFamily="18" charset="0"/>
-              </a:rPr>
-              <a:t>: </a:t>
-            </a:r>
-            <a:r>
-              <a:rPr lang="en-US" sz="2400" i="1" dirty="0">
-                <a:solidFill>
-                  <a:srgbClr val="34A7BD"/>
-                </a:solidFill>
-                <a:latin typeface="Consolas" panose="020B0609020204030204" pitchFamily="49" charset="0"/>
-                <a:ea typeface="Times New Roman" panose="02020603050405020304" pitchFamily="18" charset="0"/>
-                <a:cs typeface="Times New Roman" panose="02020603050405020304" pitchFamily="18" charset="0"/>
-              </a:rPr>
-              <a:t>String</a:t>
-            </a:r>
-            <a:endParaRPr lang="en-US" sz="2400" dirty="0">
-              <a:latin typeface="Calibri" panose="020F0502020204030204" pitchFamily="34" charset="0"/>
-              <a:ea typeface="Calibri" panose="020F0502020204030204" pitchFamily="34" charset="0"/>
-              <a:cs typeface="Times New Roman" panose="02020603050405020304" pitchFamily="18" charset="0"/>
-            </a:endParaRPr>
+                <a:ea typeface="Times New Roman" panose="02020603050405020304" pitchFamily="18" charset="0"/>
+                <a:cs typeface="Times New Roman" panose="02020603050405020304" pitchFamily="18" charset="0"/>
+              </a:rPr>
+              <a:t>= []</a:t>
+            </a:r>
+            <a:r>
+              <a:rPr lang="hu-HU" sz="1800" dirty="0">
+                <a:solidFill>
+                  <a:schemeClr val="tx1"/>
+                </a:solidFill>
+                <a:ea typeface="Times New Roman" panose="02020603050405020304" pitchFamily="18" charset="0"/>
+                <a:cs typeface="Times New Roman" panose="02020603050405020304" pitchFamily="18" charset="0"/>
+              </a:rPr>
+              <a:t>;</a:t>
+            </a:r>
           </a:p>
           <a:p>
             <a:pPr>
               <a:lnSpc>
                 <a:spcPct val="107000"/>
               </a:lnSpc>
-              <a:tabLst>
-                <a:tab pos="581660" algn="l"/>
-                <a:tab pos="1163320" algn="l"/>
-                <a:tab pos="1744980" algn="l"/>
-                <a:tab pos="2326640" algn="l"/>
-                <a:tab pos="2908300" algn="l"/>
-                <a:tab pos="3489960" algn="l"/>
-                <a:tab pos="4071620" algn="l"/>
-                <a:tab pos="4653280" algn="l"/>
-                <a:tab pos="5234940" algn="l"/>
-                <a:tab pos="5816600" algn="l"/>
-                <a:tab pos="6398260" algn="l"/>
-                <a:tab pos="6979920" algn="l"/>
-                <a:tab pos="7561580" algn="l"/>
-                <a:tab pos="8143240" algn="l"/>
-                <a:tab pos="8724900" algn="l"/>
-                <a:tab pos="9306560" algn="l"/>
-              </a:tabLst>
             </a:pPr>
             <a:r>
-              <a:rPr lang="en-US" sz="2400" i="1" dirty="0">
-                <a:solidFill>
-                  <a:srgbClr val="34A7BD"/>
-                </a:solidFill>
-                <a:latin typeface="Consolas" panose="020B0609020204030204" pitchFamily="49" charset="0"/>
-                <a:ea typeface="Times New Roman" panose="02020603050405020304" pitchFamily="18" charset="0"/>
-                <a:cs typeface="Times New Roman" panose="02020603050405020304" pitchFamily="18" charset="0"/>
-              </a:rPr>
-              <a:t>  </a:t>
-            </a:r>
-            <a:r>
-              <a:rPr lang="en-US" sz="2400" dirty="0">
-                <a:solidFill>
-                  <a:srgbClr val="000000"/>
-                </a:solidFill>
-                <a:latin typeface="Consolas" panose="020B0609020204030204" pitchFamily="49" charset="0"/>
-                <a:ea typeface="Times New Roman" panose="02020603050405020304" pitchFamily="18" charset="0"/>
-                <a:cs typeface="Times New Roman" panose="02020603050405020304" pitchFamily="18" charset="0"/>
-              </a:rPr>
-              <a:t>) </a:t>
-            </a:r>
-            <a:r>
-              <a:rPr lang="en-US" sz="2400" dirty="0">
+              <a:rPr lang="hu-HU" sz="1800" dirty="0">
+                <a:solidFill>
+                  <a:schemeClr val="tx1"/>
+                </a:solidFill>
+                <a:ea typeface="Times New Roman" panose="02020603050405020304" pitchFamily="18" charset="0"/>
+                <a:cs typeface="Times New Roman" panose="02020603050405020304" pitchFamily="18" charset="0"/>
+              </a:rPr>
+              <a:t>    for(let i</a:t>
+            </a:r>
+            <a:r>
+              <a:rPr lang="hu-HU" sz="1800" dirty="0">
                 <a:solidFill>
                   <a:srgbClr val="C70040"/>
                 </a:solidFill>
-                <a:latin typeface="Consolas" panose="020B0609020204030204" pitchFamily="49" charset="0"/>
-                <a:ea typeface="Times New Roman" panose="02020603050405020304" pitchFamily="18" charset="0"/>
-                <a:cs typeface="Times New Roman" panose="02020603050405020304" pitchFamily="18" charset="0"/>
-              </a:rPr>
-              <a:t>: </a:t>
-            </a:r>
-            <a:r>
-              <a:rPr lang="en-US" sz="2400" i="1" dirty="0">
-                <a:solidFill>
-                  <a:srgbClr val="427E00"/>
-                </a:solidFill>
-                <a:latin typeface="Consolas" panose="020B0609020204030204" pitchFamily="49" charset="0"/>
-                <a:ea typeface="Times New Roman" panose="02020603050405020304" pitchFamily="18" charset="0"/>
-                <a:cs typeface="Times New Roman" panose="02020603050405020304" pitchFamily="18" charset="0"/>
-              </a:rPr>
-              <a:t>Texture </a:t>
-            </a:r>
-            <a:r>
-              <a:rPr lang="en-US" sz="2400" dirty="0">
-                <a:solidFill>
-                  <a:srgbClr val="000000"/>
-                </a:solidFill>
-                <a:latin typeface="Consolas" panose="020B0609020204030204" pitchFamily="49" charset="0"/>
-                <a:ea typeface="Times New Roman" panose="02020603050405020304" pitchFamily="18" charset="0"/>
-                <a:cs typeface="Times New Roman" panose="02020603050405020304" pitchFamily="18" charset="0"/>
-              </a:rPr>
-              <a:t>{</a:t>
-            </a:r>
-            <a:endParaRPr lang="en-US" sz="2400" dirty="0">
-              <a:latin typeface="Calibri" panose="020F0502020204030204" pitchFamily="34" charset="0"/>
-              <a:ea typeface="Calibri" panose="020F0502020204030204" pitchFamily="34" charset="0"/>
-              <a:cs typeface="Times New Roman" panose="02020603050405020304" pitchFamily="18" charset="0"/>
-            </a:endParaRPr>
+                <a:ea typeface="Times New Roman" panose="02020603050405020304" pitchFamily="18" charset="0"/>
+                <a:cs typeface="Times New Roman" panose="02020603050405020304" pitchFamily="18" charset="0"/>
+              </a:rPr>
+              <a:t>=</a:t>
+            </a:r>
+            <a:r>
+              <a:rPr lang="hu-HU" sz="1800" dirty="0">
+                <a:solidFill>
+                  <a:schemeClr val="tx1"/>
+                </a:solidFill>
+                <a:ea typeface="Times New Roman" panose="02020603050405020304" pitchFamily="18" charset="0"/>
+                <a:cs typeface="Times New Roman" panose="02020603050405020304" pitchFamily="18" charset="0"/>
+              </a:rPr>
+              <a:t>0; i</a:t>
+            </a:r>
+            <a:r>
+              <a:rPr lang="hu-HU" sz="1800" dirty="0">
+                <a:solidFill>
+                  <a:srgbClr val="C70040"/>
+                </a:solidFill>
+                <a:ea typeface="Times New Roman" panose="02020603050405020304" pitchFamily="18" charset="0"/>
+                <a:cs typeface="Times New Roman" panose="02020603050405020304" pitchFamily="18" charset="0"/>
+              </a:rPr>
+              <a:t>&lt;</a:t>
+            </a:r>
+            <a:r>
+              <a:rPr lang="hu-HU" sz="1800" dirty="0">
+                <a:solidFill>
+                  <a:schemeClr val="tx1"/>
+                </a:solidFill>
+                <a:ea typeface="Times New Roman" panose="02020603050405020304" pitchFamily="18" charset="0"/>
+                <a:cs typeface="Times New Roman" panose="02020603050405020304" pitchFamily="18" charset="0"/>
+              </a:rPr>
+              <a:t>6; i</a:t>
+            </a:r>
+            <a:r>
+              <a:rPr lang="hu-HU" sz="1800" dirty="0">
+                <a:solidFill>
+                  <a:srgbClr val="C70040"/>
+                </a:solidFill>
+                <a:ea typeface="Times New Roman" panose="02020603050405020304" pitchFamily="18" charset="0"/>
+                <a:cs typeface="Times New Roman" panose="02020603050405020304" pitchFamily="18" charset="0"/>
+              </a:rPr>
+              <a:t>++</a:t>
+            </a:r>
+            <a:r>
+              <a:rPr lang="hu-HU" sz="1800" dirty="0">
+                <a:solidFill>
+                  <a:schemeClr val="tx1"/>
+                </a:solidFill>
+                <a:ea typeface="Times New Roman" panose="02020603050405020304" pitchFamily="18" charset="0"/>
+                <a:cs typeface="Times New Roman" panose="02020603050405020304" pitchFamily="18" charset="0"/>
+              </a:rPr>
+              <a:t>){</a:t>
+            </a:r>
           </a:p>
           <a:p>
             <a:pPr>
               <a:lnSpc>
                 <a:spcPct val="107000"/>
               </a:lnSpc>
-              <a:tabLst>
-                <a:tab pos="581660" algn="l"/>
-                <a:tab pos="1163320" algn="l"/>
-                <a:tab pos="1744980" algn="l"/>
-                <a:tab pos="2326640" algn="l"/>
-                <a:tab pos="2908300" algn="l"/>
-                <a:tab pos="3489960" algn="l"/>
-                <a:tab pos="4071620" algn="l"/>
-                <a:tab pos="4653280" algn="l"/>
-                <a:tab pos="5234940" algn="l"/>
-                <a:tab pos="5816600" algn="l"/>
-                <a:tab pos="6398260" algn="l"/>
-                <a:tab pos="6979920" algn="l"/>
-                <a:tab pos="7561580" algn="l"/>
-                <a:tab pos="8143240" algn="l"/>
-                <a:tab pos="8724900" algn="l"/>
-                <a:tab pos="9306560" algn="l"/>
-              </a:tabLst>
             </a:pPr>
             <a:r>
-              <a:rPr lang="en-US" sz="2400" dirty="0">
-                <a:solidFill>
-                  <a:srgbClr val="000000"/>
-                </a:solidFill>
-                <a:latin typeface="Consolas" panose="020B0609020204030204" pitchFamily="49" charset="0"/>
+              <a:rPr lang="hu-HU" sz="1800" dirty="0">
+                <a:solidFill>
+                  <a:schemeClr val="tx1"/>
+                </a:solidFill>
+                <a:ea typeface="Times New Roman" panose="02020603050405020304" pitchFamily="18" charset="0"/>
+                <a:cs typeface="Times New Roman" panose="02020603050405020304" pitchFamily="18" charset="0"/>
+              </a:rPr>
+              <a:t>      this.images[i] </a:t>
+            </a:r>
+            <a:r>
+              <a:rPr lang="hu-HU" sz="1800" dirty="0">
+                <a:solidFill>
+                  <a:srgbClr val="C70040"/>
+                </a:solidFill>
+                <a:ea typeface="Times New Roman" panose="02020603050405020304" pitchFamily="18" charset="0"/>
+                <a:cs typeface="Times New Roman" panose="02020603050405020304" pitchFamily="18" charset="0"/>
+              </a:rPr>
+              <a:t>= new</a:t>
+            </a:r>
+            <a:r>
+              <a:rPr lang="hu-HU" sz="1800" dirty="0">
+                <a:solidFill>
+                  <a:schemeClr val="tx1"/>
+                </a:solidFill>
+                <a:ea typeface="Times New Roman" panose="02020603050405020304" pitchFamily="18" charset="0"/>
+                <a:cs typeface="Times New Roman" panose="02020603050405020304" pitchFamily="18" charset="0"/>
+              </a:rPr>
+              <a:t> Image();</a:t>
+            </a:r>
+          </a:p>
+          <a:p>
+            <a:pPr>
+              <a:lnSpc>
+                <a:spcPct val="107000"/>
+              </a:lnSpc>
+            </a:pPr>
+            <a:r>
+              <a:rPr lang="hu-HU" sz="1800" dirty="0">
+                <a:solidFill>
+                  <a:schemeClr val="tx1"/>
+                </a:solidFill>
+                <a:ea typeface="Times New Roman" panose="02020603050405020304" pitchFamily="18" charset="0"/>
+                <a:cs typeface="Times New Roman" panose="02020603050405020304" pitchFamily="18" charset="0"/>
+              </a:rPr>
+              <a:t>      this.images[i].onload </a:t>
+            </a:r>
+            <a:r>
+              <a:rPr lang="hu-HU" sz="1800" dirty="0">
+                <a:solidFill>
+                  <a:srgbClr val="C70040"/>
+                </a:solidFill>
+                <a:ea typeface="Times New Roman" panose="02020603050405020304" pitchFamily="18" charset="0"/>
+                <a:cs typeface="Times New Roman" panose="02020603050405020304" pitchFamily="18" charset="0"/>
+              </a:rPr>
+              <a:t>=</a:t>
+            </a:r>
+            <a:r>
+              <a:rPr lang="hu-HU" sz="1800" dirty="0">
+                <a:solidFill>
+                  <a:schemeClr val="tx1"/>
+                </a:solidFill>
+                <a:ea typeface="Times New Roman" panose="02020603050405020304" pitchFamily="18" charset="0"/>
+                <a:cs typeface="Times New Roman" panose="02020603050405020304" pitchFamily="18" charset="0"/>
+              </a:rPr>
+              <a:t> () </a:t>
+            </a:r>
+            <a:r>
+              <a:rPr lang="hu-HU" sz="1800" dirty="0">
+                <a:solidFill>
+                  <a:srgbClr val="C70040"/>
+                </a:solidFill>
+                <a:ea typeface="Times New Roman" panose="02020603050405020304" pitchFamily="18" charset="0"/>
+                <a:cs typeface="Times New Roman" panose="02020603050405020304" pitchFamily="18" charset="0"/>
+              </a:rPr>
+              <a:t>=&gt;</a:t>
+            </a:r>
+            <a:r>
+              <a:rPr lang="hu-HU" sz="1800" dirty="0">
+                <a:solidFill>
+                  <a:schemeClr val="tx1"/>
+                </a:solidFill>
+                <a:ea typeface="Times New Roman" panose="02020603050405020304" pitchFamily="18" charset="0"/>
+                <a:cs typeface="Times New Roman" panose="02020603050405020304" pitchFamily="18" charset="0"/>
+              </a:rPr>
+              <a:t> {</a:t>
+            </a:r>
+          </a:p>
+          <a:p>
+            <a:pPr>
+              <a:lnSpc>
+                <a:spcPct val="107000"/>
+              </a:lnSpc>
+            </a:pPr>
+            <a:r>
+              <a:rPr lang="hu-HU" sz="1800" dirty="0">
+                <a:solidFill>
+                  <a:schemeClr val="tx1"/>
+                </a:solidFill>
+                <a:ea typeface="Times New Roman" panose="02020603050405020304" pitchFamily="18" charset="0"/>
+                <a:cs typeface="Times New Roman" panose="02020603050405020304" pitchFamily="18" charset="0"/>
+              </a:rPr>
+              <a:t>                             this.loaded(gl); }</a:t>
+            </a:r>
+          </a:p>
+          <a:p>
+            <a:pPr>
+              <a:lnSpc>
+                <a:spcPct val="107000"/>
+              </a:lnSpc>
+            </a:pPr>
+            <a:r>
+              <a:rPr lang="hu-HU" sz="1800" dirty="0">
+                <a:solidFill>
+                  <a:schemeClr val="tx1"/>
+                </a:solidFill>
+                <a:ea typeface="Times New Roman" panose="02020603050405020304" pitchFamily="18" charset="0"/>
+                <a:cs typeface="Times New Roman" panose="02020603050405020304" pitchFamily="18" charset="0"/>
+              </a:rPr>
+              <a:t>      this.images[i].src </a:t>
+            </a:r>
+            <a:r>
+              <a:rPr lang="hu-HU" sz="1800" dirty="0">
+                <a:solidFill>
+                  <a:srgbClr val="C70040"/>
+                </a:solidFill>
+                <a:ea typeface="Times New Roman" panose="02020603050405020304" pitchFamily="18" charset="0"/>
+                <a:cs typeface="Times New Roman" panose="02020603050405020304" pitchFamily="18" charset="0"/>
+              </a:rPr>
+              <a:t>=</a:t>
+            </a:r>
+            <a:r>
+              <a:rPr lang="hu-HU" sz="1800" dirty="0">
+                <a:solidFill>
+                  <a:schemeClr val="tx1"/>
+                </a:solidFill>
+                <a:ea typeface="Times New Roman" panose="02020603050405020304" pitchFamily="18" charset="0"/>
+                <a:cs typeface="Times New Roman" panose="02020603050405020304" pitchFamily="18" charset="0"/>
+              </a:rPr>
+              <a:t> mediaFileUrls[i];</a:t>
+            </a:r>
+          </a:p>
+          <a:p>
+            <a:pPr>
+              <a:lnSpc>
+                <a:spcPct val="107000"/>
+              </a:lnSpc>
+            </a:pPr>
+            <a:r>
+              <a:rPr lang="hu-HU" sz="1800" dirty="0">
+                <a:solidFill>
+                  <a:schemeClr val="tx1"/>
+                </a:solidFill>
+                <a:ea typeface="Times New Roman" panose="02020603050405020304" pitchFamily="18" charset="0"/>
+                <a:cs typeface="Times New Roman" panose="02020603050405020304" pitchFamily="18" charset="0"/>
+              </a:rPr>
+              <a:t>    }</a:t>
+            </a:r>
+          </a:p>
+          <a:p>
+            <a:pPr>
+              <a:lnSpc>
+                <a:spcPct val="107000"/>
+              </a:lnSpc>
+            </a:pPr>
+            <a:r>
+              <a:rPr lang="hu-HU" sz="1800" dirty="0">
+                <a:solidFill>
+                  <a:schemeClr val="tx1"/>
+                </a:solidFill>
                 <a:ea typeface="Times New Roman" panose="02020603050405020304" pitchFamily="18" charset="0"/>
                 <a:cs typeface="Times New Roman" panose="02020603050405020304" pitchFamily="18" charset="0"/>
               </a:rPr>
               <a:t>  </a:t>
             </a:r>
             <a:r>
-              <a:rPr lang="en-US" sz="2400" dirty="0">
-                <a:solidFill>
-                  <a:srgbClr val="C70040"/>
-                </a:solidFill>
-                <a:latin typeface="Consolas" panose="020B0609020204030204" pitchFamily="49" charset="0"/>
-                <a:ea typeface="Times New Roman" panose="02020603050405020304" pitchFamily="18" charset="0"/>
-                <a:cs typeface="Times New Roman" panose="02020603050405020304" pitchFamily="18" charset="0"/>
-              </a:rPr>
-              <a:t>override </a:t>
-            </a:r>
-            <a:r>
-              <a:rPr lang="en-US" sz="2400" dirty="0" err="1">
-                <a:solidFill>
-                  <a:srgbClr val="C70040"/>
-                </a:solidFill>
-                <a:latin typeface="Consolas" panose="020B0609020204030204" pitchFamily="49" charset="0"/>
-                <a:ea typeface="Times New Roman" panose="02020603050405020304" pitchFamily="18" charset="0"/>
-                <a:cs typeface="Times New Roman" panose="02020603050405020304" pitchFamily="18" charset="0"/>
-              </a:rPr>
-              <a:t>val</a:t>
-            </a:r>
-            <a:r>
-              <a:rPr lang="en-US" sz="2400" dirty="0">
-                <a:solidFill>
-                  <a:srgbClr val="C70040"/>
-                </a:solidFill>
-                <a:latin typeface="Consolas" panose="020B0609020204030204" pitchFamily="49" charset="0"/>
-                <a:ea typeface="Times New Roman" panose="02020603050405020304" pitchFamily="18" charset="0"/>
-                <a:cs typeface="Times New Roman" panose="02020603050405020304" pitchFamily="18" charset="0"/>
-              </a:rPr>
-              <a:t> </a:t>
-            </a:r>
-            <a:r>
-              <a:rPr lang="en-US" sz="2400" dirty="0" err="1">
-                <a:solidFill>
-                  <a:srgbClr val="000000"/>
-                </a:solidFill>
-                <a:latin typeface="Consolas" panose="020B0609020204030204" pitchFamily="49" charset="0"/>
-                <a:ea typeface="Times New Roman" panose="02020603050405020304" pitchFamily="18" charset="0"/>
-                <a:cs typeface="Times New Roman" panose="02020603050405020304" pitchFamily="18" charset="0"/>
-              </a:rPr>
-              <a:t>glTexture</a:t>
-            </a:r>
-            <a:r>
-              <a:rPr lang="en-US" sz="2400" dirty="0">
-                <a:solidFill>
-                  <a:srgbClr val="000000"/>
-                </a:solidFill>
-                <a:latin typeface="Consolas" panose="020B0609020204030204" pitchFamily="49" charset="0"/>
-                <a:ea typeface="Times New Roman" panose="02020603050405020304" pitchFamily="18" charset="0"/>
-                <a:cs typeface="Times New Roman" panose="02020603050405020304" pitchFamily="18" charset="0"/>
-              </a:rPr>
-              <a:t> </a:t>
-            </a:r>
-            <a:r>
-              <a:rPr lang="en-US" sz="2400" dirty="0">
-                <a:solidFill>
-                  <a:srgbClr val="C70040"/>
-                </a:solidFill>
-                <a:latin typeface="Consolas" panose="020B0609020204030204" pitchFamily="49" charset="0"/>
-                <a:ea typeface="Times New Roman" panose="02020603050405020304" pitchFamily="18" charset="0"/>
-                <a:cs typeface="Times New Roman" panose="02020603050405020304" pitchFamily="18" charset="0"/>
-              </a:rPr>
-              <a:t>: </a:t>
-            </a:r>
-            <a:r>
-              <a:rPr lang="en-US" sz="2400" dirty="0" err="1">
-                <a:solidFill>
-                  <a:srgbClr val="000000"/>
-                </a:solidFill>
-                <a:latin typeface="Consolas" panose="020B0609020204030204" pitchFamily="49" charset="0"/>
-                <a:ea typeface="Times New Roman" panose="02020603050405020304" pitchFamily="18" charset="0"/>
-                <a:cs typeface="Times New Roman" panose="02020603050405020304" pitchFamily="18" charset="0"/>
-              </a:rPr>
-              <a:t>WebGLTexture</a:t>
-            </a:r>
-            <a:r>
-              <a:rPr lang="en-US" sz="2400" dirty="0">
-                <a:solidFill>
-                  <a:srgbClr val="000000"/>
-                </a:solidFill>
-                <a:latin typeface="Consolas" panose="020B0609020204030204" pitchFamily="49" charset="0"/>
-                <a:ea typeface="Times New Roman" panose="02020603050405020304" pitchFamily="18" charset="0"/>
-                <a:cs typeface="Times New Roman" panose="02020603050405020304" pitchFamily="18" charset="0"/>
-              </a:rPr>
-              <a:t>? </a:t>
-            </a:r>
-            <a:r>
-              <a:rPr lang="en-US" sz="2400" dirty="0">
-                <a:solidFill>
-                  <a:srgbClr val="C70040"/>
-                </a:solidFill>
-                <a:latin typeface="Consolas" panose="020B0609020204030204" pitchFamily="49" charset="0"/>
-                <a:ea typeface="Times New Roman" panose="02020603050405020304" pitchFamily="18" charset="0"/>
-                <a:cs typeface="Times New Roman" panose="02020603050405020304" pitchFamily="18" charset="0"/>
-              </a:rPr>
-              <a:t>= </a:t>
-            </a:r>
-            <a:r>
-              <a:rPr lang="en-US" sz="2400" dirty="0" err="1">
-                <a:solidFill>
-                  <a:srgbClr val="000000"/>
-                </a:solidFill>
-                <a:latin typeface="Consolas" panose="020B0609020204030204" pitchFamily="49" charset="0"/>
-                <a:ea typeface="Times New Roman" panose="02020603050405020304" pitchFamily="18" charset="0"/>
-                <a:cs typeface="Times New Roman" panose="02020603050405020304" pitchFamily="18" charset="0"/>
-              </a:rPr>
-              <a:t>gl</a:t>
-            </a:r>
-            <a:r>
-              <a:rPr lang="en-US" sz="2400" dirty="0" err="1">
-                <a:solidFill>
-                  <a:srgbClr val="C70040"/>
-                </a:solidFill>
-                <a:latin typeface="Consolas" panose="020B0609020204030204" pitchFamily="49" charset="0"/>
-                <a:ea typeface="Times New Roman" panose="02020603050405020304" pitchFamily="18" charset="0"/>
-                <a:cs typeface="Times New Roman" panose="02020603050405020304" pitchFamily="18" charset="0"/>
-              </a:rPr>
-              <a:t>.</a:t>
-            </a:r>
-            <a:r>
-              <a:rPr lang="en-US" sz="2400" dirty="0" err="1">
-                <a:solidFill>
-                  <a:srgbClr val="000000"/>
-                </a:solidFill>
-                <a:latin typeface="Consolas" panose="020B0609020204030204" pitchFamily="49" charset="0"/>
-                <a:ea typeface="Times New Roman" panose="02020603050405020304" pitchFamily="18" charset="0"/>
-                <a:cs typeface="Times New Roman" panose="02020603050405020304" pitchFamily="18" charset="0"/>
-              </a:rPr>
-              <a:t>createTexture</a:t>
-            </a:r>
-            <a:r>
-              <a:rPr lang="en-US" sz="2400" dirty="0">
-                <a:solidFill>
-                  <a:srgbClr val="000000"/>
-                </a:solidFill>
-                <a:latin typeface="Consolas" panose="020B0609020204030204" pitchFamily="49" charset="0"/>
-                <a:ea typeface="Times New Roman" panose="02020603050405020304" pitchFamily="18" charset="0"/>
-                <a:cs typeface="Times New Roman" panose="02020603050405020304" pitchFamily="18" charset="0"/>
-              </a:rPr>
-              <a:t>()</a:t>
-            </a:r>
-            <a:endParaRPr lang="en-US" sz="2400" dirty="0">
-              <a:latin typeface="Calibri" panose="020F0502020204030204" pitchFamily="34" charset="0"/>
-              <a:ea typeface="Calibri" panose="020F0502020204030204" pitchFamily="34" charset="0"/>
+              <a:rPr lang="hu-HU" sz="1800" dirty="0" smtClean="0">
+                <a:solidFill>
+                  <a:schemeClr val="tx1"/>
+                </a:solidFill>
+                <a:ea typeface="Times New Roman" panose="02020603050405020304" pitchFamily="18" charset="0"/>
+                <a:cs typeface="Times New Roman" panose="02020603050405020304" pitchFamily="18" charset="0"/>
+              </a:rPr>
+              <a:t>}</a:t>
+            </a:r>
+            <a:endParaRPr lang="hu-HU" sz="1800" dirty="0">
+              <a:solidFill>
+                <a:schemeClr val="tx1"/>
+              </a:solidFill>
+              <a:ea typeface="Times New Roman" panose="02020603050405020304" pitchFamily="18" charset="0"/>
               <a:cs typeface="Times New Roman" panose="02020603050405020304" pitchFamily="18" charset="0"/>
             </a:endParaRPr>
           </a:p>
-          <a:p>
-            <a:endParaRPr lang="en-US" dirty="0"/>
-          </a:p>
-        </p:txBody>
-      </p:sp>
-      <p:sp>
-        <p:nvSpPr>
-          <p:cNvPr id="5" name="TextBox 4">
-            <a:extLst>
-              <a:ext uri="{FF2B5EF4-FFF2-40B4-BE49-F238E27FC236}">
-                <a16:creationId xmlns:a16="http://schemas.microsoft.com/office/drawing/2014/main" id="{93EB2D97-E292-4358-8279-38075689BC7A}"/>
-              </a:ext>
-            </a:extLst>
-          </p:cNvPr>
+        </p:txBody>
+      </p:sp>
+      <p:sp>
+        <p:nvSpPr>
+          <p:cNvPr id="5" name="TextBox 4"/>
           <p:cNvSpPr txBox="1"/>
           <p:nvPr/>
         </p:nvSpPr>
         <p:spPr>
           <a:xfrm>
-            <a:off x="0" y="-898216"/>
+            <a:off x="0" y="-793020"/>
             <a:ext cx="520118" cy="3170099"/>
           </a:xfrm>
           <a:prstGeom prst="rect">
@@ -8040,7 +7957,7 @@
           <a:lstStyle/>
           <a:p>
             <a:r>
-              <a:rPr lang="en-US" sz="20000" dirty="0">
+              <a:rPr lang="en-US" sz="20000" dirty="0" smtClean="0">
                 <a:solidFill>
                   <a:srgbClr val="00B050"/>
                 </a:solidFill>
@@ -8048,19 +7965,32 @@
               </a:rPr>
               <a:t>.</a:t>
             </a:r>
+            <a:endParaRPr lang="en-US" sz="20000" dirty="0">
+              <a:solidFill>
+                <a:srgbClr val="00B050"/>
+              </a:solidFill>
+              <a:latin typeface="Whipsmart" panose="020B0502030203050204" pitchFamily="34" charset="0"/>
+            </a:endParaRPr>
           </a:p>
         </p:txBody>
       </p:sp>
     </p:spTree>
     <p:extLst>
       <p:ext uri="{BB962C8B-B14F-4D97-AF65-F5344CB8AC3E}">
-        <p14:creationId xmlns:p14="http://schemas.microsoft.com/office/powerpoint/2010/main" val="155410238"/>
+        <p14:creationId xmlns:p14="http://schemas.microsoft.com/office/powerpoint/2010/main" val="430083167"/>
       </p:ext>
     </p:extLst>
   </p:cSld>
   <p:clrMapOvr>
     <a:masterClrMapping/>
   </p:clrMapOvr>
+  <p:timing>
+    <p:tnLst>
+      <p:par>
+        <p:cTn id="1" dur="indefinite" restart="never" nodeType="tmRoot"/>
+      </p:par>
+    </p:tnLst>
+  </p:timing>
 </p:sld>
 </file>
 
@@ -8093,63 +8023,54 @@
         </p:nvSpPr>
         <p:spPr/>
         <p:txBody>
-          <a:bodyPr>
-            <a:noAutofit/>
+          <a:bodyPr vert="horz" lIns="91440" tIns="45720" rIns="91440" bIns="45720" rtlCol="0" anchor="ctr">
+            <a:normAutofit/>
           </a:bodyPr>
           <a:lstStyle/>
           <a:p>
             <a:r>
-              <a:rPr lang="en-US" sz="3200" dirty="0" err="1">
-                <a:latin typeface="Consolas" panose="020B0609020204030204" pitchFamily="49" charset="0"/>
-                <a:cs typeface="Consolas" panose="020B0609020204030204" pitchFamily="49" charset="0"/>
-              </a:rPr>
-              <a:t>TextureCube</a:t>
-            </a:r>
-            <a:r>
-              <a:rPr lang="hu-HU" sz="3200" dirty="0">
-                <a:latin typeface="Consolas" panose="020B0609020204030204" pitchFamily="49" charset="0"/>
-                <a:cs typeface="Consolas" panose="020B0609020204030204" pitchFamily="49" charset="0"/>
-              </a:rPr>
-              <a:t>.</a:t>
-            </a:r>
-            <a:r>
-              <a:rPr lang="hu-HU" sz="3200" dirty="0" err="1">
-                <a:latin typeface="Consolas" panose="020B0609020204030204" pitchFamily="49" charset="0"/>
-                <a:cs typeface="Consolas" panose="020B0609020204030204" pitchFamily="49" charset="0"/>
-              </a:rPr>
-              <a:t>kt</a:t>
-            </a:r>
-            <a:r>
-              <a:rPr lang="en-US" sz="3200" dirty="0">
-                <a:cs typeface="Consolas" panose="020B0609020204030204" pitchFamily="49" charset="0"/>
-              </a:rPr>
-              <a:t> – similar to </a:t>
-            </a:r>
-            <a:r>
-              <a:rPr lang="en-US" sz="3200" dirty="0">
-                <a:latin typeface="Consolas" panose="020B0609020204030204" pitchFamily="49" charset="0"/>
-                <a:cs typeface="Consolas" panose="020B0609020204030204" pitchFamily="49" charset="0"/>
-              </a:rPr>
-              <a:t>Texture2D</a:t>
-            </a:r>
-            <a:r>
-              <a:rPr lang="en-US" sz="3200" dirty="0">
-                <a:cs typeface="Consolas" panose="020B0609020204030204" pitchFamily="49" charset="0"/>
-              </a:rPr>
-              <a:t>, but 6 images</a:t>
-            </a:r>
-          </a:p>
-        </p:txBody>
-      </p:sp>
-      <p:sp>
-        <p:nvSpPr>
-          <p:cNvPr id="4" name="Content Placeholder 3">
-            <a:extLst>
-              <a:ext uri="{FF2B5EF4-FFF2-40B4-BE49-F238E27FC236}">
-                <a16:creationId xmlns:a16="http://schemas.microsoft.com/office/drawing/2014/main" id="{C2621A13-DBE4-4F25-A88B-BB28520D9CB5}"/>
-              </a:ext>
-            </a:extLst>
-          </p:cNvPr>
+              <a:rPr lang="hu-HU" dirty="0">
+                <a:solidFill>
+                  <a:srgbClr val="FF0000"/>
+                </a:solidFill>
+              </a:rPr>
+              <a:t>TextureCube.js – </a:t>
+            </a:r>
+            <a:r>
+              <a:rPr lang="hu-HU" dirty="0" err="1">
+                <a:solidFill>
+                  <a:srgbClr val="FF0000"/>
+                </a:solidFill>
+              </a:rPr>
+              <a:t>resource</a:t>
+            </a:r>
+            <a:r>
+              <a:rPr lang="hu-HU" dirty="0">
+                <a:solidFill>
+                  <a:srgbClr val="FF0000"/>
+                </a:solidFill>
+              </a:rPr>
+              <a:t> </a:t>
+            </a:r>
+            <a:r>
+              <a:rPr lang="hu-HU" dirty="0" err="1">
+                <a:solidFill>
+                  <a:srgbClr val="FF0000"/>
+                </a:solidFill>
+              </a:rPr>
+              <a:t>creation</a:t>
+            </a:r>
+            <a:endParaRPr lang="en-US" dirty="0">
+              <a:solidFill>
+                <a:srgbClr val="FF0000"/>
+              </a:solidFill>
+            </a:endParaRPr>
+          </a:p>
+        </p:txBody>
+      </p:sp>
+      <p:sp>
+        <p:nvSpPr>
+          <p:cNvPr id="4" name="Content Placeholder 3"/>
           <p:cNvSpPr>
             <a:spLocks noGrp="1"/>
           </p:cNvSpPr>
@@ -8157,10 +8078,33 @@
             <p:ph idx="1"/>
           </p:nvPr>
         </p:nvSpPr>
-        <p:spPr/>
-        <p:txBody>
-          <a:bodyPr>
-            <a:normAutofit fontScale="70000" lnSpcReduction="20000"/>
+        <p:spPr>
+          <a:solidFill>
+            <a:schemeClr val="accent1">
+              <a:lumMod val="20000"/>
+              <a:lumOff val="80000"/>
+            </a:schemeClr>
+          </a:solidFill>
+        </p:spPr>
+        <p:style>
+          <a:lnRef idx="2">
+            <a:schemeClr val="accent1">
+              <a:shade val="50000"/>
+            </a:schemeClr>
+          </a:lnRef>
+          <a:fillRef idx="1">
+            <a:schemeClr val="accent1"/>
+          </a:fillRef>
+          <a:effectRef idx="0">
+            <a:schemeClr val="accent1"/>
+          </a:effectRef>
+          <a:fontRef idx="minor">
+            <a:schemeClr val="lt1"/>
+          </a:fontRef>
+        </p:style>
+        <p:txBody>
+          <a:bodyPr rtlCol="0" anchor="ctr">
+            <a:noAutofit/>
           </a:bodyPr>
           <a:lstStyle/>
           <a:p>
@@ -8168,2407 +8112,549 @@
               <a:lnSpc>
                 <a:spcPct val="107000"/>
               </a:lnSpc>
-              <a:tabLst>
-                <a:tab pos="581660" algn="l"/>
-                <a:tab pos="1163320" algn="l"/>
-                <a:tab pos="1744980" algn="l"/>
-                <a:tab pos="2326640" algn="l"/>
-                <a:tab pos="2908300" algn="l"/>
-                <a:tab pos="3489960" algn="l"/>
-                <a:tab pos="4071620" algn="l"/>
-                <a:tab pos="4653280" algn="l"/>
-                <a:tab pos="5234940" algn="l"/>
-                <a:tab pos="5816600" algn="l"/>
-                <a:tab pos="6398260" algn="l"/>
-                <a:tab pos="6979920" algn="l"/>
-                <a:tab pos="7561580" algn="l"/>
-                <a:tab pos="8143240" algn="l"/>
-                <a:tab pos="8724900" algn="l"/>
-                <a:tab pos="9306560" algn="l"/>
-              </a:tabLst>
             </a:pPr>
             <a:r>
-              <a:rPr lang="en-US" sz="2400" dirty="0">
-                <a:solidFill>
-                  <a:srgbClr val="000000"/>
-                </a:solidFill>
-                <a:latin typeface="Consolas" panose="020B0609020204030204" pitchFamily="49" charset="0"/>
-                <a:ea typeface="Times New Roman" panose="02020603050405020304" pitchFamily="18" charset="0"/>
-                <a:cs typeface="Times New Roman" panose="02020603050405020304" pitchFamily="18" charset="0"/>
-              </a:rPr>
-              <a:t> </a:t>
-            </a:r>
-            <a:r>
-              <a:rPr lang="en-US" sz="2400" dirty="0" err="1">
-                <a:solidFill>
-                  <a:srgbClr val="000000"/>
-                </a:solidFill>
-                <a:latin typeface="Consolas" panose="020B0609020204030204" pitchFamily="49" charset="0"/>
-                <a:ea typeface="Times New Roman" panose="02020603050405020304" pitchFamily="18" charset="0"/>
-                <a:cs typeface="Times New Roman" panose="02020603050405020304" pitchFamily="18" charset="0"/>
-              </a:rPr>
-              <a:t>init</a:t>
-            </a:r>
-            <a:r>
-              <a:rPr lang="en-US" sz="2400" dirty="0">
-                <a:solidFill>
-                  <a:srgbClr val="000000"/>
-                </a:solidFill>
-                <a:latin typeface="Consolas" panose="020B0609020204030204" pitchFamily="49" charset="0"/>
-                <a:ea typeface="Times New Roman" panose="02020603050405020304" pitchFamily="18" charset="0"/>
-                <a:cs typeface="Times New Roman" panose="02020603050405020304" pitchFamily="18" charset="0"/>
-              </a:rPr>
-              <a:t> {</a:t>
-            </a:r>
-            <a:endParaRPr lang="en-US" sz="2400" dirty="0">
-              <a:latin typeface="Calibri" panose="020F0502020204030204" pitchFamily="34" charset="0"/>
-              <a:ea typeface="Calibri" panose="020F0502020204030204" pitchFamily="34" charset="0"/>
-              <a:cs typeface="Times New Roman" panose="02020603050405020304" pitchFamily="18" charset="0"/>
-            </a:endParaRPr>
+              <a:rPr lang="en-US" sz="1600" dirty="0" smtClean="0">
+                <a:solidFill>
+                  <a:schemeClr val="tx1"/>
+                </a:solidFill>
+                <a:ea typeface="Times New Roman" panose="02020603050405020304" pitchFamily="18" charset="0"/>
+                <a:cs typeface="Times New Roman" panose="02020603050405020304" pitchFamily="18" charset="0"/>
+              </a:rPr>
+              <a:t>  </a:t>
+            </a:r>
+            <a:r>
+              <a:rPr lang="hu-HU" sz="1600" dirty="0">
+                <a:solidFill>
+                  <a:srgbClr val="427E00"/>
+                </a:solidFill>
+                <a:ea typeface="Times New Roman" panose="02020603050405020304" pitchFamily="18" charset="0"/>
+                <a:cs typeface="Times New Roman" panose="02020603050405020304" pitchFamily="18" charset="0"/>
+              </a:rPr>
+              <a:t>loaded</a:t>
+            </a:r>
+            <a:r>
+              <a:rPr lang="hu-HU" sz="1600" dirty="0" smtClean="0">
+                <a:solidFill>
+                  <a:schemeClr val="tx1"/>
+                </a:solidFill>
+                <a:ea typeface="Times New Roman" panose="02020603050405020304" pitchFamily="18" charset="0"/>
+                <a:cs typeface="Times New Roman" panose="02020603050405020304" pitchFamily="18" charset="0"/>
+              </a:rPr>
+              <a:t>(</a:t>
+            </a:r>
+            <a:r>
+              <a:rPr lang="hu-HU" sz="1600" i="1" dirty="0">
+                <a:solidFill>
+                  <a:srgbClr val="CB6500"/>
+                </a:solidFill>
+                <a:ea typeface="Times New Roman" panose="02020603050405020304" pitchFamily="18" charset="0"/>
+                <a:cs typeface="Times New Roman" panose="02020603050405020304" pitchFamily="18" charset="0"/>
+              </a:rPr>
+              <a:t>gl</a:t>
+            </a:r>
+            <a:r>
+              <a:rPr lang="hu-HU" sz="1600" dirty="0">
+                <a:solidFill>
+                  <a:schemeClr val="tx1"/>
+                </a:solidFill>
+                <a:ea typeface="Times New Roman" panose="02020603050405020304" pitchFamily="18" charset="0"/>
+                <a:cs typeface="Times New Roman" panose="02020603050405020304" pitchFamily="18" charset="0"/>
+              </a:rPr>
+              <a:t>){</a:t>
+            </a:r>
           </a:p>
           <a:p>
             <a:pPr>
               <a:lnSpc>
                 <a:spcPct val="107000"/>
               </a:lnSpc>
-              <a:tabLst>
-                <a:tab pos="581660" algn="l"/>
-                <a:tab pos="1163320" algn="l"/>
-                <a:tab pos="1744980" algn="l"/>
-                <a:tab pos="2326640" algn="l"/>
-                <a:tab pos="2908300" algn="l"/>
-                <a:tab pos="3489960" algn="l"/>
-                <a:tab pos="4071620" algn="l"/>
-                <a:tab pos="4653280" algn="l"/>
-                <a:tab pos="5234940" algn="l"/>
-                <a:tab pos="5816600" algn="l"/>
-                <a:tab pos="6398260" algn="l"/>
-                <a:tab pos="6979920" algn="l"/>
-                <a:tab pos="7561580" algn="l"/>
-                <a:tab pos="8143240" algn="l"/>
-                <a:tab pos="8724900" algn="l"/>
-                <a:tab pos="9306560" algn="l"/>
-              </a:tabLst>
             </a:pPr>
             <a:r>
-              <a:rPr lang="en-US" sz="2400" dirty="0">
-                <a:solidFill>
-                  <a:srgbClr val="000000"/>
-                </a:solidFill>
-                <a:latin typeface="Consolas" panose="020B0609020204030204" pitchFamily="49" charset="0"/>
-                <a:ea typeface="Times New Roman" panose="02020603050405020304" pitchFamily="18" charset="0"/>
-                <a:cs typeface="Times New Roman" panose="02020603050405020304" pitchFamily="18" charset="0"/>
-              </a:rPr>
-              <a:t>    </a:t>
-            </a:r>
-            <a:r>
-              <a:rPr lang="en-US" sz="2400" dirty="0" err="1">
-                <a:solidFill>
-                  <a:srgbClr val="C70040"/>
-                </a:solidFill>
-                <a:latin typeface="Consolas" panose="020B0609020204030204" pitchFamily="49" charset="0"/>
-                <a:ea typeface="Times New Roman" panose="02020603050405020304" pitchFamily="18" charset="0"/>
-                <a:cs typeface="Times New Roman" panose="02020603050405020304" pitchFamily="18" charset="0"/>
-              </a:rPr>
-              <a:t>val</a:t>
-            </a:r>
-            <a:r>
-              <a:rPr lang="en-US" sz="2400" dirty="0">
-                <a:solidFill>
-                  <a:srgbClr val="C70040"/>
-                </a:solidFill>
-                <a:latin typeface="Consolas" panose="020B0609020204030204" pitchFamily="49" charset="0"/>
-                <a:ea typeface="Times New Roman" panose="02020603050405020304" pitchFamily="18" charset="0"/>
-                <a:cs typeface="Times New Roman" panose="02020603050405020304" pitchFamily="18" charset="0"/>
-              </a:rPr>
-              <a:t> </a:t>
-            </a:r>
-            <a:r>
-              <a:rPr lang="en-US" sz="2400" dirty="0">
-                <a:solidFill>
-                  <a:srgbClr val="000000"/>
-                </a:solidFill>
-                <a:latin typeface="Consolas" panose="020B0609020204030204" pitchFamily="49" charset="0"/>
-                <a:ea typeface="Times New Roman" panose="02020603050405020304" pitchFamily="18" charset="0"/>
-                <a:cs typeface="Times New Roman" panose="02020603050405020304" pitchFamily="18" charset="0"/>
-              </a:rPr>
-              <a:t>image</a:t>
-            </a:r>
-            <a:r>
-              <a:rPr lang="en-US" sz="2400" b="1" dirty="0">
-                <a:solidFill>
-                  <a:srgbClr val="000000"/>
-                </a:solidFill>
-                <a:latin typeface="Consolas" panose="020B0609020204030204" pitchFamily="49" charset="0"/>
-                <a:ea typeface="Times New Roman" panose="02020603050405020304" pitchFamily="18" charset="0"/>
-                <a:cs typeface="Times New Roman" panose="02020603050405020304" pitchFamily="18" charset="0"/>
-              </a:rPr>
-              <a:t>s</a:t>
-            </a:r>
-            <a:r>
-              <a:rPr lang="en-US" sz="2400" dirty="0">
-                <a:solidFill>
-                  <a:srgbClr val="000000"/>
-                </a:solidFill>
-                <a:latin typeface="Consolas" panose="020B0609020204030204" pitchFamily="49" charset="0"/>
-                <a:ea typeface="Times New Roman" panose="02020603050405020304" pitchFamily="18" charset="0"/>
-                <a:cs typeface="Times New Roman" panose="02020603050405020304" pitchFamily="18" charset="0"/>
-              </a:rPr>
-              <a:t> </a:t>
-            </a:r>
-            <a:r>
-              <a:rPr lang="en-US" sz="2400" dirty="0">
-                <a:solidFill>
-                  <a:srgbClr val="C70040"/>
-                </a:solidFill>
-                <a:latin typeface="Consolas" panose="020B0609020204030204" pitchFamily="49" charset="0"/>
-                <a:ea typeface="Times New Roman" panose="02020603050405020304" pitchFamily="18" charset="0"/>
-                <a:cs typeface="Times New Roman" panose="02020603050405020304" pitchFamily="18" charset="0"/>
-              </a:rPr>
-              <a:t>= </a:t>
-            </a:r>
-            <a:r>
-              <a:rPr lang="en-US" sz="2400" b="1" i="1" dirty="0">
-                <a:solidFill>
-                  <a:srgbClr val="34A7BD"/>
-                </a:solidFill>
-                <a:latin typeface="Consolas" panose="020B0609020204030204" pitchFamily="49" charset="0"/>
-                <a:ea typeface="Times New Roman" panose="02020603050405020304" pitchFamily="18" charset="0"/>
-                <a:cs typeface="Times New Roman" panose="02020603050405020304" pitchFamily="18" charset="0"/>
-              </a:rPr>
-              <a:t>Array</a:t>
-            </a:r>
-            <a:r>
-              <a:rPr lang="en-US" sz="2400" b="1" dirty="0">
-                <a:solidFill>
-                  <a:srgbClr val="000000"/>
-                </a:solidFill>
-                <a:latin typeface="Consolas" panose="020B0609020204030204" pitchFamily="49" charset="0"/>
-                <a:ea typeface="Times New Roman" panose="02020603050405020304" pitchFamily="18" charset="0"/>
-                <a:cs typeface="Times New Roman" panose="02020603050405020304" pitchFamily="18" charset="0"/>
-              </a:rPr>
-              <a:t>&lt;Image&gt;(</a:t>
-            </a:r>
-            <a:r>
-              <a:rPr lang="en-US" sz="2400" b="1" dirty="0">
-                <a:solidFill>
-                  <a:srgbClr val="7C4FCD"/>
-                </a:solidFill>
-                <a:latin typeface="Consolas" panose="020B0609020204030204" pitchFamily="49" charset="0"/>
-                <a:ea typeface="Times New Roman" panose="02020603050405020304" pitchFamily="18" charset="0"/>
-                <a:cs typeface="Times New Roman" panose="02020603050405020304" pitchFamily="18" charset="0"/>
-              </a:rPr>
-              <a:t>6</a:t>
-            </a:r>
-            <a:r>
-              <a:rPr lang="en-US" sz="2400" b="1" dirty="0">
-                <a:solidFill>
-                  <a:srgbClr val="000000"/>
-                </a:solidFill>
-                <a:latin typeface="Consolas" panose="020B0609020204030204" pitchFamily="49" charset="0"/>
-                <a:ea typeface="Times New Roman" panose="02020603050405020304" pitchFamily="18" charset="0"/>
-                <a:cs typeface="Times New Roman" panose="02020603050405020304" pitchFamily="18" charset="0"/>
-              </a:rPr>
-              <a:t>) { </a:t>
-            </a:r>
-            <a:r>
-              <a:rPr lang="en-US" sz="2400" dirty="0">
-                <a:solidFill>
-                  <a:srgbClr val="000000"/>
-                </a:solidFill>
-                <a:latin typeface="Consolas" panose="020B0609020204030204" pitchFamily="49" charset="0"/>
-                <a:ea typeface="Times New Roman" panose="02020603050405020304" pitchFamily="18" charset="0"/>
-                <a:cs typeface="Times New Roman" panose="02020603050405020304" pitchFamily="18" charset="0"/>
-              </a:rPr>
-              <a:t>Image() </a:t>
-            </a:r>
-            <a:r>
-              <a:rPr lang="en-US" sz="2400" b="1" dirty="0">
-                <a:solidFill>
-                  <a:srgbClr val="000000"/>
-                </a:solidFill>
-                <a:latin typeface="Consolas" panose="020B0609020204030204" pitchFamily="49" charset="0"/>
-                <a:ea typeface="Times New Roman" panose="02020603050405020304" pitchFamily="18" charset="0"/>
-                <a:cs typeface="Times New Roman" panose="02020603050405020304" pitchFamily="18" charset="0"/>
-              </a:rPr>
-              <a:t>}</a:t>
-            </a:r>
-            <a:endParaRPr lang="en-US" sz="2400" b="1" dirty="0">
-              <a:latin typeface="Calibri" panose="020F0502020204030204" pitchFamily="34" charset="0"/>
-              <a:ea typeface="Calibri" panose="020F0502020204030204" pitchFamily="34" charset="0"/>
-              <a:cs typeface="Times New Roman" panose="02020603050405020304" pitchFamily="18" charset="0"/>
-            </a:endParaRPr>
+              <a:rPr lang="hu-HU" sz="1600" dirty="0">
+                <a:solidFill>
+                  <a:schemeClr val="tx1"/>
+                </a:solidFill>
+                <a:ea typeface="Times New Roman" panose="02020603050405020304" pitchFamily="18" charset="0"/>
+                <a:cs typeface="Times New Roman" panose="02020603050405020304" pitchFamily="18" charset="0"/>
+              </a:rPr>
+              <a:t>    this.loadedCount++;</a:t>
+            </a:r>
           </a:p>
           <a:p>
             <a:pPr>
               <a:lnSpc>
                 <a:spcPct val="107000"/>
               </a:lnSpc>
-              <a:tabLst>
-                <a:tab pos="581660" algn="l"/>
-                <a:tab pos="1163320" algn="l"/>
-                <a:tab pos="1744980" algn="l"/>
-                <a:tab pos="2326640" algn="l"/>
-                <a:tab pos="2908300" algn="l"/>
-                <a:tab pos="3489960" algn="l"/>
-                <a:tab pos="4071620" algn="l"/>
-                <a:tab pos="4653280" algn="l"/>
-                <a:tab pos="5234940" algn="l"/>
-                <a:tab pos="5816600" algn="l"/>
-                <a:tab pos="6398260" algn="l"/>
-                <a:tab pos="6979920" algn="l"/>
-                <a:tab pos="7561580" algn="l"/>
-                <a:tab pos="8143240" algn="l"/>
-                <a:tab pos="8724900" algn="l"/>
-                <a:tab pos="9306560" algn="l"/>
-              </a:tabLst>
             </a:pPr>
             <a:r>
-              <a:rPr lang="en-US" sz="2400" dirty="0">
-                <a:solidFill>
-                  <a:srgbClr val="000000"/>
-                </a:solidFill>
-                <a:latin typeface="Consolas" panose="020B0609020204030204" pitchFamily="49" charset="0"/>
-                <a:ea typeface="Times New Roman" panose="02020603050405020304" pitchFamily="18" charset="0"/>
-                <a:cs typeface="Times New Roman" panose="02020603050405020304" pitchFamily="18" charset="0"/>
-              </a:rPr>
-              <a:t>    </a:t>
-            </a:r>
-            <a:r>
-              <a:rPr lang="en-US" sz="2400" b="1" dirty="0">
+              <a:rPr lang="hu-HU" sz="1600" dirty="0">
+                <a:solidFill>
+                  <a:schemeClr val="tx1"/>
+                </a:solidFill>
+                <a:ea typeface="Times New Roman" panose="02020603050405020304" pitchFamily="18" charset="0"/>
+                <a:cs typeface="Times New Roman" panose="02020603050405020304" pitchFamily="18" charset="0"/>
+              </a:rPr>
+              <a:t>    if(this.loadedCount </a:t>
+            </a:r>
+            <a:r>
+              <a:rPr lang="hu-HU" sz="1600" dirty="0">
                 <a:solidFill>
                   <a:srgbClr val="C70040"/>
                 </a:solidFill>
-                <a:latin typeface="Consolas" panose="020B0609020204030204" pitchFamily="49" charset="0"/>
-                <a:ea typeface="Times New Roman" panose="02020603050405020304" pitchFamily="18" charset="0"/>
-                <a:cs typeface="Times New Roman" panose="02020603050405020304" pitchFamily="18" charset="0"/>
-              </a:rPr>
-              <a:t>var </a:t>
-            </a:r>
-            <a:r>
-              <a:rPr lang="en-US" sz="2400" b="1" dirty="0" err="1">
-                <a:solidFill>
-                  <a:srgbClr val="000000"/>
-                </a:solidFill>
-                <a:latin typeface="Consolas" panose="020B0609020204030204" pitchFamily="49" charset="0"/>
-                <a:ea typeface="Times New Roman" panose="02020603050405020304" pitchFamily="18" charset="0"/>
-                <a:cs typeface="Times New Roman" panose="02020603050405020304" pitchFamily="18" charset="0"/>
-              </a:rPr>
-              <a:t>loadedCount</a:t>
-            </a:r>
-            <a:r>
-              <a:rPr lang="en-US" sz="2400" b="1" dirty="0">
-                <a:solidFill>
-                  <a:srgbClr val="000000"/>
-                </a:solidFill>
-                <a:latin typeface="Consolas" panose="020B0609020204030204" pitchFamily="49" charset="0"/>
-                <a:ea typeface="Times New Roman" panose="02020603050405020304" pitchFamily="18" charset="0"/>
-                <a:cs typeface="Times New Roman" panose="02020603050405020304" pitchFamily="18" charset="0"/>
-              </a:rPr>
-              <a:t> </a:t>
-            </a:r>
-            <a:r>
-              <a:rPr lang="en-US" sz="2400" b="1" dirty="0">
-                <a:solidFill>
-                  <a:srgbClr val="C70040"/>
-                </a:solidFill>
-                <a:latin typeface="Consolas" panose="020B0609020204030204" pitchFamily="49" charset="0"/>
-                <a:ea typeface="Times New Roman" panose="02020603050405020304" pitchFamily="18" charset="0"/>
-                <a:cs typeface="Times New Roman" panose="02020603050405020304" pitchFamily="18" charset="0"/>
-              </a:rPr>
-              <a:t>= </a:t>
-            </a:r>
-            <a:r>
-              <a:rPr lang="en-US" sz="2400" b="1" dirty="0">
-                <a:solidFill>
-                  <a:srgbClr val="7C4FCD"/>
-                </a:solidFill>
-                <a:latin typeface="Consolas" panose="020B0609020204030204" pitchFamily="49" charset="0"/>
-                <a:ea typeface="Times New Roman" panose="02020603050405020304" pitchFamily="18" charset="0"/>
-                <a:cs typeface="Times New Roman" panose="02020603050405020304" pitchFamily="18" charset="0"/>
-              </a:rPr>
-              <a:t>0    </a:t>
-            </a:r>
-            <a:endParaRPr lang="en-US" sz="2400" b="1" dirty="0">
-              <a:latin typeface="Calibri" panose="020F0502020204030204" pitchFamily="34" charset="0"/>
-              <a:ea typeface="Calibri" panose="020F0502020204030204" pitchFamily="34" charset="0"/>
-              <a:cs typeface="Times New Roman" panose="02020603050405020304" pitchFamily="18" charset="0"/>
-            </a:endParaRPr>
+                <a:ea typeface="Times New Roman" panose="02020603050405020304" pitchFamily="18" charset="0"/>
+                <a:cs typeface="Times New Roman" panose="02020603050405020304" pitchFamily="18" charset="0"/>
+              </a:rPr>
+              <a:t>&lt;</a:t>
+            </a:r>
+            <a:r>
+              <a:rPr lang="hu-HU" sz="1600" dirty="0">
+                <a:solidFill>
+                  <a:schemeClr val="tx1"/>
+                </a:solidFill>
+                <a:ea typeface="Times New Roman" panose="02020603050405020304" pitchFamily="18" charset="0"/>
+                <a:cs typeface="Times New Roman" panose="02020603050405020304" pitchFamily="18" charset="0"/>
+              </a:rPr>
+              <a:t> 6) {</a:t>
+            </a:r>
           </a:p>
           <a:p>
             <a:pPr>
               <a:lnSpc>
                 <a:spcPct val="107000"/>
               </a:lnSpc>
-              <a:tabLst>
-                <a:tab pos="581660" algn="l"/>
-                <a:tab pos="1163320" algn="l"/>
-                <a:tab pos="1744980" algn="l"/>
-                <a:tab pos="2326640" algn="l"/>
-                <a:tab pos="2908300" algn="l"/>
-                <a:tab pos="3489960" algn="l"/>
-                <a:tab pos="4071620" algn="l"/>
-                <a:tab pos="4653280" algn="l"/>
-                <a:tab pos="5234940" algn="l"/>
-                <a:tab pos="5816600" algn="l"/>
-                <a:tab pos="6398260" algn="l"/>
-                <a:tab pos="6979920" algn="l"/>
-                <a:tab pos="7561580" algn="l"/>
-                <a:tab pos="8143240" algn="l"/>
-                <a:tab pos="8724900" algn="l"/>
-                <a:tab pos="9306560" algn="l"/>
-              </a:tabLst>
             </a:pPr>
             <a:r>
-              <a:rPr lang="en-US" sz="2400" b="1" dirty="0">
-                <a:solidFill>
-                  <a:srgbClr val="7C4FCD"/>
-                </a:solidFill>
-                <a:latin typeface="Consolas" panose="020B0609020204030204" pitchFamily="49" charset="0"/>
-                <a:ea typeface="Times New Roman" panose="02020603050405020304" pitchFamily="18" charset="0"/>
-                <a:cs typeface="Times New Roman" panose="02020603050405020304" pitchFamily="18" charset="0"/>
-              </a:rPr>
-              <a:t>    </a:t>
-            </a:r>
-            <a:r>
-              <a:rPr lang="en-US" sz="2400" b="1" dirty="0">
-                <a:solidFill>
-                  <a:srgbClr val="C70040"/>
-                </a:solidFill>
-                <a:latin typeface="Consolas" panose="020B0609020204030204" pitchFamily="49" charset="0"/>
-                <a:ea typeface="Times New Roman" panose="02020603050405020304" pitchFamily="18" charset="0"/>
-                <a:cs typeface="Times New Roman" panose="02020603050405020304" pitchFamily="18" charset="0"/>
-              </a:rPr>
-              <a:t>for</a:t>
-            </a:r>
-            <a:r>
-              <a:rPr lang="en-US" sz="2400" b="1" dirty="0">
-                <a:solidFill>
-                  <a:srgbClr val="000000"/>
-                </a:solidFill>
-                <a:latin typeface="Consolas" panose="020B0609020204030204" pitchFamily="49" charset="0"/>
-                <a:ea typeface="Times New Roman" panose="02020603050405020304" pitchFamily="18" charset="0"/>
-                <a:cs typeface="Times New Roman" panose="02020603050405020304" pitchFamily="18" charset="0"/>
-              </a:rPr>
-              <a:t>(</a:t>
-            </a:r>
-            <a:r>
-              <a:rPr lang="en-US" sz="2400" b="1" dirty="0" err="1">
-                <a:solidFill>
-                  <a:srgbClr val="000000"/>
-                </a:solidFill>
-                <a:latin typeface="Consolas" panose="020B0609020204030204" pitchFamily="49" charset="0"/>
-                <a:ea typeface="Times New Roman" panose="02020603050405020304" pitchFamily="18" charset="0"/>
-                <a:cs typeface="Times New Roman" panose="02020603050405020304" pitchFamily="18" charset="0"/>
-              </a:rPr>
-              <a:t>i</a:t>
-            </a:r>
-            <a:r>
-              <a:rPr lang="en-US" sz="2400" b="1" dirty="0">
-                <a:solidFill>
-                  <a:srgbClr val="000000"/>
-                </a:solidFill>
-                <a:latin typeface="Consolas" panose="020B0609020204030204" pitchFamily="49" charset="0"/>
-                <a:ea typeface="Times New Roman" panose="02020603050405020304" pitchFamily="18" charset="0"/>
-                <a:cs typeface="Times New Roman" panose="02020603050405020304" pitchFamily="18" charset="0"/>
-              </a:rPr>
-              <a:t> </a:t>
-            </a:r>
-            <a:r>
-              <a:rPr lang="en-US" sz="2400" b="1" dirty="0">
-                <a:solidFill>
-                  <a:srgbClr val="C70040"/>
-                </a:solidFill>
-                <a:latin typeface="Consolas" panose="020B0609020204030204" pitchFamily="49" charset="0"/>
-                <a:ea typeface="Times New Roman" panose="02020603050405020304" pitchFamily="18" charset="0"/>
-                <a:cs typeface="Times New Roman" panose="02020603050405020304" pitchFamily="18" charset="0"/>
-              </a:rPr>
-              <a:t>in </a:t>
-            </a:r>
-            <a:r>
-              <a:rPr lang="en-US" sz="2400" b="1" dirty="0">
-                <a:solidFill>
-                  <a:srgbClr val="7C4FCD"/>
-                </a:solidFill>
-                <a:latin typeface="Consolas" panose="020B0609020204030204" pitchFamily="49" charset="0"/>
-                <a:ea typeface="Times New Roman" panose="02020603050405020304" pitchFamily="18" charset="0"/>
-                <a:cs typeface="Times New Roman" panose="02020603050405020304" pitchFamily="18" charset="0"/>
-              </a:rPr>
-              <a:t>0 </a:t>
-            </a:r>
-            <a:r>
-              <a:rPr lang="en-US" sz="2400" b="1" dirty="0">
-                <a:solidFill>
-                  <a:srgbClr val="000000"/>
-                </a:solidFill>
-                <a:latin typeface="Consolas" panose="020B0609020204030204" pitchFamily="49" charset="0"/>
-                <a:ea typeface="Times New Roman" panose="02020603050405020304" pitchFamily="18" charset="0"/>
-                <a:cs typeface="Times New Roman" panose="02020603050405020304" pitchFamily="18" charset="0"/>
-              </a:rPr>
-              <a:t>until </a:t>
-            </a:r>
-            <a:r>
-              <a:rPr lang="en-US" sz="2400" b="1" dirty="0">
-                <a:solidFill>
-                  <a:srgbClr val="7C4FCD"/>
-                </a:solidFill>
-                <a:latin typeface="Consolas" panose="020B0609020204030204" pitchFamily="49" charset="0"/>
-                <a:ea typeface="Times New Roman" panose="02020603050405020304" pitchFamily="18" charset="0"/>
-                <a:cs typeface="Times New Roman" panose="02020603050405020304" pitchFamily="18" charset="0"/>
-              </a:rPr>
-              <a:t>6</a:t>
-            </a:r>
-            <a:r>
-              <a:rPr lang="en-US" sz="2400" b="1" dirty="0">
-                <a:solidFill>
-                  <a:srgbClr val="000000"/>
-                </a:solidFill>
-                <a:latin typeface="Consolas" panose="020B0609020204030204" pitchFamily="49" charset="0"/>
-                <a:ea typeface="Times New Roman" panose="02020603050405020304" pitchFamily="18" charset="0"/>
-                <a:cs typeface="Times New Roman" panose="02020603050405020304" pitchFamily="18" charset="0"/>
-              </a:rPr>
-              <a:t>) {</a:t>
-            </a:r>
-            <a:endParaRPr lang="en-US" sz="2400" b="1" dirty="0">
-              <a:latin typeface="Calibri" panose="020F0502020204030204" pitchFamily="34" charset="0"/>
-              <a:ea typeface="Calibri" panose="020F0502020204030204" pitchFamily="34" charset="0"/>
-              <a:cs typeface="Times New Roman" panose="02020603050405020304" pitchFamily="18" charset="0"/>
-            </a:endParaRPr>
+              <a:rPr lang="hu-HU" sz="1600" dirty="0">
+                <a:solidFill>
+                  <a:schemeClr val="tx1"/>
+                </a:solidFill>
+                <a:ea typeface="Times New Roman" panose="02020603050405020304" pitchFamily="18" charset="0"/>
+                <a:cs typeface="Times New Roman" panose="02020603050405020304" pitchFamily="18" charset="0"/>
+              </a:rPr>
+              <a:t>      return;</a:t>
+            </a:r>
           </a:p>
           <a:p>
             <a:pPr>
               <a:lnSpc>
                 <a:spcPct val="107000"/>
               </a:lnSpc>
-              <a:tabLst>
-                <a:tab pos="581660" algn="l"/>
-                <a:tab pos="1163320" algn="l"/>
-                <a:tab pos="1744980" algn="l"/>
-                <a:tab pos="2326640" algn="l"/>
-                <a:tab pos="2908300" algn="l"/>
-                <a:tab pos="3489960" algn="l"/>
-                <a:tab pos="4071620" algn="l"/>
-                <a:tab pos="4653280" algn="l"/>
-                <a:tab pos="5234940" algn="l"/>
-                <a:tab pos="5816600" algn="l"/>
-                <a:tab pos="6398260" algn="l"/>
-                <a:tab pos="6979920" algn="l"/>
-                <a:tab pos="7561580" algn="l"/>
-                <a:tab pos="8143240" algn="l"/>
-                <a:tab pos="8724900" algn="l"/>
-                <a:tab pos="9306560" algn="l"/>
-              </a:tabLst>
             </a:pPr>
             <a:r>
-              <a:rPr lang="en-US" sz="2400" dirty="0">
-                <a:solidFill>
-                  <a:srgbClr val="000000"/>
-                </a:solidFill>
-                <a:latin typeface="Consolas" panose="020B0609020204030204" pitchFamily="49" charset="0"/>
-                <a:ea typeface="Times New Roman" panose="02020603050405020304" pitchFamily="18" charset="0"/>
-                <a:cs typeface="Times New Roman" panose="02020603050405020304" pitchFamily="18" charset="0"/>
-              </a:rPr>
-              <a:t>      image</a:t>
-            </a:r>
-            <a:r>
-              <a:rPr lang="en-US" sz="2400" b="1" dirty="0">
-                <a:solidFill>
-                  <a:srgbClr val="000000"/>
-                </a:solidFill>
-                <a:latin typeface="Consolas" panose="020B0609020204030204" pitchFamily="49" charset="0"/>
-                <a:ea typeface="Times New Roman" panose="02020603050405020304" pitchFamily="18" charset="0"/>
-                <a:cs typeface="Times New Roman" panose="02020603050405020304" pitchFamily="18" charset="0"/>
-              </a:rPr>
-              <a:t>s[</a:t>
-            </a:r>
-            <a:r>
-              <a:rPr lang="en-US" sz="2400" b="1" dirty="0" err="1">
-                <a:solidFill>
-                  <a:srgbClr val="000000"/>
-                </a:solidFill>
-                <a:latin typeface="Consolas" panose="020B0609020204030204" pitchFamily="49" charset="0"/>
-                <a:ea typeface="Times New Roman" panose="02020603050405020304" pitchFamily="18" charset="0"/>
-                <a:cs typeface="Times New Roman" panose="02020603050405020304" pitchFamily="18" charset="0"/>
-              </a:rPr>
-              <a:t>i</a:t>
-            </a:r>
-            <a:r>
-              <a:rPr lang="en-US" sz="2400" b="1" dirty="0">
-                <a:solidFill>
-                  <a:srgbClr val="000000"/>
-                </a:solidFill>
-                <a:latin typeface="Consolas" panose="020B0609020204030204" pitchFamily="49" charset="0"/>
-                <a:ea typeface="Times New Roman" panose="02020603050405020304" pitchFamily="18" charset="0"/>
-                <a:cs typeface="Times New Roman" panose="02020603050405020304" pitchFamily="18" charset="0"/>
-              </a:rPr>
-              <a:t>]</a:t>
-            </a:r>
-            <a:r>
-              <a:rPr lang="en-US" sz="2400" dirty="0">
-                <a:solidFill>
-                  <a:srgbClr val="C70040"/>
-                </a:solidFill>
-                <a:latin typeface="Consolas" panose="020B0609020204030204" pitchFamily="49" charset="0"/>
-                <a:ea typeface="Times New Roman" panose="02020603050405020304" pitchFamily="18" charset="0"/>
-                <a:cs typeface="Times New Roman" panose="02020603050405020304" pitchFamily="18" charset="0"/>
-              </a:rPr>
-              <a:t>.</a:t>
-            </a:r>
-            <a:r>
-              <a:rPr lang="en-US" sz="2400" dirty="0">
-                <a:solidFill>
-                  <a:srgbClr val="000000"/>
-                </a:solidFill>
-                <a:latin typeface="Consolas" panose="020B0609020204030204" pitchFamily="49" charset="0"/>
-                <a:ea typeface="Times New Roman" panose="02020603050405020304" pitchFamily="18" charset="0"/>
-                <a:cs typeface="Times New Roman" panose="02020603050405020304" pitchFamily="18" charset="0"/>
-              </a:rPr>
-              <a:t>onload </a:t>
-            </a:r>
-            <a:r>
-              <a:rPr lang="en-US" sz="2400" dirty="0">
-                <a:solidFill>
-                  <a:srgbClr val="C70040"/>
-                </a:solidFill>
-                <a:latin typeface="Consolas" panose="020B0609020204030204" pitchFamily="49" charset="0"/>
-                <a:ea typeface="Times New Roman" panose="02020603050405020304" pitchFamily="18" charset="0"/>
-                <a:cs typeface="Times New Roman" panose="02020603050405020304" pitchFamily="18" charset="0"/>
-              </a:rPr>
-              <a:t>= </a:t>
-            </a:r>
-            <a:r>
-              <a:rPr lang="en-US" sz="2400" dirty="0">
-                <a:solidFill>
-                  <a:srgbClr val="000000"/>
-                </a:solidFill>
-                <a:latin typeface="Consolas" panose="020B0609020204030204" pitchFamily="49" charset="0"/>
-                <a:ea typeface="Times New Roman" panose="02020603050405020304" pitchFamily="18" charset="0"/>
-                <a:cs typeface="Times New Roman" panose="02020603050405020304" pitchFamily="18" charset="0"/>
-              </a:rPr>
-              <a:t>{</a:t>
-            </a:r>
-            <a:endParaRPr lang="en-US" sz="2400" dirty="0">
-              <a:latin typeface="Calibri" panose="020F0502020204030204" pitchFamily="34" charset="0"/>
-              <a:ea typeface="Calibri" panose="020F0502020204030204" pitchFamily="34" charset="0"/>
-              <a:cs typeface="Times New Roman" panose="02020603050405020304" pitchFamily="18" charset="0"/>
-            </a:endParaRPr>
+              <a:rPr lang="hu-HU" sz="1600" dirty="0">
+                <a:solidFill>
+                  <a:schemeClr val="tx1"/>
+                </a:solidFill>
+                <a:ea typeface="Times New Roman" panose="02020603050405020304" pitchFamily="18" charset="0"/>
+                <a:cs typeface="Times New Roman" panose="02020603050405020304" pitchFamily="18" charset="0"/>
+              </a:rPr>
+              <a:t>    }</a:t>
+            </a:r>
           </a:p>
           <a:p>
             <a:pPr>
               <a:lnSpc>
                 <a:spcPct val="107000"/>
               </a:lnSpc>
-              <a:tabLst>
-                <a:tab pos="581660" algn="l"/>
-                <a:tab pos="1163320" algn="l"/>
-                <a:tab pos="1744980" algn="l"/>
-                <a:tab pos="2326640" algn="l"/>
-                <a:tab pos="2908300" algn="l"/>
-                <a:tab pos="3489960" algn="l"/>
-                <a:tab pos="4071620" algn="l"/>
-                <a:tab pos="4653280" algn="l"/>
-                <a:tab pos="5234940" algn="l"/>
-                <a:tab pos="5816600" algn="l"/>
-                <a:tab pos="6398260" algn="l"/>
-                <a:tab pos="6979920" algn="l"/>
-                <a:tab pos="7561580" algn="l"/>
-                <a:tab pos="8143240" algn="l"/>
-                <a:tab pos="8724900" algn="l"/>
-                <a:tab pos="9306560" algn="l"/>
-              </a:tabLst>
             </a:pPr>
             <a:r>
-              <a:rPr lang="en-US" sz="2400" dirty="0">
-                <a:solidFill>
-                  <a:srgbClr val="000000"/>
-                </a:solidFill>
-                <a:latin typeface="Consolas" panose="020B0609020204030204" pitchFamily="49" charset="0"/>
-                <a:ea typeface="Times New Roman" panose="02020603050405020304" pitchFamily="18" charset="0"/>
-                <a:cs typeface="Times New Roman" panose="02020603050405020304" pitchFamily="18" charset="0"/>
-              </a:rPr>
-              <a:t>        </a:t>
-            </a:r>
-            <a:r>
-              <a:rPr lang="en-US" sz="2400" dirty="0" err="1">
-                <a:solidFill>
-                  <a:srgbClr val="000000"/>
-                </a:solidFill>
-                <a:latin typeface="Consolas" panose="020B0609020204030204" pitchFamily="49" charset="0"/>
-                <a:ea typeface="Times New Roman" panose="02020603050405020304" pitchFamily="18" charset="0"/>
-                <a:cs typeface="Times New Roman" panose="02020603050405020304" pitchFamily="18" charset="0"/>
-              </a:rPr>
-              <a:t>gl</a:t>
-            </a:r>
-            <a:r>
-              <a:rPr lang="en-US" sz="2400" dirty="0" err="1">
-                <a:solidFill>
-                  <a:srgbClr val="C70040"/>
-                </a:solidFill>
-                <a:latin typeface="Consolas" panose="020B0609020204030204" pitchFamily="49" charset="0"/>
-                <a:ea typeface="Times New Roman" panose="02020603050405020304" pitchFamily="18" charset="0"/>
-                <a:cs typeface="Times New Roman" panose="02020603050405020304" pitchFamily="18" charset="0"/>
-              </a:rPr>
-              <a:t>.</a:t>
-            </a:r>
-            <a:r>
-              <a:rPr lang="en-US" sz="2400" dirty="0" err="1">
-                <a:solidFill>
-                  <a:srgbClr val="000000"/>
-                </a:solidFill>
-                <a:latin typeface="Consolas" panose="020B0609020204030204" pitchFamily="49" charset="0"/>
-                <a:ea typeface="Times New Roman" panose="02020603050405020304" pitchFamily="18" charset="0"/>
-                <a:cs typeface="Times New Roman" panose="02020603050405020304" pitchFamily="18" charset="0"/>
-              </a:rPr>
-              <a:t>bindTexture</a:t>
-            </a:r>
-            <a:r>
-              <a:rPr lang="en-US" sz="2400" dirty="0">
-                <a:solidFill>
-                  <a:srgbClr val="000000"/>
-                </a:solidFill>
-                <a:latin typeface="Consolas" panose="020B0609020204030204" pitchFamily="49" charset="0"/>
-                <a:ea typeface="Times New Roman" panose="02020603050405020304" pitchFamily="18" charset="0"/>
-                <a:cs typeface="Times New Roman" panose="02020603050405020304" pitchFamily="18" charset="0"/>
-              </a:rPr>
-              <a:t>(</a:t>
-            </a:r>
-            <a:r>
-              <a:rPr lang="en-US" sz="2400" dirty="0">
-                <a:solidFill>
-                  <a:srgbClr val="7C4FCD"/>
-                </a:solidFill>
-                <a:latin typeface="Consolas" panose="020B0609020204030204" pitchFamily="49" charset="0"/>
-                <a:ea typeface="Times New Roman" panose="02020603050405020304" pitchFamily="18" charset="0"/>
-                <a:cs typeface="Times New Roman" panose="02020603050405020304" pitchFamily="18" charset="0"/>
-              </a:rPr>
-              <a:t>GL</a:t>
-            </a:r>
-            <a:r>
-              <a:rPr lang="en-US" sz="2400" dirty="0">
-                <a:solidFill>
-                  <a:srgbClr val="C70040"/>
-                </a:solidFill>
-                <a:latin typeface="Consolas" panose="020B0609020204030204" pitchFamily="49" charset="0"/>
-                <a:ea typeface="Times New Roman" panose="02020603050405020304" pitchFamily="18" charset="0"/>
-                <a:cs typeface="Times New Roman" panose="02020603050405020304" pitchFamily="18" charset="0"/>
-              </a:rPr>
-              <a:t>.</a:t>
-            </a:r>
-            <a:r>
-              <a:rPr lang="en-US" sz="2400" b="1" dirty="0">
-                <a:solidFill>
-                  <a:srgbClr val="7C4FCD"/>
-                </a:solidFill>
-                <a:latin typeface="Consolas" panose="020B0609020204030204" pitchFamily="49" charset="0"/>
-                <a:ea typeface="Times New Roman" panose="02020603050405020304" pitchFamily="18" charset="0"/>
-                <a:cs typeface="Times New Roman" panose="02020603050405020304" pitchFamily="18" charset="0"/>
-              </a:rPr>
-              <a:t>TEXTURE_CUBE_MAP</a:t>
-            </a:r>
-            <a:r>
-              <a:rPr lang="en-US" sz="2400" dirty="0">
-                <a:solidFill>
-                  <a:srgbClr val="000000"/>
-                </a:solidFill>
-                <a:latin typeface="Consolas" panose="020B0609020204030204" pitchFamily="49" charset="0"/>
-                <a:ea typeface="Times New Roman" panose="02020603050405020304" pitchFamily="18" charset="0"/>
-                <a:cs typeface="Times New Roman" panose="02020603050405020304" pitchFamily="18" charset="0"/>
-              </a:rPr>
-              <a:t>, </a:t>
-            </a:r>
-            <a:r>
-              <a:rPr lang="en-US" sz="2400" dirty="0" err="1">
-                <a:solidFill>
-                  <a:srgbClr val="000000"/>
-                </a:solidFill>
-                <a:latin typeface="Consolas" panose="020B0609020204030204" pitchFamily="49" charset="0"/>
-                <a:ea typeface="Times New Roman" panose="02020603050405020304" pitchFamily="18" charset="0"/>
-                <a:cs typeface="Times New Roman" panose="02020603050405020304" pitchFamily="18" charset="0"/>
-              </a:rPr>
-              <a:t>glTexture</a:t>
-            </a:r>
-            <a:r>
-              <a:rPr lang="en-US" sz="2400" dirty="0">
-                <a:solidFill>
-                  <a:srgbClr val="000000"/>
-                </a:solidFill>
-                <a:latin typeface="Consolas" panose="020B0609020204030204" pitchFamily="49" charset="0"/>
-                <a:ea typeface="Times New Roman" panose="02020603050405020304" pitchFamily="18" charset="0"/>
-                <a:cs typeface="Times New Roman" panose="02020603050405020304" pitchFamily="18" charset="0"/>
-              </a:rPr>
-              <a:t>)</a:t>
-            </a:r>
-            <a:endParaRPr lang="en-US" sz="2400" dirty="0">
-              <a:latin typeface="Calibri" panose="020F0502020204030204" pitchFamily="34" charset="0"/>
-              <a:ea typeface="Calibri" panose="020F0502020204030204" pitchFamily="34" charset="0"/>
-              <a:cs typeface="Times New Roman" panose="02020603050405020304" pitchFamily="18" charset="0"/>
-            </a:endParaRPr>
+              <a:rPr lang="hu-HU" sz="1600" dirty="0">
+                <a:solidFill>
+                  <a:schemeClr val="tx1"/>
+                </a:solidFill>
+                <a:ea typeface="Times New Roman" panose="02020603050405020304" pitchFamily="18" charset="0"/>
+                <a:cs typeface="Times New Roman" panose="02020603050405020304" pitchFamily="18" charset="0"/>
+              </a:rPr>
+              <a:t>    gl.bindTexture(gl.TEXTURE_CUBE_MAP, this.glTexture);</a:t>
+            </a:r>
           </a:p>
           <a:p>
             <a:pPr>
               <a:lnSpc>
                 <a:spcPct val="107000"/>
               </a:lnSpc>
-              <a:tabLst>
-                <a:tab pos="581660" algn="l"/>
-                <a:tab pos="1163320" algn="l"/>
-                <a:tab pos="1744980" algn="l"/>
-                <a:tab pos="2326640" algn="l"/>
-                <a:tab pos="2908300" algn="l"/>
-                <a:tab pos="3489960" algn="l"/>
-                <a:tab pos="4071620" algn="l"/>
-                <a:tab pos="4653280" algn="l"/>
-                <a:tab pos="5234940" algn="l"/>
-                <a:tab pos="5816600" algn="l"/>
-                <a:tab pos="6398260" algn="l"/>
-                <a:tab pos="6979920" algn="l"/>
-                <a:tab pos="7561580" algn="l"/>
-                <a:tab pos="8143240" algn="l"/>
-                <a:tab pos="8724900" algn="l"/>
-                <a:tab pos="9306560" algn="l"/>
-              </a:tabLst>
             </a:pPr>
             <a:r>
-              <a:rPr lang="en-US" sz="2400" dirty="0">
-                <a:solidFill>
-                  <a:srgbClr val="000000"/>
-                </a:solidFill>
-                <a:latin typeface="Consolas" panose="020B0609020204030204" pitchFamily="49" charset="0"/>
-                <a:ea typeface="Times New Roman" panose="02020603050405020304" pitchFamily="18" charset="0"/>
-                <a:cs typeface="Times New Roman" panose="02020603050405020304" pitchFamily="18" charset="0"/>
-              </a:rPr>
-              <a:t>        gl</a:t>
-            </a:r>
-            <a:r>
-              <a:rPr lang="en-US" sz="2400" dirty="0">
+              <a:rPr lang="hu-HU" sz="1600" dirty="0">
+                <a:solidFill>
+                  <a:schemeClr val="tx1"/>
+                </a:solidFill>
+                <a:ea typeface="Times New Roman" panose="02020603050405020304" pitchFamily="18" charset="0"/>
+                <a:cs typeface="Times New Roman" panose="02020603050405020304" pitchFamily="18" charset="0"/>
+              </a:rPr>
+              <a:t>    for(let i</a:t>
+            </a:r>
+            <a:r>
+              <a:rPr lang="hu-HU" sz="1600" dirty="0">
                 <a:solidFill>
                   <a:srgbClr val="C70040"/>
                 </a:solidFill>
-                <a:latin typeface="Consolas" panose="020B0609020204030204" pitchFamily="49" charset="0"/>
-                <a:ea typeface="Times New Roman" panose="02020603050405020304" pitchFamily="18" charset="0"/>
-                <a:cs typeface="Times New Roman" panose="02020603050405020304" pitchFamily="18" charset="0"/>
-              </a:rPr>
-              <a:t>.</a:t>
-            </a:r>
-            <a:r>
-              <a:rPr lang="en-US" sz="2400" dirty="0">
-                <a:solidFill>
-                  <a:srgbClr val="000000"/>
-                </a:solidFill>
-                <a:latin typeface="Consolas" panose="020B0609020204030204" pitchFamily="49" charset="0"/>
-                <a:ea typeface="Times New Roman" panose="02020603050405020304" pitchFamily="18" charset="0"/>
-                <a:cs typeface="Times New Roman" panose="02020603050405020304" pitchFamily="18" charset="0"/>
-              </a:rPr>
-              <a:t>texImage2D(</a:t>
-            </a:r>
-            <a:r>
-              <a:rPr lang="en-US" sz="2400" dirty="0" err="1">
-                <a:solidFill>
-                  <a:srgbClr val="7C4FCD"/>
-                </a:solidFill>
-                <a:latin typeface="Consolas" panose="020B0609020204030204" pitchFamily="49" charset="0"/>
-                <a:ea typeface="Times New Roman" panose="02020603050405020304" pitchFamily="18" charset="0"/>
-                <a:cs typeface="Times New Roman" panose="02020603050405020304" pitchFamily="18" charset="0"/>
-              </a:rPr>
-              <a:t>GL</a:t>
-            </a:r>
-            <a:r>
-              <a:rPr lang="en-US" sz="2400" dirty="0" err="1">
+                <a:ea typeface="Times New Roman" panose="02020603050405020304" pitchFamily="18" charset="0"/>
+                <a:cs typeface="Times New Roman" panose="02020603050405020304" pitchFamily="18" charset="0"/>
+              </a:rPr>
+              <a:t>=</a:t>
+            </a:r>
+            <a:r>
+              <a:rPr lang="hu-HU" sz="1600" dirty="0">
+                <a:solidFill>
+                  <a:schemeClr val="tx1"/>
+                </a:solidFill>
+                <a:ea typeface="Times New Roman" panose="02020603050405020304" pitchFamily="18" charset="0"/>
+                <a:cs typeface="Times New Roman" panose="02020603050405020304" pitchFamily="18" charset="0"/>
+              </a:rPr>
+              <a:t>0; i</a:t>
+            </a:r>
+            <a:r>
+              <a:rPr lang="hu-HU" sz="1600" dirty="0">
                 <a:solidFill>
                   <a:srgbClr val="C70040"/>
                 </a:solidFill>
-                <a:latin typeface="Consolas" panose="020B0609020204030204" pitchFamily="49" charset="0"/>
-                <a:ea typeface="Times New Roman" panose="02020603050405020304" pitchFamily="18" charset="0"/>
-                <a:cs typeface="Times New Roman" panose="02020603050405020304" pitchFamily="18" charset="0"/>
-              </a:rPr>
-              <a:t>.</a:t>
-            </a:r>
-            <a:r>
-              <a:rPr lang="en-US" sz="2400" b="1" dirty="0" err="1">
-                <a:solidFill>
-                  <a:srgbClr val="7C4FCD"/>
-                </a:solidFill>
-                <a:latin typeface="Consolas" panose="020B0609020204030204" pitchFamily="49" charset="0"/>
-                <a:ea typeface="Times New Roman" panose="02020603050405020304" pitchFamily="18" charset="0"/>
-                <a:cs typeface="Times New Roman" panose="02020603050405020304" pitchFamily="18" charset="0"/>
-              </a:rPr>
-              <a:t>TEXTURE_CUBE_MAP_POSITIVE_X</a:t>
-            </a:r>
-            <a:r>
-              <a:rPr lang="en-US" sz="2400" b="1" dirty="0" err="1">
+                <a:ea typeface="Times New Roman" panose="02020603050405020304" pitchFamily="18" charset="0"/>
+                <a:cs typeface="Times New Roman" panose="02020603050405020304" pitchFamily="18" charset="0"/>
+              </a:rPr>
+              <a:t>&lt;</a:t>
+            </a:r>
+            <a:r>
+              <a:rPr lang="hu-HU" sz="1600" dirty="0">
+                <a:solidFill>
+                  <a:schemeClr val="tx1"/>
+                </a:solidFill>
+                <a:ea typeface="Times New Roman" panose="02020603050405020304" pitchFamily="18" charset="0"/>
+                <a:cs typeface="Times New Roman" panose="02020603050405020304" pitchFamily="18" charset="0"/>
+              </a:rPr>
+              <a:t>6; i</a:t>
+            </a:r>
+            <a:r>
+              <a:rPr lang="hu-HU" sz="1600" dirty="0">
                 <a:solidFill>
                   <a:srgbClr val="C70040"/>
                 </a:solidFill>
-                <a:latin typeface="Consolas" panose="020B0609020204030204" pitchFamily="49" charset="0"/>
-                <a:ea typeface="Times New Roman" panose="02020603050405020304" pitchFamily="18" charset="0"/>
-                <a:cs typeface="Times New Roman" panose="02020603050405020304" pitchFamily="18" charset="0"/>
-              </a:rPr>
-              <a:t>+</a:t>
-            </a:r>
-            <a:r>
-              <a:rPr lang="en-US" sz="2400" b="1" dirty="0" err="1">
-                <a:solidFill>
-                  <a:srgbClr val="000000"/>
-                </a:solidFill>
-                <a:latin typeface="Consolas" panose="020B0609020204030204" pitchFamily="49" charset="0"/>
-                <a:ea typeface="Times New Roman" panose="02020603050405020304" pitchFamily="18" charset="0"/>
-                <a:cs typeface="Times New Roman" panose="02020603050405020304" pitchFamily="18" charset="0"/>
-              </a:rPr>
-              <a:t>i</a:t>
-            </a:r>
-            <a:r>
-              <a:rPr lang="en-US" sz="2400" dirty="0">
-                <a:solidFill>
-                  <a:srgbClr val="000000"/>
-                </a:solidFill>
-                <a:latin typeface="Consolas" panose="020B0609020204030204" pitchFamily="49" charset="0"/>
-                <a:ea typeface="Times New Roman" panose="02020603050405020304" pitchFamily="18" charset="0"/>
-                <a:cs typeface="Times New Roman" panose="02020603050405020304" pitchFamily="18" charset="0"/>
-              </a:rPr>
-              <a:t>, </a:t>
-            </a:r>
-            <a:r>
-              <a:rPr lang="en-US" sz="2400" dirty="0">
-                <a:solidFill>
-                  <a:srgbClr val="7C4FCD"/>
-                </a:solidFill>
-                <a:latin typeface="Consolas" panose="020B0609020204030204" pitchFamily="49" charset="0"/>
-                <a:ea typeface="Times New Roman" panose="02020603050405020304" pitchFamily="18" charset="0"/>
-                <a:cs typeface="Times New Roman" panose="02020603050405020304" pitchFamily="18" charset="0"/>
-              </a:rPr>
-              <a:t>0</a:t>
-            </a:r>
-            <a:r>
-              <a:rPr lang="en-US" sz="2400" dirty="0">
-                <a:solidFill>
-                  <a:srgbClr val="000000"/>
-                </a:solidFill>
-                <a:latin typeface="Consolas" panose="020B0609020204030204" pitchFamily="49" charset="0"/>
-                <a:ea typeface="Times New Roman" panose="02020603050405020304" pitchFamily="18" charset="0"/>
-                <a:cs typeface="Times New Roman" panose="02020603050405020304" pitchFamily="18" charset="0"/>
-              </a:rPr>
-              <a:t>, </a:t>
-            </a:r>
-            <a:r>
-              <a:rPr lang="en-US" sz="2400" dirty="0">
-                <a:solidFill>
-                  <a:srgbClr val="7C4FCD"/>
-                </a:solidFill>
-                <a:latin typeface="Consolas" panose="020B0609020204030204" pitchFamily="49" charset="0"/>
-                <a:ea typeface="Times New Roman" panose="02020603050405020304" pitchFamily="18" charset="0"/>
-                <a:cs typeface="Times New Roman" panose="02020603050405020304" pitchFamily="18" charset="0"/>
-              </a:rPr>
-              <a:t>GL</a:t>
-            </a:r>
-            <a:r>
-              <a:rPr lang="en-US" sz="2400" dirty="0">
-                <a:solidFill>
-                  <a:srgbClr val="C70040"/>
-                </a:solidFill>
-                <a:latin typeface="Consolas" panose="020B0609020204030204" pitchFamily="49" charset="0"/>
-                <a:ea typeface="Times New Roman" panose="02020603050405020304" pitchFamily="18" charset="0"/>
-                <a:cs typeface="Times New Roman" panose="02020603050405020304" pitchFamily="18" charset="0"/>
-              </a:rPr>
-              <a:t>.</a:t>
-            </a:r>
-            <a:r>
-              <a:rPr lang="en-US" sz="2400" dirty="0">
-                <a:solidFill>
-                  <a:srgbClr val="7C4FCD"/>
-                </a:solidFill>
-                <a:latin typeface="Consolas" panose="020B0609020204030204" pitchFamily="49" charset="0"/>
-                <a:ea typeface="Times New Roman" panose="02020603050405020304" pitchFamily="18" charset="0"/>
-                <a:cs typeface="Times New Roman" panose="02020603050405020304" pitchFamily="18" charset="0"/>
-              </a:rPr>
-              <a:t>RGBA</a:t>
-            </a:r>
-            <a:r>
-              <a:rPr lang="en-US" sz="2400" dirty="0">
-                <a:solidFill>
-                  <a:srgbClr val="000000"/>
-                </a:solidFill>
-                <a:latin typeface="Consolas" panose="020B0609020204030204" pitchFamily="49" charset="0"/>
-                <a:ea typeface="Times New Roman" panose="02020603050405020304" pitchFamily="18" charset="0"/>
-                <a:cs typeface="Times New Roman" panose="02020603050405020304" pitchFamily="18" charset="0"/>
-              </a:rPr>
-              <a:t>, </a:t>
-            </a:r>
-            <a:r>
-              <a:rPr lang="en-US" sz="2400" dirty="0">
-                <a:solidFill>
-                  <a:srgbClr val="7C4FCD"/>
-                </a:solidFill>
-                <a:latin typeface="Consolas" panose="020B0609020204030204" pitchFamily="49" charset="0"/>
-                <a:ea typeface="Times New Roman" panose="02020603050405020304" pitchFamily="18" charset="0"/>
-                <a:cs typeface="Times New Roman" panose="02020603050405020304" pitchFamily="18" charset="0"/>
-              </a:rPr>
-              <a:t>GL</a:t>
-            </a:r>
-            <a:r>
-              <a:rPr lang="en-US" sz="2400" dirty="0">
-                <a:solidFill>
-                  <a:srgbClr val="C70040"/>
-                </a:solidFill>
-                <a:latin typeface="Consolas" panose="020B0609020204030204" pitchFamily="49" charset="0"/>
-                <a:ea typeface="Times New Roman" panose="02020603050405020304" pitchFamily="18" charset="0"/>
-                <a:cs typeface="Times New Roman" panose="02020603050405020304" pitchFamily="18" charset="0"/>
-              </a:rPr>
-              <a:t>.</a:t>
-            </a:r>
-            <a:r>
-              <a:rPr lang="en-US" sz="2400" dirty="0">
-                <a:solidFill>
-                  <a:srgbClr val="7C4FCD"/>
-                </a:solidFill>
-                <a:latin typeface="Consolas" panose="020B0609020204030204" pitchFamily="49" charset="0"/>
-                <a:ea typeface="Times New Roman" panose="02020603050405020304" pitchFamily="18" charset="0"/>
-                <a:cs typeface="Times New Roman" panose="02020603050405020304" pitchFamily="18" charset="0"/>
-              </a:rPr>
-              <a:t>RGBA</a:t>
-            </a:r>
-            <a:r>
-              <a:rPr lang="en-US" sz="2400" dirty="0">
-                <a:solidFill>
-                  <a:srgbClr val="000000"/>
-                </a:solidFill>
-                <a:latin typeface="Consolas" panose="020B0609020204030204" pitchFamily="49" charset="0"/>
-                <a:ea typeface="Times New Roman" panose="02020603050405020304" pitchFamily="18" charset="0"/>
-                <a:cs typeface="Times New Roman" panose="02020603050405020304" pitchFamily="18" charset="0"/>
-              </a:rPr>
-              <a:t>,</a:t>
-            </a:r>
-            <a:endParaRPr lang="hu-HU" sz="2400" dirty="0">
-              <a:solidFill>
-                <a:srgbClr val="000000"/>
-              </a:solidFill>
-              <a:latin typeface="Consolas" panose="020B0609020204030204" pitchFamily="49" charset="0"/>
-              <a:ea typeface="Times New Roman" panose="02020603050405020304" pitchFamily="18" charset="0"/>
-              <a:cs typeface="Times New Roman" panose="02020603050405020304" pitchFamily="18" charset="0"/>
-            </a:endParaRPr>
+                <a:ea typeface="Times New Roman" panose="02020603050405020304" pitchFamily="18" charset="0"/>
+                <a:cs typeface="Times New Roman" panose="02020603050405020304" pitchFamily="18" charset="0"/>
+              </a:rPr>
+              <a:t>++</a:t>
+            </a:r>
+            <a:r>
+              <a:rPr lang="hu-HU" sz="1600" dirty="0">
+                <a:solidFill>
+                  <a:schemeClr val="tx1"/>
+                </a:solidFill>
+                <a:ea typeface="Times New Roman" panose="02020603050405020304" pitchFamily="18" charset="0"/>
+                <a:cs typeface="Times New Roman" panose="02020603050405020304" pitchFamily="18" charset="0"/>
+              </a:rPr>
+              <a:t>){</a:t>
+            </a:r>
           </a:p>
           <a:p>
             <a:pPr>
               <a:lnSpc>
                 <a:spcPct val="107000"/>
               </a:lnSpc>
-              <a:tabLst>
-                <a:tab pos="581660" algn="l"/>
-                <a:tab pos="1163320" algn="l"/>
-                <a:tab pos="1744980" algn="l"/>
-                <a:tab pos="2326640" algn="l"/>
-                <a:tab pos="2908300" algn="l"/>
-                <a:tab pos="3489960" algn="l"/>
-                <a:tab pos="4071620" algn="l"/>
-                <a:tab pos="4653280" algn="l"/>
-                <a:tab pos="5234940" algn="l"/>
-                <a:tab pos="5816600" algn="l"/>
-                <a:tab pos="6398260" algn="l"/>
-                <a:tab pos="6979920" algn="l"/>
-                <a:tab pos="7561580" algn="l"/>
-                <a:tab pos="8143240" algn="l"/>
-                <a:tab pos="8724900" algn="l"/>
-                <a:tab pos="9306560" algn="l"/>
-              </a:tabLst>
             </a:pPr>
             <a:r>
-              <a:rPr lang="hu-HU" sz="2400" dirty="0">
-                <a:solidFill>
-                  <a:srgbClr val="000000"/>
-                </a:solidFill>
-                <a:latin typeface="Consolas" panose="020B0609020204030204" pitchFamily="49" charset="0"/>
-                <a:ea typeface="Times New Roman" panose="02020603050405020304" pitchFamily="18" charset="0"/>
-                <a:cs typeface="Times New Roman" panose="02020603050405020304" pitchFamily="18" charset="0"/>
-              </a:rPr>
-              <a:t>                                                   </a:t>
-            </a:r>
-            <a:r>
-              <a:rPr lang="en-US" sz="2400" dirty="0">
-                <a:solidFill>
-                  <a:srgbClr val="000000"/>
-                </a:solidFill>
-                <a:latin typeface="Consolas" panose="020B0609020204030204" pitchFamily="49" charset="0"/>
-                <a:ea typeface="Times New Roman" panose="02020603050405020304" pitchFamily="18" charset="0"/>
-                <a:cs typeface="Times New Roman" panose="02020603050405020304" pitchFamily="18" charset="0"/>
-              </a:rPr>
-              <a:t> </a:t>
-            </a:r>
-            <a:r>
-              <a:rPr lang="en-US" sz="2400" dirty="0">
-                <a:solidFill>
-                  <a:srgbClr val="7C4FCD"/>
-                </a:solidFill>
-                <a:latin typeface="Consolas" panose="020B0609020204030204" pitchFamily="49" charset="0"/>
-                <a:ea typeface="Times New Roman" panose="02020603050405020304" pitchFamily="18" charset="0"/>
-                <a:cs typeface="Times New Roman" panose="02020603050405020304" pitchFamily="18" charset="0"/>
-              </a:rPr>
-              <a:t>GL</a:t>
-            </a:r>
-            <a:r>
-              <a:rPr lang="en-US" sz="2400" dirty="0">
+              <a:rPr lang="hu-HU" sz="1600" dirty="0">
+                <a:solidFill>
+                  <a:schemeClr val="tx1"/>
+                </a:solidFill>
+                <a:ea typeface="Times New Roman" panose="02020603050405020304" pitchFamily="18" charset="0"/>
+                <a:cs typeface="Times New Roman" panose="02020603050405020304" pitchFamily="18" charset="0"/>
+              </a:rPr>
+              <a:t>      gl.texImage2D(gl.TEXTURE_CUBE_MAP_POSITIVE_X</a:t>
+            </a:r>
+            <a:r>
+              <a:rPr lang="hu-HU" sz="1600" dirty="0">
                 <a:solidFill>
                   <a:srgbClr val="C70040"/>
                 </a:solidFill>
-                <a:latin typeface="Consolas" panose="020B0609020204030204" pitchFamily="49" charset="0"/>
-                <a:ea typeface="Times New Roman" panose="02020603050405020304" pitchFamily="18" charset="0"/>
-                <a:cs typeface="Times New Roman" panose="02020603050405020304" pitchFamily="18" charset="0"/>
-              </a:rPr>
-              <a:t>.</a:t>
-            </a:r>
-            <a:r>
-              <a:rPr lang="en-US" sz="2400" dirty="0">
-                <a:solidFill>
-                  <a:srgbClr val="7C4FCD"/>
-                </a:solidFill>
-                <a:latin typeface="Consolas" panose="020B0609020204030204" pitchFamily="49" charset="0"/>
-                <a:ea typeface="Times New Roman" panose="02020603050405020304" pitchFamily="18" charset="0"/>
-                <a:cs typeface="Times New Roman" panose="02020603050405020304" pitchFamily="18" charset="0"/>
-              </a:rPr>
-              <a:t>UNSIGNED_BYTE</a:t>
-            </a:r>
-            <a:r>
-              <a:rPr lang="en-US" sz="2400" dirty="0">
-                <a:solidFill>
-                  <a:srgbClr val="000000"/>
-                </a:solidFill>
-                <a:latin typeface="Consolas" panose="020B0609020204030204" pitchFamily="49" charset="0"/>
-                <a:ea typeface="Times New Roman" panose="02020603050405020304" pitchFamily="18" charset="0"/>
-                <a:cs typeface="Times New Roman" panose="02020603050405020304" pitchFamily="18" charset="0"/>
-              </a:rPr>
-              <a:t>, image</a:t>
-            </a:r>
-            <a:r>
-              <a:rPr lang="en-US" sz="2400" b="1" dirty="0">
-                <a:solidFill>
-                  <a:srgbClr val="000000"/>
-                </a:solidFill>
-                <a:latin typeface="Consolas" panose="020B0609020204030204" pitchFamily="49" charset="0"/>
-                <a:ea typeface="Times New Roman" panose="02020603050405020304" pitchFamily="18" charset="0"/>
-                <a:cs typeface="Times New Roman" panose="02020603050405020304" pitchFamily="18" charset="0"/>
-              </a:rPr>
-              <a:t>s[</a:t>
-            </a:r>
-            <a:r>
-              <a:rPr lang="en-US" sz="2400" b="1" dirty="0" err="1">
-                <a:solidFill>
-                  <a:srgbClr val="000000"/>
-                </a:solidFill>
-                <a:latin typeface="Consolas" panose="020B0609020204030204" pitchFamily="49" charset="0"/>
-                <a:ea typeface="Times New Roman" panose="02020603050405020304" pitchFamily="18" charset="0"/>
-                <a:cs typeface="Times New Roman" panose="02020603050405020304" pitchFamily="18" charset="0"/>
-              </a:rPr>
-              <a:t>i</a:t>
-            </a:r>
-            <a:r>
-              <a:rPr lang="en-US" sz="2400" b="1" dirty="0">
-                <a:solidFill>
-                  <a:srgbClr val="000000"/>
-                </a:solidFill>
-                <a:latin typeface="Consolas" panose="020B0609020204030204" pitchFamily="49" charset="0"/>
-                <a:ea typeface="Times New Roman" panose="02020603050405020304" pitchFamily="18" charset="0"/>
-                <a:cs typeface="Times New Roman" panose="02020603050405020304" pitchFamily="18" charset="0"/>
-              </a:rPr>
-              <a:t>]</a:t>
-            </a:r>
-            <a:r>
-              <a:rPr lang="en-US" sz="2400" dirty="0">
-                <a:solidFill>
-                  <a:srgbClr val="000000"/>
-                </a:solidFill>
-                <a:latin typeface="Consolas" panose="020B0609020204030204" pitchFamily="49" charset="0"/>
-                <a:ea typeface="Times New Roman" panose="02020603050405020304" pitchFamily="18" charset="0"/>
-                <a:cs typeface="Times New Roman" panose="02020603050405020304" pitchFamily="18" charset="0"/>
-              </a:rPr>
-              <a:t>) </a:t>
-            </a:r>
-            <a:endParaRPr lang="en-US" sz="2400" dirty="0">
-              <a:latin typeface="Calibri" panose="020F0502020204030204" pitchFamily="34" charset="0"/>
-              <a:ea typeface="Calibri" panose="020F0502020204030204" pitchFamily="34" charset="0"/>
-              <a:cs typeface="Times New Roman" panose="02020603050405020304" pitchFamily="18" charset="0"/>
-            </a:endParaRPr>
+                <a:ea typeface="Times New Roman" panose="02020603050405020304" pitchFamily="18" charset="0"/>
+                <a:cs typeface="Times New Roman" panose="02020603050405020304" pitchFamily="18" charset="0"/>
+              </a:rPr>
+              <a:t>+</a:t>
+            </a:r>
+            <a:r>
+              <a:rPr lang="hu-HU" sz="1600" dirty="0">
+                <a:solidFill>
+                  <a:schemeClr val="tx1"/>
+                </a:solidFill>
+                <a:ea typeface="Times New Roman" panose="02020603050405020304" pitchFamily="18" charset="0"/>
+                <a:cs typeface="Times New Roman" panose="02020603050405020304" pitchFamily="18" charset="0"/>
+              </a:rPr>
+              <a:t>i, 0, </a:t>
+            </a:r>
           </a:p>
           <a:p>
             <a:pPr>
               <a:lnSpc>
                 <a:spcPct val="107000"/>
               </a:lnSpc>
-              <a:tabLst>
-                <a:tab pos="581660" algn="l"/>
-                <a:tab pos="1163320" algn="l"/>
-                <a:tab pos="1744980" algn="l"/>
-                <a:tab pos="2326640" algn="l"/>
-                <a:tab pos="2908300" algn="l"/>
-                <a:tab pos="3489960" algn="l"/>
-                <a:tab pos="4071620" algn="l"/>
-                <a:tab pos="4653280" algn="l"/>
-                <a:tab pos="5234940" algn="l"/>
-                <a:tab pos="5816600" algn="l"/>
-                <a:tab pos="6398260" algn="l"/>
-                <a:tab pos="6979920" algn="l"/>
-                <a:tab pos="7561580" algn="l"/>
-                <a:tab pos="8143240" algn="l"/>
-                <a:tab pos="8724900" algn="l"/>
-                <a:tab pos="9306560" algn="l"/>
-              </a:tabLst>
             </a:pPr>
             <a:r>
-              <a:rPr lang="en-US" sz="2400" dirty="0">
-                <a:solidFill>
-                  <a:srgbClr val="000000"/>
-                </a:solidFill>
-                <a:latin typeface="Consolas" panose="020B0609020204030204" pitchFamily="49" charset="0"/>
-                <a:ea typeface="Times New Roman" panose="02020603050405020304" pitchFamily="18" charset="0"/>
-                <a:cs typeface="Times New Roman" panose="02020603050405020304" pitchFamily="18" charset="0"/>
-              </a:rPr>
-              <a:t>        </a:t>
-            </a:r>
-            <a:r>
-              <a:rPr lang="en-US" sz="2400" b="1" dirty="0">
-                <a:solidFill>
-                  <a:srgbClr val="C70040"/>
-                </a:solidFill>
-                <a:latin typeface="Consolas" panose="020B0609020204030204" pitchFamily="49" charset="0"/>
-                <a:ea typeface="Times New Roman" panose="02020603050405020304" pitchFamily="18" charset="0"/>
-                <a:cs typeface="Times New Roman" panose="02020603050405020304" pitchFamily="18" charset="0"/>
-              </a:rPr>
-              <a:t>if</a:t>
-            </a:r>
-            <a:r>
-              <a:rPr lang="en-US" sz="2400" b="1" dirty="0">
-                <a:solidFill>
-                  <a:srgbClr val="000000"/>
-                </a:solidFill>
-                <a:latin typeface="Consolas" panose="020B0609020204030204" pitchFamily="49" charset="0"/>
-                <a:ea typeface="Times New Roman" panose="02020603050405020304" pitchFamily="18" charset="0"/>
-                <a:cs typeface="Times New Roman" panose="02020603050405020304" pitchFamily="18" charset="0"/>
-              </a:rPr>
-              <a:t>(</a:t>
-            </a:r>
-            <a:r>
-              <a:rPr lang="en-US" sz="2400" b="1" dirty="0">
-                <a:solidFill>
-                  <a:srgbClr val="C70040"/>
-                </a:solidFill>
-                <a:latin typeface="Consolas" panose="020B0609020204030204" pitchFamily="49" charset="0"/>
-                <a:ea typeface="Times New Roman" panose="02020603050405020304" pitchFamily="18" charset="0"/>
-                <a:cs typeface="Times New Roman" panose="02020603050405020304" pitchFamily="18" charset="0"/>
-              </a:rPr>
-              <a:t>++</a:t>
-            </a:r>
-            <a:r>
-              <a:rPr lang="en-US" sz="2400" b="1" dirty="0" err="1">
-                <a:solidFill>
-                  <a:srgbClr val="000000"/>
-                </a:solidFill>
-                <a:latin typeface="Consolas" panose="020B0609020204030204" pitchFamily="49" charset="0"/>
-                <a:ea typeface="Times New Roman" panose="02020603050405020304" pitchFamily="18" charset="0"/>
-                <a:cs typeface="Times New Roman" panose="02020603050405020304" pitchFamily="18" charset="0"/>
-              </a:rPr>
-              <a:t>loadedCount</a:t>
-            </a:r>
-            <a:r>
-              <a:rPr lang="en-US" sz="2400" b="1" dirty="0">
-                <a:solidFill>
-                  <a:srgbClr val="000000"/>
-                </a:solidFill>
-                <a:latin typeface="Consolas" panose="020B0609020204030204" pitchFamily="49" charset="0"/>
-                <a:ea typeface="Times New Roman" panose="02020603050405020304" pitchFamily="18" charset="0"/>
-                <a:cs typeface="Times New Roman" panose="02020603050405020304" pitchFamily="18" charset="0"/>
-              </a:rPr>
-              <a:t> </a:t>
-            </a:r>
-            <a:r>
-              <a:rPr lang="en-US" sz="2400" b="1" dirty="0">
-                <a:solidFill>
-                  <a:srgbClr val="C70040"/>
-                </a:solidFill>
-                <a:latin typeface="Consolas" panose="020B0609020204030204" pitchFamily="49" charset="0"/>
-                <a:ea typeface="Times New Roman" panose="02020603050405020304" pitchFamily="18" charset="0"/>
-                <a:cs typeface="Times New Roman" panose="02020603050405020304" pitchFamily="18" charset="0"/>
-              </a:rPr>
-              <a:t>== </a:t>
-            </a:r>
-            <a:r>
-              <a:rPr lang="en-US" sz="2400" b="1" dirty="0">
-                <a:solidFill>
-                  <a:srgbClr val="7C4FCD"/>
-                </a:solidFill>
-                <a:latin typeface="Consolas" panose="020B0609020204030204" pitchFamily="49" charset="0"/>
-                <a:ea typeface="Times New Roman" panose="02020603050405020304" pitchFamily="18" charset="0"/>
-                <a:cs typeface="Times New Roman" panose="02020603050405020304" pitchFamily="18" charset="0"/>
-              </a:rPr>
-              <a:t>6</a:t>
-            </a:r>
-            <a:r>
-              <a:rPr lang="en-US" sz="2400" b="1" dirty="0">
-                <a:solidFill>
-                  <a:srgbClr val="000000"/>
-                </a:solidFill>
-                <a:latin typeface="Consolas" panose="020B0609020204030204" pitchFamily="49" charset="0"/>
-                <a:ea typeface="Times New Roman" panose="02020603050405020304" pitchFamily="18" charset="0"/>
-                <a:cs typeface="Times New Roman" panose="02020603050405020304" pitchFamily="18" charset="0"/>
-              </a:rPr>
-              <a:t>) {</a:t>
-            </a:r>
-            <a:endParaRPr lang="en-US" sz="2400" b="1" dirty="0">
-              <a:latin typeface="Calibri" panose="020F0502020204030204" pitchFamily="34" charset="0"/>
-              <a:ea typeface="Calibri" panose="020F0502020204030204" pitchFamily="34" charset="0"/>
-              <a:cs typeface="Times New Roman" panose="02020603050405020304" pitchFamily="18" charset="0"/>
-            </a:endParaRPr>
+              <a:rPr lang="hu-HU" sz="1600" dirty="0">
+                <a:solidFill>
+                  <a:schemeClr val="tx1"/>
+                </a:solidFill>
+                <a:ea typeface="Times New Roman" panose="02020603050405020304" pitchFamily="18" charset="0"/>
+                <a:cs typeface="Times New Roman" panose="02020603050405020304" pitchFamily="18" charset="0"/>
+              </a:rPr>
+              <a:t>                        gl.RGBA, gl.RGBA, gl.UNSIGNED_BYTE, this.images[i]);</a:t>
+            </a:r>
           </a:p>
           <a:p>
             <a:pPr>
               <a:lnSpc>
                 <a:spcPct val="107000"/>
               </a:lnSpc>
-              <a:tabLst>
-                <a:tab pos="581660" algn="l"/>
-                <a:tab pos="1163320" algn="l"/>
-                <a:tab pos="1744980" algn="l"/>
-                <a:tab pos="2326640" algn="l"/>
-                <a:tab pos="2908300" algn="l"/>
-                <a:tab pos="3489960" algn="l"/>
-                <a:tab pos="4071620" algn="l"/>
-                <a:tab pos="4653280" algn="l"/>
-                <a:tab pos="5234940" algn="l"/>
-                <a:tab pos="5816600" algn="l"/>
-                <a:tab pos="6398260" algn="l"/>
-                <a:tab pos="6979920" algn="l"/>
-                <a:tab pos="7561580" algn="l"/>
-                <a:tab pos="8143240" algn="l"/>
-                <a:tab pos="8724900" algn="l"/>
-                <a:tab pos="9306560" algn="l"/>
-              </a:tabLst>
             </a:pPr>
             <a:r>
-              <a:rPr lang="en-US" sz="2400" dirty="0">
-                <a:solidFill>
-                  <a:srgbClr val="000000"/>
-                </a:solidFill>
-                <a:latin typeface="Consolas" panose="020B0609020204030204" pitchFamily="49" charset="0"/>
-                <a:ea typeface="Times New Roman" panose="02020603050405020304" pitchFamily="18" charset="0"/>
-                <a:cs typeface="Times New Roman" panose="02020603050405020304" pitchFamily="18" charset="0"/>
-              </a:rPr>
-              <a:t>          </a:t>
-            </a:r>
-            <a:r>
-              <a:rPr lang="en-US" sz="2400" dirty="0" err="1">
-                <a:solidFill>
-                  <a:srgbClr val="000000"/>
-                </a:solidFill>
-                <a:latin typeface="Consolas" panose="020B0609020204030204" pitchFamily="49" charset="0"/>
-                <a:ea typeface="Times New Roman" panose="02020603050405020304" pitchFamily="18" charset="0"/>
-                <a:cs typeface="Times New Roman" panose="02020603050405020304" pitchFamily="18" charset="0"/>
-              </a:rPr>
-              <a:t>gl</a:t>
-            </a:r>
-            <a:r>
-              <a:rPr lang="en-US" sz="2400" dirty="0" err="1">
-                <a:solidFill>
-                  <a:srgbClr val="C70040"/>
-                </a:solidFill>
-                <a:latin typeface="Consolas" panose="020B0609020204030204" pitchFamily="49" charset="0"/>
-                <a:ea typeface="Times New Roman" panose="02020603050405020304" pitchFamily="18" charset="0"/>
-                <a:cs typeface="Times New Roman" panose="02020603050405020304" pitchFamily="18" charset="0"/>
-              </a:rPr>
-              <a:t>.</a:t>
-            </a:r>
-            <a:r>
-              <a:rPr lang="en-US" sz="2400" dirty="0" err="1">
-                <a:solidFill>
-                  <a:srgbClr val="000000"/>
-                </a:solidFill>
-                <a:latin typeface="Consolas" panose="020B0609020204030204" pitchFamily="49" charset="0"/>
-                <a:ea typeface="Times New Roman" panose="02020603050405020304" pitchFamily="18" charset="0"/>
-                <a:cs typeface="Times New Roman" panose="02020603050405020304" pitchFamily="18" charset="0"/>
-              </a:rPr>
-              <a:t>texParameteri</a:t>
-            </a:r>
-            <a:r>
-              <a:rPr lang="en-US" sz="2400" dirty="0">
-                <a:solidFill>
-                  <a:srgbClr val="000000"/>
-                </a:solidFill>
-                <a:latin typeface="Consolas" panose="020B0609020204030204" pitchFamily="49" charset="0"/>
-                <a:ea typeface="Times New Roman" panose="02020603050405020304" pitchFamily="18" charset="0"/>
-                <a:cs typeface="Times New Roman" panose="02020603050405020304" pitchFamily="18" charset="0"/>
-              </a:rPr>
-              <a:t>(</a:t>
-            </a:r>
-            <a:r>
-              <a:rPr lang="en-US" sz="2400" dirty="0">
-                <a:solidFill>
-                  <a:srgbClr val="7C4FCD"/>
-                </a:solidFill>
-                <a:latin typeface="Consolas" panose="020B0609020204030204" pitchFamily="49" charset="0"/>
-                <a:ea typeface="Times New Roman" panose="02020603050405020304" pitchFamily="18" charset="0"/>
-                <a:cs typeface="Times New Roman" panose="02020603050405020304" pitchFamily="18" charset="0"/>
-              </a:rPr>
-              <a:t>GL</a:t>
-            </a:r>
-            <a:r>
-              <a:rPr lang="en-US" sz="2400" dirty="0">
-                <a:solidFill>
-                  <a:srgbClr val="C70040"/>
-                </a:solidFill>
-                <a:latin typeface="Consolas" panose="020B0609020204030204" pitchFamily="49" charset="0"/>
-                <a:ea typeface="Times New Roman" panose="02020603050405020304" pitchFamily="18" charset="0"/>
-                <a:cs typeface="Times New Roman" panose="02020603050405020304" pitchFamily="18" charset="0"/>
-              </a:rPr>
-              <a:t>.</a:t>
-            </a:r>
-            <a:r>
-              <a:rPr lang="en-US" sz="2400" b="1" dirty="0">
-                <a:solidFill>
-                  <a:srgbClr val="7C4FCD"/>
-                </a:solidFill>
-                <a:latin typeface="Consolas" panose="020B0609020204030204" pitchFamily="49" charset="0"/>
-                <a:ea typeface="Times New Roman" panose="02020603050405020304" pitchFamily="18" charset="0"/>
-                <a:cs typeface="Times New Roman" panose="02020603050405020304" pitchFamily="18" charset="0"/>
-              </a:rPr>
-              <a:t>TEXTURE_CUBE_MAP</a:t>
-            </a:r>
-            <a:r>
-              <a:rPr lang="en-US" sz="2400" dirty="0">
-                <a:solidFill>
-                  <a:srgbClr val="000000"/>
-                </a:solidFill>
-                <a:latin typeface="Consolas" panose="020B0609020204030204" pitchFamily="49" charset="0"/>
-                <a:ea typeface="Times New Roman" panose="02020603050405020304" pitchFamily="18" charset="0"/>
-                <a:cs typeface="Times New Roman" panose="02020603050405020304" pitchFamily="18" charset="0"/>
-              </a:rPr>
-              <a:t>, </a:t>
-            </a:r>
-            <a:r>
-              <a:rPr lang="en-US" sz="2400" dirty="0">
-                <a:solidFill>
-                  <a:srgbClr val="7C4FCD"/>
-                </a:solidFill>
-                <a:latin typeface="Consolas" panose="020B0609020204030204" pitchFamily="49" charset="0"/>
-                <a:ea typeface="Times New Roman" panose="02020603050405020304" pitchFamily="18" charset="0"/>
-                <a:cs typeface="Times New Roman" panose="02020603050405020304" pitchFamily="18" charset="0"/>
-              </a:rPr>
-              <a:t>GL</a:t>
-            </a:r>
-            <a:r>
-              <a:rPr lang="en-US" sz="2400" dirty="0">
-                <a:solidFill>
-                  <a:srgbClr val="C70040"/>
-                </a:solidFill>
-                <a:latin typeface="Consolas" panose="020B0609020204030204" pitchFamily="49" charset="0"/>
-                <a:ea typeface="Times New Roman" panose="02020603050405020304" pitchFamily="18" charset="0"/>
-                <a:cs typeface="Times New Roman" panose="02020603050405020304" pitchFamily="18" charset="0"/>
-              </a:rPr>
-              <a:t>.</a:t>
-            </a:r>
-            <a:r>
-              <a:rPr lang="en-US" sz="2400" dirty="0">
-                <a:solidFill>
-                  <a:srgbClr val="7C4FCD"/>
-                </a:solidFill>
-                <a:latin typeface="Consolas" panose="020B0609020204030204" pitchFamily="49" charset="0"/>
-                <a:ea typeface="Times New Roman" panose="02020603050405020304" pitchFamily="18" charset="0"/>
-                <a:cs typeface="Times New Roman" panose="02020603050405020304" pitchFamily="18" charset="0"/>
-              </a:rPr>
-              <a:t>TEXTURE_MAG_FILTER</a:t>
-            </a:r>
-            <a:r>
-              <a:rPr lang="en-US" sz="2400" dirty="0">
-                <a:solidFill>
-                  <a:srgbClr val="000000"/>
-                </a:solidFill>
-                <a:latin typeface="Consolas" panose="020B0609020204030204" pitchFamily="49" charset="0"/>
-                <a:ea typeface="Times New Roman" panose="02020603050405020304" pitchFamily="18" charset="0"/>
-                <a:cs typeface="Times New Roman" panose="02020603050405020304" pitchFamily="18" charset="0"/>
-              </a:rPr>
-              <a:t>, </a:t>
-            </a:r>
-            <a:r>
-              <a:rPr lang="en-US" sz="2400" dirty="0">
-                <a:solidFill>
-                  <a:srgbClr val="7C4FCD"/>
-                </a:solidFill>
-                <a:latin typeface="Consolas" panose="020B0609020204030204" pitchFamily="49" charset="0"/>
-                <a:ea typeface="Times New Roman" panose="02020603050405020304" pitchFamily="18" charset="0"/>
-                <a:cs typeface="Times New Roman" panose="02020603050405020304" pitchFamily="18" charset="0"/>
-              </a:rPr>
-              <a:t>GL</a:t>
-            </a:r>
-            <a:r>
-              <a:rPr lang="en-US" sz="2400" dirty="0">
-                <a:solidFill>
-                  <a:srgbClr val="C70040"/>
-                </a:solidFill>
-                <a:latin typeface="Consolas" panose="020B0609020204030204" pitchFamily="49" charset="0"/>
-                <a:ea typeface="Times New Roman" panose="02020603050405020304" pitchFamily="18" charset="0"/>
-                <a:cs typeface="Times New Roman" panose="02020603050405020304" pitchFamily="18" charset="0"/>
-              </a:rPr>
-              <a:t>.</a:t>
-            </a:r>
-            <a:r>
-              <a:rPr lang="en-US" sz="2400" dirty="0">
-                <a:solidFill>
-                  <a:srgbClr val="7C4FCD"/>
-                </a:solidFill>
-                <a:latin typeface="Consolas" panose="020B0609020204030204" pitchFamily="49" charset="0"/>
-                <a:ea typeface="Times New Roman" panose="02020603050405020304" pitchFamily="18" charset="0"/>
-                <a:cs typeface="Times New Roman" panose="02020603050405020304" pitchFamily="18" charset="0"/>
-              </a:rPr>
-              <a:t>LINEAR</a:t>
-            </a:r>
-            <a:r>
-              <a:rPr lang="en-US" sz="2400" dirty="0">
-                <a:solidFill>
-                  <a:srgbClr val="000000"/>
-                </a:solidFill>
-                <a:latin typeface="Consolas" panose="020B0609020204030204" pitchFamily="49" charset="0"/>
-                <a:ea typeface="Times New Roman" panose="02020603050405020304" pitchFamily="18" charset="0"/>
-                <a:cs typeface="Times New Roman" panose="02020603050405020304" pitchFamily="18" charset="0"/>
-              </a:rPr>
-              <a:t>) </a:t>
-            </a:r>
-            <a:endParaRPr lang="en-US" sz="2400" dirty="0">
-              <a:latin typeface="Calibri" panose="020F0502020204030204" pitchFamily="34" charset="0"/>
-              <a:ea typeface="Calibri" panose="020F0502020204030204" pitchFamily="34" charset="0"/>
-              <a:cs typeface="Times New Roman" panose="02020603050405020304" pitchFamily="18" charset="0"/>
-            </a:endParaRPr>
+              <a:rPr lang="hu-HU" sz="1600" dirty="0">
+                <a:solidFill>
+                  <a:schemeClr val="tx1"/>
+                </a:solidFill>
+                <a:ea typeface="Times New Roman" panose="02020603050405020304" pitchFamily="18" charset="0"/>
+                <a:cs typeface="Times New Roman" panose="02020603050405020304" pitchFamily="18" charset="0"/>
+              </a:rPr>
+              <a:t>    }</a:t>
+            </a:r>
           </a:p>
           <a:p>
             <a:pPr>
               <a:lnSpc>
                 <a:spcPct val="107000"/>
               </a:lnSpc>
-              <a:tabLst>
-                <a:tab pos="581660" algn="l"/>
-                <a:tab pos="1163320" algn="l"/>
-                <a:tab pos="1744980" algn="l"/>
-                <a:tab pos="2326640" algn="l"/>
-                <a:tab pos="2908300" algn="l"/>
-                <a:tab pos="3489960" algn="l"/>
-                <a:tab pos="4071620" algn="l"/>
-                <a:tab pos="4653280" algn="l"/>
-                <a:tab pos="5234940" algn="l"/>
-                <a:tab pos="5816600" algn="l"/>
-                <a:tab pos="6398260" algn="l"/>
-                <a:tab pos="6979920" algn="l"/>
-                <a:tab pos="7561580" algn="l"/>
-                <a:tab pos="8143240" algn="l"/>
-                <a:tab pos="8724900" algn="l"/>
-                <a:tab pos="9306560" algn="l"/>
-              </a:tabLst>
             </a:pPr>
             <a:r>
-              <a:rPr lang="en-US" sz="2400" dirty="0">
-                <a:solidFill>
-                  <a:srgbClr val="000000"/>
-                </a:solidFill>
-                <a:latin typeface="Consolas" panose="020B0609020204030204" pitchFamily="49" charset="0"/>
-                <a:ea typeface="Times New Roman" panose="02020603050405020304" pitchFamily="18" charset="0"/>
-                <a:cs typeface="Times New Roman" panose="02020603050405020304" pitchFamily="18" charset="0"/>
-              </a:rPr>
-              <a:t>          </a:t>
-            </a:r>
-            <a:r>
-              <a:rPr lang="en-US" sz="2400" dirty="0" err="1">
-                <a:solidFill>
-                  <a:srgbClr val="000000"/>
-                </a:solidFill>
-                <a:latin typeface="Consolas" panose="020B0609020204030204" pitchFamily="49" charset="0"/>
-                <a:ea typeface="Times New Roman" panose="02020603050405020304" pitchFamily="18" charset="0"/>
-                <a:cs typeface="Times New Roman" panose="02020603050405020304" pitchFamily="18" charset="0"/>
-              </a:rPr>
-              <a:t>gl</a:t>
-            </a:r>
-            <a:r>
-              <a:rPr lang="en-US" sz="2400" dirty="0" err="1">
-                <a:solidFill>
-                  <a:srgbClr val="C70040"/>
-                </a:solidFill>
-                <a:latin typeface="Consolas" panose="020B0609020204030204" pitchFamily="49" charset="0"/>
-                <a:ea typeface="Times New Roman" panose="02020603050405020304" pitchFamily="18" charset="0"/>
-                <a:cs typeface="Times New Roman" panose="02020603050405020304" pitchFamily="18" charset="0"/>
-              </a:rPr>
-              <a:t>.</a:t>
-            </a:r>
-            <a:r>
-              <a:rPr lang="en-US" sz="2400" dirty="0" err="1">
-                <a:solidFill>
-                  <a:srgbClr val="000000"/>
-                </a:solidFill>
-                <a:latin typeface="Consolas" panose="020B0609020204030204" pitchFamily="49" charset="0"/>
-                <a:ea typeface="Times New Roman" panose="02020603050405020304" pitchFamily="18" charset="0"/>
-                <a:cs typeface="Times New Roman" panose="02020603050405020304" pitchFamily="18" charset="0"/>
-              </a:rPr>
-              <a:t>texParameteri</a:t>
-            </a:r>
-            <a:r>
-              <a:rPr lang="en-US" sz="2400" dirty="0">
-                <a:solidFill>
-                  <a:srgbClr val="000000"/>
-                </a:solidFill>
-                <a:latin typeface="Consolas" panose="020B0609020204030204" pitchFamily="49" charset="0"/>
-                <a:ea typeface="Times New Roman" panose="02020603050405020304" pitchFamily="18" charset="0"/>
-                <a:cs typeface="Times New Roman" panose="02020603050405020304" pitchFamily="18" charset="0"/>
-              </a:rPr>
-              <a:t>(</a:t>
-            </a:r>
-            <a:r>
-              <a:rPr lang="en-US" sz="2400" dirty="0">
-                <a:solidFill>
-                  <a:srgbClr val="7C4FCD"/>
-                </a:solidFill>
-                <a:latin typeface="Consolas" panose="020B0609020204030204" pitchFamily="49" charset="0"/>
-                <a:ea typeface="Times New Roman" panose="02020603050405020304" pitchFamily="18" charset="0"/>
-                <a:cs typeface="Times New Roman" panose="02020603050405020304" pitchFamily="18" charset="0"/>
-              </a:rPr>
-              <a:t>GL</a:t>
-            </a:r>
-            <a:r>
-              <a:rPr lang="en-US" sz="2400" dirty="0">
-                <a:solidFill>
-                  <a:srgbClr val="C70040"/>
-                </a:solidFill>
-                <a:latin typeface="Consolas" panose="020B0609020204030204" pitchFamily="49" charset="0"/>
-                <a:ea typeface="Times New Roman" panose="02020603050405020304" pitchFamily="18" charset="0"/>
-                <a:cs typeface="Times New Roman" panose="02020603050405020304" pitchFamily="18" charset="0"/>
-              </a:rPr>
-              <a:t>.</a:t>
-            </a:r>
-            <a:r>
-              <a:rPr lang="en-US" sz="2400" b="1" dirty="0">
-                <a:solidFill>
-                  <a:srgbClr val="7C4FCD"/>
-                </a:solidFill>
-                <a:latin typeface="Consolas" panose="020B0609020204030204" pitchFamily="49" charset="0"/>
-                <a:ea typeface="Times New Roman" panose="02020603050405020304" pitchFamily="18" charset="0"/>
-                <a:cs typeface="Times New Roman" panose="02020603050405020304" pitchFamily="18" charset="0"/>
-              </a:rPr>
-              <a:t>TEXTURE_CUBE_MAP</a:t>
-            </a:r>
-            <a:r>
-              <a:rPr lang="en-US" sz="2400" dirty="0">
-                <a:solidFill>
-                  <a:srgbClr val="000000"/>
-                </a:solidFill>
-                <a:latin typeface="Consolas" panose="020B0609020204030204" pitchFamily="49" charset="0"/>
-                <a:ea typeface="Times New Roman" panose="02020603050405020304" pitchFamily="18" charset="0"/>
-                <a:cs typeface="Times New Roman" panose="02020603050405020304" pitchFamily="18" charset="0"/>
-              </a:rPr>
-              <a:t>, </a:t>
-            </a:r>
-            <a:r>
-              <a:rPr lang="en-US" sz="2400" dirty="0">
-                <a:solidFill>
-                  <a:srgbClr val="7C4FCD"/>
-                </a:solidFill>
-                <a:latin typeface="Consolas" panose="020B0609020204030204" pitchFamily="49" charset="0"/>
-                <a:ea typeface="Times New Roman" panose="02020603050405020304" pitchFamily="18" charset="0"/>
-                <a:cs typeface="Times New Roman" panose="02020603050405020304" pitchFamily="18" charset="0"/>
-              </a:rPr>
-              <a:t>GL</a:t>
-            </a:r>
-            <a:r>
-              <a:rPr lang="en-US" sz="2400" dirty="0">
-                <a:solidFill>
-                  <a:srgbClr val="C70040"/>
-                </a:solidFill>
-                <a:latin typeface="Consolas" panose="020B0609020204030204" pitchFamily="49" charset="0"/>
-                <a:ea typeface="Times New Roman" panose="02020603050405020304" pitchFamily="18" charset="0"/>
-                <a:cs typeface="Times New Roman" panose="02020603050405020304" pitchFamily="18" charset="0"/>
-              </a:rPr>
-              <a:t>.</a:t>
-            </a:r>
-            <a:r>
-              <a:rPr lang="en-US" sz="2400" dirty="0">
-                <a:solidFill>
-                  <a:srgbClr val="7C4FCD"/>
-                </a:solidFill>
-                <a:latin typeface="Consolas" panose="020B0609020204030204" pitchFamily="49" charset="0"/>
-                <a:ea typeface="Times New Roman" panose="02020603050405020304" pitchFamily="18" charset="0"/>
-                <a:cs typeface="Times New Roman" panose="02020603050405020304" pitchFamily="18" charset="0"/>
-              </a:rPr>
-              <a:t>TEXTURE_MIN_FILTER</a:t>
-            </a:r>
-            <a:r>
-              <a:rPr lang="en-US" sz="2400" dirty="0">
-                <a:solidFill>
-                  <a:srgbClr val="000000"/>
-                </a:solidFill>
-                <a:latin typeface="Consolas" panose="020B0609020204030204" pitchFamily="49" charset="0"/>
-                <a:ea typeface="Times New Roman" panose="02020603050405020304" pitchFamily="18" charset="0"/>
-                <a:cs typeface="Times New Roman" panose="02020603050405020304" pitchFamily="18" charset="0"/>
-              </a:rPr>
-              <a:t>,</a:t>
-            </a:r>
-            <a:endParaRPr lang="hu-HU" sz="2400" dirty="0">
-              <a:solidFill>
-                <a:srgbClr val="000000"/>
-              </a:solidFill>
-              <a:latin typeface="Consolas" panose="020B0609020204030204" pitchFamily="49" charset="0"/>
-              <a:ea typeface="Times New Roman" panose="02020603050405020304" pitchFamily="18" charset="0"/>
-              <a:cs typeface="Times New Roman" panose="02020603050405020304" pitchFamily="18" charset="0"/>
-            </a:endParaRPr>
+              <a:rPr lang="hu-HU" sz="1600" dirty="0">
+                <a:solidFill>
+                  <a:schemeClr val="tx1"/>
+                </a:solidFill>
+                <a:ea typeface="Times New Roman" panose="02020603050405020304" pitchFamily="18" charset="0"/>
+                <a:cs typeface="Times New Roman" panose="02020603050405020304" pitchFamily="18" charset="0"/>
+              </a:rPr>
+              <a:t>    gl.texParameteri(gl.TEXTURE_CUBE_MAP, gl.TEXTURE_MAG_FILTER, gl.LINEAR);</a:t>
+            </a:r>
           </a:p>
           <a:p>
             <a:pPr>
               <a:lnSpc>
                 <a:spcPct val="107000"/>
               </a:lnSpc>
-              <a:tabLst>
-                <a:tab pos="581660" algn="l"/>
-                <a:tab pos="1163320" algn="l"/>
-                <a:tab pos="1744980" algn="l"/>
-                <a:tab pos="2326640" algn="l"/>
-                <a:tab pos="2908300" algn="l"/>
-                <a:tab pos="3489960" algn="l"/>
-                <a:tab pos="4071620" algn="l"/>
-                <a:tab pos="4653280" algn="l"/>
-                <a:tab pos="5234940" algn="l"/>
-                <a:tab pos="5816600" algn="l"/>
-                <a:tab pos="6398260" algn="l"/>
-                <a:tab pos="6979920" algn="l"/>
-                <a:tab pos="7561580" algn="l"/>
-                <a:tab pos="8143240" algn="l"/>
-                <a:tab pos="8724900" algn="l"/>
-                <a:tab pos="9306560" algn="l"/>
-              </a:tabLst>
             </a:pPr>
             <a:r>
-              <a:rPr lang="hu-HU" sz="2400" dirty="0">
-                <a:solidFill>
-                  <a:srgbClr val="000000"/>
-                </a:solidFill>
-                <a:latin typeface="Consolas" panose="020B0609020204030204" pitchFamily="49" charset="0"/>
-                <a:ea typeface="Times New Roman" panose="02020603050405020304" pitchFamily="18" charset="0"/>
-                <a:cs typeface="Times New Roman" panose="02020603050405020304" pitchFamily="18" charset="0"/>
-              </a:rPr>
-              <a:t>                                                        </a:t>
-            </a:r>
-            <a:r>
-              <a:rPr lang="en-US" sz="2400" dirty="0">
-                <a:solidFill>
-                  <a:srgbClr val="000000"/>
-                </a:solidFill>
-                <a:latin typeface="Consolas" panose="020B0609020204030204" pitchFamily="49" charset="0"/>
-                <a:ea typeface="Times New Roman" panose="02020603050405020304" pitchFamily="18" charset="0"/>
-                <a:cs typeface="Times New Roman" panose="02020603050405020304" pitchFamily="18" charset="0"/>
-              </a:rPr>
-              <a:t> </a:t>
-            </a:r>
-            <a:r>
-              <a:rPr lang="en-US" sz="2400" dirty="0">
-                <a:solidFill>
-                  <a:srgbClr val="7C4FCD"/>
-                </a:solidFill>
-                <a:latin typeface="Consolas" panose="020B0609020204030204" pitchFamily="49" charset="0"/>
-                <a:ea typeface="Times New Roman" panose="02020603050405020304" pitchFamily="18" charset="0"/>
-                <a:cs typeface="Times New Roman" panose="02020603050405020304" pitchFamily="18" charset="0"/>
-              </a:rPr>
-              <a:t>GL</a:t>
-            </a:r>
-            <a:r>
-              <a:rPr lang="en-US" sz="2400" dirty="0">
-                <a:solidFill>
-                  <a:srgbClr val="C70040"/>
-                </a:solidFill>
-                <a:latin typeface="Consolas" panose="020B0609020204030204" pitchFamily="49" charset="0"/>
-                <a:ea typeface="Times New Roman" panose="02020603050405020304" pitchFamily="18" charset="0"/>
-                <a:cs typeface="Times New Roman" panose="02020603050405020304" pitchFamily="18" charset="0"/>
-              </a:rPr>
-              <a:t>.</a:t>
-            </a:r>
-            <a:r>
-              <a:rPr lang="en-US" sz="2400" dirty="0">
-                <a:solidFill>
-                  <a:srgbClr val="7C4FCD"/>
-                </a:solidFill>
-                <a:latin typeface="Consolas" panose="020B0609020204030204" pitchFamily="49" charset="0"/>
-                <a:ea typeface="Times New Roman" panose="02020603050405020304" pitchFamily="18" charset="0"/>
-                <a:cs typeface="Times New Roman" panose="02020603050405020304" pitchFamily="18" charset="0"/>
-              </a:rPr>
-              <a:t>LINEAR_MIPMAP_LINEAR</a:t>
-            </a:r>
-            <a:r>
-              <a:rPr lang="en-US" sz="2400" dirty="0">
-                <a:solidFill>
-                  <a:srgbClr val="000000"/>
-                </a:solidFill>
-                <a:latin typeface="Consolas" panose="020B0609020204030204" pitchFamily="49" charset="0"/>
-                <a:ea typeface="Times New Roman" panose="02020603050405020304" pitchFamily="18" charset="0"/>
-                <a:cs typeface="Times New Roman" panose="02020603050405020304" pitchFamily="18" charset="0"/>
-              </a:rPr>
-              <a:t>) </a:t>
-            </a:r>
-            <a:endParaRPr lang="en-US" sz="2400" dirty="0">
-              <a:latin typeface="Calibri" panose="020F0502020204030204" pitchFamily="34" charset="0"/>
-              <a:ea typeface="Calibri" panose="020F0502020204030204" pitchFamily="34" charset="0"/>
-              <a:cs typeface="Times New Roman" panose="02020603050405020304" pitchFamily="18" charset="0"/>
-            </a:endParaRPr>
+              <a:rPr lang="hu-HU" sz="1600" dirty="0">
+                <a:solidFill>
+                  <a:schemeClr val="tx1"/>
+                </a:solidFill>
+                <a:ea typeface="Times New Roman" panose="02020603050405020304" pitchFamily="18" charset="0"/>
+                <a:cs typeface="Times New Roman" panose="02020603050405020304" pitchFamily="18" charset="0"/>
+              </a:rPr>
+              <a:t>    gl.texParameteri(gl.TEXTURE_CUBE_MAP, gl.TEXTURE_MIN_FILTER</a:t>
+            </a:r>
+            <a:r>
+              <a:rPr lang="hu-HU" sz="1600" dirty="0" smtClean="0">
+                <a:solidFill>
+                  <a:schemeClr val="tx1"/>
+                </a:solidFill>
+                <a:ea typeface="Times New Roman" panose="02020603050405020304" pitchFamily="18" charset="0"/>
+                <a:cs typeface="Times New Roman" panose="02020603050405020304" pitchFamily="18" charset="0"/>
+              </a:rPr>
+              <a:t>, gl.LINEAR_MIPMAP_LINEAR</a:t>
+            </a:r>
+            <a:r>
+              <a:rPr lang="hu-HU" sz="1600" dirty="0">
+                <a:solidFill>
+                  <a:schemeClr val="tx1"/>
+                </a:solidFill>
+                <a:ea typeface="Times New Roman" panose="02020603050405020304" pitchFamily="18" charset="0"/>
+                <a:cs typeface="Times New Roman" panose="02020603050405020304" pitchFamily="18" charset="0"/>
+              </a:rPr>
+              <a:t>);</a:t>
+            </a:r>
           </a:p>
           <a:p>
             <a:pPr>
               <a:lnSpc>
                 <a:spcPct val="107000"/>
               </a:lnSpc>
-              <a:tabLst>
-                <a:tab pos="581660" algn="l"/>
-                <a:tab pos="1163320" algn="l"/>
-                <a:tab pos="1744980" algn="l"/>
-                <a:tab pos="2326640" algn="l"/>
-                <a:tab pos="2908300" algn="l"/>
-                <a:tab pos="3489960" algn="l"/>
-                <a:tab pos="4071620" algn="l"/>
-                <a:tab pos="4653280" algn="l"/>
-                <a:tab pos="5234940" algn="l"/>
-                <a:tab pos="5816600" algn="l"/>
-                <a:tab pos="6398260" algn="l"/>
-                <a:tab pos="6979920" algn="l"/>
-                <a:tab pos="7561580" algn="l"/>
-                <a:tab pos="8143240" algn="l"/>
-                <a:tab pos="8724900" algn="l"/>
-                <a:tab pos="9306560" algn="l"/>
-              </a:tabLst>
             </a:pPr>
             <a:r>
-              <a:rPr lang="en-US" sz="2400" dirty="0">
-                <a:solidFill>
-                  <a:srgbClr val="000000"/>
-                </a:solidFill>
-                <a:latin typeface="Consolas" panose="020B0609020204030204" pitchFamily="49" charset="0"/>
-                <a:ea typeface="Times New Roman" panose="02020603050405020304" pitchFamily="18" charset="0"/>
-                <a:cs typeface="Times New Roman" panose="02020603050405020304" pitchFamily="18" charset="0"/>
-              </a:rPr>
-              <a:t>          </a:t>
-            </a:r>
-            <a:r>
-              <a:rPr lang="en-US" sz="2400" dirty="0" err="1">
-                <a:solidFill>
-                  <a:srgbClr val="000000"/>
-                </a:solidFill>
-                <a:latin typeface="Consolas" panose="020B0609020204030204" pitchFamily="49" charset="0"/>
-                <a:ea typeface="Times New Roman" panose="02020603050405020304" pitchFamily="18" charset="0"/>
-                <a:cs typeface="Times New Roman" panose="02020603050405020304" pitchFamily="18" charset="0"/>
-              </a:rPr>
-              <a:t>gl</a:t>
-            </a:r>
-            <a:r>
-              <a:rPr lang="en-US" sz="2400" dirty="0" err="1">
-                <a:solidFill>
-                  <a:srgbClr val="C70040"/>
-                </a:solidFill>
-                <a:latin typeface="Consolas" panose="020B0609020204030204" pitchFamily="49" charset="0"/>
-                <a:ea typeface="Times New Roman" panose="02020603050405020304" pitchFamily="18" charset="0"/>
-                <a:cs typeface="Times New Roman" panose="02020603050405020304" pitchFamily="18" charset="0"/>
-              </a:rPr>
-              <a:t>.</a:t>
-            </a:r>
-            <a:r>
-              <a:rPr lang="en-US" sz="2400" dirty="0" err="1">
-                <a:solidFill>
-                  <a:srgbClr val="000000"/>
-                </a:solidFill>
-                <a:latin typeface="Consolas" panose="020B0609020204030204" pitchFamily="49" charset="0"/>
-                <a:ea typeface="Times New Roman" panose="02020603050405020304" pitchFamily="18" charset="0"/>
-                <a:cs typeface="Times New Roman" panose="02020603050405020304" pitchFamily="18" charset="0"/>
-              </a:rPr>
-              <a:t>generateMipmap</a:t>
-            </a:r>
-            <a:r>
-              <a:rPr lang="en-US" sz="2400" dirty="0">
-                <a:solidFill>
-                  <a:srgbClr val="000000"/>
-                </a:solidFill>
-                <a:latin typeface="Consolas" panose="020B0609020204030204" pitchFamily="49" charset="0"/>
-                <a:ea typeface="Times New Roman" panose="02020603050405020304" pitchFamily="18" charset="0"/>
-                <a:cs typeface="Times New Roman" panose="02020603050405020304" pitchFamily="18" charset="0"/>
-              </a:rPr>
-              <a:t>(</a:t>
-            </a:r>
-            <a:r>
-              <a:rPr lang="en-US" sz="2400" dirty="0">
-                <a:solidFill>
-                  <a:srgbClr val="7C4FCD"/>
-                </a:solidFill>
-                <a:latin typeface="Consolas" panose="020B0609020204030204" pitchFamily="49" charset="0"/>
-                <a:ea typeface="Times New Roman" panose="02020603050405020304" pitchFamily="18" charset="0"/>
-                <a:cs typeface="Times New Roman" panose="02020603050405020304" pitchFamily="18" charset="0"/>
-              </a:rPr>
-              <a:t>GL</a:t>
-            </a:r>
-            <a:r>
-              <a:rPr lang="en-US" sz="2400" dirty="0">
-                <a:solidFill>
-                  <a:srgbClr val="C70040"/>
-                </a:solidFill>
-                <a:latin typeface="Consolas" panose="020B0609020204030204" pitchFamily="49" charset="0"/>
-                <a:ea typeface="Times New Roman" panose="02020603050405020304" pitchFamily="18" charset="0"/>
-                <a:cs typeface="Times New Roman" panose="02020603050405020304" pitchFamily="18" charset="0"/>
-              </a:rPr>
-              <a:t>.</a:t>
-            </a:r>
-            <a:r>
-              <a:rPr lang="en-US" sz="2400" b="1" dirty="0">
-                <a:solidFill>
-                  <a:srgbClr val="7C4FCD"/>
-                </a:solidFill>
-                <a:latin typeface="Consolas" panose="020B0609020204030204" pitchFamily="49" charset="0"/>
-                <a:ea typeface="Times New Roman" panose="02020603050405020304" pitchFamily="18" charset="0"/>
-                <a:cs typeface="Times New Roman" panose="02020603050405020304" pitchFamily="18" charset="0"/>
-              </a:rPr>
-              <a:t>TEXTURE_CUBE_MAP</a:t>
-            </a:r>
-            <a:r>
-              <a:rPr lang="en-US" sz="2400" dirty="0">
-                <a:solidFill>
-                  <a:srgbClr val="000000"/>
-                </a:solidFill>
-                <a:latin typeface="Consolas" panose="020B0609020204030204" pitchFamily="49" charset="0"/>
-                <a:ea typeface="Times New Roman" panose="02020603050405020304" pitchFamily="18" charset="0"/>
-                <a:cs typeface="Times New Roman" panose="02020603050405020304" pitchFamily="18" charset="0"/>
-              </a:rPr>
-              <a:t>); </a:t>
-            </a:r>
-            <a:endParaRPr lang="en-US" sz="2400" dirty="0">
-              <a:latin typeface="Calibri" panose="020F0502020204030204" pitchFamily="34" charset="0"/>
-              <a:ea typeface="Calibri" panose="020F0502020204030204" pitchFamily="34" charset="0"/>
-              <a:cs typeface="Times New Roman" panose="02020603050405020304" pitchFamily="18" charset="0"/>
-            </a:endParaRPr>
+              <a:rPr lang="hu-HU" sz="1600" dirty="0">
+                <a:solidFill>
+                  <a:schemeClr val="tx1"/>
+                </a:solidFill>
+                <a:ea typeface="Times New Roman" panose="02020603050405020304" pitchFamily="18" charset="0"/>
+                <a:cs typeface="Times New Roman" panose="02020603050405020304" pitchFamily="18" charset="0"/>
+              </a:rPr>
+              <a:t>    gl.generateMipmap(gl.TEXTURE_CUBE_MAP);</a:t>
+            </a:r>
           </a:p>
           <a:p>
             <a:pPr>
               <a:lnSpc>
                 <a:spcPct val="107000"/>
               </a:lnSpc>
-              <a:tabLst>
-                <a:tab pos="581660" algn="l"/>
-                <a:tab pos="1163320" algn="l"/>
-                <a:tab pos="1744980" algn="l"/>
-                <a:tab pos="2326640" algn="l"/>
-                <a:tab pos="2908300" algn="l"/>
-                <a:tab pos="3489960" algn="l"/>
-                <a:tab pos="4071620" algn="l"/>
-                <a:tab pos="4653280" algn="l"/>
-                <a:tab pos="5234940" algn="l"/>
-                <a:tab pos="5816600" algn="l"/>
-                <a:tab pos="6398260" algn="l"/>
-                <a:tab pos="6979920" algn="l"/>
-                <a:tab pos="7561580" algn="l"/>
-                <a:tab pos="8143240" algn="l"/>
-                <a:tab pos="8724900" algn="l"/>
-                <a:tab pos="9306560" algn="l"/>
-              </a:tabLst>
             </a:pPr>
             <a:r>
-              <a:rPr lang="en-US" sz="2400" dirty="0">
-                <a:solidFill>
-                  <a:srgbClr val="000000"/>
-                </a:solidFill>
-                <a:latin typeface="Consolas" panose="020B0609020204030204" pitchFamily="49" charset="0"/>
-                <a:ea typeface="Times New Roman" panose="02020603050405020304" pitchFamily="18" charset="0"/>
-                <a:cs typeface="Times New Roman" panose="02020603050405020304" pitchFamily="18" charset="0"/>
-              </a:rPr>
-              <a:t>        }</a:t>
-            </a:r>
-            <a:endParaRPr lang="en-US" sz="2400" dirty="0">
-              <a:latin typeface="Calibri" panose="020F0502020204030204" pitchFamily="34" charset="0"/>
-              <a:ea typeface="Calibri" panose="020F0502020204030204" pitchFamily="34" charset="0"/>
-              <a:cs typeface="Times New Roman" panose="02020603050405020304" pitchFamily="18" charset="0"/>
-            </a:endParaRPr>
+              <a:rPr lang="hu-HU" sz="1600" dirty="0">
+                <a:solidFill>
+                  <a:schemeClr val="tx1"/>
+                </a:solidFill>
+                <a:ea typeface="Times New Roman" panose="02020603050405020304" pitchFamily="18" charset="0"/>
+                <a:cs typeface="Times New Roman" panose="02020603050405020304" pitchFamily="18" charset="0"/>
+              </a:rPr>
+              <a:t>    gl.bindTexture(gl.TEXTURE_CUBE_MAP, null);</a:t>
+            </a:r>
           </a:p>
           <a:p>
             <a:pPr>
               <a:lnSpc>
                 <a:spcPct val="107000"/>
               </a:lnSpc>
-              <a:tabLst>
-                <a:tab pos="581660" algn="l"/>
-                <a:tab pos="1163320" algn="l"/>
-                <a:tab pos="1744980" algn="l"/>
-                <a:tab pos="2326640" algn="l"/>
-                <a:tab pos="2908300" algn="l"/>
-                <a:tab pos="3489960" algn="l"/>
-                <a:tab pos="4071620" algn="l"/>
-                <a:tab pos="4653280" algn="l"/>
-                <a:tab pos="5234940" algn="l"/>
-                <a:tab pos="5816600" algn="l"/>
-                <a:tab pos="6398260" algn="l"/>
-                <a:tab pos="6979920" algn="l"/>
-                <a:tab pos="7561580" algn="l"/>
-                <a:tab pos="8143240" algn="l"/>
-                <a:tab pos="8724900" algn="l"/>
-                <a:tab pos="9306560" algn="l"/>
-              </a:tabLst>
             </a:pPr>
             <a:r>
-              <a:rPr lang="en-US" sz="2400" dirty="0">
-                <a:solidFill>
-                  <a:srgbClr val="000000"/>
-                </a:solidFill>
-                <a:latin typeface="Consolas" panose="020B0609020204030204" pitchFamily="49" charset="0"/>
-                <a:ea typeface="Times New Roman" panose="02020603050405020304" pitchFamily="18" charset="0"/>
-                <a:cs typeface="Times New Roman" panose="02020603050405020304" pitchFamily="18" charset="0"/>
-              </a:rPr>
-              <a:t>        </a:t>
-            </a:r>
-            <a:r>
-              <a:rPr lang="en-US" sz="2400" dirty="0" err="1">
-                <a:solidFill>
-                  <a:srgbClr val="000000"/>
-                </a:solidFill>
-                <a:latin typeface="Consolas" panose="020B0609020204030204" pitchFamily="49" charset="0"/>
-                <a:ea typeface="Times New Roman" panose="02020603050405020304" pitchFamily="18" charset="0"/>
-                <a:cs typeface="Times New Roman" panose="02020603050405020304" pitchFamily="18" charset="0"/>
-              </a:rPr>
-              <a:t>gl</a:t>
-            </a:r>
-            <a:r>
-              <a:rPr lang="en-US" sz="2400" dirty="0" err="1">
+              <a:rPr lang="hu-HU" sz="1600" dirty="0">
+                <a:solidFill>
+                  <a:schemeClr val="tx1"/>
+                </a:solidFill>
+                <a:ea typeface="Times New Roman" panose="02020603050405020304" pitchFamily="18" charset="0"/>
+                <a:cs typeface="Times New Roman" panose="02020603050405020304" pitchFamily="18" charset="0"/>
+              </a:rPr>
+              <a:t>    if( </a:t>
+            </a:r>
+            <a:r>
+              <a:rPr lang="hu-HU" sz="1600" dirty="0">
                 <a:solidFill>
                   <a:srgbClr val="C70040"/>
                 </a:solidFill>
-                <a:latin typeface="Consolas" panose="020B0609020204030204" pitchFamily="49" charset="0"/>
-                <a:ea typeface="Times New Roman" panose="02020603050405020304" pitchFamily="18" charset="0"/>
-                <a:cs typeface="Times New Roman" panose="02020603050405020304" pitchFamily="18" charset="0"/>
-              </a:rPr>
-              <a:t>.</a:t>
-            </a:r>
-            <a:r>
-              <a:rPr lang="en-US" sz="2400" dirty="0" err="1">
-                <a:solidFill>
-                  <a:srgbClr val="000000"/>
-                </a:solidFill>
-                <a:latin typeface="Consolas" panose="020B0609020204030204" pitchFamily="49" charset="0"/>
-                <a:ea typeface="Times New Roman" panose="02020603050405020304" pitchFamily="18" charset="0"/>
-                <a:cs typeface="Times New Roman" panose="02020603050405020304" pitchFamily="18" charset="0"/>
-              </a:rPr>
-              <a:t>bindTexture</a:t>
-            </a:r>
-            <a:r>
-              <a:rPr lang="en-US" sz="2400" dirty="0">
-                <a:solidFill>
-                  <a:srgbClr val="000000"/>
-                </a:solidFill>
-                <a:latin typeface="Consolas" panose="020B0609020204030204" pitchFamily="49" charset="0"/>
-                <a:ea typeface="Times New Roman" panose="02020603050405020304" pitchFamily="18" charset="0"/>
-                <a:cs typeface="Times New Roman" panose="02020603050405020304" pitchFamily="18" charset="0"/>
-              </a:rPr>
-              <a:t>(</a:t>
-            </a:r>
-            <a:r>
-              <a:rPr lang="en-US" sz="2400" dirty="0">
-                <a:solidFill>
-                  <a:srgbClr val="7C4FCD"/>
-                </a:solidFill>
-                <a:latin typeface="Consolas" panose="020B0609020204030204" pitchFamily="49" charset="0"/>
-                <a:ea typeface="Times New Roman" panose="02020603050405020304" pitchFamily="18" charset="0"/>
-                <a:cs typeface="Times New Roman" panose="02020603050405020304" pitchFamily="18" charset="0"/>
-              </a:rPr>
-              <a:t>GL</a:t>
-            </a:r>
-            <a:r>
-              <a:rPr lang="en-US" sz="2400" dirty="0">
+                <a:ea typeface="Times New Roman" panose="02020603050405020304" pitchFamily="18" charset="0"/>
+                <a:cs typeface="Times New Roman" panose="02020603050405020304" pitchFamily="18" charset="0"/>
+              </a:rPr>
+              <a:t>--</a:t>
+            </a:r>
+            <a:r>
+              <a:rPr lang="hu-HU" sz="1600" dirty="0">
+                <a:solidFill>
+                  <a:schemeClr val="tx1"/>
+                </a:solidFill>
+                <a:ea typeface="Times New Roman" panose="02020603050405020304" pitchFamily="18" charset="0"/>
+                <a:cs typeface="Times New Roman" panose="02020603050405020304" pitchFamily="18" charset="0"/>
+              </a:rPr>
+              <a:t>gl.pendingResources[this.mediaFileUrls[0]] </a:t>
+            </a:r>
+            <a:r>
+              <a:rPr lang="hu-HU" sz="1600" dirty="0">
                 <a:solidFill>
                   <a:srgbClr val="C70040"/>
                 </a:solidFill>
-                <a:latin typeface="Consolas" panose="020B0609020204030204" pitchFamily="49" charset="0"/>
-                <a:ea typeface="Times New Roman" panose="02020603050405020304" pitchFamily="18" charset="0"/>
-                <a:cs typeface="Times New Roman" panose="02020603050405020304" pitchFamily="18" charset="0"/>
-              </a:rPr>
-              <a:t>.</a:t>
-            </a:r>
-            <a:r>
-              <a:rPr lang="en-US" sz="2400" b="1" dirty="0">
-                <a:solidFill>
-                  <a:srgbClr val="7C4FCD"/>
-                </a:solidFill>
-                <a:latin typeface="Consolas" panose="020B0609020204030204" pitchFamily="49" charset="0"/>
-                <a:ea typeface="Times New Roman" panose="02020603050405020304" pitchFamily="18" charset="0"/>
-                <a:cs typeface="Times New Roman" panose="02020603050405020304" pitchFamily="18" charset="0"/>
-              </a:rPr>
-              <a:t>TEXTURE_CUBE_MAP</a:t>
-            </a:r>
-            <a:r>
-              <a:rPr lang="en-US" sz="2400" dirty="0">
-                <a:solidFill>
-                  <a:srgbClr val="000000"/>
-                </a:solidFill>
-                <a:latin typeface="Consolas" panose="020B0609020204030204" pitchFamily="49" charset="0"/>
-                <a:ea typeface="Times New Roman" panose="02020603050405020304" pitchFamily="18" charset="0"/>
-                <a:cs typeface="Times New Roman" panose="02020603050405020304" pitchFamily="18" charset="0"/>
-              </a:rPr>
-              <a:t>, </a:t>
-            </a:r>
-            <a:r>
-              <a:rPr lang="en-US" sz="2400" dirty="0">
-                <a:solidFill>
-                  <a:srgbClr val="7C4FCD"/>
-                </a:solidFill>
-                <a:latin typeface="Consolas" panose="020B0609020204030204" pitchFamily="49" charset="0"/>
-                <a:ea typeface="Times New Roman" panose="02020603050405020304" pitchFamily="18" charset="0"/>
-                <a:cs typeface="Times New Roman" panose="02020603050405020304" pitchFamily="18" charset="0"/>
-              </a:rPr>
-              <a:t>null</a:t>
-            </a:r>
-            <a:r>
-              <a:rPr lang="en-US" sz="2400" dirty="0">
-                <a:solidFill>
-                  <a:srgbClr val="000000"/>
-                </a:solidFill>
-                <a:latin typeface="Consolas" panose="020B0609020204030204" pitchFamily="49" charset="0"/>
-                <a:ea typeface="Times New Roman" panose="02020603050405020304" pitchFamily="18" charset="0"/>
-                <a:cs typeface="Times New Roman" panose="02020603050405020304" pitchFamily="18" charset="0"/>
-              </a:rPr>
-              <a:t>); </a:t>
-            </a:r>
-            <a:endParaRPr lang="en-US" sz="2400" dirty="0">
-              <a:latin typeface="Calibri" panose="020F0502020204030204" pitchFamily="34" charset="0"/>
-              <a:ea typeface="Calibri" panose="020F0502020204030204" pitchFamily="34" charset="0"/>
-              <a:cs typeface="Times New Roman" panose="02020603050405020304" pitchFamily="18" charset="0"/>
-            </a:endParaRPr>
+                <a:ea typeface="Times New Roman" panose="02020603050405020304" pitchFamily="18" charset="0"/>
+                <a:cs typeface="Times New Roman" panose="02020603050405020304" pitchFamily="18" charset="0"/>
+              </a:rPr>
+              <a:t>===</a:t>
+            </a:r>
+            <a:r>
+              <a:rPr lang="hu-HU" sz="1600" dirty="0">
+                <a:solidFill>
+                  <a:schemeClr val="tx1"/>
+                </a:solidFill>
+                <a:ea typeface="Times New Roman" panose="02020603050405020304" pitchFamily="18" charset="0"/>
+                <a:cs typeface="Times New Roman" panose="02020603050405020304" pitchFamily="18" charset="0"/>
+              </a:rPr>
+              <a:t> 0 ) {</a:t>
+            </a:r>
           </a:p>
           <a:p>
             <a:pPr>
               <a:lnSpc>
                 <a:spcPct val="107000"/>
               </a:lnSpc>
-              <a:tabLst>
-                <a:tab pos="581660" algn="l"/>
-                <a:tab pos="1163320" algn="l"/>
-                <a:tab pos="1744980" algn="l"/>
-                <a:tab pos="2326640" algn="l"/>
-                <a:tab pos="2908300" algn="l"/>
-                <a:tab pos="3489960" algn="l"/>
-                <a:tab pos="4071620" algn="l"/>
-                <a:tab pos="4653280" algn="l"/>
-                <a:tab pos="5234940" algn="l"/>
-                <a:tab pos="5816600" algn="l"/>
-                <a:tab pos="6398260" algn="l"/>
-                <a:tab pos="6979920" algn="l"/>
-                <a:tab pos="7561580" algn="l"/>
-                <a:tab pos="8143240" algn="l"/>
-                <a:tab pos="8724900" algn="l"/>
-                <a:tab pos="9306560" algn="l"/>
-              </a:tabLst>
             </a:pPr>
             <a:r>
-              <a:rPr lang="en-US" sz="2400" dirty="0">
-                <a:solidFill>
-                  <a:srgbClr val="000000"/>
-                </a:solidFill>
-                <a:latin typeface="Consolas" panose="020B0609020204030204" pitchFamily="49" charset="0"/>
-                <a:ea typeface="Times New Roman" panose="02020603050405020304" pitchFamily="18" charset="0"/>
-                <a:cs typeface="Times New Roman" panose="02020603050405020304" pitchFamily="18" charset="0"/>
-              </a:rPr>
-              <a:t>      }</a:t>
-            </a:r>
-            <a:endParaRPr lang="en-US" sz="2400" dirty="0">
-              <a:latin typeface="Calibri" panose="020F0502020204030204" pitchFamily="34" charset="0"/>
-              <a:ea typeface="Calibri" panose="020F0502020204030204" pitchFamily="34" charset="0"/>
-              <a:cs typeface="Times New Roman" panose="02020603050405020304" pitchFamily="18" charset="0"/>
-            </a:endParaRPr>
+              <a:rPr lang="hu-HU" sz="1600" dirty="0">
+                <a:solidFill>
+                  <a:schemeClr val="tx1"/>
+                </a:solidFill>
+                <a:ea typeface="Times New Roman" panose="02020603050405020304" pitchFamily="18" charset="0"/>
+                <a:cs typeface="Times New Roman" panose="02020603050405020304" pitchFamily="18" charset="0"/>
+              </a:rPr>
+              <a:t>      </a:t>
+            </a:r>
+            <a:r>
+              <a:rPr lang="hu-HU" sz="1600" dirty="0">
+                <a:solidFill>
+                  <a:srgbClr val="C70040"/>
+                </a:solidFill>
+                <a:ea typeface="Times New Roman" panose="02020603050405020304" pitchFamily="18" charset="0"/>
+                <a:cs typeface="Times New Roman" panose="02020603050405020304" pitchFamily="18" charset="0"/>
+              </a:rPr>
+              <a:t>delete</a:t>
+            </a:r>
+            <a:r>
+              <a:rPr lang="hu-HU" sz="1600" dirty="0">
+                <a:solidFill>
+                  <a:schemeClr val="tx1"/>
+                </a:solidFill>
+                <a:ea typeface="Times New Roman" panose="02020603050405020304" pitchFamily="18" charset="0"/>
+                <a:cs typeface="Times New Roman" panose="02020603050405020304" pitchFamily="18" charset="0"/>
+              </a:rPr>
+              <a:t> gl.pendingResources[this.mediaFileUrls[0]];</a:t>
+            </a:r>
           </a:p>
           <a:p>
             <a:pPr>
               <a:lnSpc>
                 <a:spcPct val="107000"/>
               </a:lnSpc>
-              <a:tabLst>
-                <a:tab pos="581660" algn="l"/>
-                <a:tab pos="1163320" algn="l"/>
-                <a:tab pos="1744980" algn="l"/>
-                <a:tab pos="2326640" algn="l"/>
-                <a:tab pos="2908300" algn="l"/>
-                <a:tab pos="3489960" algn="l"/>
-                <a:tab pos="4071620" algn="l"/>
-                <a:tab pos="4653280" algn="l"/>
-                <a:tab pos="5234940" algn="l"/>
-                <a:tab pos="5816600" algn="l"/>
-                <a:tab pos="6398260" algn="l"/>
-                <a:tab pos="6979920" algn="l"/>
-                <a:tab pos="7561580" algn="l"/>
-                <a:tab pos="8143240" algn="l"/>
-                <a:tab pos="8724900" algn="l"/>
-                <a:tab pos="9306560" algn="l"/>
-              </a:tabLst>
             </a:pPr>
             <a:r>
-              <a:rPr lang="en-US" sz="2400" dirty="0">
-                <a:solidFill>
-                  <a:srgbClr val="000000"/>
-                </a:solidFill>
-                <a:latin typeface="Consolas" panose="020B0609020204030204" pitchFamily="49" charset="0"/>
-                <a:ea typeface="Times New Roman" panose="02020603050405020304" pitchFamily="18" charset="0"/>
-                <a:cs typeface="Times New Roman" panose="02020603050405020304" pitchFamily="18" charset="0"/>
-              </a:rPr>
-              <a:t>      image</a:t>
-            </a:r>
-            <a:r>
-              <a:rPr lang="en-US" sz="2400" b="1" dirty="0">
-                <a:solidFill>
-                  <a:srgbClr val="000000"/>
-                </a:solidFill>
-                <a:latin typeface="Consolas" panose="020B0609020204030204" pitchFamily="49" charset="0"/>
-                <a:ea typeface="Times New Roman" panose="02020603050405020304" pitchFamily="18" charset="0"/>
-                <a:cs typeface="Times New Roman" panose="02020603050405020304" pitchFamily="18" charset="0"/>
-              </a:rPr>
-              <a:t>s[</a:t>
-            </a:r>
-            <a:r>
-              <a:rPr lang="en-US" sz="2400" b="1" dirty="0" err="1">
-                <a:solidFill>
-                  <a:srgbClr val="000000"/>
-                </a:solidFill>
-                <a:latin typeface="Consolas" panose="020B0609020204030204" pitchFamily="49" charset="0"/>
-                <a:ea typeface="Times New Roman" panose="02020603050405020304" pitchFamily="18" charset="0"/>
-                <a:cs typeface="Times New Roman" panose="02020603050405020304" pitchFamily="18" charset="0"/>
-              </a:rPr>
-              <a:t>i</a:t>
-            </a:r>
-            <a:r>
-              <a:rPr lang="en-US" sz="2400" b="1" dirty="0">
-                <a:solidFill>
-                  <a:srgbClr val="000000"/>
-                </a:solidFill>
-                <a:latin typeface="Consolas" panose="020B0609020204030204" pitchFamily="49" charset="0"/>
-                <a:ea typeface="Times New Roman" panose="02020603050405020304" pitchFamily="18" charset="0"/>
-                <a:cs typeface="Times New Roman" panose="02020603050405020304" pitchFamily="18" charset="0"/>
-              </a:rPr>
-              <a:t>]</a:t>
-            </a:r>
-            <a:r>
-              <a:rPr lang="en-US" sz="2400" dirty="0">
-                <a:solidFill>
-                  <a:srgbClr val="C70040"/>
-                </a:solidFill>
-                <a:latin typeface="Consolas" panose="020B0609020204030204" pitchFamily="49" charset="0"/>
-                <a:ea typeface="Times New Roman" panose="02020603050405020304" pitchFamily="18" charset="0"/>
-                <a:cs typeface="Times New Roman" panose="02020603050405020304" pitchFamily="18" charset="0"/>
-              </a:rPr>
-              <a:t>.</a:t>
-            </a:r>
-            <a:r>
-              <a:rPr lang="en-US" sz="2400" dirty="0" err="1">
-                <a:solidFill>
-                  <a:srgbClr val="000000"/>
-                </a:solidFill>
-                <a:latin typeface="Consolas" panose="020B0609020204030204" pitchFamily="49" charset="0"/>
-                <a:ea typeface="Times New Roman" panose="02020603050405020304" pitchFamily="18" charset="0"/>
-                <a:cs typeface="Times New Roman" panose="02020603050405020304" pitchFamily="18" charset="0"/>
-              </a:rPr>
-              <a:t>src</a:t>
-            </a:r>
-            <a:r>
-              <a:rPr lang="en-US" sz="2400" dirty="0">
-                <a:solidFill>
-                  <a:srgbClr val="000000"/>
-                </a:solidFill>
-                <a:latin typeface="Consolas" panose="020B0609020204030204" pitchFamily="49" charset="0"/>
-                <a:ea typeface="Times New Roman" panose="02020603050405020304" pitchFamily="18" charset="0"/>
-                <a:cs typeface="Times New Roman" panose="02020603050405020304" pitchFamily="18" charset="0"/>
-              </a:rPr>
-              <a:t> </a:t>
-            </a:r>
-            <a:r>
-              <a:rPr lang="en-US" sz="2400" dirty="0">
-                <a:solidFill>
-                  <a:srgbClr val="C70040"/>
-                </a:solidFill>
-                <a:latin typeface="Consolas" panose="020B0609020204030204" pitchFamily="49" charset="0"/>
-                <a:ea typeface="Times New Roman" panose="02020603050405020304" pitchFamily="18" charset="0"/>
-                <a:cs typeface="Times New Roman" panose="02020603050405020304" pitchFamily="18" charset="0"/>
-              </a:rPr>
-              <a:t>= </a:t>
-            </a:r>
-            <a:r>
-              <a:rPr lang="en-US" sz="2400" dirty="0" err="1">
-                <a:solidFill>
-                  <a:srgbClr val="000000"/>
-                </a:solidFill>
-                <a:latin typeface="Consolas" panose="020B0609020204030204" pitchFamily="49" charset="0"/>
-                <a:ea typeface="Times New Roman" panose="02020603050405020304" pitchFamily="18" charset="0"/>
-                <a:cs typeface="Times New Roman" panose="02020603050405020304" pitchFamily="18" charset="0"/>
-              </a:rPr>
-              <a:t>mediaFileUrl</a:t>
-            </a:r>
-            <a:r>
-              <a:rPr lang="en-US" sz="2400" b="1" dirty="0" err="1">
-                <a:solidFill>
-                  <a:srgbClr val="000000"/>
-                </a:solidFill>
-                <a:latin typeface="Consolas" panose="020B0609020204030204" pitchFamily="49" charset="0"/>
-                <a:ea typeface="Times New Roman" panose="02020603050405020304" pitchFamily="18" charset="0"/>
-                <a:cs typeface="Times New Roman" panose="02020603050405020304" pitchFamily="18" charset="0"/>
-              </a:rPr>
-              <a:t>s</a:t>
-            </a:r>
-            <a:r>
-              <a:rPr lang="en-US" sz="2400" b="1" dirty="0">
-                <a:solidFill>
-                  <a:srgbClr val="000000"/>
-                </a:solidFill>
-                <a:latin typeface="Consolas" panose="020B0609020204030204" pitchFamily="49" charset="0"/>
-                <a:ea typeface="Times New Roman" panose="02020603050405020304" pitchFamily="18" charset="0"/>
-                <a:cs typeface="Times New Roman" panose="02020603050405020304" pitchFamily="18" charset="0"/>
-              </a:rPr>
-              <a:t>[</a:t>
-            </a:r>
-            <a:r>
-              <a:rPr lang="en-US" sz="2400" b="1" dirty="0" err="1">
-                <a:solidFill>
-                  <a:srgbClr val="000000"/>
-                </a:solidFill>
-                <a:latin typeface="Consolas" panose="020B0609020204030204" pitchFamily="49" charset="0"/>
-                <a:ea typeface="Times New Roman" panose="02020603050405020304" pitchFamily="18" charset="0"/>
-                <a:cs typeface="Times New Roman" panose="02020603050405020304" pitchFamily="18" charset="0"/>
-              </a:rPr>
-              <a:t>i</a:t>
-            </a:r>
-            <a:r>
-              <a:rPr lang="en-US" sz="2400" b="1" dirty="0">
-                <a:solidFill>
-                  <a:srgbClr val="000000"/>
-                </a:solidFill>
-                <a:latin typeface="Consolas" panose="020B0609020204030204" pitchFamily="49" charset="0"/>
-                <a:ea typeface="Times New Roman" panose="02020603050405020304" pitchFamily="18" charset="0"/>
-                <a:cs typeface="Times New Roman" panose="02020603050405020304" pitchFamily="18" charset="0"/>
-              </a:rPr>
-              <a:t>]</a:t>
-            </a:r>
-            <a:endParaRPr lang="en-US" sz="2400" b="1" dirty="0">
-              <a:latin typeface="Calibri" panose="020F0502020204030204" pitchFamily="34" charset="0"/>
-              <a:ea typeface="Calibri" panose="020F0502020204030204" pitchFamily="34" charset="0"/>
-              <a:cs typeface="Times New Roman" panose="02020603050405020304" pitchFamily="18" charset="0"/>
-            </a:endParaRPr>
+              <a:rPr lang="hu-HU" sz="1600" dirty="0">
+                <a:solidFill>
+                  <a:schemeClr val="tx1"/>
+                </a:solidFill>
+                <a:ea typeface="Times New Roman" panose="02020603050405020304" pitchFamily="18" charset="0"/>
+                <a:cs typeface="Times New Roman" panose="02020603050405020304" pitchFamily="18" charset="0"/>
+              </a:rPr>
+              <a:t>    }</a:t>
+            </a:r>
           </a:p>
           <a:p>
             <a:pPr>
               <a:lnSpc>
                 <a:spcPct val="107000"/>
               </a:lnSpc>
-              <a:tabLst>
-                <a:tab pos="581660" algn="l"/>
-                <a:tab pos="1163320" algn="l"/>
-                <a:tab pos="1744980" algn="l"/>
-                <a:tab pos="2326640" algn="l"/>
-                <a:tab pos="2908300" algn="l"/>
-                <a:tab pos="3489960" algn="l"/>
-                <a:tab pos="4071620" algn="l"/>
-                <a:tab pos="4653280" algn="l"/>
-                <a:tab pos="5234940" algn="l"/>
-                <a:tab pos="5816600" algn="l"/>
-                <a:tab pos="6398260" algn="l"/>
-                <a:tab pos="6979920" algn="l"/>
-                <a:tab pos="7561580" algn="l"/>
-                <a:tab pos="8143240" algn="l"/>
-                <a:tab pos="8724900" algn="l"/>
-                <a:tab pos="9306560" algn="l"/>
-              </a:tabLst>
             </a:pPr>
             <a:r>
-              <a:rPr lang="en-US" sz="2400" dirty="0">
-                <a:solidFill>
-                  <a:srgbClr val="000000"/>
-                </a:solidFill>
-                <a:latin typeface="Consolas" panose="020B0609020204030204" pitchFamily="49" charset="0"/>
-                <a:ea typeface="Times New Roman" panose="02020603050405020304" pitchFamily="18" charset="0"/>
-                <a:cs typeface="Times New Roman" panose="02020603050405020304" pitchFamily="18" charset="0"/>
-              </a:rPr>
-              <a:t>    }</a:t>
-            </a:r>
-            <a:endParaRPr lang="en-US" sz="2400" dirty="0">
-              <a:latin typeface="Calibri" panose="020F0502020204030204" pitchFamily="34" charset="0"/>
-              <a:ea typeface="Calibri" panose="020F0502020204030204" pitchFamily="34" charset="0"/>
-              <a:cs typeface="Times New Roman" panose="02020603050405020304" pitchFamily="18" charset="0"/>
-            </a:endParaRPr>
+              <a:rPr lang="hu-HU" sz="1600" dirty="0">
+                <a:solidFill>
+                  <a:schemeClr val="tx1"/>
+                </a:solidFill>
+                <a:ea typeface="Times New Roman" panose="02020603050405020304" pitchFamily="18" charset="0"/>
+                <a:cs typeface="Times New Roman" panose="02020603050405020304" pitchFamily="18" charset="0"/>
+              </a:rPr>
+              <a:t>  }</a:t>
+            </a:r>
           </a:p>
           <a:p>
             <a:pPr>
               <a:lnSpc>
                 <a:spcPct val="107000"/>
               </a:lnSpc>
-              <a:tabLst>
-                <a:tab pos="581660" algn="l"/>
-                <a:tab pos="1163320" algn="l"/>
-                <a:tab pos="1744980" algn="l"/>
-                <a:tab pos="2326640" algn="l"/>
-                <a:tab pos="2908300" algn="l"/>
-                <a:tab pos="3489960" algn="l"/>
-                <a:tab pos="4071620" algn="l"/>
-                <a:tab pos="4653280" algn="l"/>
-                <a:tab pos="5234940" algn="l"/>
-                <a:tab pos="5816600" algn="l"/>
-                <a:tab pos="6398260" algn="l"/>
-                <a:tab pos="6979920" algn="l"/>
-                <a:tab pos="7561580" algn="l"/>
-                <a:tab pos="8143240" algn="l"/>
-                <a:tab pos="8724900" algn="l"/>
-                <a:tab pos="9306560" algn="l"/>
-              </a:tabLst>
             </a:pPr>
             <a:r>
-              <a:rPr lang="en-US" sz="2400" dirty="0">
-                <a:solidFill>
-                  <a:srgbClr val="000000"/>
-                </a:solidFill>
-                <a:latin typeface="Consolas" panose="020B0609020204030204" pitchFamily="49" charset="0"/>
-                <a:ea typeface="Times New Roman" panose="02020603050405020304" pitchFamily="18" charset="0"/>
-                <a:cs typeface="Times New Roman" panose="02020603050405020304" pitchFamily="18" charset="0"/>
-              </a:rPr>
-              <a:t>  }</a:t>
-            </a:r>
-            <a:endParaRPr lang="en-US" sz="2400" dirty="0">
-              <a:latin typeface="Calibri" panose="020F0502020204030204" pitchFamily="34" charset="0"/>
-              <a:ea typeface="Calibri" panose="020F0502020204030204" pitchFamily="34" charset="0"/>
-              <a:cs typeface="Times New Roman" panose="02020603050405020304" pitchFamily="18" charset="0"/>
-            </a:endParaRPr>
-          </a:p>
-          <a:p>
-            <a:pPr>
-              <a:lnSpc>
-                <a:spcPct val="107000"/>
-              </a:lnSpc>
-              <a:tabLst>
-                <a:tab pos="581660" algn="l"/>
-                <a:tab pos="1163320" algn="l"/>
-                <a:tab pos="1744980" algn="l"/>
-                <a:tab pos="2326640" algn="l"/>
-                <a:tab pos="2908300" algn="l"/>
-                <a:tab pos="3489960" algn="l"/>
-                <a:tab pos="4071620" algn="l"/>
-                <a:tab pos="4653280" algn="l"/>
-                <a:tab pos="5234940" algn="l"/>
-                <a:tab pos="5816600" algn="l"/>
-                <a:tab pos="6398260" algn="l"/>
-                <a:tab pos="6979920" algn="l"/>
-                <a:tab pos="7561580" algn="l"/>
-                <a:tab pos="8143240" algn="l"/>
-                <a:tab pos="8724900" algn="l"/>
-                <a:tab pos="9306560" algn="l"/>
-              </a:tabLst>
-            </a:pPr>
-            <a:r>
-              <a:rPr lang="en-US" sz="2400" dirty="0">
-                <a:solidFill>
-                  <a:srgbClr val="000000"/>
-                </a:solidFill>
-                <a:latin typeface="Consolas" panose="020B0609020204030204" pitchFamily="49" charset="0"/>
+              <a:rPr lang="hu-HU" sz="1600" dirty="0">
+                <a:solidFill>
+                  <a:schemeClr val="tx1"/>
+                </a:solidFill>
                 <a:ea typeface="Times New Roman" panose="02020603050405020304" pitchFamily="18" charset="0"/>
                 <a:cs typeface="Times New Roman" panose="02020603050405020304" pitchFamily="18" charset="0"/>
               </a:rPr>
               <a:t>}</a:t>
             </a:r>
-            <a:endParaRPr lang="en-US" dirty="0"/>
-          </a:p>
-        </p:txBody>
-      </p:sp>
-      <p:sp>
-        <p:nvSpPr>
-          <p:cNvPr id="5" name="TextBox 4">
-            <a:extLst>
-              <a:ext uri="{FF2B5EF4-FFF2-40B4-BE49-F238E27FC236}">
-                <a16:creationId xmlns:a16="http://schemas.microsoft.com/office/drawing/2014/main" id="{3117DCE0-49C6-4379-A41A-561AFAC00916}"/>
-              </a:ext>
-            </a:extLst>
-          </p:cNvPr>
+          </a:p>
+        </p:txBody>
+      </p:sp>
+      <p:sp>
+        <p:nvSpPr>
+          <p:cNvPr id="5" name="TextBox 4"/>
           <p:cNvSpPr txBox="1"/>
           <p:nvPr/>
         </p:nvSpPr>
@@ -10589,7 +8675,7 @@
           <a:lstStyle/>
           <a:p>
             <a:r>
-              <a:rPr lang="en-US" sz="20000" dirty="0">
+              <a:rPr lang="en-US" sz="20000" dirty="0" smtClean="0">
                 <a:solidFill>
                   <a:srgbClr val="00B050"/>
                 </a:solidFill>
@@ -10597,19 +8683,32 @@
               </a:rPr>
               <a:t>.</a:t>
             </a:r>
+            <a:endParaRPr lang="en-US" sz="20000" dirty="0">
+              <a:solidFill>
+                <a:srgbClr val="00B050"/>
+              </a:solidFill>
+              <a:latin typeface="Whipsmart" panose="020B0502030203050204" pitchFamily="34" charset="0"/>
+            </a:endParaRPr>
           </a:p>
         </p:txBody>
       </p:sp>
     </p:spTree>
     <p:extLst>
       <p:ext uri="{BB962C8B-B14F-4D97-AF65-F5344CB8AC3E}">
-        <p14:creationId xmlns:p14="http://schemas.microsoft.com/office/powerpoint/2010/main" val="2116262974"/>
+        <p14:creationId xmlns:p14="http://schemas.microsoft.com/office/powerpoint/2010/main" val="2603963558"/>
       </p:ext>
     </p:extLst>
   </p:cSld>
   <p:clrMapOvr>
     <a:masterClrMapping/>
   </p:clrMapOvr>
+  <p:timing>
+    <p:tnLst>
+      <p:par>
+        <p:cTn id="1" dur="indefinite" restart="never" nodeType="tmRoot"/>
+      </p:par>
+    </p:tnLst>
+  </p:timing>
 </p:sld>
 </file>
 
@@ -10646,9 +8745,10 @@
           <a:lstStyle/>
           <a:p>
             <a:r>
-              <a:rPr lang="en-US" dirty="0"/>
+              <a:rPr lang="en-US" dirty="0" smtClean="0"/>
               <a:t>Do not forget to</a:t>
             </a:r>
+            <a:endParaRPr lang="en-US" dirty="0"/>
           </a:p>
         </p:txBody>
       </p:sp>
@@ -10670,40 +8770,70 @@
           <a:lstStyle/>
           <a:p>
             <a:r>
-              <a:rPr lang="en-US" dirty="0"/>
+              <a:rPr lang="en-US" dirty="0" smtClean="0"/>
+              <a:t>include</a:t>
+            </a:r>
+            <a:r>
+              <a:rPr lang="hu-HU" dirty="0" smtClean="0"/>
+              <a:t> </a:t>
+            </a:r>
+            <a:r>
+              <a:rPr lang="en-US" dirty="0" smtClean="0"/>
+              <a:t>new </a:t>
+            </a:r>
+            <a:r>
+              <a:rPr lang="en-US" dirty="0" err="1" smtClean="0"/>
+              <a:t>shaders</a:t>
+            </a:r>
+            <a:r>
+              <a:rPr lang="en-US" dirty="0" smtClean="0"/>
+              <a:t> in </a:t>
+            </a:r>
+            <a:r>
+              <a:rPr lang="hu-HU" dirty="0" smtClean="0"/>
+              <a:t>index.</a:t>
+            </a:r>
+            <a:r>
+              <a:rPr lang="en-US" dirty="0" smtClean="0"/>
+              <a:t>HTML</a:t>
+            </a:r>
+          </a:p>
+          <a:p>
+            <a:r>
+              <a:rPr lang="en-US" dirty="0" smtClean="0"/>
               <a:t>create required </a:t>
             </a:r>
             <a:r>
-              <a:rPr lang="en-US" dirty="0">
+              <a:rPr lang="en-US" dirty="0" err="1" smtClean="0">
                 <a:latin typeface="Consolas" panose="020B0609020204030204" pitchFamily="49" charset="0"/>
                 <a:cs typeface="Consolas" panose="020B0609020204030204" pitchFamily="49" charset="0"/>
               </a:rPr>
               <a:t>Shader</a:t>
             </a:r>
             <a:r>
-              <a:rPr lang="en-US" dirty="0"/>
+              <a:rPr lang="en-US" dirty="0" smtClean="0"/>
               <a:t>, </a:t>
             </a:r>
             <a:r>
-              <a:rPr lang="en-US" dirty="0" err="1">
+              <a:rPr lang="en-US" dirty="0" err="1" smtClean="0">
                 <a:latin typeface="Consolas" panose="020B0609020204030204" pitchFamily="49" charset="0"/>
                 <a:cs typeface="Consolas" panose="020B0609020204030204" pitchFamily="49" charset="0"/>
               </a:rPr>
               <a:t>TexturedProgram</a:t>
             </a:r>
             <a:r>
-              <a:rPr lang="en-US" dirty="0"/>
+              <a:rPr lang="en-US" smtClean="0"/>
               <a:t>, </a:t>
             </a:r>
             <a:r>
-              <a:rPr lang="en-US" dirty="0">
+              <a:rPr lang="en-US" smtClean="0">
                 <a:latin typeface="Consolas" panose="020B0609020204030204" pitchFamily="49" charset="0"/>
                 <a:cs typeface="Consolas" panose="020B0609020204030204" pitchFamily="49" charset="0"/>
               </a:rPr>
               <a:t>Material</a:t>
             </a:r>
             <a:r>
-              <a:rPr lang="en-US" dirty="0"/>
+              <a:rPr lang="en-US" smtClean="0"/>
               <a:t> objects</a:t>
             </a:r>
             <a:endParaRPr lang="en-US" dirty="0">
@@ -10713,42 +8843,18 @@
           </a:p>
           <a:p>
             <a:r>
-              <a:rPr lang="hu-HU" dirty="0"/>
-              <a:t>set the cube texture to </a:t>
-            </a:r>
-            <a:r>
-              <a:rPr lang="hu-HU" dirty="0" err="1"/>
-              <a:t>the</a:t>
-            </a:r>
-            <a:r>
-              <a:rPr lang="hu-HU" dirty="0"/>
-              <a:t> </a:t>
-            </a:r>
-            <a:r>
-              <a:rPr lang="hu-HU" dirty="0" err="1"/>
-              <a:t>backg</a:t>
-            </a:r>
-            <a:r>
-              <a:rPr lang="en-US" dirty="0"/>
-              <a:t>r</a:t>
-            </a:r>
-            <a:r>
-              <a:rPr lang="hu-HU" dirty="0" err="1"/>
-              <a:t>ound</a:t>
-            </a:r>
-            <a:r>
-              <a:rPr lang="hu-HU" dirty="0"/>
-              <a:t> material</a:t>
-            </a:r>
-            <a:endParaRPr lang="en-US" dirty="0"/>
-          </a:p>
-          <a:p>
-            <a:r>
-              <a:rPr lang="hu-HU" dirty="0"/>
+              <a:rPr lang="hu-HU" dirty="0" smtClean="0"/>
+              <a:t>set the cube texture to the backgound material</a:t>
+            </a:r>
+            <a:endParaRPr lang="en-US" dirty="0" smtClean="0"/>
+          </a:p>
+          <a:p>
+            <a:r>
+              <a:rPr lang="hu-HU" dirty="0" smtClean="0"/>
               <a:t>create</a:t>
             </a:r>
             <a:r>
-              <a:rPr lang="en-US" dirty="0"/>
+              <a:rPr lang="en-US" dirty="0" smtClean="0"/>
               <a:t> a </a:t>
             </a:r>
             <a:r>
@@ -10758,14 +8864,14 @@
               <a:t>T</a:t>
             </a:r>
             <a:r>
-              <a:rPr lang="hu-HU" dirty="0">
+              <a:rPr lang="hu-HU" dirty="0" smtClean="0">
                 <a:latin typeface="Consolas" panose="020B0609020204030204" pitchFamily="49" charset="0"/>
                 <a:cs typeface="Consolas" panose="020B0609020204030204" pitchFamily="49" charset="0"/>
               </a:rPr>
               <a:t>exturedQ</a:t>
             </a:r>
             <a:r>
-              <a:rPr lang="en-US" dirty="0" err="1">
+              <a:rPr lang="en-US" dirty="0" err="1" smtClean="0">
                 <a:latin typeface="Consolas" panose="020B0609020204030204" pitchFamily="49" charset="0"/>
                 <a:cs typeface="Consolas" panose="020B0609020204030204" pitchFamily="49" charset="0"/>
               </a:rPr>
@@ -10778,83 +8884,92 @@
           </a:p>
           <a:p>
             <a:r>
+              <a:rPr lang="hu-HU" dirty="0" smtClean="0"/>
+              <a:t>create</a:t>
+            </a:r>
+            <a:r>
+              <a:rPr lang="en-US" dirty="0" smtClean="0"/>
+              <a:t> </a:t>
+            </a:r>
+            <a:r>
+              <a:rPr lang="en-US" dirty="0" smtClean="0">
+                <a:latin typeface="Consolas" panose="020B0609020204030204" pitchFamily="49" charset="0"/>
+                <a:cs typeface="Consolas" panose="020B0609020204030204" pitchFamily="49" charset="0"/>
+              </a:rPr>
+              <a:t>M</a:t>
+            </a:r>
+            <a:r>
+              <a:rPr lang="hu-HU" dirty="0" smtClean="0">
+                <a:latin typeface="Consolas" panose="020B0609020204030204" pitchFamily="49" charset="0"/>
+                <a:cs typeface="Consolas" panose="020B0609020204030204" pitchFamily="49" charset="0"/>
+              </a:rPr>
+              <a:t>esh</a:t>
+            </a:r>
+            <a:r>
+              <a:rPr lang="en-US" dirty="0" smtClean="0"/>
+              <a:t> </a:t>
+            </a:r>
+            <a:r>
+              <a:rPr lang="hu-HU" dirty="0" smtClean="0"/>
+              <a:t>using</a:t>
+            </a:r>
+            <a:r>
+              <a:rPr lang="en-US" dirty="0" smtClean="0"/>
+              <a:t> </a:t>
+            </a:r>
+            <a:r>
+              <a:rPr lang="hu-HU" dirty="0" smtClean="0"/>
+              <a:t>the </a:t>
+            </a:r>
+            <a:r>
               <a:rPr lang="hu-HU" dirty="0"/>
-              <a:t>create</a:t>
+              <a:t>above</a:t>
             </a:r>
             <a:r>
               <a:rPr lang="en-US" dirty="0"/>
               <a:t> </a:t>
             </a:r>
             <a:r>
-              <a:rPr lang="en-US" dirty="0">
+              <a:rPr lang="en-US" dirty="0" smtClean="0"/>
+              <a:t>material and geometry</a:t>
+            </a:r>
+            <a:endParaRPr lang="hu-HU" dirty="0"/>
+          </a:p>
+          <a:p>
+            <a:r>
+              <a:rPr lang="hu-HU" dirty="0" smtClean="0"/>
+              <a:t>create a</a:t>
+            </a:r>
+            <a:r>
+              <a:rPr lang="en-US" dirty="0" smtClean="0"/>
+              <a:t> </a:t>
+            </a:r>
+            <a:r>
+              <a:rPr lang="en-US" dirty="0" err="1">
+                <a:latin typeface="Consolas" panose="020B0609020204030204" pitchFamily="49" charset="0"/>
+              </a:rPr>
+              <a:t>G</a:t>
+            </a:r>
+            <a:r>
+              <a:rPr lang="en-US" dirty="0" err="1" smtClean="0">
                 <a:latin typeface="Consolas" panose="020B0609020204030204" pitchFamily="49" charset="0"/>
                 <a:cs typeface="Consolas" panose="020B0609020204030204" pitchFamily="49" charset="0"/>
               </a:rPr>
-              <a:t>M</a:t>
-            </a:r>
-            <a:r>
-              <a:rPr lang="hu-HU" dirty="0">
-                <a:latin typeface="Consolas" panose="020B0609020204030204" pitchFamily="49" charset="0"/>
-                <a:cs typeface="Consolas" panose="020B0609020204030204" pitchFamily="49" charset="0"/>
-              </a:rPr>
-              <a:t>esh</a:t>
-            </a:r>
-            <a:r>
-              <a:rPr lang="en-US" dirty="0"/>
+              <a:t>ameObject</a:t>
+            </a:r>
+            <a:r>
+              <a:rPr lang="en-US" dirty="0" smtClean="0"/>
               <a:t> </a:t>
             </a:r>
             <a:r>
-              <a:rPr lang="hu-HU" dirty="0"/>
-              <a:t>using</a:t>
-            </a:r>
-            <a:r>
-              <a:rPr lang="en-US" dirty="0"/>
-              <a:t> </a:t>
-            </a:r>
-            <a:r>
-              <a:rPr lang="hu-HU" dirty="0"/>
-              <a:t>the above</a:t>
-            </a:r>
-            <a:r>
-              <a:rPr lang="en-US" dirty="0"/>
-              <a:t> material and geometry</a:t>
-            </a:r>
-            <a:endParaRPr lang="hu-HU" dirty="0"/>
-          </a:p>
-          <a:p>
-            <a:r>
-              <a:rPr lang="hu-HU" dirty="0"/>
-              <a:t>create a</a:t>
-            </a:r>
-            <a:r>
-              <a:rPr lang="en-US" dirty="0"/>
-              <a:t> </a:t>
-            </a:r>
-            <a:r>
-              <a:rPr lang="en-US" dirty="0" err="1">
-                <a:latin typeface="Consolas" panose="020B0609020204030204" pitchFamily="49" charset="0"/>
-              </a:rPr>
-              <a:t>G</a:t>
-            </a:r>
-            <a:r>
-              <a:rPr lang="en-US" dirty="0" err="1">
-                <a:latin typeface="Consolas" panose="020B0609020204030204" pitchFamily="49" charset="0"/>
-                <a:cs typeface="Consolas" panose="020B0609020204030204" pitchFamily="49" charset="0"/>
-              </a:rPr>
-              <a:t>ameObject</a:t>
-            </a:r>
-            <a:r>
-              <a:rPr lang="en-US" dirty="0"/>
-              <a:t> </a:t>
-            </a:r>
-            <a:r>
-              <a:rPr lang="hu-HU" dirty="0"/>
+              <a:rPr lang="hu-HU" dirty="0" smtClean="0"/>
               <a:t>using the above</a:t>
             </a:r>
             <a:r>
-              <a:rPr lang="en-US" dirty="0"/>
+              <a:rPr lang="en-US" dirty="0" smtClean="0"/>
               <a:t> mesh</a:t>
             </a:r>
+            <a:endParaRPr lang="en-US" dirty="0"/>
           </a:p>
         </p:txBody>
       </p:sp>
@@ -10881,7 +8996,7 @@
           <a:lstStyle/>
           <a:p>
             <a:r>
-              <a:rPr lang="hu-HU" sz="20000" dirty="0">
+              <a:rPr lang="hu-HU" sz="20000" dirty="0" smtClean="0">
                 <a:solidFill>
                   <a:srgbClr val="00B050"/>
                 </a:solidFill>
@@ -10908,6 +9023,13 @@
   <p:clrMapOvr>
     <a:masterClrMapping/>
   </p:clrMapOvr>
+  <p:timing>
+    <p:tnLst>
+      <p:par>
+        <p:cTn id="1" dur="indefinite" restart="never" nodeType="tmRoot"/>
+      </p:par>
+    </p:tnLst>
+  </p:timing>
 </p:sld>
 </file>
 
